--- a/BAH CE Team Presentation Template.pptx
+++ b/BAH CE Team Presentation Template.pptx
@@ -1,29 +1,29 @@
 
 <file path=ppt/presentation.xml><?xml version="1.0" encoding="utf-8"?>
-<p:presentation xmlns:a="http://schemas.openxmlformats.org/drawingml/2006/main" xmlns:r="http://schemas.openxmlformats.org/officeDocument/2006/relationships" xmlns:mc="http://schemas.openxmlformats.org/markup-compatibility/2006" xmlns:mv="urn:schemas-microsoft-com:mac:vml" xmlns:p="http://schemas.openxmlformats.org/presentationml/2006/main" xmlns:c="http://schemas.openxmlformats.org/drawingml/2006/chart" xmlns:dgm="http://schemas.openxmlformats.org/drawingml/2006/diagram" xmlns:o="urn:schemas-microsoft-com:office:office" xmlns:v="urn:schemas-microsoft-com:vml" xmlns:pvml="urn:schemas-microsoft-com:office:powerpoint" xmlns:com="http://schemas.openxmlformats.org/drawingml/2006/compatibility" xmlns:p14="http://schemas.microsoft.com/office/powerpoint/2010/main" xmlns:p15="http://schemas.microsoft.com/office/powerpoint/2012/main" xmlns:ahyp="http://schemas.microsoft.com/office/drawing/2018/hyperlinkcolor" autoCompressPictures="0" strictFirstAndLastChars="0" saveSubsetFonts="1">
+<p:presentation xmlns:a="http://schemas.openxmlformats.org/drawingml/2006/main" xmlns:r="http://schemas.openxmlformats.org/officeDocument/2006/relationships" xmlns:p="http://schemas.openxmlformats.org/presentationml/2006/main" strictFirstAndLastChars="0" saveSubsetFonts="1" autoCompressPictures="0">
   <p:sldMasterIdLst>
-    <p:sldMasterId id="2147483662" r:id="rId4"/>
+    <p:sldMasterId id="2147483662" r:id="rId1"/>
   </p:sldMasterIdLst>
   <p:notesMasterIdLst>
-    <p:notesMasterId r:id="rId5"/>
+    <p:notesMasterId r:id="rId13"/>
   </p:notesMasterIdLst>
   <p:sldIdLst>
-    <p:sldId id="256" r:id="rId6"/>
-    <p:sldId id="257" r:id="rId7"/>
-    <p:sldId id="258" r:id="rId8"/>
-    <p:sldId id="259" r:id="rId9"/>
-    <p:sldId id="260" r:id="rId10"/>
-    <p:sldId id="261" r:id="rId11"/>
-    <p:sldId id="262" r:id="rId12"/>
-    <p:sldId id="263" r:id="rId13"/>
-    <p:sldId id="264" r:id="rId14"/>
-    <p:sldId id="265" r:id="rId15"/>
-    <p:sldId id="266" r:id="rId16"/>
+    <p:sldId id="256" r:id="rId2"/>
+    <p:sldId id="257" r:id="rId3"/>
+    <p:sldId id="258" r:id="rId4"/>
+    <p:sldId id="259" r:id="rId5"/>
+    <p:sldId id="260" r:id="rId6"/>
+    <p:sldId id="261" r:id="rId7"/>
+    <p:sldId id="262" r:id="rId8"/>
+    <p:sldId id="263" r:id="rId9"/>
+    <p:sldId id="264" r:id="rId10"/>
+    <p:sldId id="265" r:id="rId11"/>
+    <p:sldId id="266" r:id="rId12"/>
   </p:sldIdLst>
-  <p:sldSz cy="5143500" cx="9144000"/>
+  <p:sldSz cx="9144000" cy="5143500" type="screen16x9"/>
   <p:notesSz cx="6858000" cy="9144000"/>
   <p:defaultTextStyle>
-    <a:defPPr lvl="0" marR="0" rtl="0" algn="l">
+    <a:defPPr marR="0" lvl="0" algn="l" rtl="0">
       <a:lnSpc>
         <a:spcPct val="100000"/>
       </a:lnSpc>
@@ -34,7 +34,7 @@
         <a:spcPts val="0"/>
       </a:spcAft>
     </a:defPPr>
-    <a:lvl1pPr lvl="0" marR="0" rtl="0" algn="l">
+    <a:lvl1pPr marR="0" lvl="0" algn="l" rtl="0">
       <a:lnSpc>
         <a:spcPct val="100000"/>
       </a:lnSpc>
@@ -48,7 +48,7 @@
         <a:srgbClr val="000000"/>
       </a:buClr>
       <a:buFont typeface="Arial"/>
-      <a:defRPr b="0" i="0" sz="1400" u="none" cap="none" strike="noStrike">
+      <a:defRPr sz="1400" b="0" i="0" u="none" strike="noStrike" cap="none">
         <a:solidFill>
           <a:srgbClr val="000000"/>
         </a:solidFill>
@@ -58,7 +58,7 @@
         <a:sym typeface="Arial"/>
       </a:defRPr>
     </a:lvl1pPr>
-    <a:lvl2pPr lvl="1" marR="0" rtl="0" algn="l">
+    <a:lvl2pPr marR="0" lvl="1" algn="l" rtl="0">
       <a:lnSpc>
         <a:spcPct val="100000"/>
       </a:lnSpc>
@@ -72,7 +72,7 @@
         <a:srgbClr val="000000"/>
       </a:buClr>
       <a:buFont typeface="Arial"/>
-      <a:defRPr b="0" i="0" sz="1400" u="none" cap="none" strike="noStrike">
+      <a:defRPr sz="1400" b="0" i="0" u="none" strike="noStrike" cap="none">
         <a:solidFill>
           <a:srgbClr val="000000"/>
         </a:solidFill>
@@ -82,7 +82,7 @@
         <a:sym typeface="Arial"/>
       </a:defRPr>
     </a:lvl2pPr>
-    <a:lvl3pPr lvl="2" marR="0" rtl="0" algn="l">
+    <a:lvl3pPr marR="0" lvl="2" algn="l" rtl="0">
       <a:lnSpc>
         <a:spcPct val="100000"/>
       </a:lnSpc>
@@ -96,7 +96,7 @@
         <a:srgbClr val="000000"/>
       </a:buClr>
       <a:buFont typeface="Arial"/>
-      <a:defRPr b="0" i="0" sz="1400" u="none" cap="none" strike="noStrike">
+      <a:defRPr sz="1400" b="0" i="0" u="none" strike="noStrike" cap="none">
         <a:solidFill>
           <a:srgbClr val="000000"/>
         </a:solidFill>
@@ -106,7 +106,7 @@
         <a:sym typeface="Arial"/>
       </a:defRPr>
     </a:lvl3pPr>
-    <a:lvl4pPr lvl="3" marR="0" rtl="0" algn="l">
+    <a:lvl4pPr marR="0" lvl="3" algn="l" rtl="0">
       <a:lnSpc>
         <a:spcPct val="100000"/>
       </a:lnSpc>
@@ -120,7 +120,7 @@
         <a:srgbClr val="000000"/>
       </a:buClr>
       <a:buFont typeface="Arial"/>
-      <a:defRPr b="0" i="0" sz="1400" u="none" cap="none" strike="noStrike">
+      <a:defRPr sz="1400" b="0" i="0" u="none" strike="noStrike" cap="none">
         <a:solidFill>
           <a:srgbClr val="000000"/>
         </a:solidFill>
@@ -130,7 +130,7 @@
         <a:sym typeface="Arial"/>
       </a:defRPr>
     </a:lvl4pPr>
-    <a:lvl5pPr lvl="4" marR="0" rtl="0" algn="l">
+    <a:lvl5pPr marR="0" lvl="4" algn="l" rtl="0">
       <a:lnSpc>
         <a:spcPct val="100000"/>
       </a:lnSpc>
@@ -144,7 +144,7 @@
         <a:srgbClr val="000000"/>
       </a:buClr>
       <a:buFont typeface="Arial"/>
-      <a:defRPr b="0" i="0" sz="1400" u="none" cap="none" strike="noStrike">
+      <a:defRPr sz="1400" b="0" i="0" u="none" strike="noStrike" cap="none">
         <a:solidFill>
           <a:srgbClr val="000000"/>
         </a:solidFill>
@@ -154,7 +154,7 @@
         <a:sym typeface="Arial"/>
       </a:defRPr>
     </a:lvl5pPr>
-    <a:lvl6pPr lvl="5" marR="0" rtl="0" algn="l">
+    <a:lvl6pPr marR="0" lvl="5" algn="l" rtl="0">
       <a:lnSpc>
         <a:spcPct val="100000"/>
       </a:lnSpc>
@@ -168,7 +168,7 @@
         <a:srgbClr val="000000"/>
       </a:buClr>
       <a:buFont typeface="Arial"/>
-      <a:defRPr b="0" i="0" sz="1400" u="none" cap="none" strike="noStrike">
+      <a:defRPr sz="1400" b="0" i="0" u="none" strike="noStrike" cap="none">
         <a:solidFill>
           <a:srgbClr val="000000"/>
         </a:solidFill>
@@ -178,7 +178,7 @@
         <a:sym typeface="Arial"/>
       </a:defRPr>
     </a:lvl6pPr>
-    <a:lvl7pPr lvl="6" marR="0" rtl="0" algn="l">
+    <a:lvl7pPr marR="0" lvl="6" algn="l" rtl="0">
       <a:lnSpc>
         <a:spcPct val="100000"/>
       </a:lnSpc>
@@ -192,7 +192,7 @@
         <a:srgbClr val="000000"/>
       </a:buClr>
       <a:buFont typeface="Arial"/>
-      <a:defRPr b="0" i="0" sz="1400" u="none" cap="none" strike="noStrike">
+      <a:defRPr sz="1400" b="0" i="0" u="none" strike="noStrike" cap="none">
         <a:solidFill>
           <a:srgbClr val="000000"/>
         </a:solidFill>
@@ -202,7 +202,7 @@
         <a:sym typeface="Arial"/>
       </a:defRPr>
     </a:lvl7pPr>
-    <a:lvl8pPr lvl="7" marR="0" rtl="0" algn="l">
+    <a:lvl8pPr marR="0" lvl="7" algn="l" rtl="0">
       <a:lnSpc>
         <a:spcPct val="100000"/>
       </a:lnSpc>
@@ -216,7 +216,7 @@
         <a:srgbClr val="000000"/>
       </a:buClr>
       <a:buFont typeface="Arial"/>
-      <a:defRPr b="0" i="0" sz="1400" u="none" cap="none" strike="noStrike">
+      <a:defRPr sz="1400" b="0" i="0" u="none" strike="noStrike" cap="none">
         <a:solidFill>
           <a:srgbClr val="000000"/>
         </a:solidFill>
@@ -226,7 +226,7 @@
         <a:sym typeface="Arial"/>
       </a:defRPr>
     </a:lvl8pPr>
-    <a:lvl9pPr lvl="8" marR="0" rtl="0" algn="l">
+    <a:lvl9pPr marR="0" lvl="8" algn="l" rtl="0">
       <a:lnSpc>
         <a:spcPct val="100000"/>
       </a:lnSpc>
@@ -240,7 +240,7 @@
         <a:srgbClr val="000000"/>
       </a:buClr>
       <a:buFont typeface="Arial"/>
-      <a:defRPr b="0" i="0" sz="1400" u="none" cap="none" strike="noStrike">
+      <a:defRPr sz="1400" b="0" i="0" u="none" strike="noStrike" cap="none">
         <a:solidFill>
           <a:srgbClr val="000000"/>
         </a:solidFill>
@@ -253,7 +253,7 @@
   </p:defaultTextStyle>
   <p:extLst>
     <p:ext uri="{EFAFB233-063F-42B5-8137-9DF3F51BA10A}">
-      <p15:sldGuideLst>
+      <p15:sldGuideLst xmlns:p15="http://schemas.microsoft.com/office/powerpoint/2012/main">
         <p15:guide id="1" orient="horz" pos="1620">
           <p15:clr>
             <a:srgbClr val="A4A3A4"/>
@@ -271,11 +271,16 @@
 </file>
 
 <file path=ppt/notesMasters/notesMaster1.xml><?xml version="1.0" encoding="utf-8"?>
-<p:notesMaster xmlns:a="http://schemas.openxmlformats.org/drawingml/2006/main" xmlns:r="http://schemas.openxmlformats.org/officeDocument/2006/relationships" xmlns:mc="http://schemas.openxmlformats.org/markup-compatibility/2006" xmlns:mv="urn:schemas-microsoft-com:mac:vml" xmlns:p="http://schemas.openxmlformats.org/presentationml/2006/main" xmlns:c="http://schemas.openxmlformats.org/drawingml/2006/chart" xmlns:dgm="http://schemas.openxmlformats.org/drawingml/2006/diagram" xmlns:o="urn:schemas-microsoft-com:office:office" xmlns:v="urn:schemas-microsoft-com:vml" xmlns:pvml="urn:schemas-microsoft-com:office:powerpoint" xmlns:com="http://schemas.openxmlformats.org/drawingml/2006/compatibility" xmlns:p14="http://schemas.microsoft.com/office/powerpoint/2010/main" xmlns:p15="http://schemas.microsoft.com/office/powerpoint/2012/main" xmlns:ahyp="http://schemas.microsoft.com/office/drawing/2018/hyperlinkcolor">
+<p:notesMaster xmlns:a="http://schemas.openxmlformats.org/drawingml/2006/main" xmlns:r="http://schemas.openxmlformats.org/officeDocument/2006/relationships" xmlns:p="http://schemas.openxmlformats.org/presentationml/2006/main">
   <p:cSld>
+    <p:bg>
+      <p:bgRef idx="1001">
+        <a:schemeClr val="bg1"/>
+      </p:bgRef>
+    </p:bg>
     <p:spTree>
       <p:nvGrpSpPr>
-        <p:cNvPr id="2" name="Shape 2"/>
+        <p:cNvPr id="1" name="Shape 2"/>
         <p:cNvGrpSpPr/>
         <p:nvPr/>
       </p:nvGrpSpPr>
@@ -290,9 +295,11 @@
       <p:sp>
         <p:nvSpPr>
           <p:cNvPr id="3" name="Google Shape;3;n"/>
-          <p:cNvSpPr/>
+          <p:cNvSpPr>
+            <a:spLocks noGrp="1" noRot="1" noChangeAspect="1"/>
+          </p:cNvSpPr>
           <p:nvPr>
-            <p:ph idx="2" type="sldImg"/>
+            <p:ph type="sldImg" idx="2"/>
           </p:nvPr>
         </p:nvSpPr>
         <p:spPr>
@@ -301,9 +308,13 @@
             <a:ext cx="6096075" cy="3429000"/>
           </a:xfrm>
           <a:custGeom>
-            <a:rect b="b" l="l" r="r" t="t"/>
+            <a:avLst/>
+            <a:gdLst/>
+            <a:ahLst/>
+            <a:cxnLst/>
+            <a:rect l="l" t="t" r="r" b="b"/>
             <a:pathLst>
-              <a:path extrusionOk="0" h="120000" w="120000">
+              <a:path w="120000" h="120000" extrusionOk="0">
                 <a:moveTo>
                   <a:pt x="0" y="0"/>
                 </a:moveTo>
@@ -321,23 +332,25 @@
             </a:pathLst>
           </a:custGeom>
           <a:noFill/>
-          <a:ln cap="flat" cmpd="sng" w="9525">
+          <a:ln w="9525" cap="flat" cmpd="sng">
             <a:solidFill>
               <a:srgbClr val="000000"/>
             </a:solidFill>
             <a:prstDash val="solid"/>
             <a:round/>
-            <a:headEnd len="sm" w="sm" type="none"/>
-            <a:tailEnd len="sm" w="sm" type="none"/>
+            <a:headEnd type="none" w="sm" len="sm"/>
+            <a:tailEnd type="none" w="sm" len="sm"/>
           </a:ln>
         </p:spPr>
       </p:sp>
       <p:sp>
         <p:nvSpPr>
           <p:cNvPr id="4" name="Google Shape;4;n"/>
-          <p:cNvSpPr txBox="1"/>
+          <p:cNvSpPr txBox="1">
+            <a:spLocks noGrp="1"/>
+          </p:cNvSpPr>
           <p:nvPr>
-            <p:ph idx="1" type="body"/>
+            <p:ph type="body" idx="1"/>
           </p:nvPr>
         </p:nvSpPr>
         <p:spPr>
@@ -354,11 +367,11 @@
           </a:ln>
         </p:spPr>
         <p:txBody>
-          <a:bodyPr anchorCtr="0" anchor="t" bIns="91425" lIns="91425" spcFirstLastPara="1" rIns="91425" wrap="square" tIns="91425">
+          <a:bodyPr spcFirstLastPara="1" wrap="square" lIns="91425" tIns="91425" rIns="91425" bIns="91425" anchor="t" anchorCtr="0">
             <a:noAutofit/>
           </a:bodyPr>
           <a:lstStyle>
-            <a:lvl1pPr indent="-317500" lvl="0" marL="457200">
+            <a:lvl1pPr marL="457200" lvl="0" indent="-317500">
               <a:spcBef>
                 <a:spcPts val="0"/>
               </a:spcBef>
@@ -369,7 +382,7 @@
               <a:buChar char="●"/>
               <a:defRPr sz="1100"/>
             </a:lvl1pPr>
-            <a:lvl2pPr indent="-317500" lvl="1" marL="914400">
+            <a:lvl2pPr marL="914400" lvl="1" indent="-317500">
               <a:spcBef>
                 <a:spcPts val="0"/>
               </a:spcBef>
@@ -380,7 +393,7 @@
               <a:buChar char="○"/>
               <a:defRPr sz="1100"/>
             </a:lvl2pPr>
-            <a:lvl3pPr indent="-317500" lvl="2" marL="1371600">
+            <a:lvl3pPr marL="1371600" lvl="2" indent="-317500">
               <a:spcBef>
                 <a:spcPts val="0"/>
               </a:spcBef>
@@ -391,7 +404,7 @@
               <a:buChar char="■"/>
               <a:defRPr sz="1100"/>
             </a:lvl3pPr>
-            <a:lvl4pPr indent="-317500" lvl="3" marL="1828800">
+            <a:lvl4pPr marL="1828800" lvl="3" indent="-317500">
               <a:spcBef>
                 <a:spcPts val="0"/>
               </a:spcBef>
@@ -402,7 +415,7 @@
               <a:buChar char="●"/>
               <a:defRPr sz="1100"/>
             </a:lvl4pPr>
-            <a:lvl5pPr indent="-317500" lvl="4" marL="2286000">
+            <a:lvl5pPr marL="2286000" lvl="4" indent="-317500">
               <a:spcBef>
                 <a:spcPts val="0"/>
               </a:spcBef>
@@ -413,7 +426,7 @@
               <a:buChar char="○"/>
               <a:defRPr sz="1100"/>
             </a:lvl5pPr>
-            <a:lvl6pPr indent="-317500" lvl="5" marL="2743200">
+            <a:lvl6pPr marL="2743200" lvl="5" indent="-317500">
               <a:spcBef>
                 <a:spcPts val="0"/>
               </a:spcBef>
@@ -424,7 +437,7 @@
               <a:buChar char="■"/>
               <a:defRPr sz="1100"/>
             </a:lvl6pPr>
-            <a:lvl7pPr indent="-317500" lvl="6" marL="3200400">
+            <a:lvl7pPr marL="3200400" lvl="6" indent="-317500">
               <a:spcBef>
                 <a:spcPts val="0"/>
               </a:spcBef>
@@ -435,7 +448,7 @@
               <a:buChar char="●"/>
               <a:defRPr sz="1100"/>
             </a:lvl7pPr>
-            <a:lvl8pPr indent="-317500" lvl="7" marL="3657600">
+            <a:lvl8pPr marL="3657600" lvl="7" indent="-317500">
               <a:spcBef>
                 <a:spcPts val="0"/>
               </a:spcBef>
@@ -446,7 +459,7 @@
               <a:buChar char="○"/>
               <a:defRPr sz="1100"/>
             </a:lvl8pPr>
-            <a:lvl9pPr indent="-317500" lvl="8" marL="4114800">
+            <a:lvl9pPr marL="4114800" lvl="8" indent="-317500">
               <a:spcBef>
                 <a:spcPts val="0"/>
               </a:spcBef>
@@ -458,14 +471,16 @@
               <a:defRPr sz="1100"/>
             </a:lvl9pPr>
           </a:lstStyle>
-          <a:p/>
+          <a:p>
+            <a:endParaRPr/>
+          </a:p>
         </p:txBody>
       </p:sp>
     </p:spTree>
   </p:cSld>
-  <p:clrMap accent1="accent1" accent2="accent2" accent3="accent3" accent4="accent4" accent5="accent5" accent6="accent6" bg1="lt1" bg2="dk2" tx1="dk1" tx2="lt2" folHlink="folHlink" hlink="hlink"/>
+  <p:clrMap bg1="lt1" tx1="dk1" bg2="dk2" tx2="lt2" accent1="accent1" accent2="accent2" accent3="accent3" accent4="accent4" accent5="accent5" accent6="accent6" hlink="hlink" folHlink="folHlink"/>
   <p:notesStyle>
-    <a:defPPr lvl="0" marR="0" rtl="0" algn="l">
+    <a:defPPr marR="0" lvl="0" algn="l" rtl="0">
       <a:lnSpc>
         <a:spcPct val="100000"/>
       </a:lnSpc>
@@ -476,7 +491,7 @@
         <a:spcPts val="0"/>
       </a:spcAft>
     </a:defPPr>
-    <a:lvl1pPr lvl="0" marR="0" rtl="0" algn="l">
+    <a:lvl1pPr marR="0" lvl="0" algn="l" rtl="0">
       <a:lnSpc>
         <a:spcPct val="100000"/>
       </a:lnSpc>
@@ -490,7 +505,7 @@
         <a:srgbClr val="000000"/>
       </a:buClr>
       <a:buFont typeface="Arial"/>
-      <a:defRPr b="0" i="0" sz="1400" u="none" cap="none" strike="noStrike">
+      <a:defRPr sz="1400" b="0" i="0" u="none" strike="noStrike" cap="none">
         <a:solidFill>
           <a:srgbClr val="000000"/>
         </a:solidFill>
@@ -500,7 +515,7 @@
         <a:sym typeface="Arial"/>
       </a:defRPr>
     </a:lvl1pPr>
-    <a:lvl2pPr lvl="1" marR="0" rtl="0" algn="l">
+    <a:lvl2pPr marR="0" lvl="1" algn="l" rtl="0">
       <a:lnSpc>
         <a:spcPct val="100000"/>
       </a:lnSpc>
@@ -514,7 +529,7 @@
         <a:srgbClr val="000000"/>
       </a:buClr>
       <a:buFont typeface="Arial"/>
-      <a:defRPr b="0" i="0" sz="1400" u="none" cap="none" strike="noStrike">
+      <a:defRPr sz="1400" b="0" i="0" u="none" strike="noStrike" cap="none">
         <a:solidFill>
           <a:srgbClr val="000000"/>
         </a:solidFill>
@@ -524,7 +539,7 @@
         <a:sym typeface="Arial"/>
       </a:defRPr>
     </a:lvl2pPr>
-    <a:lvl3pPr lvl="2" marR="0" rtl="0" algn="l">
+    <a:lvl3pPr marR="0" lvl="2" algn="l" rtl="0">
       <a:lnSpc>
         <a:spcPct val="100000"/>
       </a:lnSpc>
@@ -538,7 +553,7 @@
         <a:srgbClr val="000000"/>
       </a:buClr>
       <a:buFont typeface="Arial"/>
-      <a:defRPr b="0" i="0" sz="1400" u="none" cap="none" strike="noStrike">
+      <a:defRPr sz="1400" b="0" i="0" u="none" strike="noStrike" cap="none">
         <a:solidFill>
           <a:srgbClr val="000000"/>
         </a:solidFill>
@@ -548,7 +563,7 @@
         <a:sym typeface="Arial"/>
       </a:defRPr>
     </a:lvl3pPr>
-    <a:lvl4pPr lvl="3" marR="0" rtl="0" algn="l">
+    <a:lvl4pPr marR="0" lvl="3" algn="l" rtl="0">
       <a:lnSpc>
         <a:spcPct val="100000"/>
       </a:lnSpc>
@@ -562,7 +577,7 @@
         <a:srgbClr val="000000"/>
       </a:buClr>
       <a:buFont typeface="Arial"/>
-      <a:defRPr b="0" i="0" sz="1400" u="none" cap="none" strike="noStrike">
+      <a:defRPr sz="1400" b="0" i="0" u="none" strike="noStrike" cap="none">
         <a:solidFill>
           <a:srgbClr val="000000"/>
         </a:solidFill>
@@ -572,7 +587,7 @@
         <a:sym typeface="Arial"/>
       </a:defRPr>
     </a:lvl4pPr>
-    <a:lvl5pPr lvl="4" marR="0" rtl="0" algn="l">
+    <a:lvl5pPr marR="0" lvl="4" algn="l" rtl="0">
       <a:lnSpc>
         <a:spcPct val="100000"/>
       </a:lnSpc>
@@ -586,7 +601,7 @@
         <a:srgbClr val="000000"/>
       </a:buClr>
       <a:buFont typeface="Arial"/>
-      <a:defRPr b="0" i="0" sz="1400" u="none" cap="none" strike="noStrike">
+      <a:defRPr sz="1400" b="0" i="0" u="none" strike="noStrike" cap="none">
         <a:solidFill>
           <a:srgbClr val="000000"/>
         </a:solidFill>
@@ -596,7 +611,7 @@
         <a:sym typeface="Arial"/>
       </a:defRPr>
     </a:lvl5pPr>
-    <a:lvl6pPr lvl="5" marR="0" rtl="0" algn="l">
+    <a:lvl6pPr marR="0" lvl="5" algn="l" rtl="0">
       <a:lnSpc>
         <a:spcPct val="100000"/>
       </a:lnSpc>
@@ -610,7 +625,7 @@
         <a:srgbClr val="000000"/>
       </a:buClr>
       <a:buFont typeface="Arial"/>
-      <a:defRPr b="0" i="0" sz="1400" u="none" cap="none" strike="noStrike">
+      <a:defRPr sz="1400" b="0" i="0" u="none" strike="noStrike" cap="none">
         <a:solidFill>
           <a:srgbClr val="000000"/>
         </a:solidFill>
@@ -620,7 +635,7 @@
         <a:sym typeface="Arial"/>
       </a:defRPr>
     </a:lvl6pPr>
-    <a:lvl7pPr lvl="6" marR="0" rtl="0" algn="l">
+    <a:lvl7pPr marR="0" lvl="6" algn="l" rtl="0">
       <a:lnSpc>
         <a:spcPct val="100000"/>
       </a:lnSpc>
@@ -634,7 +649,7 @@
         <a:srgbClr val="000000"/>
       </a:buClr>
       <a:buFont typeface="Arial"/>
-      <a:defRPr b="0" i="0" sz="1400" u="none" cap="none" strike="noStrike">
+      <a:defRPr sz="1400" b="0" i="0" u="none" strike="noStrike" cap="none">
         <a:solidFill>
           <a:srgbClr val="000000"/>
         </a:solidFill>
@@ -644,7 +659,7 @@
         <a:sym typeface="Arial"/>
       </a:defRPr>
     </a:lvl7pPr>
-    <a:lvl8pPr lvl="7" marR="0" rtl="0" algn="l">
+    <a:lvl8pPr marR="0" lvl="7" algn="l" rtl="0">
       <a:lnSpc>
         <a:spcPct val="100000"/>
       </a:lnSpc>
@@ -658,7 +673,7 @@
         <a:srgbClr val="000000"/>
       </a:buClr>
       <a:buFont typeface="Arial"/>
-      <a:defRPr b="0" i="0" sz="1400" u="none" cap="none" strike="noStrike">
+      <a:defRPr sz="1400" b="0" i="0" u="none" strike="noStrike" cap="none">
         <a:solidFill>
           <a:srgbClr val="000000"/>
         </a:solidFill>
@@ -668,7 +683,7 @@
         <a:sym typeface="Arial"/>
       </a:defRPr>
     </a:lvl8pPr>
-    <a:lvl9pPr lvl="8" marR="0" rtl="0" algn="l">
+    <a:lvl9pPr marR="0" lvl="8" algn="l" rtl="0">
       <a:lnSpc>
         <a:spcPct val="100000"/>
       </a:lnSpc>
@@ -682,7 +697,7 @@
         <a:srgbClr val="000000"/>
       </a:buClr>
       <a:buFont typeface="Arial"/>
-      <a:defRPr b="0" i="0" sz="1400" u="none" cap="none" strike="noStrike">
+      <a:defRPr sz="1400" b="0" i="0" u="none" strike="noStrike" cap="none">
         <a:solidFill>
           <a:srgbClr val="000000"/>
         </a:solidFill>
@@ -697,11 +712,11 @@
 </file>
 
 <file path=ppt/notesSlides/notesSlide1.xml><?xml version="1.0" encoding="utf-8"?>
-<p:notes xmlns:a="http://schemas.openxmlformats.org/drawingml/2006/main" xmlns:r="http://schemas.openxmlformats.org/officeDocument/2006/relationships" xmlns:mc="http://schemas.openxmlformats.org/markup-compatibility/2006" xmlns:mv="urn:schemas-microsoft-com:mac:vml" xmlns:p="http://schemas.openxmlformats.org/presentationml/2006/main" xmlns:c="http://schemas.openxmlformats.org/drawingml/2006/chart" xmlns:dgm="http://schemas.openxmlformats.org/drawingml/2006/diagram" xmlns:o="urn:schemas-microsoft-com:office:office" xmlns:v="urn:schemas-microsoft-com:vml" xmlns:pvml="urn:schemas-microsoft-com:office:powerpoint" xmlns:com="http://schemas.openxmlformats.org/drawingml/2006/compatibility" xmlns:p14="http://schemas.microsoft.com/office/powerpoint/2010/main" xmlns:p15="http://schemas.microsoft.com/office/powerpoint/2012/main" xmlns:ahyp="http://schemas.microsoft.com/office/drawing/2018/hyperlinkcolor" showMasterPhAnim="0" showMasterSp="0">
+<p:notes xmlns:a="http://schemas.openxmlformats.org/drawingml/2006/main" xmlns:r="http://schemas.openxmlformats.org/officeDocument/2006/relationships" xmlns:p="http://schemas.openxmlformats.org/presentationml/2006/main" showMasterSp="0" showMasterPhAnim="0">
   <p:cSld>
     <p:spTree>
       <p:nvGrpSpPr>
-        <p:cNvPr id="87" name="Shape 87"/>
+        <p:cNvPr id="1" name="Shape 87"/>
         <p:cNvGrpSpPr/>
         <p:nvPr/>
       </p:nvGrpSpPr>
@@ -716,9 +731,11 @@
       <p:sp>
         <p:nvSpPr>
           <p:cNvPr id="88" name="Google Shape;88;g7523bb6b8b_11_0:notes"/>
-          <p:cNvSpPr/>
+          <p:cNvSpPr>
+            <a:spLocks noGrp="1" noRot="1" noChangeAspect="1"/>
+          </p:cNvSpPr>
           <p:nvPr>
-            <p:ph idx="2" type="sldImg"/>
+            <p:ph type="sldImg" idx="2"/>
           </p:nvPr>
         </p:nvSpPr>
         <p:spPr>
@@ -727,9 +744,13 @@
             <a:ext cx="5486400" cy="3086100"/>
           </a:xfrm>
           <a:custGeom>
-            <a:rect b="b" l="l" r="r" t="t"/>
+            <a:avLst/>
+            <a:gdLst/>
+            <a:ahLst/>
+            <a:cxnLst/>
+            <a:rect l="l" t="t" r="r" b="b"/>
             <a:pathLst>
-              <a:path extrusionOk="0" h="120000" w="120000">
+              <a:path w="120000" h="120000" extrusionOk="0">
                 <a:moveTo>
                   <a:pt x="0" y="0"/>
                 </a:moveTo>
@@ -747,23 +768,25 @@
             </a:pathLst>
           </a:custGeom>
           <a:noFill/>
-          <a:ln cap="flat" cmpd="sng" w="12700">
+          <a:ln w="12700" cap="flat" cmpd="sng">
             <a:solidFill>
               <a:srgbClr val="000000"/>
             </a:solidFill>
             <a:prstDash val="solid"/>
             <a:round/>
-            <a:headEnd len="sm" w="sm" type="none"/>
-            <a:tailEnd len="sm" w="sm" type="none"/>
+            <a:headEnd type="none" w="sm" len="sm"/>
+            <a:tailEnd type="none" w="sm" len="sm"/>
           </a:ln>
         </p:spPr>
       </p:sp>
       <p:sp>
         <p:nvSpPr>
           <p:cNvPr id="89" name="Google Shape;89;g7523bb6b8b_11_0:notes"/>
-          <p:cNvSpPr txBox="1"/>
+          <p:cNvSpPr txBox="1">
+            <a:spLocks noGrp="1"/>
+          </p:cNvSpPr>
           <p:nvPr>
-            <p:ph idx="1" type="body"/>
+            <p:ph type="body" idx="1"/>
           </p:nvPr>
         </p:nvSpPr>
         <p:spPr>
@@ -780,12 +803,12 @@
           </a:ln>
         </p:spPr>
         <p:txBody>
-          <a:bodyPr anchorCtr="0" anchor="t" bIns="45700" lIns="91425" spcFirstLastPara="1" rIns="91425" wrap="square" tIns="45700">
+          <a:bodyPr spcFirstLastPara="1" wrap="square" lIns="91425" tIns="45700" rIns="91425" bIns="45700" anchor="t" anchorCtr="0">
             <a:noAutofit/>
           </a:bodyPr>
           <a:lstStyle/>
           <a:p>
-            <a:pPr indent="0" lvl="0" marL="0" rtl="0" algn="l">
+            <a:pPr marL="0" lvl="0" indent="0" algn="l" rtl="0">
               <a:spcBef>
                 <a:spcPts val="0"/>
               </a:spcBef>
@@ -794,9 +817,6 @@
               </a:spcAft>
               <a:buNone/>
             </a:pPr>
-            <a:r>
-              <a:t/>
-            </a:r>
             <a:endParaRPr/>
           </a:p>
         </p:txBody>
@@ -804,9 +824,11 @@
       <p:sp>
         <p:nvSpPr>
           <p:cNvPr id="90" name="Google Shape;90;g7523bb6b8b_11_0:notes"/>
-          <p:cNvSpPr txBox="1"/>
+          <p:cNvSpPr txBox="1">
+            <a:spLocks noGrp="1"/>
+          </p:cNvSpPr>
           <p:nvPr>
-            <p:ph idx="12" type="sldNum"/>
+            <p:ph type="sldNum" idx="12"/>
           </p:nvPr>
         </p:nvSpPr>
         <p:spPr>
@@ -823,12 +845,12 @@
           </a:ln>
         </p:spPr>
         <p:txBody>
-          <a:bodyPr anchorCtr="0" anchor="b" bIns="45700" lIns="91425" spcFirstLastPara="1" rIns="91425" wrap="square" tIns="45700">
+          <a:bodyPr spcFirstLastPara="1" wrap="square" lIns="91425" tIns="45700" rIns="91425" bIns="45700" anchor="b" anchorCtr="0">
             <a:noAutofit/>
           </a:bodyPr>
           <a:lstStyle/>
           <a:p>
-            <a:pPr indent="0" lvl="0" marL="0" rtl="0" algn="r">
+            <a:pPr marL="0" lvl="0" indent="0" algn="r" rtl="0">
               <a:spcBef>
                 <a:spcPts val="0"/>
               </a:spcBef>
@@ -839,7 +861,7 @@
             </a:pPr>
             <a:fld id="{00000000-1234-1234-1234-123412341234}" type="slidenum">
               <a:rPr lang="en"/>
-              <a:t>‹#›</a:t>
+              <a:t>1</a:t>
             </a:fld>
             <a:endParaRPr/>
           </a:p>
@@ -854,11 +876,11 @@
 </file>
 
 <file path=ppt/notesSlides/notesSlide10.xml><?xml version="1.0" encoding="utf-8"?>
-<p:notes xmlns:a="http://schemas.openxmlformats.org/drawingml/2006/main" xmlns:r="http://schemas.openxmlformats.org/officeDocument/2006/relationships" xmlns:mc="http://schemas.openxmlformats.org/markup-compatibility/2006" xmlns:mv="urn:schemas-microsoft-com:mac:vml" xmlns:p="http://schemas.openxmlformats.org/presentationml/2006/main" xmlns:c="http://schemas.openxmlformats.org/drawingml/2006/chart" xmlns:dgm="http://schemas.openxmlformats.org/drawingml/2006/diagram" xmlns:o="urn:schemas-microsoft-com:office:office" xmlns:v="urn:schemas-microsoft-com:vml" xmlns:pvml="urn:schemas-microsoft-com:office:powerpoint" xmlns:com="http://schemas.openxmlformats.org/drawingml/2006/compatibility" xmlns:p14="http://schemas.microsoft.com/office/powerpoint/2010/main" xmlns:p15="http://schemas.microsoft.com/office/powerpoint/2012/main" xmlns:ahyp="http://schemas.microsoft.com/office/drawing/2018/hyperlinkcolor" showMasterPhAnim="0" showMasterSp="0">
+<p:notes xmlns:a="http://schemas.openxmlformats.org/drawingml/2006/main" xmlns:r="http://schemas.openxmlformats.org/officeDocument/2006/relationships" xmlns:p="http://schemas.openxmlformats.org/presentationml/2006/main" showMasterSp="0" showMasterPhAnim="0">
   <p:cSld>
     <p:spTree>
       <p:nvGrpSpPr>
-        <p:cNvPr id="184" name="Shape 184"/>
+        <p:cNvPr id="1" name="Shape 184"/>
         <p:cNvGrpSpPr/>
         <p:nvPr/>
       </p:nvGrpSpPr>
@@ -873,9 +895,11 @@
       <p:sp>
         <p:nvSpPr>
           <p:cNvPr id="185" name="Google Shape;185;gc5abbd3403_0_30:notes"/>
-          <p:cNvSpPr/>
+          <p:cNvSpPr>
+            <a:spLocks noGrp="1" noRot="1" noChangeAspect="1"/>
+          </p:cNvSpPr>
           <p:nvPr>
-            <p:ph idx="2" type="sldImg"/>
+            <p:ph type="sldImg" idx="2"/>
           </p:nvPr>
         </p:nvSpPr>
         <p:spPr>
@@ -884,9 +908,13 @@
             <a:ext cx="5486400" cy="3086100"/>
           </a:xfrm>
           <a:custGeom>
-            <a:rect b="b" l="l" r="r" t="t"/>
+            <a:avLst/>
+            <a:gdLst/>
+            <a:ahLst/>
+            <a:cxnLst/>
+            <a:rect l="l" t="t" r="r" b="b"/>
             <a:pathLst>
-              <a:path extrusionOk="0" h="120000" w="120000">
+              <a:path w="120000" h="120000" extrusionOk="0">
                 <a:moveTo>
                   <a:pt x="0" y="0"/>
                 </a:moveTo>
@@ -904,23 +932,25 @@
             </a:pathLst>
           </a:custGeom>
           <a:noFill/>
-          <a:ln cap="flat" cmpd="sng" w="12700">
+          <a:ln w="12700" cap="flat" cmpd="sng">
             <a:solidFill>
               <a:srgbClr val="000000"/>
             </a:solidFill>
             <a:prstDash val="solid"/>
             <a:round/>
-            <a:headEnd len="sm" w="sm" type="none"/>
-            <a:tailEnd len="sm" w="sm" type="none"/>
+            <a:headEnd type="none" w="sm" len="sm"/>
+            <a:tailEnd type="none" w="sm" len="sm"/>
           </a:ln>
         </p:spPr>
       </p:sp>
       <p:sp>
         <p:nvSpPr>
           <p:cNvPr id="186" name="Google Shape;186;gc5abbd3403_0_30:notes"/>
-          <p:cNvSpPr txBox="1"/>
+          <p:cNvSpPr txBox="1">
+            <a:spLocks noGrp="1"/>
+          </p:cNvSpPr>
           <p:nvPr>
-            <p:ph idx="1" type="body"/>
+            <p:ph type="body" idx="1"/>
           </p:nvPr>
         </p:nvSpPr>
         <p:spPr>
@@ -937,12 +967,12 @@
           </a:ln>
         </p:spPr>
         <p:txBody>
-          <a:bodyPr anchorCtr="0" anchor="t" bIns="45700" lIns="91425" spcFirstLastPara="1" rIns="91425" wrap="square" tIns="45700">
+          <a:bodyPr spcFirstLastPara="1" wrap="square" lIns="91425" tIns="45700" rIns="91425" bIns="45700" anchor="t" anchorCtr="0">
             <a:noAutofit/>
           </a:bodyPr>
           <a:lstStyle/>
           <a:p>
-            <a:pPr indent="0" lvl="0" marL="0" rtl="0" algn="l">
+            <a:pPr marL="0" lvl="0" indent="0" algn="l" rtl="0">
               <a:spcBef>
                 <a:spcPts val="0"/>
               </a:spcBef>
@@ -951,9 +981,6 @@
               </a:spcAft>
               <a:buNone/>
             </a:pPr>
-            <a:r>
-              <a:t/>
-            </a:r>
             <a:endParaRPr/>
           </a:p>
         </p:txBody>
@@ -961,9 +988,11 @@
       <p:sp>
         <p:nvSpPr>
           <p:cNvPr id="187" name="Google Shape;187;gc5abbd3403_0_30:notes"/>
-          <p:cNvSpPr txBox="1"/>
+          <p:cNvSpPr txBox="1">
+            <a:spLocks noGrp="1"/>
+          </p:cNvSpPr>
           <p:nvPr>
-            <p:ph idx="12" type="sldNum"/>
+            <p:ph type="sldNum" idx="12"/>
           </p:nvPr>
         </p:nvSpPr>
         <p:spPr>
@@ -980,12 +1009,12 @@
           </a:ln>
         </p:spPr>
         <p:txBody>
-          <a:bodyPr anchorCtr="0" anchor="b" bIns="45700" lIns="91425" spcFirstLastPara="1" rIns="91425" wrap="square" tIns="45700">
+          <a:bodyPr spcFirstLastPara="1" wrap="square" lIns="91425" tIns="45700" rIns="91425" bIns="45700" anchor="b" anchorCtr="0">
             <a:noAutofit/>
           </a:bodyPr>
           <a:lstStyle/>
           <a:p>
-            <a:pPr indent="0" lvl="0" marL="0" rtl="0" algn="r">
+            <a:pPr marL="0" lvl="0" indent="0" algn="r" rtl="0">
               <a:spcBef>
                 <a:spcPts val="0"/>
               </a:spcBef>
@@ -996,7 +1025,7 @@
             </a:pPr>
             <a:fld id="{00000000-1234-1234-1234-123412341234}" type="slidenum">
               <a:rPr lang="en"/>
-              <a:t>‹#›</a:t>
+              <a:t>10</a:t>
             </a:fld>
             <a:endParaRPr/>
           </a:p>
@@ -1011,11 +1040,11 @@
 </file>
 
 <file path=ppt/notesSlides/notesSlide11.xml><?xml version="1.0" encoding="utf-8"?>
-<p:notes xmlns:a="http://schemas.openxmlformats.org/drawingml/2006/main" xmlns:r="http://schemas.openxmlformats.org/officeDocument/2006/relationships" xmlns:mc="http://schemas.openxmlformats.org/markup-compatibility/2006" xmlns:mv="urn:schemas-microsoft-com:mac:vml" xmlns:p="http://schemas.openxmlformats.org/presentationml/2006/main" xmlns:c="http://schemas.openxmlformats.org/drawingml/2006/chart" xmlns:dgm="http://schemas.openxmlformats.org/drawingml/2006/diagram" xmlns:o="urn:schemas-microsoft-com:office:office" xmlns:v="urn:schemas-microsoft-com:vml" xmlns:pvml="urn:schemas-microsoft-com:office:powerpoint" xmlns:com="http://schemas.openxmlformats.org/drawingml/2006/compatibility" xmlns:p14="http://schemas.microsoft.com/office/powerpoint/2010/main" xmlns:p15="http://schemas.microsoft.com/office/powerpoint/2012/main" xmlns:ahyp="http://schemas.microsoft.com/office/drawing/2018/hyperlinkcolor" showMasterPhAnim="0" showMasterSp="0">
+<p:notes xmlns:a="http://schemas.openxmlformats.org/drawingml/2006/main" xmlns:r="http://schemas.openxmlformats.org/officeDocument/2006/relationships" xmlns:p="http://schemas.openxmlformats.org/presentationml/2006/main" showMasterSp="0" showMasterPhAnim="0">
   <p:cSld>
     <p:spTree>
       <p:nvGrpSpPr>
-        <p:cNvPr id="194" name="Shape 194"/>
+        <p:cNvPr id="1" name="Shape 194"/>
         <p:cNvGrpSpPr/>
         <p:nvPr/>
       </p:nvGrpSpPr>
@@ -1030,9 +1059,11 @@
       <p:sp>
         <p:nvSpPr>
           <p:cNvPr id="195" name="Google Shape;195;gc5abbd3403_0_37:notes"/>
-          <p:cNvSpPr/>
+          <p:cNvSpPr>
+            <a:spLocks noGrp="1" noRot="1" noChangeAspect="1"/>
+          </p:cNvSpPr>
           <p:nvPr>
-            <p:ph idx="2" type="sldImg"/>
+            <p:ph type="sldImg" idx="2"/>
           </p:nvPr>
         </p:nvSpPr>
         <p:spPr>
@@ -1041,9 +1072,13 @@
             <a:ext cx="5486400" cy="3086100"/>
           </a:xfrm>
           <a:custGeom>
-            <a:rect b="b" l="l" r="r" t="t"/>
+            <a:avLst/>
+            <a:gdLst/>
+            <a:ahLst/>
+            <a:cxnLst/>
+            <a:rect l="l" t="t" r="r" b="b"/>
             <a:pathLst>
-              <a:path extrusionOk="0" h="120000" w="120000">
+              <a:path w="120000" h="120000" extrusionOk="0">
                 <a:moveTo>
                   <a:pt x="0" y="0"/>
                 </a:moveTo>
@@ -1061,23 +1096,25 @@
             </a:pathLst>
           </a:custGeom>
           <a:noFill/>
-          <a:ln cap="flat" cmpd="sng" w="12700">
+          <a:ln w="12700" cap="flat" cmpd="sng">
             <a:solidFill>
               <a:srgbClr val="000000"/>
             </a:solidFill>
             <a:prstDash val="solid"/>
             <a:round/>
-            <a:headEnd len="sm" w="sm" type="none"/>
-            <a:tailEnd len="sm" w="sm" type="none"/>
+            <a:headEnd type="none" w="sm" len="sm"/>
+            <a:tailEnd type="none" w="sm" len="sm"/>
           </a:ln>
         </p:spPr>
       </p:sp>
       <p:sp>
         <p:nvSpPr>
           <p:cNvPr id="196" name="Google Shape;196;gc5abbd3403_0_37:notes"/>
-          <p:cNvSpPr txBox="1"/>
+          <p:cNvSpPr txBox="1">
+            <a:spLocks noGrp="1"/>
+          </p:cNvSpPr>
           <p:nvPr>
-            <p:ph idx="1" type="body"/>
+            <p:ph type="body" idx="1"/>
           </p:nvPr>
         </p:nvSpPr>
         <p:spPr>
@@ -1094,12 +1131,12 @@
           </a:ln>
         </p:spPr>
         <p:txBody>
-          <a:bodyPr anchorCtr="0" anchor="t" bIns="45700" lIns="91425" spcFirstLastPara="1" rIns="91425" wrap="square" tIns="45700">
+          <a:bodyPr spcFirstLastPara="1" wrap="square" lIns="91425" tIns="45700" rIns="91425" bIns="45700" anchor="t" anchorCtr="0">
             <a:noAutofit/>
           </a:bodyPr>
           <a:lstStyle/>
           <a:p>
-            <a:pPr indent="0" lvl="0" marL="0" rtl="0" algn="l">
+            <a:pPr marL="0" lvl="0" indent="0" algn="l" rtl="0">
               <a:spcBef>
                 <a:spcPts val="0"/>
               </a:spcBef>
@@ -1108,9 +1145,6 @@
               </a:spcAft>
               <a:buNone/>
             </a:pPr>
-            <a:r>
-              <a:t/>
-            </a:r>
             <a:endParaRPr/>
           </a:p>
         </p:txBody>
@@ -1118,9 +1152,11 @@
       <p:sp>
         <p:nvSpPr>
           <p:cNvPr id="197" name="Google Shape;197;gc5abbd3403_0_37:notes"/>
-          <p:cNvSpPr txBox="1"/>
+          <p:cNvSpPr txBox="1">
+            <a:spLocks noGrp="1"/>
+          </p:cNvSpPr>
           <p:nvPr>
-            <p:ph idx="12" type="sldNum"/>
+            <p:ph type="sldNum" idx="12"/>
           </p:nvPr>
         </p:nvSpPr>
         <p:spPr>
@@ -1137,12 +1173,12 @@
           </a:ln>
         </p:spPr>
         <p:txBody>
-          <a:bodyPr anchorCtr="0" anchor="b" bIns="45700" lIns="91425" spcFirstLastPara="1" rIns="91425" wrap="square" tIns="45700">
+          <a:bodyPr spcFirstLastPara="1" wrap="square" lIns="91425" tIns="45700" rIns="91425" bIns="45700" anchor="b" anchorCtr="0">
             <a:noAutofit/>
           </a:bodyPr>
           <a:lstStyle/>
           <a:p>
-            <a:pPr indent="0" lvl="0" marL="0" rtl="0" algn="r">
+            <a:pPr marL="0" lvl="0" indent="0" algn="r" rtl="0">
               <a:spcBef>
                 <a:spcPts val="0"/>
               </a:spcBef>
@@ -1153,7 +1189,7 @@
             </a:pPr>
             <a:fld id="{00000000-1234-1234-1234-123412341234}" type="slidenum">
               <a:rPr lang="en"/>
-              <a:t>‹#›</a:t>
+              <a:t>11</a:t>
             </a:fld>
             <a:endParaRPr/>
           </a:p>
@@ -1168,11 +1204,11 @@
 </file>
 
 <file path=ppt/notesSlides/notesSlide2.xml><?xml version="1.0" encoding="utf-8"?>
-<p:notes xmlns:a="http://schemas.openxmlformats.org/drawingml/2006/main" xmlns:r="http://schemas.openxmlformats.org/officeDocument/2006/relationships" xmlns:mc="http://schemas.openxmlformats.org/markup-compatibility/2006" xmlns:mv="urn:schemas-microsoft-com:mac:vml" xmlns:p="http://schemas.openxmlformats.org/presentationml/2006/main" xmlns:c="http://schemas.openxmlformats.org/drawingml/2006/chart" xmlns:dgm="http://schemas.openxmlformats.org/drawingml/2006/diagram" xmlns:o="urn:schemas-microsoft-com:office:office" xmlns:v="urn:schemas-microsoft-com:vml" xmlns:pvml="urn:schemas-microsoft-com:office:powerpoint" xmlns:com="http://schemas.openxmlformats.org/drawingml/2006/compatibility" xmlns:p14="http://schemas.microsoft.com/office/powerpoint/2010/main" xmlns:p15="http://schemas.microsoft.com/office/powerpoint/2012/main" xmlns:ahyp="http://schemas.microsoft.com/office/drawing/2018/hyperlinkcolor" showMasterPhAnim="0" showMasterSp="0">
+<p:notes xmlns:a="http://schemas.openxmlformats.org/drawingml/2006/main" xmlns:r="http://schemas.openxmlformats.org/officeDocument/2006/relationships" xmlns:p="http://schemas.openxmlformats.org/presentationml/2006/main" showMasterSp="0" showMasterPhAnim="0">
   <p:cSld>
     <p:spTree>
       <p:nvGrpSpPr>
-        <p:cNvPr id="96" name="Shape 96"/>
+        <p:cNvPr id="1" name="Shape 96"/>
         <p:cNvGrpSpPr/>
         <p:nvPr/>
       </p:nvGrpSpPr>
@@ -1187,20 +1223,26 @@
       <p:sp>
         <p:nvSpPr>
           <p:cNvPr id="97" name="Google Shape;97;gc6f9e470d_0_0:notes"/>
-          <p:cNvSpPr/>
+          <p:cNvSpPr>
+            <a:spLocks noGrp="1" noRot="1" noChangeAspect="1"/>
+          </p:cNvSpPr>
           <p:nvPr>
-            <p:ph idx="2" type="sldImg"/>
+            <p:ph type="sldImg" idx="2"/>
           </p:nvPr>
         </p:nvSpPr>
         <p:spPr>
           <a:xfrm>
-            <a:off x="381188" y="685800"/>
-            <a:ext cx="6096300" cy="3429000"/>
+            <a:off x="381000" y="685800"/>
+            <a:ext cx="6096000" cy="3429000"/>
           </a:xfrm>
           <a:custGeom>
-            <a:rect b="b" l="l" r="r" t="t"/>
+            <a:avLst/>
+            <a:gdLst/>
+            <a:ahLst/>
+            <a:cxnLst/>
+            <a:rect l="l" t="t" r="r" b="b"/>
             <a:pathLst>
-              <a:path extrusionOk="0" h="120000" w="120000">
+              <a:path w="120000" h="120000" extrusionOk="0">
                 <a:moveTo>
                   <a:pt x="0" y="0"/>
                 </a:moveTo>
@@ -1222,9 +1264,11 @@
       <p:sp>
         <p:nvSpPr>
           <p:cNvPr id="98" name="Google Shape;98;gc6f9e470d_0_0:notes"/>
-          <p:cNvSpPr txBox="1"/>
+          <p:cNvSpPr txBox="1">
+            <a:spLocks noGrp="1"/>
+          </p:cNvSpPr>
           <p:nvPr>
-            <p:ph idx="1" type="body"/>
+            <p:ph type="body" idx="1"/>
           </p:nvPr>
         </p:nvSpPr>
         <p:spPr>
@@ -1237,12 +1281,12 @@
           </a:prstGeom>
         </p:spPr>
         <p:txBody>
-          <a:bodyPr anchorCtr="0" anchor="t" bIns="91425" lIns="91425" spcFirstLastPara="1" rIns="91425" wrap="square" tIns="91425">
+          <a:bodyPr spcFirstLastPara="1" wrap="square" lIns="91425" tIns="91425" rIns="91425" bIns="91425" anchor="t" anchorCtr="0">
             <a:noAutofit/>
           </a:bodyPr>
           <a:lstStyle/>
           <a:p>
-            <a:pPr indent="0" lvl="0" marL="0" rtl="0" algn="l">
+            <a:pPr marL="0" lvl="0" indent="0" algn="l" rtl="0">
               <a:spcBef>
                 <a:spcPts val="0"/>
               </a:spcBef>
@@ -1251,9 +1295,6 @@
               </a:spcAft>
               <a:buNone/>
             </a:pPr>
-            <a:r>
-              <a:t/>
-            </a:r>
             <a:endParaRPr/>
           </a:p>
         </p:txBody>
@@ -1267,11 +1308,11 @@
 </file>
 
 <file path=ppt/notesSlides/notesSlide3.xml><?xml version="1.0" encoding="utf-8"?>
-<p:notes xmlns:a="http://schemas.openxmlformats.org/drawingml/2006/main" xmlns:r="http://schemas.openxmlformats.org/officeDocument/2006/relationships" xmlns:mc="http://schemas.openxmlformats.org/markup-compatibility/2006" xmlns:mv="urn:schemas-microsoft-com:mac:vml" xmlns:p="http://schemas.openxmlformats.org/presentationml/2006/main" xmlns:c="http://schemas.openxmlformats.org/drawingml/2006/chart" xmlns:dgm="http://schemas.openxmlformats.org/drawingml/2006/diagram" xmlns:o="urn:schemas-microsoft-com:office:office" xmlns:v="urn:schemas-microsoft-com:vml" xmlns:pvml="urn:schemas-microsoft-com:office:powerpoint" xmlns:com="http://schemas.openxmlformats.org/drawingml/2006/compatibility" xmlns:p14="http://schemas.microsoft.com/office/powerpoint/2010/main" xmlns:p15="http://schemas.microsoft.com/office/powerpoint/2012/main" xmlns:ahyp="http://schemas.microsoft.com/office/drawing/2018/hyperlinkcolor" showMasterPhAnim="0" showMasterSp="0">
+<p:notes xmlns:a="http://schemas.openxmlformats.org/drawingml/2006/main" xmlns:r="http://schemas.openxmlformats.org/officeDocument/2006/relationships" xmlns:p="http://schemas.openxmlformats.org/presentationml/2006/main" showMasterSp="0" showMasterPhAnim="0">
   <p:cSld>
     <p:spTree>
       <p:nvGrpSpPr>
-        <p:cNvPr id="105" name="Shape 105"/>
+        <p:cNvPr id="1" name="Shape 105"/>
         <p:cNvGrpSpPr/>
         <p:nvPr/>
       </p:nvGrpSpPr>
@@ -1286,9 +1327,11 @@
       <p:sp>
         <p:nvSpPr>
           <p:cNvPr id="106" name="Google Shape;106;g7523bb6b8b_11_20:notes"/>
-          <p:cNvSpPr txBox="1"/>
+          <p:cNvSpPr txBox="1">
+            <a:spLocks noGrp="1"/>
+          </p:cNvSpPr>
           <p:nvPr>
-            <p:ph idx="1" type="body"/>
+            <p:ph type="body" idx="1"/>
           </p:nvPr>
         </p:nvSpPr>
         <p:spPr>
@@ -1301,12 +1344,12 @@
           </a:prstGeom>
         </p:spPr>
         <p:txBody>
-          <a:bodyPr anchorCtr="0" anchor="t" bIns="91425" lIns="91425" spcFirstLastPara="1" rIns="91425" wrap="square" tIns="91425">
+          <a:bodyPr spcFirstLastPara="1" wrap="square" lIns="91425" tIns="91425" rIns="91425" bIns="91425" anchor="t" anchorCtr="0">
             <a:noAutofit/>
           </a:bodyPr>
           <a:lstStyle/>
           <a:p>
-            <a:pPr indent="0" lvl="0" marL="0" rtl="0" algn="l">
+            <a:pPr marL="0" lvl="0" indent="0" algn="l" rtl="0">
               <a:spcBef>
                 <a:spcPts val="0"/>
               </a:spcBef>
@@ -1315,9 +1358,6 @@
               </a:spcAft>
               <a:buNone/>
             </a:pPr>
-            <a:r>
-              <a:t/>
-            </a:r>
             <a:endParaRPr/>
           </a:p>
         </p:txBody>
@@ -1325,9 +1365,11 @@
       <p:sp>
         <p:nvSpPr>
           <p:cNvPr id="107" name="Google Shape;107;g7523bb6b8b_11_20:notes"/>
-          <p:cNvSpPr/>
+          <p:cNvSpPr>
+            <a:spLocks noGrp="1" noRot="1" noChangeAspect="1"/>
+          </p:cNvSpPr>
           <p:nvPr>
-            <p:ph idx="2" type="sldImg"/>
+            <p:ph type="sldImg" idx="2"/>
           </p:nvPr>
         </p:nvSpPr>
         <p:spPr>
@@ -1336,9 +1378,13 @@
             <a:ext cx="5486400" cy="3086100"/>
           </a:xfrm>
           <a:custGeom>
-            <a:rect b="b" l="l" r="r" t="t"/>
+            <a:avLst/>
+            <a:gdLst/>
+            <a:ahLst/>
+            <a:cxnLst/>
+            <a:rect l="l" t="t" r="r" b="b"/>
             <a:pathLst>
-              <a:path extrusionOk="0" h="120000" w="120000">
+              <a:path w="120000" h="120000" extrusionOk="0">
                 <a:moveTo>
                   <a:pt x="0" y="0"/>
                 </a:moveTo>
@@ -1366,11 +1412,11 @@
 </file>
 
 <file path=ppt/notesSlides/notesSlide4.xml><?xml version="1.0" encoding="utf-8"?>
-<p:notes xmlns:a="http://schemas.openxmlformats.org/drawingml/2006/main" xmlns:r="http://schemas.openxmlformats.org/officeDocument/2006/relationships" xmlns:mc="http://schemas.openxmlformats.org/markup-compatibility/2006" xmlns:mv="urn:schemas-microsoft-com:mac:vml" xmlns:p="http://schemas.openxmlformats.org/presentationml/2006/main" xmlns:c="http://schemas.openxmlformats.org/drawingml/2006/chart" xmlns:dgm="http://schemas.openxmlformats.org/drawingml/2006/diagram" xmlns:o="urn:schemas-microsoft-com:office:office" xmlns:v="urn:schemas-microsoft-com:vml" xmlns:pvml="urn:schemas-microsoft-com:office:powerpoint" xmlns:com="http://schemas.openxmlformats.org/drawingml/2006/compatibility" xmlns:p14="http://schemas.microsoft.com/office/powerpoint/2010/main" xmlns:p15="http://schemas.microsoft.com/office/powerpoint/2012/main" xmlns:ahyp="http://schemas.microsoft.com/office/drawing/2018/hyperlinkcolor" showMasterPhAnim="0" showMasterSp="0">
+<p:notes xmlns:a="http://schemas.openxmlformats.org/drawingml/2006/main" xmlns:r="http://schemas.openxmlformats.org/officeDocument/2006/relationships" xmlns:p="http://schemas.openxmlformats.org/presentationml/2006/main" showMasterSp="0" showMasterPhAnim="0">
   <p:cSld>
     <p:spTree>
       <p:nvGrpSpPr>
-        <p:cNvPr id="124" name="Shape 124"/>
+        <p:cNvPr id="1" name="Shape 124"/>
         <p:cNvGrpSpPr/>
         <p:nvPr/>
       </p:nvGrpSpPr>
@@ -1385,9 +1431,11 @@
       <p:sp>
         <p:nvSpPr>
           <p:cNvPr id="125" name="Google Shape;125;gc6f9e470d_0_37:notes"/>
-          <p:cNvSpPr/>
+          <p:cNvSpPr>
+            <a:spLocks noGrp="1" noRot="1" noChangeAspect="1"/>
+          </p:cNvSpPr>
           <p:nvPr>
-            <p:ph idx="2" type="sldImg"/>
+            <p:ph type="sldImg" idx="2"/>
           </p:nvPr>
         </p:nvSpPr>
         <p:spPr>
@@ -1396,9 +1444,13 @@
             <a:ext cx="6096300" cy="3429000"/>
           </a:xfrm>
           <a:custGeom>
-            <a:rect b="b" l="l" r="r" t="t"/>
+            <a:avLst/>
+            <a:gdLst/>
+            <a:ahLst/>
+            <a:cxnLst/>
+            <a:rect l="l" t="t" r="r" b="b"/>
             <a:pathLst>
-              <a:path extrusionOk="0" h="120000" w="120000">
+              <a:path w="120000" h="120000" extrusionOk="0">
                 <a:moveTo>
                   <a:pt x="0" y="0"/>
                 </a:moveTo>
@@ -1420,9 +1472,11 @@
       <p:sp>
         <p:nvSpPr>
           <p:cNvPr id="126" name="Google Shape;126;gc6f9e470d_0_37:notes"/>
-          <p:cNvSpPr txBox="1"/>
+          <p:cNvSpPr txBox="1">
+            <a:spLocks noGrp="1"/>
+          </p:cNvSpPr>
           <p:nvPr>
-            <p:ph idx="1" type="body"/>
+            <p:ph type="body" idx="1"/>
           </p:nvPr>
         </p:nvSpPr>
         <p:spPr>
@@ -1435,12 +1489,12 @@
           </a:prstGeom>
         </p:spPr>
         <p:txBody>
-          <a:bodyPr anchorCtr="0" anchor="t" bIns="91425" lIns="91425" spcFirstLastPara="1" rIns="91425" wrap="square" tIns="91425">
+          <a:bodyPr spcFirstLastPara="1" wrap="square" lIns="91425" tIns="91425" rIns="91425" bIns="91425" anchor="t" anchorCtr="0">
             <a:noAutofit/>
           </a:bodyPr>
           <a:lstStyle/>
           <a:p>
-            <a:pPr indent="0" lvl="0" marL="0" rtl="0" algn="l">
+            <a:pPr marL="0" lvl="0" indent="0" algn="l" rtl="0">
               <a:spcBef>
                 <a:spcPts val="0"/>
               </a:spcBef>
@@ -1449,9 +1503,6 @@
               </a:spcAft>
               <a:buNone/>
             </a:pPr>
-            <a:r>
-              <a:t/>
-            </a:r>
             <a:endParaRPr/>
           </a:p>
         </p:txBody>
@@ -1465,11 +1516,11 @@
 </file>
 
 <file path=ppt/notesSlides/notesSlide5.xml><?xml version="1.0" encoding="utf-8"?>
-<p:notes xmlns:a="http://schemas.openxmlformats.org/drawingml/2006/main" xmlns:r="http://schemas.openxmlformats.org/officeDocument/2006/relationships" xmlns:mc="http://schemas.openxmlformats.org/markup-compatibility/2006" xmlns:mv="urn:schemas-microsoft-com:mac:vml" xmlns:p="http://schemas.openxmlformats.org/presentationml/2006/main" xmlns:c="http://schemas.openxmlformats.org/drawingml/2006/chart" xmlns:dgm="http://schemas.openxmlformats.org/drawingml/2006/diagram" xmlns:o="urn:schemas-microsoft-com:office:office" xmlns:v="urn:schemas-microsoft-com:vml" xmlns:pvml="urn:schemas-microsoft-com:office:powerpoint" xmlns:com="http://schemas.openxmlformats.org/drawingml/2006/compatibility" xmlns:p14="http://schemas.microsoft.com/office/powerpoint/2010/main" xmlns:p15="http://schemas.microsoft.com/office/powerpoint/2012/main" xmlns:ahyp="http://schemas.microsoft.com/office/drawing/2018/hyperlinkcolor" showMasterPhAnim="0" showMasterSp="0">
+<p:notes xmlns:a="http://schemas.openxmlformats.org/drawingml/2006/main" xmlns:r="http://schemas.openxmlformats.org/officeDocument/2006/relationships" xmlns:p="http://schemas.openxmlformats.org/presentationml/2006/main" showMasterSp="0" showMasterPhAnim="0">
   <p:cSld>
     <p:spTree>
       <p:nvGrpSpPr>
-        <p:cNvPr id="134" name="Shape 134"/>
+        <p:cNvPr id="1" name="Shape 134"/>
         <p:cNvGrpSpPr/>
         <p:nvPr/>
       </p:nvGrpSpPr>
@@ -1484,9 +1535,11 @@
       <p:sp>
         <p:nvSpPr>
           <p:cNvPr id="135" name="Google Shape;135;g8bc1134f08_0_90:notes"/>
-          <p:cNvSpPr/>
+          <p:cNvSpPr>
+            <a:spLocks noGrp="1" noRot="1" noChangeAspect="1"/>
+          </p:cNvSpPr>
           <p:nvPr>
-            <p:ph idx="2" type="sldImg"/>
+            <p:ph type="sldImg" idx="2"/>
           </p:nvPr>
         </p:nvSpPr>
         <p:spPr>
@@ -1495,9 +1548,13 @@
             <a:ext cx="5486400" cy="3086100"/>
           </a:xfrm>
           <a:custGeom>
-            <a:rect b="b" l="l" r="r" t="t"/>
+            <a:avLst/>
+            <a:gdLst/>
+            <a:ahLst/>
+            <a:cxnLst/>
+            <a:rect l="l" t="t" r="r" b="b"/>
             <a:pathLst>
-              <a:path extrusionOk="0" h="120000" w="120000">
+              <a:path w="120000" h="120000" extrusionOk="0">
                 <a:moveTo>
                   <a:pt x="0" y="0"/>
                 </a:moveTo>
@@ -1515,23 +1572,25 @@
             </a:pathLst>
           </a:custGeom>
           <a:noFill/>
-          <a:ln cap="flat" cmpd="sng" w="12700">
+          <a:ln w="12700" cap="flat" cmpd="sng">
             <a:solidFill>
               <a:srgbClr val="000000"/>
             </a:solidFill>
             <a:prstDash val="solid"/>
             <a:round/>
-            <a:headEnd len="sm" w="sm" type="none"/>
-            <a:tailEnd len="sm" w="sm" type="none"/>
+            <a:headEnd type="none" w="sm" len="sm"/>
+            <a:tailEnd type="none" w="sm" len="sm"/>
           </a:ln>
         </p:spPr>
       </p:sp>
       <p:sp>
         <p:nvSpPr>
           <p:cNvPr id="136" name="Google Shape;136;g8bc1134f08_0_90:notes"/>
-          <p:cNvSpPr txBox="1"/>
+          <p:cNvSpPr txBox="1">
+            <a:spLocks noGrp="1"/>
+          </p:cNvSpPr>
           <p:nvPr>
-            <p:ph idx="1" type="body"/>
+            <p:ph type="body" idx="1"/>
           </p:nvPr>
         </p:nvSpPr>
         <p:spPr>
@@ -1548,12 +1607,12 @@
           </a:ln>
         </p:spPr>
         <p:txBody>
-          <a:bodyPr anchorCtr="0" anchor="t" bIns="45700" lIns="91425" spcFirstLastPara="1" rIns="91425" wrap="square" tIns="45700">
+          <a:bodyPr spcFirstLastPara="1" wrap="square" lIns="91425" tIns="45700" rIns="91425" bIns="45700" anchor="t" anchorCtr="0">
             <a:noAutofit/>
           </a:bodyPr>
           <a:lstStyle/>
           <a:p>
-            <a:pPr indent="0" lvl="0" marL="0" rtl="0" algn="l">
+            <a:pPr marL="0" lvl="0" indent="0" algn="l" rtl="0">
               <a:spcBef>
                 <a:spcPts val="0"/>
               </a:spcBef>
@@ -1562,9 +1621,6 @@
               </a:spcAft>
               <a:buNone/>
             </a:pPr>
-            <a:r>
-              <a:t/>
-            </a:r>
             <a:endParaRPr/>
           </a:p>
         </p:txBody>
@@ -1572,9 +1628,11 @@
       <p:sp>
         <p:nvSpPr>
           <p:cNvPr id="137" name="Google Shape;137;g8bc1134f08_0_90:notes"/>
-          <p:cNvSpPr txBox="1"/>
+          <p:cNvSpPr txBox="1">
+            <a:spLocks noGrp="1"/>
+          </p:cNvSpPr>
           <p:nvPr>
-            <p:ph idx="12" type="sldNum"/>
+            <p:ph type="sldNum" idx="12"/>
           </p:nvPr>
         </p:nvSpPr>
         <p:spPr>
@@ -1591,12 +1649,12 @@
           </a:ln>
         </p:spPr>
         <p:txBody>
-          <a:bodyPr anchorCtr="0" anchor="b" bIns="45700" lIns="91425" spcFirstLastPara="1" rIns="91425" wrap="square" tIns="45700">
+          <a:bodyPr spcFirstLastPara="1" wrap="square" lIns="91425" tIns="45700" rIns="91425" bIns="45700" anchor="b" anchorCtr="0">
             <a:noAutofit/>
           </a:bodyPr>
           <a:lstStyle/>
           <a:p>
-            <a:pPr indent="0" lvl="0" marL="0" rtl="0" algn="r">
+            <a:pPr marL="0" lvl="0" indent="0" algn="r" rtl="0">
               <a:spcBef>
                 <a:spcPts val="0"/>
               </a:spcBef>
@@ -1607,7 +1665,7 @@
             </a:pPr>
             <a:fld id="{00000000-1234-1234-1234-123412341234}" type="slidenum">
               <a:rPr lang="en"/>
-              <a:t>‹#›</a:t>
+              <a:t>5</a:t>
             </a:fld>
             <a:endParaRPr/>
           </a:p>
@@ -1622,11 +1680,11 @@
 </file>
 
 <file path=ppt/notesSlides/notesSlide6.xml><?xml version="1.0" encoding="utf-8"?>
-<p:notes xmlns:a="http://schemas.openxmlformats.org/drawingml/2006/main" xmlns:r="http://schemas.openxmlformats.org/officeDocument/2006/relationships" xmlns:mc="http://schemas.openxmlformats.org/markup-compatibility/2006" xmlns:mv="urn:schemas-microsoft-com:mac:vml" xmlns:p="http://schemas.openxmlformats.org/presentationml/2006/main" xmlns:c="http://schemas.openxmlformats.org/drawingml/2006/chart" xmlns:dgm="http://schemas.openxmlformats.org/drawingml/2006/diagram" xmlns:o="urn:schemas-microsoft-com:office:office" xmlns:v="urn:schemas-microsoft-com:vml" xmlns:pvml="urn:schemas-microsoft-com:office:powerpoint" xmlns:com="http://schemas.openxmlformats.org/drawingml/2006/compatibility" xmlns:p14="http://schemas.microsoft.com/office/powerpoint/2010/main" xmlns:p15="http://schemas.microsoft.com/office/powerpoint/2012/main" xmlns:ahyp="http://schemas.microsoft.com/office/drawing/2018/hyperlinkcolor" showMasterPhAnim="0" showMasterSp="0">
+<p:notes xmlns:a="http://schemas.openxmlformats.org/drawingml/2006/main" xmlns:r="http://schemas.openxmlformats.org/officeDocument/2006/relationships" xmlns:p="http://schemas.openxmlformats.org/presentationml/2006/main" showMasterSp="0" showMasterPhAnim="0">
   <p:cSld>
     <p:spTree>
       <p:nvGrpSpPr>
-        <p:cNvPr id="144" name="Shape 144"/>
+        <p:cNvPr id="1" name="Shape 144"/>
         <p:cNvGrpSpPr/>
         <p:nvPr/>
       </p:nvGrpSpPr>
@@ -1641,9 +1699,11 @@
       <p:sp>
         <p:nvSpPr>
           <p:cNvPr id="145" name="Google Shape;145;gc5abbd3403_0_1:notes"/>
-          <p:cNvSpPr/>
+          <p:cNvSpPr>
+            <a:spLocks noGrp="1" noRot="1" noChangeAspect="1"/>
+          </p:cNvSpPr>
           <p:nvPr>
-            <p:ph idx="2" type="sldImg"/>
+            <p:ph type="sldImg" idx="2"/>
           </p:nvPr>
         </p:nvSpPr>
         <p:spPr>
@@ -1652,9 +1712,13 @@
             <a:ext cx="5486400" cy="3086100"/>
           </a:xfrm>
           <a:custGeom>
-            <a:rect b="b" l="l" r="r" t="t"/>
+            <a:avLst/>
+            <a:gdLst/>
+            <a:ahLst/>
+            <a:cxnLst/>
+            <a:rect l="l" t="t" r="r" b="b"/>
             <a:pathLst>
-              <a:path extrusionOk="0" h="120000" w="120000">
+              <a:path w="120000" h="120000" extrusionOk="0">
                 <a:moveTo>
                   <a:pt x="0" y="0"/>
                 </a:moveTo>
@@ -1672,23 +1736,25 @@
             </a:pathLst>
           </a:custGeom>
           <a:noFill/>
-          <a:ln cap="flat" cmpd="sng" w="12700">
+          <a:ln w="12700" cap="flat" cmpd="sng">
             <a:solidFill>
               <a:srgbClr val="000000"/>
             </a:solidFill>
             <a:prstDash val="solid"/>
             <a:round/>
-            <a:headEnd len="sm" w="sm" type="none"/>
-            <a:tailEnd len="sm" w="sm" type="none"/>
+            <a:headEnd type="none" w="sm" len="sm"/>
+            <a:tailEnd type="none" w="sm" len="sm"/>
           </a:ln>
         </p:spPr>
       </p:sp>
       <p:sp>
         <p:nvSpPr>
           <p:cNvPr id="146" name="Google Shape;146;gc5abbd3403_0_1:notes"/>
-          <p:cNvSpPr txBox="1"/>
+          <p:cNvSpPr txBox="1">
+            <a:spLocks noGrp="1"/>
+          </p:cNvSpPr>
           <p:nvPr>
-            <p:ph idx="1" type="body"/>
+            <p:ph type="body" idx="1"/>
           </p:nvPr>
         </p:nvSpPr>
         <p:spPr>
@@ -1705,12 +1771,12 @@
           </a:ln>
         </p:spPr>
         <p:txBody>
-          <a:bodyPr anchorCtr="0" anchor="t" bIns="45700" lIns="91425" spcFirstLastPara="1" rIns="91425" wrap="square" tIns="45700">
+          <a:bodyPr spcFirstLastPara="1" wrap="square" lIns="91425" tIns="45700" rIns="91425" bIns="45700" anchor="t" anchorCtr="0">
             <a:noAutofit/>
           </a:bodyPr>
           <a:lstStyle/>
           <a:p>
-            <a:pPr indent="0" lvl="0" marL="0" rtl="0" algn="l">
+            <a:pPr marL="0" lvl="0" indent="0" algn="l" rtl="0">
               <a:spcBef>
                 <a:spcPts val="0"/>
               </a:spcBef>
@@ -1719,9 +1785,6 @@
               </a:spcAft>
               <a:buNone/>
             </a:pPr>
-            <a:r>
-              <a:t/>
-            </a:r>
             <a:endParaRPr/>
           </a:p>
         </p:txBody>
@@ -1729,9 +1792,11 @@
       <p:sp>
         <p:nvSpPr>
           <p:cNvPr id="147" name="Google Shape;147;gc5abbd3403_0_1:notes"/>
-          <p:cNvSpPr txBox="1"/>
+          <p:cNvSpPr txBox="1">
+            <a:spLocks noGrp="1"/>
+          </p:cNvSpPr>
           <p:nvPr>
-            <p:ph idx="12" type="sldNum"/>
+            <p:ph type="sldNum" idx="12"/>
           </p:nvPr>
         </p:nvSpPr>
         <p:spPr>
@@ -1748,12 +1813,12 @@
           </a:ln>
         </p:spPr>
         <p:txBody>
-          <a:bodyPr anchorCtr="0" anchor="b" bIns="45700" lIns="91425" spcFirstLastPara="1" rIns="91425" wrap="square" tIns="45700">
+          <a:bodyPr spcFirstLastPara="1" wrap="square" lIns="91425" tIns="45700" rIns="91425" bIns="45700" anchor="b" anchorCtr="0">
             <a:noAutofit/>
           </a:bodyPr>
           <a:lstStyle/>
           <a:p>
-            <a:pPr indent="0" lvl="0" marL="0" rtl="0" algn="r">
+            <a:pPr marL="0" lvl="0" indent="0" algn="r" rtl="0">
               <a:spcBef>
                 <a:spcPts val="0"/>
               </a:spcBef>
@@ -1764,7 +1829,7 @@
             </a:pPr>
             <a:fld id="{00000000-1234-1234-1234-123412341234}" type="slidenum">
               <a:rPr lang="en"/>
-              <a:t>‹#›</a:t>
+              <a:t>6</a:t>
             </a:fld>
             <a:endParaRPr/>
           </a:p>
@@ -1779,11 +1844,11 @@
 </file>
 
 <file path=ppt/notesSlides/notesSlide7.xml><?xml version="1.0" encoding="utf-8"?>
-<p:notes xmlns:a="http://schemas.openxmlformats.org/drawingml/2006/main" xmlns:r="http://schemas.openxmlformats.org/officeDocument/2006/relationships" xmlns:mc="http://schemas.openxmlformats.org/markup-compatibility/2006" xmlns:mv="urn:schemas-microsoft-com:mac:vml" xmlns:p="http://schemas.openxmlformats.org/presentationml/2006/main" xmlns:c="http://schemas.openxmlformats.org/drawingml/2006/chart" xmlns:dgm="http://schemas.openxmlformats.org/drawingml/2006/diagram" xmlns:o="urn:schemas-microsoft-com:office:office" xmlns:v="urn:schemas-microsoft-com:vml" xmlns:pvml="urn:schemas-microsoft-com:office:powerpoint" xmlns:com="http://schemas.openxmlformats.org/drawingml/2006/compatibility" xmlns:p14="http://schemas.microsoft.com/office/powerpoint/2010/main" xmlns:p15="http://schemas.microsoft.com/office/powerpoint/2012/main" xmlns:ahyp="http://schemas.microsoft.com/office/drawing/2018/hyperlinkcolor" showMasterPhAnim="0" showMasterSp="0">
+<p:notes xmlns:a="http://schemas.openxmlformats.org/drawingml/2006/main" xmlns:r="http://schemas.openxmlformats.org/officeDocument/2006/relationships" xmlns:p="http://schemas.openxmlformats.org/presentationml/2006/main" showMasterSp="0" showMasterPhAnim="0">
   <p:cSld>
     <p:spTree>
       <p:nvGrpSpPr>
-        <p:cNvPr id="154" name="Shape 154"/>
+        <p:cNvPr id="1" name="Shape 154"/>
         <p:cNvGrpSpPr/>
         <p:nvPr/>
       </p:nvGrpSpPr>
@@ -1798,9 +1863,11 @@
       <p:sp>
         <p:nvSpPr>
           <p:cNvPr id="155" name="Google Shape;155;gc5abbd3403_0_9:notes"/>
-          <p:cNvSpPr/>
+          <p:cNvSpPr>
+            <a:spLocks noGrp="1" noRot="1" noChangeAspect="1"/>
+          </p:cNvSpPr>
           <p:nvPr>
-            <p:ph idx="2" type="sldImg"/>
+            <p:ph type="sldImg" idx="2"/>
           </p:nvPr>
         </p:nvSpPr>
         <p:spPr>
@@ -1809,9 +1876,13 @@
             <a:ext cx="5486400" cy="3086100"/>
           </a:xfrm>
           <a:custGeom>
-            <a:rect b="b" l="l" r="r" t="t"/>
+            <a:avLst/>
+            <a:gdLst/>
+            <a:ahLst/>
+            <a:cxnLst/>
+            <a:rect l="l" t="t" r="r" b="b"/>
             <a:pathLst>
-              <a:path extrusionOk="0" h="120000" w="120000">
+              <a:path w="120000" h="120000" extrusionOk="0">
                 <a:moveTo>
                   <a:pt x="0" y="0"/>
                 </a:moveTo>
@@ -1829,23 +1900,25 @@
             </a:pathLst>
           </a:custGeom>
           <a:noFill/>
-          <a:ln cap="flat" cmpd="sng" w="12700">
+          <a:ln w="12700" cap="flat" cmpd="sng">
             <a:solidFill>
               <a:srgbClr val="000000"/>
             </a:solidFill>
             <a:prstDash val="solid"/>
             <a:round/>
-            <a:headEnd len="sm" w="sm" type="none"/>
-            <a:tailEnd len="sm" w="sm" type="none"/>
+            <a:headEnd type="none" w="sm" len="sm"/>
+            <a:tailEnd type="none" w="sm" len="sm"/>
           </a:ln>
         </p:spPr>
       </p:sp>
       <p:sp>
         <p:nvSpPr>
           <p:cNvPr id="156" name="Google Shape;156;gc5abbd3403_0_9:notes"/>
-          <p:cNvSpPr txBox="1"/>
+          <p:cNvSpPr txBox="1">
+            <a:spLocks noGrp="1"/>
+          </p:cNvSpPr>
           <p:nvPr>
-            <p:ph idx="1" type="body"/>
+            <p:ph type="body" idx="1"/>
           </p:nvPr>
         </p:nvSpPr>
         <p:spPr>
@@ -1862,12 +1935,12 @@
           </a:ln>
         </p:spPr>
         <p:txBody>
-          <a:bodyPr anchorCtr="0" anchor="t" bIns="45700" lIns="91425" spcFirstLastPara="1" rIns="91425" wrap="square" tIns="45700">
+          <a:bodyPr spcFirstLastPara="1" wrap="square" lIns="91425" tIns="45700" rIns="91425" bIns="45700" anchor="t" anchorCtr="0">
             <a:noAutofit/>
           </a:bodyPr>
           <a:lstStyle/>
           <a:p>
-            <a:pPr indent="0" lvl="0" marL="0" rtl="0" algn="l">
+            <a:pPr marL="0" lvl="0" indent="0" algn="l" rtl="0">
               <a:spcBef>
                 <a:spcPts val="0"/>
               </a:spcBef>
@@ -1876,9 +1949,6 @@
               </a:spcAft>
               <a:buNone/>
             </a:pPr>
-            <a:r>
-              <a:t/>
-            </a:r>
             <a:endParaRPr/>
           </a:p>
         </p:txBody>
@@ -1886,9 +1956,11 @@
       <p:sp>
         <p:nvSpPr>
           <p:cNvPr id="157" name="Google Shape;157;gc5abbd3403_0_9:notes"/>
-          <p:cNvSpPr txBox="1"/>
+          <p:cNvSpPr txBox="1">
+            <a:spLocks noGrp="1"/>
+          </p:cNvSpPr>
           <p:nvPr>
-            <p:ph idx="12" type="sldNum"/>
+            <p:ph type="sldNum" idx="12"/>
           </p:nvPr>
         </p:nvSpPr>
         <p:spPr>
@@ -1905,12 +1977,12 @@
           </a:ln>
         </p:spPr>
         <p:txBody>
-          <a:bodyPr anchorCtr="0" anchor="b" bIns="45700" lIns="91425" spcFirstLastPara="1" rIns="91425" wrap="square" tIns="45700">
+          <a:bodyPr spcFirstLastPara="1" wrap="square" lIns="91425" tIns="45700" rIns="91425" bIns="45700" anchor="b" anchorCtr="0">
             <a:noAutofit/>
           </a:bodyPr>
           <a:lstStyle/>
           <a:p>
-            <a:pPr indent="0" lvl="0" marL="0" rtl="0" algn="r">
+            <a:pPr marL="0" lvl="0" indent="0" algn="r" rtl="0">
               <a:spcBef>
                 <a:spcPts val="0"/>
               </a:spcBef>
@@ -1921,7 +1993,7 @@
             </a:pPr>
             <a:fld id="{00000000-1234-1234-1234-123412341234}" type="slidenum">
               <a:rPr lang="en"/>
-              <a:t>‹#›</a:t>
+              <a:t>7</a:t>
             </a:fld>
             <a:endParaRPr/>
           </a:p>
@@ -1936,11 +2008,11 @@
 </file>
 
 <file path=ppt/notesSlides/notesSlide8.xml><?xml version="1.0" encoding="utf-8"?>
-<p:notes xmlns:a="http://schemas.openxmlformats.org/drawingml/2006/main" xmlns:r="http://schemas.openxmlformats.org/officeDocument/2006/relationships" xmlns:mc="http://schemas.openxmlformats.org/markup-compatibility/2006" xmlns:mv="urn:schemas-microsoft-com:mac:vml" xmlns:p="http://schemas.openxmlformats.org/presentationml/2006/main" xmlns:c="http://schemas.openxmlformats.org/drawingml/2006/chart" xmlns:dgm="http://schemas.openxmlformats.org/drawingml/2006/diagram" xmlns:o="urn:schemas-microsoft-com:office:office" xmlns:v="urn:schemas-microsoft-com:vml" xmlns:pvml="urn:schemas-microsoft-com:office:powerpoint" xmlns:com="http://schemas.openxmlformats.org/drawingml/2006/compatibility" xmlns:p14="http://schemas.microsoft.com/office/powerpoint/2010/main" xmlns:p15="http://schemas.microsoft.com/office/powerpoint/2012/main" xmlns:ahyp="http://schemas.microsoft.com/office/drawing/2018/hyperlinkcolor" showMasterPhAnim="0" showMasterSp="0">
+<p:notes xmlns:a="http://schemas.openxmlformats.org/drawingml/2006/main" xmlns:r="http://schemas.openxmlformats.org/officeDocument/2006/relationships" xmlns:p="http://schemas.openxmlformats.org/presentationml/2006/main" showMasterSp="0" showMasterPhAnim="0">
   <p:cSld>
     <p:spTree>
       <p:nvGrpSpPr>
-        <p:cNvPr id="164" name="Shape 164"/>
+        <p:cNvPr id="1" name="Shape 164"/>
         <p:cNvGrpSpPr/>
         <p:nvPr/>
       </p:nvGrpSpPr>
@@ -1955,9 +2027,11 @@
       <p:sp>
         <p:nvSpPr>
           <p:cNvPr id="165" name="Google Shape;165;gc5abbd3403_0_16:notes"/>
-          <p:cNvSpPr/>
+          <p:cNvSpPr>
+            <a:spLocks noGrp="1" noRot="1" noChangeAspect="1"/>
+          </p:cNvSpPr>
           <p:nvPr>
-            <p:ph idx="2" type="sldImg"/>
+            <p:ph type="sldImg" idx="2"/>
           </p:nvPr>
         </p:nvSpPr>
         <p:spPr>
@@ -1966,9 +2040,13 @@
             <a:ext cx="5486400" cy="3086100"/>
           </a:xfrm>
           <a:custGeom>
-            <a:rect b="b" l="l" r="r" t="t"/>
+            <a:avLst/>
+            <a:gdLst/>
+            <a:ahLst/>
+            <a:cxnLst/>
+            <a:rect l="l" t="t" r="r" b="b"/>
             <a:pathLst>
-              <a:path extrusionOk="0" h="120000" w="120000">
+              <a:path w="120000" h="120000" extrusionOk="0">
                 <a:moveTo>
                   <a:pt x="0" y="0"/>
                 </a:moveTo>
@@ -1986,23 +2064,25 @@
             </a:pathLst>
           </a:custGeom>
           <a:noFill/>
-          <a:ln cap="flat" cmpd="sng" w="12700">
+          <a:ln w="12700" cap="flat" cmpd="sng">
             <a:solidFill>
               <a:srgbClr val="000000"/>
             </a:solidFill>
             <a:prstDash val="solid"/>
             <a:round/>
-            <a:headEnd len="sm" w="sm" type="none"/>
-            <a:tailEnd len="sm" w="sm" type="none"/>
+            <a:headEnd type="none" w="sm" len="sm"/>
+            <a:tailEnd type="none" w="sm" len="sm"/>
           </a:ln>
         </p:spPr>
       </p:sp>
       <p:sp>
         <p:nvSpPr>
           <p:cNvPr id="166" name="Google Shape;166;gc5abbd3403_0_16:notes"/>
-          <p:cNvSpPr txBox="1"/>
+          <p:cNvSpPr txBox="1">
+            <a:spLocks noGrp="1"/>
+          </p:cNvSpPr>
           <p:nvPr>
-            <p:ph idx="1" type="body"/>
+            <p:ph type="body" idx="1"/>
           </p:nvPr>
         </p:nvSpPr>
         <p:spPr>
@@ -2019,12 +2099,12 @@
           </a:ln>
         </p:spPr>
         <p:txBody>
-          <a:bodyPr anchorCtr="0" anchor="t" bIns="45700" lIns="91425" spcFirstLastPara="1" rIns="91425" wrap="square" tIns="45700">
+          <a:bodyPr spcFirstLastPara="1" wrap="square" lIns="91425" tIns="45700" rIns="91425" bIns="45700" anchor="t" anchorCtr="0">
             <a:noAutofit/>
           </a:bodyPr>
           <a:lstStyle/>
           <a:p>
-            <a:pPr indent="0" lvl="0" marL="0" rtl="0" algn="l">
+            <a:pPr marL="0" lvl="0" indent="0" algn="l" rtl="0">
               <a:spcBef>
                 <a:spcPts val="0"/>
               </a:spcBef>
@@ -2033,9 +2113,6 @@
               </a:spcAft>
               <a:buNone/>
             </a:pPr>
-            <a:r>
-              <a:t/>
-            </a:r>
             <a:endParaRPr/>
           </a:p>
         </p:txBody>
@@ -2043,9 +2120,11 @@
       <p:sp>
         <p:nvSpPr>
           <p:cNvPr id="167" name="Google Shape;167;gc5abbd3403_0_16:notes"/>
-          <p:cNvSpPr txBox="1"/>
+          <p:cNvSpPr txBox="1">
+            <a:spLocks noGrp="1"/>
+          </p:cNvSpPr>
           <p:nvPr>
-            <p:ph idx="12" type="sldNum"/>
+            <p:ph type="sldNum" idx="12"/>
           </p:nvPr>
         </p:nvSpPr>
         <p:spPr>
@@ -2062,12 +2141,12 @@
           </a:ln>
         </p:spPr>
         <p:txBody>
-          <a:bodyPr anchorCtr="0" anchor="b" bIns="45700" lIns="91425" spcFirstLastPara="1" rIns="91425" wrap="square" tIns="45700">
+          <a:bodyPr spcFirstLastPara="1" wrap="square" lIns="91425" tIns="45700" rIns="91425" bIns="45700" anchor="b" anchorCtr="0">
             <a:noAutofit/>
           </a:bodyPr>
           <a:lstStyle/>
           <a:p>
-            <a:pPr indent="0" lvl="0" marL="0" rtl="0" algn="r">
+            <a:pPr marL="0" lvl="0" indent="0" algn="r" rtl="0">
               <a:spcBef>
                 <a:spcPts val="0"/>
               </a:spcBef>
@@ -2078,7 +2157,7 @@
             </a:pPr>
             <a:fld id="{00000000-1234-1234-1234-123412341234}" type="slidenum">
               <a:rPr lang="en"/>
-              <a:t>‹#›</a:t>
+              <a:t>8</a:t>
             </a:fld>
             <a:endParaRPr/>
           </a:p>
@@ -2093,11 +2172,11 @@
 </file>
 
 <file path=ppt/notesSlides/notesSlide9.xml><?xml version="1.0" encoding="utf-8"?>
-<p:notes xmlns:a="http://schemas.openxmlformats.org/drawingml/2006/main" xmlns:r="http://schemas.openxmlformats.org/officeDocument/2006/relationships" xmlns:mc="http://schemas.openxmlformats.org/markup-compatibility/2006" xmlns:mv="urn:schemas-microsoft-com:mac:vml" xmlns:p="http://schemas.openxmlformats.org/presentationml/2006/main" xmlns:c="http://schemas.openxmlformats.org/drawingml/2006/chart" xmlns:dgm="http://schemas.openxmlformats.org/drawingml/2006/diagram" xmlns:o="urn:schemas-microsoft-com:office:office" xmlns:v="urn:schemas-microsoft-com:vml" xmlns:pvml="urn:schemas-microsoft-com:office:powerpoint" xmlns:com="http://schemas.openxmlformats.org/drawingml/2006/compatibility" xmlns:p14="http://schemas.microsoft.com/office/powerpoint/2010/main" xmlns:p15="http://schemas.microsoft.com/office/powerpoint/2012/main" xmlns:ahyp="http://schemas.microsoft.com/office/drawing/2018/hyperlinkcolor" showMasterPhAnim="0" showMasterSp="0">
+<p:notes xmlns:a="http://schemas.openxmlformats.org/drawingml/2006/main" xmlns:r="http://schemas.openxmlformats.org/officeDocument/2006/relationships" xmlns:p="http://schemas.openxmlformats.org/presentationml/2006/main" showMasterSp="0" showMasterPhAnim="0">
   <p:cSld>
     <p:spTree>
       <p:nvGrpSpPr>
-        <p:cNvPr id="174" name="Shape 174"/>
+        <p:cNvPr id="1" name="Shape 174"/>
         <p:cNvGrpSpPr/>
         <p:nvPr/>
       </p:nvGrpSpPr>
@@ -2112,9 +2191,11 @@
       <p:sp>
         <p:nvSpPr>
           <p:cNvPr id="175" name="Google Shape;175;gc5abbd3403_0_23:notes"/>
-          <p:cNvSpPr/>
+          <p:cNvSpPr>
+            <a:spLocks noGrp="1" noRot="1" noChangeAspect="1"/>
+          </p:cNvSpPr>
           <p:nvPr>
-            <p:ph idx="2" type="sldImg"/>
+            <p:ph type="sldImg" idx="2"/>
           </p:nvPr>
         </p:nvSpPr>
         <p:spPr>
@@ -2123,9 +2204,13 @@
             <a:ext cx="5486400" cy="3086100"/>
           </a:xfrm>
           <a:custGeom>
-            <a:rect b="b" l="l" r="r" t="t"/>
+            <a:avLst/>
+            <a:gdLst/>
+            <a:ahLst/>
+            <a:cxnLst/>
+            <a:rect l="l" t="t" r="r" b="b"/>
             <a:pathLst>
-              <a:path extrusionOk="0" h="120000" w="120000">
+              <a:path w="120000" h="120000" extrusionOk="0">
                 <a:moveTo>
                   <a:pt x="0" y="0"/>
                 </a:moveTo>
@@ -2143,23 +2228,25 @@
             </a:pathLst>
           </a:custGeom>
           <a:noFill/>
-          <a:ln cap="flat" cmpd="sng" w="12700">
+          <a:ln w="12700" cap="flat" cmpd="sng">
             <a:solidFill>
               <a:srgbClr val="000000"/>
             </a:solidFill>
             <a:prstDash val="solid"/>
             <a:round/>
-            <a:headEnd len="sm" w="sm" type="none"/>
-            <a:tailEnd len="sm" w="sm" type="none"/>
+            <a:headEnd type="none" w="sm" len="sm"/>
+            <a:tailEnd type="none" w="sm" len="sm"/>
           </a:ln>
         </p:spPr>
       </p:sp>
       <p:sp>
         <p:nvSpPr>
           <p:cNvPr id="176" name="Google Shape;176;gc5abbd3403_0_23:notes"/>
-          <p:cNvSpPr txBox="1"/>
+          <p:cNvSpPr txBox="1">
+            <a:spLocks noGrp="1"/>
+          </p:cNvSpPr>
           <p:nvPr>
-            <p:ph idx="1" type="body"/>
+            <p:ph type="body" idx="1"/>
           </p:nvPr>
         </p:nvSpPr>
         <p:spPr>
@@ -2176,12 +2263,12 @@
           </a:ln>
         </p:spPr>
         <p:txBody>
-          <a:bodyPr anchorCtr="0" anchor="t" bIns="45700" lIns="91425" spcFirstLastPara="1" rIns="91425" wrap="square" tIns="45700">
+          <a:bodyPr spcFirstLastPara="1" wrap="square" lIns="91425" tIns="45700" rIns="91425" bIns="45700" anchor="t" anchorCtr="0">
             <a:noAutofit/>
           </a:bodyPr>
           <a:lstStyle/>
           <a:p>
-            <a:pPr indent="0" lvl="0" marL="0" rtl="0" algn="l">
+            <a:pPr marL="0" lvl="0" indent="0" algn="l" rtl="0">
               <a:spcBef>
                 <a:spcPts val="0"/>
               </a:spcBef>
@@ -2190,9 +2277,6 @@
               </a:spcAft>
               <a:buNone/>
             </a:pPr>
-            <a:r>
-              <a:t/>
-            </a:r>
             <a:endParaRPr/>
           </a:p>
         </p:txBody>
@@ -2200,9 +2284,11 @@
       <p:sp>
         <p:nvSpPr>
           <p:cNvPr id="177" name="Google Shape;177;gc5abbd3403_0_23:notes"/>
-          <p:cNvSpPr txBox="1"/>
+          <p:cNvSpPr txBox="1">
+            <a:spLocks noGrp="1"/>
+          </p:cNvSpPr>
           <p:nvPr>
-            <p:ph idx="12" type="sldNum"/>
+            <p:ph type="sldNum" idx="12"/>
           </p:nvPr>
         </p:nvSpPr>
         <p:spPr>
@@ -2219,12 +2305,12 @@
           </a:ln>
         </p:spPr>
         <p:txBody>
-          <a:bodyPr anchorCtr="0" anchor="b" bIns="45700" lIns="91425" spcFirstLastPara="1" rIns="91425" wrap="square" tIns="45700">
+          <a:bodyPr spcFirstLastPara="1" wrap="square" lIns="91425" tIns="45700" rIns="91425" bIns="45700" anchor="b" anchorCtr="0">
             <a:noAutofit/>
           </a:bodyPr>
           <a:lstStyle/>
           <a:p>
-            <a:pPr indent="0" lvl="0" marL="0" rtl="0" algn="r">
+            <a:pPr marL="0" lvl="0" indent="0" algn="r" rtl="0">
               <a:spcBef>
                 <a:spcPts val="0"/>
               </a:spcBef>
@@ -2235,7 +2321,7 @@
             </a:pPr>
             <a:fld id="{00000000-1234-1234-1234-123412341234}" type="slidenum">
               <a:rPr lang="en"/>
-              <a:t>‹#›</a:t>
+              <a:t>9</a:t>
             </a:fld>
             <a:endParaRPr/>
           </a:p>
@@ -2250,11 +2336,11 @@
 </file>
 
 <file path=ppt/slideLayouts/slideLayout1.xml><?xml version="1.0" encoding="utf-8"?>
-<p:sldLayout xmlns:a="http://schemas.openxmlformats.org/drawingml/2006/main" xmlns:r="http://schemas.openxmlformats.org/officeDocument/2006/relationships" xmlns:mc="http://schemas.openxmlformats.org/markup-compatibility/2006" xmlns:mv="urn:schemas-microsoft-com:mac:vml" xmlns:p="http://schemas.openxmlformats.org/presentationml/2006/main" xmlns:c="http://schemas.openxmlformats.org/drawingml/2006/chart" xmlns:dgm="http://schemas.openxmlformats.org/drawingml/2006/diagram" xmlns:o="urn:schemas-microsoft-com:office:office" xmlns:v="urn:schemas-microsoft-com:vml" xmlns:pvml="urn:schemas-microsoft-com:office:powerpoint" xmlns:com="http://schemas.openxmlformats.org/drawingml/2006/compatibility" xmlns:p14="http://schemas.microsoft.com/office/powerpoint/2010/main" xmlns:p15="http://schemas.microsoft.com/office/powerpoint/2012/main" xmlns:ahyp="http://schemas.microsoft.com/office/drawing/2018/hyperlinkcolor" matchingName="Title slide" type="title">
+<p:sldLayout xmlns:a="http://schemas.openxmlformats.org/drawingml/2006/main" xmlns:r="http://schemas.openxmlformats.org/officeDocument/2006/relationships" xmlns:p="http://schemas.openxmlformats.org/presentationml/2006/main" matchingName="Title slide" type="title">
   <p:cSld name="TITLE">
     <p:spTree>
       <p:nvGrpSpPr>
-        <p:cNvPr id="9" name="Shape 9"/>
+        <p:cNvPr id="1" name="Shape 9"/>
         <p:cNvGrpSpPr/>
         <p:nvPr/>
       </p:nvGrpSpPr>
@@ -2281,14 +2367,14 @@
             <a:avLst/>
           </a:prstGeom>
           <a:noFill/>
-          <a:ln cap="flat" cmpd="sng" w="76200">
+          <a:ln w="76200" cap="flat" cmpd="sng">
             <a:solidFill>
               <a:schemeClr val="lt2"/>
             </a:solidFill>
             <a:prstDash val="solid"/>
             <a:round/>
-            <a:headEnd len="sm" w="sm" type="none"/>
-            <a:tailEnd len="sm" w="sm" type="none"/>
+            <a:headEnd type="none" w="sm" len="sm"/>
+            <a:tailEnd type="none" w="sm" len="sm"/>
           </a:ln>
         </p:spPr>
       </p:cxnSp>
@@ -2307,14 +2393,14 @@
             <a:avLst/>
           </a:prstGeom>
           <a:noFill/>
-          <a:ln cap="flat" cmpd="sng" w="76200">
+          <a:ln w="76200" cap="flat" cmpd="sng">
             <a:solidFill>
               <a:schemeClr val="lt2"/>
             </a:solidFill>
             <a:prstDash val="solid"/>
             <a:round/>
-            <a:headEnd len="sm" w="sm" type="none"/>
-            <a:tailEnd len="sm" w="sm" type="none"/>
+            <a:headEnd type="none" w="sm" len="sm"/>
+            <a:tailEnd type="none" w="sm" len="sm"/>
           </a:ln>
         </p:spPr>
       </p:cxnSp>
@@ -2347,14 +2433,14 @@
               <a:avLst/>
             </a:prstGeom>
             <a:noFill/>
-            <a:ln cap="flat" cmpd="sng" w="76200">
+            <a:ln w="76200" cap="flat" cmpd="sng">
               <a:solidFill>
                 <a:schemeClr val="accent3"/>
               </a:solidFill>
               <a:prstDash val="solid"/>
               <a:round/>
-              <a:headEnd len="sm" w="sm" type="none"/>
-              <a:tailEnd len="sm" w="sm" type="none"/>
+              <a:headEnd type="none" w="sm" len="sm"/>
+              <a:tailEnd type="none" w="sm" len="sm"/>
             </a:ln>
           </p:spPr>
         </p:cxnSp>
@@ -2373,14 +2459,14 @@
               <a:avLst/>
             </a:prstGeom>
             <a:noFill/>
-            <a:ln cap="flat" cmpd="sng" w="9525">
+            <a:ln w="9525" cap="flat" cmpd="sng">
               <a:solidFill>
                 <a:schemeClr val="accent3"/>
               </a:solidFill>
               <a:prstDash val="solid"/>
               <a:round/>
-              <a:headEnd len="sm" w="sm" type="none"/>
-              <a:tailEnd len="sm" w="sm" type="none"/>
+              <a:headEnd type="none" w="sm" len="sm"/>
+              <a:tailEnd type="none" w="sm" len="sm"/>
             </a:ln>
           </p:spPr>
         </p:cxnSp>
@@ -2414,14 +2500,14 @@
               <a:avLst/>
             </a:prstGeom>
             <a:noFill/>
-            <a:ln cap="flat" cmpd="sng" w="76200">
+            <a:ln w="76200" cap="flat" cmpd="sng">
               <a:solidFill>
                 <a:schemeClr val="accent3"/>
               </a:solidFill>
               <a:prstDash val="solid"/>
               <a:round/>
-              <a:headEnd len="sm" w="sm" type="none"/>
-              <a:tailEnd len="sm" w="sm" type="none"/>
+              <a:headEnd type="none" w="sm" len="sm"/>
+              <a:tailEnd type="none" w="sm" len="sm"/>
             </a:ln>
           </p:spPr>
         </p:cxnSp>
@@ -2440,14 +2526,14 @@
               <a:avLst/>
             </a:prstGeom>
             <a:noFill/>
-            <a:ln cap="flat" cmpd="sng" w="9525">
+            <a:ln w="9525" cap="flat" cmpd="sng">
               <a:solidFill>
                 <a:schemeClr val="accent3"/>
               </a:solidFill>
               <a:prstDash val="solid"/>
               <a:round/>
-              <a:headEnd len="sm" w="sm" type="none"/>
-              <a:tailEnd len="sm" w="sm" type="none"/>
+              <a:headEnd type="none" w="sm" len="sm"/>
+              <a:tailEnd type="none" w="sm" len="sm"/>
             </a:ln>
           </p:spPr>
         </p:cxnSp>
@@ -2455,7 +2541,9 @@
       <p:sp>
         <p:nvSpPr>
           <p:cNvPr id="18" name="Google Shape;18;p2"/>
-          <p:cNvSpPr txBox="1"/>
+          <p:cNvSpPr txBox="1">
+            <a:spLocks noGrp="1"/>
+          </p:cNvSpPr>
           <p:nvPr>
             <p:ph type="ctrTitle"/>
           </p:nvPr>
@@ -2470,7 +2558,7 @@
           </a:prstGeom>
         </p:spPr>
         <p:txBody>
-          <a:bodyPr anchorCtr="0" anchor="b" bIns="91425" lIns="91425" spcFirstLastPara="1" rIns="91425" wrap="square" tIns="91425">
+          <a:bodyPr spcFirstLastPara="1" wrap="square" lIns="91425" tIns="91425" rIns="91425" bIns="91425" anchor="b" anchorCtr="0">
             <a:noAutofit/>
           </a:bodyPr>
           <a:lstStyle>
@@ -2574,15 +2662,19 @@
               <a:defRPr sz="5400"/>
             </a:lvl9pPr>
           </a:lstStyle>
-          <a:p/>
+          <a:p>
+            <a:endParaRPr/>
+          </a:p>
         </p:txBody>
       </p:sp>
       <p:sp>
         <p:nvSpPr>
           <p:cNvPr id="19" name="Google Shape;19;p2"/>
-          <p:cNvSpPr txBox="1"/>
+          <p:cNvSpPr txBox="1">
+            <a:spLocks noGrp="1"/>
+          </p:cNvSpPr>
           <p:nvPr>
-            <p:ph idx="1" type="subTitle"/>
+            <p:ph type="subTitle" idx="1"/>
           </p:nvPr>
         </p:nvSpPr>
         <p:spPr>
@@ -2595,7 +2687,7 @@
           </a:prstGeom>
         </p:spPr>
         <p:txBody>
-          <a:bodyPr anchorCtr="0" anchor="t" bIns="91425" lIns="91425" spcFirstLastPara="1" rIns="91425" wrap="square" tIns="91425">
+          <a:bodyPr spcFirstLastPara="1" wrap="square" lIns="91425" tIns="91425" rIns="91425" bIns="91425" anchor="t" anchorCtr="0">
             <a:noAutofit/>
           </a:bodyPr>
           <a:lstStyle>
@@ -2726,15 +2818,19 @@
               <a:defRPr sz="2400"/>
             </a:lvl9pPr>
           </a:lstStyle>
-          <a:p/>
+          <a:p>
+            <a:endParaRPr/>
+          </a:p>
         </p:txBody>
       </p:sp>
       <p:sp>
         <p:nvSpPr>
           <p:cNvPr id="20" name="Google Shape;20;p2"/>
-          <p:cNvSpPr txBox="1"/>
+          <p:cNvSpPr txBox="1">
+            <a:spLocks noGrp="1"/>
+          </p:cNvSpPr>
           <p:nvPr>
-            <p:ph idx="12" type="sldNum"/>
+            <p:ph type="sldNum" idx="12"/>
           </p:nvPr>
         </p:nvSpPr>
         <p:spPr>
@@ -2747,7 +2843,7 @@
           </a:prstGeom>
         </p:spPr>
         <p:txBody>
-          <a:bodyPr anchorCtr="0" anchor="ctr" bIns="91425" lIns="91425" spcFirstLastPara="1" rIns="91425" wrap="square" tIns="91425">
+          <a:bodyPr spcFirstLastPara="1" wrap="square" lIns="91425" tIns="91425" rIns="91425" bIns="91425" anchor="ctr" anchorCtr="0">
             <a:noAutofit/>
           </a:bodyPr>
           <a:lstStyle>
@@ -2789,7 +2885,7 @@
             </a:lvl9pPr>
           </a:lstStyle>
           <a:p>
-            <a:pPr indent="0" lvl="0" marL="0" rtl="0" algn="r">
+            <a:pPr marL="0" lvl="0" indent="0" algn="r" rtl="0">
               <a:spcBef>
                 <a:spcPts val="0"/>
               </a:spcBef>
@@ -2815,11 +2911,11 @@
 </file>
 
 <file path=ppt/slideLayouts/slideLayout10.xml><?xml version="1.0" encoding="utf-8"?>
-<p:sldLayout xmlns:a="http://schemas.openxmlformats.org/drawingml/2006/main" xmlns:r="http://schemas.openxmlformats.org/officeDocument/2006/relationships" xmlns:mc="http://schemas.openxmlformats.org/markup-compatibility/2006" xmlns:mv="urn:schemas-microsoft-com:mac:vml" xmlns:p="http://schemas.openxmlformats.org/presentationml/2006/main" xmlns:c="http://schemas.openxmlformats.org/drawingml/2006/chart" xmlns:dgm="http://schemas.openxmlformats.org/drawingml/2006/diagram" xmlns:o="urn:schemas-microsoft-com:office:office" xmlns:v="urn:schemas-microsoft-com:vml" xmlns:pvml="urn:schemas-microsoft-com:office:powerpoint" xmlns:com="http://schemas.openxmlformats.org/drawingml/2006/compatibility" xmlns:p14="http://schemas.microsoft.com/office/powerpoint/2010/main" xmlns:p15="http://schemas.microsoft.com/office/powerpoint/2012/main" xmlns:ahyp="http://schemas.microsoft.com/office/drawing/2018/hyperlinkcolor" matchingName="Big number">
+<p:sldLayout xmlns:a="http://schemas.openxmlformats.org/drawingml/2006/main" xmlns:r="http://schemas.openxmlformats.org/officeDocument/2006/relationships" xmlns:p="http://schemas.openxmlformats.org/presentationml/2006/main" matchingName="Big number">
   <p:cSld name="BIG_NUMBER">
     <p:spTree>
       <p:nvGrpSpPr>
-        <p:cNvPr id="55" name="Shape 55"/>
+        <p:cNvPr id="1" name="Shape 55"/>
         <p:cNvGrpSpPr/>
         <p:nvPr/>
       </p:nvGrpSpPr>
@@ -2853,12 +2949,12 @@
           </a:ln>
         </p:spPr>
         <p:txBody>
-          <a:bodyPr anchorCtr="0" anchor="ctr" bIns="91425" lIns="91425" spcFirstLastPara="1" rIns="91425" wrap="square" tIns="91425">
+          <a:bodyPr spcFirstLastPara="1" wrap="square" lIns="91425" tIns="91425" rIns="91425" bIns="91425" anchor="ctr" anchorCtr="0">
             <a:noAutofit/>
           </a:bodyPr>
           <a:lstStyle/>
           <a:p>
-            <a:pPr indent="0" lvl="0" marL="0" rtl="0" algn="l">
+            <a:pPr marL="0" lvl="0" indent="0" algn="l" rtl="0">
               <a:spcBef>
                 <a:spcPts val="0"/>
               </a:spcBef>
@@ -2867,9 +2963,6 @@
               </a:spcAft>
               <a:buNone/>
             </a:pPr>
-            <a:r>
-              <a:t/>
-            </a:r>
             <a:endParaRPr/>
           </a:p>
         </p:txBody>
@@ -2877,9 +2970,11 @@
       <p:sp>
         <p:nvSpPr>
           <p:cNvPr id="57" name="Google Shape;57;p11"/>
-          <p:cNvSpPr txBox="1"/>
+          <p:cNvSpPr txBox="1">
+            <a:spLocks noGrp="1"/>
+          </p:cNvSpPr>
           <p:nvPr>
-            <p:ph hasCustomPrompt="1" type="title"/>
+            <p:ph type="title" hasCustomPrompt="1"/>
           </p:nvPr>
         </p:nvSpPr>
         <p:spPr>
@@ -2892,7 +2987,7 @@
           </a:prstGeom>
         </p:spPr>
         <p:txBody>
-          <a:bodyPr anchorCtr="0" anchor="ctr" bIns="91425" lIns="91425" spcFirstLastPara="1" rIns="91425" wrap="square" tIns="91425">
+          <a:bodyPr spcFirstLastPara="1" wrap="square" lIns="91425" tIns="91425" rIns="91425" bIns="91425" anchor="ctr" anchorCtr="0">
             <a:noAutofit/>
           </a:bodyPr>
           <a:lstStyle>
@@ -3069,9 +3164,11 @@
       <p:sp>
         <p:nvSpPr>
           <p:cNvPr id="58" name="Google Shape;58;p11"/>
-          <p:cNvSpPr txBox="1"/>
+          <p:cNvSpPr txBox="1">
+            <a:spLocks noGrp="1"/>
+          </p:cNvSpPr>
           <p:nvPr>
-            <p:ph idx="1" type="body"/>
+            <p:ph type="body" idx="1"/>
           </p:nvPr>
         </p:nvSpPr>
         <p:spPr>
@@ -3084,11 +3181,11 @@
           </a:prstGeom>
         </p:spPr>
         <p:txBody>
-          <a:bodyPr anchorCtr="0" anchor="t" bIns="91425" lIns="91425" spcFirstLastPara="1" rIns="91425" wrap="square" tIns="91425">
+          <a:bodyPr spcFirstLastPara="1" wrap="square" lIns="91425" tIns="91425" rIns="91425" bIns="91425" anchor="t" anchorCtr="0">
             <a:noAutofit/>
           </a:bodyPr>
           <a:lstStyle>
-            <a:lvl1pPr indent="-342900" lvl="0" marL="457200" algn="ctr">
+            <a:lvl1pPr marL="457200" lvl="0" indent="-342900" algn="ctr">
               <a:spcBef>
                 <a:spcPts val="0"/>
               </a:spcBef>
@@ -3099,7 +3196,7 @@
               <a:buChar char="●"/>
               <a:defRPr/>
             </a:lvl1pPr>
-            <a:lvl2pPr indent="-317500" lvl="1" marL="914400" algn="ctr">
+            <a:lvl2pPr marL="914400" lvl="1" indent="-317500" algn="ctr">
               <a:spcBef>
                 <a:spcPts val="1600"/>
               </a:spcBef>
@@ -3110,7 +3207,7 @@
               <a:buChar char="○"/>
               <a:defRPr/>
             </a:lvl2pPr>
-            <a:lvl3pPr indent="-317500" lvl="2" marL="1371600" algn="ctr">
+            <a:lvl3pPr marL="1371600" lvl="2" indent="-317500" algn="ctr">
               <a:spcBef>
                 <a:spcPts val="1600"/>
               </a:spcBef>
@@ -3121,7 +3218,7 @@
               <a:buChar char="■"/>
               <a:defRPr/>
             </a:lvl3pPr>
-            <a:lvl4pPr indent="-317500" lvl="3" marL="1828800" algn="ctr">
+            <a:lvl4pPr marL="1828800" lvl="3" indent="-317500" algn="ctr">
               <a:spcBef>
                 <a:spcPts val="1600"/>
               </a:spcBef>
@@ -3132,7 +3229,7 @@
               <a:buChar char="●"/>
               <a:defRPr/>
             </a:lvl4pPr>
-            <a:lvl5pPr indent="-317500" lvl="4" marL="2286000" algn="ctr">
+            <a:lvl5pPr marL="2286000" lvl="4" indent="-317500" algn="ctr">
               <a:spcBef>
                 <a:spcPts val="1600"/>
               </a:spcBef>
@@ -3143,7 +3240,7 @@
               <a:buChar char="○"/>
               <a:defRPr/>
             </a:lvl5pPr>
-            <a:lvl6pPr indent="-317500" lvl="5" marL="2743200" algn="ctr">
+            <a:lvl6pPr marL="2743200" lvl="5" indent="-317500" algn="ctr">
               <a:spcBef>
                 <a:spcPts val="1600"/>
               </a:spcBef>
@@ -3154,7 +3251,7 @@
               <a:buChar char="■"/>
               <a:defRPr/>
             </a:lvl6pPr>
-            <a:lvl7pPr indent="-317500" lvl="6" marL="3200400" algn="ctr">
+            <a:lvl7pPr marL="3200400" lvl="6" indent="-317500" algn="ctr">
               <a:spcBef>
                 <a:spcPts val="1600"/>
               </a:spcBef>
@@ -3165,7 +3262,7 @@
               <a:buChar char="●"/>
               <a:defRPr/>
             </a:lvl7pPr>
-            <a:lvl8pPr indent="-317500" lvl="7" marL="3657600" algn="ctr">
+            <a:lvl8pPr marL="3657600" lvl="7" indent="-317500" algn="ctr">
               <a:spcBef>
                 <a:spcPts val="1600"/>
               </a:spcBef>
@@ -3176,7 +3273,7 @@
               <a:buChar char="○"/>
               <a:defRPr/>
             </a:lvl8pPr>
-            <a:lvl9pPr indent="-317500" lvl="8" marL="4114800" algn="ctr">
+            <a:lvl9pPr marL="4114800" lvl="8" indent="-317500" algn="ctr">
               <a:spcBef>
                 <a:spcPts val="1600"/>
               </a:spcBef>
@@ -3188,15 +3285,19 @@
               <a:defRPr/>
             </a:lvl9pPr>
           </a:lstStyle>
-          <a:p/>
+          <a:p>
+            <a:endParaRPr/>
+          </a:p>
         </p:txBody>
       </p:sp>
       <p:sp>
         <p:nvSpPr>
           <p:cNvPr id="59" name="Google Shape;59;p11"/>
-          <p:cNvSpPr txBox="1"/>
+          <p:cNvSpPr txBox="1">
+            <a:spLocks noGrp="1"/>
+          </p:cNvSpPr>
           <p:nvPr>
-            <p:ph idx="12" type="sldNum"/>
+            <p:ph type="sldNum" idx="12"/>
           </p:nvPr>
         </p:nvSpPr>
         <p:spPr>
@@ -3209,7 +3310,7 @@
           </a:prstGeom>
         </p:spPr>
         <p:txBody>
-          <a:bodyPr anchorCtr="0" anchor="ctr" bIns="91425" lIns="91425" spcFirstLastPara="1" rIns="91425" wrap="square" tIns="91425">
+          <a:bodyPr spcFirstLastPara="1" wrap="square" lIns="91425" tIns="91425" rIns="91425" bIns="91425" anchor="ctr" anchorCtr="0">
             <a:noAutofit/>
           </a:bodyPr>
           <a:lstStyle>
@@ -3251,7 +3352,7 @@
             </a:lvl9pPr>
           </a:lstStyle>
           <a:p>
-            <a:pPr indent="0" lvl="0" marL="0" rtl="0" algn="r">
+            <a:pPr marL="0" lvl="0" indent="0" algn="r" rtl="0">
               <a:spcBef>
                 <a:spcPts val="0"/>
               </a:spcBef>
@@ -3277,11 +3378,11 @@
 </file>
 
 <file path=ppt/slideLayouts/slideLayout11.xml><?xml version="1.0" encoding="utf-8"?>
-<p:sldLayout xmlns:a="http://schemas.openxmlformats.org/drawingml/2006/main" xmlns:r="http://schemas.openxmlformats.org/officeDocument/2006/relationships" xmlns:mc="http://schemas.openxmlformats.org/markup-compatibility/2006" xmlns:mv="urn:schemas-microsoft-com:mac:vml" xmlns:p="http://schemas.openxmlformats.org/presentationml/2006/main" xmlns:c="http://schemas.openxmlformats.org/drawingml/2006/chart" xmlns:dgm="http://schemas.openxmlformats.org/drawingml/2006/diagram" xmlns:o="urn:schemas-microsoft-com:office:office" xmlns:v="urn:schemas-microsoft-com:vml" xmlns:pvml="urn:schemas-microsoft-com:office:powerpoint" xmlns:com="http://schemas.openxmlformats.org/drawingml/2006/compatibility" xmlns:p14="http://schemas.microsoft.com/office/powerpoint/2010/main" xmlns:p15="http://schemas.microsoft.com/office/powerpoint/2012/main" xmlns:ahyp="http://schemas.microsoft.com/office/drawing/2018/hyperlinkcolor" matchingName="Blank" type="blank">
+<p:sldLayout xmlns:a="http://schemas.openxmlformats.org/drawingml/2006/main" xmlns:r="http://schemas.openxmlformats.org/officeDocument/2006/relationships" xmlns:p="http://schemas.openxmlformats.org/presentationml/2006/main" matchingName="Blank" type="blank">
   <p:cSld name="BLANK">
     <p:spTree>
       <p:nvGrpSpPr>
-        <p:cNvPr id="60" name="Shape 60"/>
+        <p:cNvPr id="1" name="Shape 60"/>
         <p:cNvGrpSpPr/>
         <p:nvPr/>
       </p:nvGrpSpPr>
@@ -3296,9 +3397,11 @@
       <p:sp>
         <p:nvSpPr>
           <p:cNvPr id="61" name="Google Shape;61;p12"/>
-          <p:cNvSpPr txBox="1"/>
+          <p:cNvSpPr txBox="1">
+            <a:spLocks noGrp="1"/>
+          </p:cNvSpPr>
           <p:nvPr>
-            <p:ph idx="12" type="sldNum"/>
+            <p:ph type="sldNum" idx="12"/>
           </p:nvPr>
         </p:nvSpPr>
         <p:spPr>
@@ -3311,7 +3414,7 @@
           </a:prstGeom>
         </p:spPr>
         <p:txBody>
-          <a:bodyPr anchorCtr="0" anchor="ctr" bIns="91425" lIns="91425" spcFirstLastPara="1" rIns="91425" wrap="square" tIns="91425">
+          <a:bodyPr spcFirstLastPara="1" wrap="square" lIns="91425" tIns="91425" rIns="91425" bIns="91425" anchor="ctr" anchorCtr="0">
             <a:noAutofit/>
           </a:bodyPr>
           <a:lstStyle>
@@ -3353,7 +3456,7 @@
             </a:lvl9pPr>
           </a:lstStyle>
           <a:p>
-            <a:pPr indent="0" lvl="0" marL="0" rtl="0" algn="r">
+            <a:pPr marL="0" lvl="0" indent="0" algn="r" rtl="0">
               <a:spcBef>
                 <a:spcPts val="0"/>
               </a:spcBef>
@@ -3379,11 +3482,11 @@
 </file>
 
 <file path=ppt/slideLayouts/slideLayout12.xml><?xml version="1.0" encoding="utf-8"?>
-<p:sldLayout xmlns:a="http://schemas.openxmlformats.org/drawingml/2006/main" xmlns:r="http://schemas.openxmlformats.org/officeDocument/2006/relationships" xmlns:mc="http://schemas.openxmlformats.org/markup-compatibility/2006" xmlns:mv="urn:schemas-microsoft-com:mac:vml" xmlns:p="http://schemas.openxmlformats.org/presentationml/2006/main" xmlns:c="http://schemas.openxmlformats.org/drawingml/2006/chart" xmlns:dgm="http://schemas.openxmlformats.org/drawingml/2006/diagram" xmlns:o="urn:schemas-microsoft-com:office:office" xmlns:v="urn:schemas-microsoft-com:vml" xmlns:pvml="urn:schemas-microsoft-com:office:powerpoint" xmlns:com="http://schemas.openxmlformats.org/drawingml/2006/compatibility" xmlns:p14="http://schemas.microsoft.com/office/powerpoint/2010/main" xmlns:p15="http://schemas.microsoft.com/office/powerpoint/2012/main" xmlns:ahyp="http://schemas.microsoft.com/office/drawing/2018/hyperlinkcolor" matchingName="2_Internal Cover" showMasterSp="0">
+<p:sldLayout xmlns:a="http://schemas.openxmlformats.org/drawingml/2006/main" xmlns:r="http://schemas.openxmlformats.org/officeDocument/2006/relationships" xmlns:p="http://schemas.openxmlformats.org/presentationml/2006/main" showMasterSp="0" matchingName="2_Internal Cover">
   <p:cSld name="2_Internal Cover">
     <p:spTree>
       <p:nvGrpSpPr>
-        <p:cNvPr id="62" name="Shape 62"/>
+        <p:cNvPr id="1" name="Shape 62"/>
         <p:cNvGrpSpPr/>
         <p:nvPr/>
       </p:nvGrpSpPr>
@@ -3405,7 +3508,7 @@
           <a:blip r:embed="rId2">
             <a:alphaModFix/>
           </a:blip>
-          <a:srcRect b="0" l="0" r="0" t="0"/>
+          <a:srcRect/>
           <a:stretch/>
         </p:blipFill>
         <p:spPr>
@@ -3458,12 +3561,12 @@
           </a:ln>
         </p:spPr>
         <p:txBody>
-          <a:bodyPr anchorCtr="0" anchor="ctr" bIns="34275" lIns="68575" spcFirstLastPara="1" rIns="68575" wrap="square" tIns="34275">
+          <a:bodyPr spcFirstLastPara="1" wrap="square" lIns="68575" tIns="34275" rIns="68575" bIns="34275" anchor="ctr" anchorCtr="0">
             <a:noAutofit/>
           </a:bodyPr>
           <a:lstStyle/>
           <a:p>
-            <a:pPr indent="0" lvl="0" marL="0" marR="0" rtl="0" algn="ctr">
+            <a:pPr marL="0" marR="0" lvl="0" indent="0" algn="ctr" rtl="0">
               <a:spcBef>
                 <a:spcPts val="0"/>
               </a:spcBef>
@@ -3472,10 +3575,7 @@
               </a:spcAft>
               <a:buNone/>
             </a:pPr>
-            <a:r>
-              <a:t/>
-            </a:r>
-            <a:endParaRPr b="0" i="0" sz="1400" u="none" cap="none" strike="noStrike">
+            <a:endParaRPr sz="1400" b="0" i="0" u="none" strike="noStrike" cap="none">
               <a:solidFill>
                 <a:schemeClr val="lt1"/>
               </a:solidFill>
@@ -3497,7 +3597,7 @@
           <a:blip r:embed="rId3">
             <a:alphaModFix/>
           </a:blip>
-          <a:srcRect b="0" l="0" r="0" t="0"/>
+          <a:srcRect/>
           <a:stretch/>
         </p:blipFill>
         <p:spPr>
@@ -3524,7 +3624,7 @@
           <a:blip r:embed="rId4">
             <a:alphaModFix/>
           </a:blip>
-          <a:srcRect b="0" l="0" r="0" t="0"/>
+          <a:srcRect/>
           <a:stretch/>
         </p:blipFill>
         <p:spPr>
@@ -3580,12 +3680,12 @@
           </a:ln>
         </p:spPr>
         <p:txBody>
-          <a:bodyPr anchorCtr="0" anchor="ctr" bIns="34275" lIns="68575" spcFirstLastPara="1" rIns="68575" wrap="square" tIns="34275">
+          <a:bodyPr spcFirstLastPara="1" wrap="square" lIns="68575" tIns="34275" rIns="68575" bIns="34275" anchor="ctr" anchorCtr="0">
             <a:noAutofit/>
           </a:bodyPr>
           <a:lstStyle/>
           <a:p>
-            <a:pPr indent="0" lvl="0" marL="0" marR="0" rtl="0" algn="ctr">
+            <a:pPr marL="0" marR="0" lvl="0" indent="0" algn="ctr" rtl="0">
               <a:spcBef>
                 <a:spcPts val="0"/>
               </a:spcBef>
@@ -3594,10 +3694,7 @@
               </a:spcAft>
               <a:buNone/>
             </a:pPr>
-            <a:r>
-              <a:t/>
-            </a:r>
-            <a:endParaRPr b="0" i="0" sz="1400" u="none" cap="none" strike="noStrike">
+            <a:endParaRPr sz="1400" b="0" i="0" u="none" strike="noStrike" cap="none">
               <a:solidFill>
                 <a:schemeClr val="lt1"/>
               </a:solidFill>
@@ -3612,7 +3709,9 @@
       <p:sp>
         <p:nvSpPr>
           <p:cNvPr id="68" name="Google Shape;68;p13"/>
-          <p:cNvSpPr txBox="1"/>
+          <p:cNvSpPr txBox="1">
+            <a:spLocks noGrp="1"/>
+          </p:cNvSpPr>
           <p:nvPr>
             <p:ph type="ctrTitle"/>
           </p:nvPr>
@@ -3631,11 +3730,11 @@
           </a:ln>
         </p:spPr>
         <p:txBody>
-          <a:bodyPr anchorCtr="0" anchor="b" bIns="0" lIns="0" spcFirstLastPara="1" rIns="0" wrap="square" tIns="0">
+          <a:bodyPr spcFirstLastPara="1" wrap="square" lIns="0" tIns="0" rIns="0" bIns="0" anchor="b" anchorCtr="0">
             <a:noAutofit/>
           </a:bodyPr>
           <a:lstStyle>
-            <a:lvl1pPr lvl="0" rtl="0" algn="l">
+            <a:lvl1pPr lvl="0" algn="l" rtl="0">
               <a:lnSpc>
                 <a:spcPct val="90000"/>
               </a:lnSpc>
@@ -3746,15 +3845,19 @@
               <a:defRPr sz="1100"/>
             </a:lvl9pPr>
           </a:lstStyle>
-          <a:p/>
+          <a:p>
+            <a:endParaRPr/>
+          </a:p>
         </p:txBody>
       </p:sp>
       <p:sp>
         <p:nvSpPr>
           <p:cNvPr id="69" name="Google Shape;69;p13"/>
-          <p:cNvSpPr txBox="1"/>
+          <p:cNvSpPr txBox="1">
+            <a:spLocks noGrp="1"/>
+          </p:cNvSpPr>
           <p:nvPr>
-            <p:ph idx="1" type="subTitle"/>
+            <p:ph type="subTitle" idx="1"/>
           </p:nvPr>
         </p:nvSpPr>
         <p:spPr>
@@ -3771,11 +3874,11 @@
           </a:ln>
         </p:spPr>
         <p:txBody>
-          <a:bodyPr anchorCtr="0" anchor="t" bIns="0" lIns="0" spcFirstLastPara="1" rIns="0" wrap="square" tIns="0">
+          <a:bodyPr spcFirstLastPara="1" wrap="square" lIns="0" tIns="0" rIns="0" bIns="0" anchor="t" anchorCtr="0">
             <a:noAutofit/>
           </a:bodyPr>
           <a:lstStyle>
-            <a:lvl1pPr lvl="0" rtl="0" algn="l">
+            <a:lvl1pPr lvl="0" algn="l" rtl="0">
               <a:lnSpc>
                 <a:spcPct val="100000"/>
               </a:lnSpc>
@@ -3790,7 +3893,7 @@
               </a:buClr>
               <a:buSzPts val="1100"/>
               <a:buNone/>
-              <a:defRPr b="0" i="1" sz="1100" cap="none">
+              <a:defRPr sz="1100" b="0" i="1" cap="none">
                 <a:solidFill>
                   <a:schemeClr val="lt1"/>
                 </a:solidFill>
@@ -3800,7 +3903,7 @@
                 <a:sym typeface="Georgia"/>
               </a:defRPr>
             </a:lvl1pPr>
-            <a:lvl2pPr lvl="1" rtl="0" algn="ctr">
+            <a:lvl2pPr lvl="1" algn="ctr" rtl="0">
               <a:lnSpc>
                 <a:spcPct val="100000"/>
               </a:lnSpc>
@@ -3817,7 +3920,7 @@
               <a:buNone/>
               <a:defRPr sz="1500"/>
             </a:lvl2pPr>
-            <a:lvl3pPr lvl="2" rtl="0" algn="ctr">
+            <a:lvl3pPr lvl="2" algn="ctr" rtl="0">
               <a:lnSpc>
                 <a:spcPct val="100000"/>
               </a:lnSpc>
@@ -3834,7 +3937,7 @@
               <a:buNone/>
               <a:defRPr sz="1400"/>
             </a:lvl3pPr>
-            <a:lvl4pPr lvl="3" rtl="0" algn="ctr">
+            <a:lvl4pPr lvl="3" algn="ctr" rtl="0">
               <a:lnSpc>
                 <a:spcPct val="100000"/>
               </a:lnSpc>
@@ -3851,7 +3954,7 @@
               <a:buNone/>
               <a:defRPr sz="1200"/>
             </a:lvl4pPr>
-            <a:lvl5pPr lvl="4" rtl="0" algn="ctr">
+            <a:lvl5pPr lvl="4" algn="ctr" rtl="0">
               <a:lnSpc>
                 <a:spcPct val="100000"/>
               </a:lnSpc>
@@ -3868,7 +3971,7 @@
               <a:buNone/>
               <a:defRPr sz="1200"/>
             </a:lvl5pPr>
-            <a:lvl6pPr lvl="5" rtl="0" algn="ctr">
+            <a:lvl6pPr lvl="5" algn="ctr" rtl="0">
               <a:lnSpc>
                 <a:spcPct val="100000"/>
               </a:lnSpc>
@@ -3885,7 +3988,7 @@
               <a:buNone/>
               <a:defRPr sz="1200"/>
             </a:lvl6pPr>
-            <a:lvl7pPr lvl="6" rtl="0" algn="ctr">
+            <a:lvl7pPr lvl="6" algn="ctr" rtl="0">
               <a:lnSpc>
                 <a:spcPct val="90000"/>
               </a:lnSpc>
@@ -3902,7 +4005,7 @@
               <a:buNone/>
               <a:defRPr sz="1200"/>
             </a:lvl7pPr>
-            <a:lvl8pPr lvl="7" rtl="0" algn="ctr">
+            <a:lvl8pPr lvl="7" algn="ctr" rtl="0">
               <a:lnSpc>
                 <a:spcPct val="90000"/>
               </a:lnSpc>
@@ -3919,7 +4022,7 @@
               <a:buNone/>
               <a:defRPr sz="1200"/>
             </a:lvl8pPr>
-            <a:lvl9pPr lvl="8" rtl="0" algn="ctr">
+            <a:lvl9pPr lvl="8" algn="ctr" rtl="0">
               <a:lnSpc>
                 <a:spcPct val="90000"/>
               </a:lnSpc>
@@ -3937,15 +4040,19 @@
               <a:defRPr sz="1200"/>
             </a:lvl9pPr>
           </a:lstStyle>
-          <a:p/>
+          <a:p>
+            <a:endParaRPr/>
+          </a:p>
         </p:txBody>
       </p:sp>
       <p:sp>
         <p:nvSpPr>
           <p:cNvPr id="70" name="Google Shape;70;p13"/>
-          <p:cNvSpPr txBox="1"/>
+          <p:cNvSpPr txBox="1">
+            <a:spLocks noGrp="1"/>
+          </p:cNvSpPr>
           <p:nvPr>
-            <p:ph idx="2" type="body"/>
+            <p:ph type="body" idx="2"/>
           </p:nvPr>
         </p:nvSpPr>
         <p:spPr>
@@ -3962,11 +4069,11 @@
           </a:ln>
         </p:spPr>
         <p:txBody>
-          <a:bodyPr anchorCtr="0" anchor="t" bIns="0" lIns="0" spcFirstLastPara="1" rIns="0" wrap="square" tIns="0">
+          <a:bodyPr spcFirstLastPara="1" wrap="square" lIns="0" tIns="0" rIns="0" bIns="0" anchor="t" anchorCtr="0">
             <a:noAutofit/>
           </a:bodyPr>
           <a:lstStyle>
-            <a:lvl1pPr indent="-228600" lvl="0" marL="457200" rtl="0" algn="l">
+            <a:lvl1pPr marL="457200" lvl="0" indent="-228600" algn="l" rtl="0">
               <a:lnSpc>
                 <a:spcPct val="100000"/>
               </a:lnSpc>
@@ -3981,7 +4088,7 @@
               </a:buClr>
               <a:buSzPts val="900"/>
               <a:buNone/>
-              <a:defRPr b="0" i="0" sz="900" cap="none">
+              <a:defRPr sz="900" b="0" i="0" cap="none">
                 <a:solidFill>
                   <a:schemeClr val="lt1"/>
                 </a:solidFill>
@@ -3991,7 +4098,7 @@
                 <a:sym typeface="Calibri"/>
               </a:defRPr>
             </a:lvl1pPr>
-            <a:lvl2pPr indent="-298450" lvl="1" marL="914400" rtl="0" algn="l">
+            <a:lvl2pPr marL="914400" lvl="1" indent="-298450" algn="l" rtl="0">
               <a:lnSpc>
                 <a:spcPct val="100000"/>
               </a:lnSpc>
@@ -4016,7 +4123,7 @@
                 <a:sym typeface="Calibri"/>
               </a:defRPr>
             </a:lvl2pPr>
-            <a:lvl3pPr indent="-298450" lvl="2" marL="1371600" rtl="0" algn="l">
+            <a:lvl3pPr marL="1371600" lvl="2" indent="-298450" algn="l" rtl="0">
               <a:lnSpc>
                 <a:spcPct val="100000"/>
               </a:lnSpc>
@@ -4041,7 +4148,7 @@
                 <a:sym typeface="Calibri"/>
               </a:defRPr>
             </a:lvl3pPr>
-            <a:lvl4pPr indent="-304800" lvl="3" marL="1828800" rtl="0" algn="l">
+            <a:lvl4pPr marL="1828800" lvl="3" indent="-304800" algn="l" rtl="0">
               <a:lnSpc>
                 <a:spcPct val="100000"/>
               </a:lnSpc>
@@ -4066,7 +4173,7 @@
                 <a:sym typeface="Calibri"/>
               </a:defRPr>
             </a:lvl4pPr>
-            <a:lvl5pPr indent="-285750" lvl="4" marL="2286000" rtl="0" algn="l">
+            <a:lvl5pPr marL="2286000" lvl="4" indent="-285750" algn="l" rtl="0">
               <a:lnSpc>
                 <a:spcPct val="100000"/>
               </a:lnSpc>
@@ -4091,7 +4198,7 @@
                 <a:sym typeface="Calibri"/>
               </a:defRPr>
             </a:lvl5pPr>
-            <a:lvl6pPr indent="-317500" lvl="5" marL="2743200" rtl="0" algn="l">
+            <a:lvl6pPr marL="2743200" lvl="5" indent="-317500" algn="l" rtl="0">
               <a:lnSpc>
                 <a:spcPct val="100000"/>
               </a:lnSpc>
@@ -4108,7 +4215,7 @@
               <a:buChar char="■"/>
               <a:defRPr sz="1100"/>
             </a:lvl6pPr>
-            <a:lvl7pPr indent="-317500" lvl="6" marL="3200400" rtl="0" algn="l">
+            <a:lvl7pPr marL="3200400" lvl="6" indent="-317500" algn="l" rtl="0">
               <a:lnSpc>
                 <a:spcPct val="90000"/>
               </a:lnSpc>
@@ -4125,7 +4232,7 @@
               <a:buChar char="●"/>
               <a:defRPr sz="1100"/>
             </a:lvl7pPr>
-            <a:lvl8pPr indent="-317500" lvl="7" marL="3657600" rtl="0" algn="l">
+            <a:lvl8pPr marL="3657600" lvl="7" indent="-317500" algn="l" rtl="0">
               <a:lnSpc>
                 <a:spcPct val="90000"/>
               </a:lnSpc>
@@ -4142,7 +4249,7 @@
               <a:buChar char="○"/>
               <a:defRPr sz="1100"/>
             </a:lvl8pPr>
-            <a:lvl9pPr indent="-317500" lvl="8" marL="4114800" rtl="0" algn="l">
+            <a:lvl9pPr marL="4114800" lvl="8" indent="-317500" algn="l" rtl="0">
               <a:lnSpc>
                 <a:spcPct val="90000"/>
               </a:lnSpc>
@@ -4160,7 +4267,9 @@
               <a:defRPr sz="1100"/>
             </a:lvl9pPr>
           </a:lstStyle>
-          <a:p/>
+          <a:p>
+            <a:endParaRPr/>
+          </a:p>
         </p:txBody>
       </p:sp>
       <p:sp>
@@ -4185,12 +4294,12 @@
           </a:ln>
         </p:spPr>
         <p:txBody>
-          <a:bodyPr anchorCtr="0" anchor="t" bIns="34275" lIns="68575" spcFirstLastPara="1" rIns="68575" wrap="square" tIns="34275">
+          <a:bodyPr spcFirstLastPara="1" wrap="square" lIns="68575" tIns="34275" rIns="68575" bIns="34275" anchor="t" anchorCtr="0">
             <a:noAutofit/>
           </a:bodyPr>
           <a:lstStyle/>
           <a:p>
-            <a:pPr indent="0" lvl="0" marL="0" marR="0" rtl="0" algn="ctr">
+            <a:pPr marL="0" marR="0" lvl="0" indent="0" algn="ctr" rtl="0">
               <a:spcBef>
                 <a:spcPts val="0"/>
               </a:spcBef>
@@ -4200,7 +4309,7 @@
               <a:buNone/>
             </a:pPr>
             <a:r>
-              <a:rPr b="0" i="0" lang="en" sz="600" u="none" cap="none" strike="noStrike">
+              <a:rPr lang="en" sz="600" b="0" i="0" u="none" strike="noStrike" cap="none">
                 <a:solidFill>
                   <a:schemeClr val="lt1"/>
                 </a:solidFill>
@@ -4218,9 +4327,11 @@
       <p:sp>
         <p:nvSpPr>
           <p:cNvPr id="72" name="Google Shape;72;p13"/>
-          <p:cNvSpPr txBox="1"/>
+          <p:cNvSpPr txBox="1">
+            <a:spLocks noGrp="1"/>
+          </p:cNvSpPr>
           <p:nvPr>
-            <p:ph idx="3" type="body"/>
+            <p:ph type="body" idx="3"/>
           </p:nvPr>
         </p:nvSpPr>
         <p:spPr>
@@ -4237,11 +4348,11 @@
           </a:ln>
         </p:spPr>
         <p:txBody>
-          <a:bodyPr anchorCtr="0" anchor="t" bIns="0" lIns="0" spcFirstLastPara="1" rIns="0" wrap="square" tIns="0">
+          <a:bodyPr spcFirstLastPara="1" wrap="square" lIns="0" tIns="0" rIns="0" bIns="0" anchor="t" anchorCtr="0">
             <a:noAutofit/>
           </a:bodyPr>
           <a:lstStyle>
-            <a:lvl1pPr indent="-228600" lvl="0" marL="457200" rtl="0" algn="l">
+            <a:lvl1pPr marL="457200" lvl="0" indent="-228600" algn="l" rtl="0">
               <a:lnSpc>
                 <a:spcPct val="100000"/>
               </a:lnSpc>
@@ -4256,7 +4367,7 @@
               </a:buClr>
               <a:buSzPts val="900"/>
               <a:buNone/>
-              <a:defRPr b="0" i="0" sz="900" cap="none">
+              <a:defRPr sz="900" b="0" i="0" cap="none">
                 <a:solidFill>
                   <a:schemeClr val="lt1"/>
                 </a:solidFill>
@@ -4266,7 +4377,7 @@
                 <a:sym typeface="Calibri"/>
               </a:defRPr>
             </a:lvl1pPr>
-            <a:lvl2pPr indent="-298450" lvl="1" marL="914400" rtl="0" algn="l">
+            <a:lvl2pPr marL="914400" lvl="1" indent="-298450" algn="l" rtl="0">
               <a:lnSpc>
                 <a:spcPct val="100000"/>
               </a:lnSpc>
@@ -4291,7 +4402,7 @@
                 <a:sym typeface="Calibri"/>
               </a:defRPr>
             </a:lvl2pPr>
-            <a:lvl3pPr indent="-298450" lvl="2" marL="1371600" rtl="0" algn="l">
+            <a:lvl3pPr marL="1371600" lvl="2" indent="-298450" algn="l" rtl="0">
               <a:lnSpc>
                 <a:spcPct val="100000"/>
               </a:lnSpc>
@@ -4316,7 +4427,7 @@
                 <a:sym typeface="Calibri"/>
               </a:defRPr>
             </a:lvl3pPr>
-            <a:lvl4pPr indent="-304800" lvl="3" marL="1828800" rtl="0" algn="l">
+            <a:lvl4pPr marL="1828800" lvl="3" indent="-304800" algn="l" rtl="0">
               <a:lnSpc>
                 <a:spcPct val="100000"/>
               </a:lnSpc>
@@ -4341,7 +4452,7 @@
                 <a:sym typeface="Calibri"/>
               </a:defRPr>
             </a:lvl4pPr>
-            <a:lvl5pPr indent="-285750" lvl="4" marL="2286000" rtl="0" algn="l">
+            <a:lvl5pPr marL="2286000" lvl="4" indent="-285750" algn="l" rtl="0">
               <a:lnSpc>
                 <a:spcPct val="100000"/>
               </a:lnSpc>
@@ -4366,7 +4477,7 @@
                 <a:sym typeface="Calibri"/>
               </a:defRPr>
             </a:lvl5pPr>
-            <a:lvl6pPr indent="-317500" lvl="5" marL="2743200" rtl="0" algn="l">
+            <a:lvl6pPr marL="2743200" lvl="5" indent="-317500" algn="l" rtl="0">
               <a:lnSpc>
                 <a:spcPct val="100000"/>
               </a:lnSpc>
@@ -4383,7 +4494,7 @@
               <a:buChar char="■"/>
               <a:defRPr sz="1100"/>
             </a:lvl6pPr>
-            <a:lvl7pPr indent="-317500" lvl="6" marL="3200400" rtl="0" algn="l">
+            <a:lvl7pPr marL="3200400" lvl="6" indent="-317500" algn="l" rtl="0">
               <a:lnSpc>
                 <a:spcPct val="90000"/>
               </a:lnSpc>
@@ -4400,7 +4511,7 @@
               <a:buChar char="●"/>
               <a:defRPr sz="1100"/>
             </a:lvl7pPr>
-            <a:lvl8pPr indent="-317500" lvl="7" marL="3657600" rtl="0" algn="l">
+            <a:lvl8pPr marL="3657600" lvl="7" indent="-317500" algn="l" rtl="0">
               <a:lnSpc>
                 <a:spcPct val="90000"/>
               </a:lnSpc>
@@ -4417,7 +4528,7 @@
               <a:buChar char="○"/>
               <a:defRPr sz="1100"/>
             </a:lvl8pPr>
-            <a:lvl9pPr indent="-317500" lvl="8" marL="4114800" rtl="0" algn="l">
+            <a:lvl9pPr marL="4114800" lvl="8" indent="-317500" algn="l" rtl="0">
               <a:lnSpc>
                 <a:spcPct val="90000"/>
               </a:lnSpc>
@@ -4435,7 +4546,9 @@
               <a:defRPr sz="1100"/>
             </a:lvl9pPr>
           </a:lstStyle>
-          <a:p/>
+          <a:p>
+            <a:endParaRPr/>
+          </a:p>
         </p:txBody>
       </p:sp>
       <p:sp>
@@ -4460,12 +4573,12 @@
           </a:ln>
         </p:spPr>
         <p:txBody>
-          <a:bodyPr anchorCtr="0" anchor="ctr" bIns="34275" lIns="68575" spcFirstLastPara="1" rIns="68575" wrap="square" tIns="34275">
+          <a:bodyPr spcFirstLastPara="1" wrap="square" lIns="68575" tIns="34275" rIns="68575" bIns="34275" anchor="ctr" anchorCtr="0">
             <a:noAutofit/>
           </a:bodyPr>
           <a:lstStyle/>
           <a:p>
-            <a:pPr indent="0" lvl="0" marL="0" marR="0" rtl="0" algn="ctr">
+            <a:pPr marL="0" marR="0" lvl="0" indent="0" algn="ctr" rtl="0">
               <a:spcBef>
                 <a:spcPts val="0"/>
               </a:spcBef>
@@ -4474,10 +4587,7 @@
               </a:spcAft>
               <a:buNone/>
             </a:pPr>
-            <a:r>
-              <a:t/>
-            </a:r>
-            <a:endParaRPr b="0" i="0" sz="1400" u="none" cap="none" strike="noStrike">
+            <a:endParaRPr sz="1400" b="0" i="0" u="none" strike="noStrike" cap="none">
               <a:solidFill>
                 <a:schemeClr val="lt1"/>
               </a:solidFill>
@@ -4498,11 +4608,11 @@
 </file>
 
 <file path=ppt/slideLayouts/slideLayout13.xml><?xml version="1.0" encoding="utf-8"?>
-<p:sldLayout xmlns:a="http://schemas.openxmlformats.org/drawingml/2006/main" xmlns:r="http://schemas.openxmlformats.org/officeDocument/2006/relationships" xmlns:mc="http://schemas.openxmlformats.org/markup-compatibility/2006" xmlns:mv="urn:schemas-microsoft-com:mac:vml" xmlns:p="http://schemas.openxmlformats.org/presentationml/2006/main" xmlns:c="http://schemas.openxmlformats.org/drawingml/2006/chart" xmlns:dgm="http://schemas.openxmlformats.org/drawingml/2006/diagram" xmlns:o="urn:schemas-microsoft-com:office:office" xmlns:v="urn:schemas-microsoft-com:vml" xmlns:pvml="urn:schemas-microsoft-com:office:powerpoint" xmlns:com="http://schemas.openxmlformats.org/drawingml/2006/compatibility" xmlns:p14="http://schemas.microsoft.com/office/powerpoint/2010/main" xmlns:p15="http://schemas.microsoft.com/office/powerpoint/2012/main" xmlns:ahyp="http://schemas.microsoft.com/office/drawing/2018/hyperlinkcolor" matchingName="Wide Title only">
+<p:sldLayout xmlns:a="http://schemas.openxmlformats.org/drawingml/2006/main" xmlns:r="http://schemas.openxmlformats.org/officeDocument/2006/relationships" xmlns:p="http://schemas.openxmlformats.org/presentationml/2006/main" matchingName="Wide Title only">
   <p:cSld name="Wide Title only">
     <p:spTree>
       <p:nvGrpSpPr>
-        <p:cNvPr id="74" name="Shape 74"/>
+        <p:cNvPr id="1" name="Shape 74"/>
         <p:cNvGrpSpPr/>
         <p:nvPr/>
       </p:nvGrpSpPr>
@@ -4517,7 +4627,9 @@
       <p:sp>
         <p:nvSpPr>
           <p:cNvPr id="75" name="Google Shape;75;p14"/>
-          <p:cNvSpPr txBox="1"/>
+          <p:cNvSpPr txBox="1">
+            <a:spLocks noGrp="1"/>
+          </p:cNvSpPr>
           <p:nvPr>
             <p:ph type="title"/>
           </p:nvPr>
@@ -4536,11 +4648,11 @@
           </a:ln>
         </p:spPr>
         <p:txBody>
-          <a:bodyPr anchorCtr="0" anchor="b" bIns="0" lIns="0" spcFirstLastPara="1" rIns="0" wrap="square" tIns="0">
+          <a:bodyPr spcFirstLastPara="1" wrap="square" lIns="0" tIns="0" rIns="0" bIns="0" anchor="b" anchorCtr="0">
             <a:noAutofit/>
           </a:bodyPr>
           <a:lstStyle>
-            <a:lvl1pPr lvl="0" rtl="0" algn="l">
+            <a:lvl1pPr lvl="0" algn="l" rtl="0">
               <a:lnSpc>
                 <a:spcPct val="90000"/>
               </a:lnSpc>
@@ -4646,15 +4758,19 @@
               <a:defRPr sz="1100"/>
             </a:lvl9pPr>
           </a:lstStyle>
-          <a:p/>
+          <a:p>
+            <a:endParaRPr/>
+          </a:p>
         </p:txBody>
       </p:sp>
       <p:sp>
         <p:nvSpPr>
           <p:cNvPr id="76" name="Google Shape;76;p14"/>
-          <p:cNvSpPr txBox="1"/>
+          <p:cNvSpPr txBox="1">
+            <a:spLocks noGrp="1"/>
+          </p:cNvSpPr>
           <p:nvPr>
-            <p:ph idx="12" type="sldNum"/>
+            <p:ph type="sldNum" idx="12"/>
           </p:nvPr>
         </p:nvSpPr>
         <p:spPr>
@@ -4671,16 +4787,16 @@
           </a:ln>
         </p:spPr>
         <p:txBody>
-          <a:bodyPr anchorCtr="0" anchor="ctr" bIns="0" lIns="0" spcFirstLastPara="1" rIns="0" wrap="square" tIns="0">
+          <a:bodyPr spcFirstLastPara="1" wrap="square" lIns="0" tIns="0" rIns="0" bIns="0" anchor="ctr" anchorCtr="0">
             <a:noAutofit/>
           </a:bodyPr>
           <a:lstStyle>
-            <a:lvl1pPr indent="0" lvl="0" marL="0" rtl="0" algn="r">
-              <a:spcBef>
-                <a:spcPts val="0"/>
-              </a:spcBef>
-              <a:buNone/>
-              <a:defRPr b="0" i="0" sz="800" u="none" cap="none" strike="noStrike">
+            <a:lvl1pPr marL="0" lvl="0" indent="0" algn="r" rtl="0">
+              <a:spcBef>
+                <a:spcPts val="0"/>
+              </a:spcBef>
+              <a:buNone/>
+              <a:defRPr sz="800" b="0" i="0" u="none" strike="noStrike" cap="none">
                 <a:solidFill>
                   <a:schemeClr val="dk1"/>
                 </a:solidFill>
@@ -4690,12 +4806,12 @@
                 <a:sym typeface="Calibri"/>
               </a:defRPr>
             </a:lvl1pPr>
-            <a:lvl2pPr indent="0" lvl="1" marL="0" rtl="0" algn="r">
-              <a:spcBef>
-                <a:spcPts val="0"/>
-              </a:spcBef>
-              <a:buNone/>
-              <a:defRPr b="0" i="0" sz="800" u="none" cap="none" strike="noStrike">
+            <a:lvl2pPr marL="0" lvl="1" indent="0" algn="r" rtl="0">
+              <a:spcBef>
+                <a:spcPts val="0"/>
+              </a:spcBef>
+              <a:buNone/>
+              <a:defRPr sz="800" b="0" i="0" u="none" strike="noStrike" cap="none">
                 <a:solidFill>
                   <a:schemeClr val="dk1"/>
                 </a:solidFill>
@@ -4705,12 +4821,12 @@
                 <a:sym typeface="Calibri"/>
               </a:defRPr>
             </a:lvl2pPr>
-            <a:lvl3pPr indent="0" lvl="2" marL="0" rtl="0" algn="r">
-              <a:spcBef>
-                <a:spcPts val="0"/>
-              </a:spcBef>
-              <a:buNone/>
-              <a:defRPr b="0" i="0" sz="800" u="none" cap="none" strike="noStrike">
+            <a:lvl3pPr marL="0" lvl="2" indent="0" algn="r" rtl="0">
+              <a:spcBef>
+                <a:spcPts val="0"/>
+              </a:spcBef>
+              <a:buNone/>
+              <a:defRPr sz="800" b="0" i="0" u="none" strike="noStrike" cap="none">
                 <a:solidFill>
                   <a:schemeClr val="dk1"/>
                 </a:solidFill>
@@ -4720,12 +4836,12 @@
                 <a:sym typeface="Calibri"/>
               </a:defRPr>
             </a:lvl3pPr>
-            <a:lvl4pPr indent="0" lvl="3" marL="0" rtl="0" algn="r">
-              <a:spcBef>
-                <a:spcPts val="0"/>
-              </a:spcBef>
-              <a:buNone/>
-              <a:defRPr b="0" i="0" sz="800" u="none" cap="none" strike="noStrike">
+            <a:lvl4pPr marL="0" lvl="3" indent="0" algn="r" rtl="0">
+              <a:spcBef>
+                <a:spcPts val="0"/>
+              </a:spcBef>
+              <a:buNone/>
+              <a:defRPr sz="800" b="0" i="0" u="none" strike="noStrike" cap="none">
                 <a:solidFill>
                   <a:schemeClr val="dk1"/>
                 </a:solidFill>
@@ -4735,12 +4851,12 @@
                 <a:sym typeface="Calibri"/>
               </a:defRPr>
             </a:lvl4pPr>
-            <a:lvl5pPr indent="0" lvl="4" marL="0" rtl="0" algn="r">
-              <a:spcBef>
-                <a:spcPts val="0"/>
-              </a:spcBef>
-              <a:buNone/>
-              <a:defRPr b="0" i="0" sz="800" u="none" cap="none" strike="noStrike">
+            <a:lvl5pPr marL="0" lvl="4" indent="0" algn="r" rtl="0">
+              <a:spcBef>
+                <a:spcPts val="0"/>
+              </a:spcBef>
+              <a:buNone/>
+              <a:defRPr sz="800" b="0" i="0" u="none" strike="noStrike" cap="none">
                 <a:solidFill>
                   <a:schemeClr val="dk1"/>
                 </a:solidFill>
@@ -4750,12 +4866,12 @@
                 <a:sym typeface="Calibri"/>
               </a:defRPr>
             </a:lvl5pPr>
-            <a:lvl6pPr indent="0" lvl="5" marL="0" rtl="0" algn="r">
-              <a:spcBef>
-                <a:spcPts val="0"/>
-              </a:spcBef>
-              <a:buNone/>
-              <a:defRPr b="0" i="0" sz="800" u="none" cap="none" strike="noStrike">
+            <a:lvl6pPr marL="0" lvl="5" indent="0" algn="r" rtl="0">
+              <a:spcBef>
+                <a:spcPts val="0"/>
+              </a:spcBef>
+              <a:buNone/>
+              <a:defRPr sz="800" b="0" i="0" u="none" strike="noStrike" cap="none">
                 <a:solidFill>
                   <a:schemeClr val="dk1"/>
                 </a:solidFill>
@@ -4765,12 +4881,12 @@
                 <a:sym typeface="Calibri"/>
               </a:defRPr>
             </a:lvl6pPr>
-            <a:lvl7pPr indent="0" lvl="6" marL="0" rtl="0" algn="r">
-              <a:spcBef>
-                <a:spcPts val="0"/>
-              </a:spcBef>
-              <a:buNone/>
-              <a:defRPr b="0" i="0" sz="800" u="none" cap="none" strike="noStrike">
+            <a:lvl7pPr marL="0" lvl="6" indent="0" algn="r" rtl="0">
+              <a:spcBef>
+                <a:spcPts val="0"/>
+              </a:spcBef>
+              <a:buNone/>
+              <a:defRPr sz="800" b="0" i="0" u="none" strike="noStrike" cap="none">
                 <a:solidFill>
                   <a:schemeClr val="dk1"/>
                 </a:solidFill>
@@ -4780,12 +4896,12 @@
                 <a:sym typeface="Calibri"/>
               </a:defRPr>
             </a:lvl7pPr>
-            <a:lvl8pPr indent="0" lvl="7" marL="0" rtl="0" algn="r">
-              <a:spcBef>
-                <a:spcPts val="0"/>
-              </a:spcBef>
-              <a:buNone/>
-              <a:defRPr b="0" i="0" sz="800" u="none" cap="none" strike="noStrike">
+            <a:lvl8pPr marL="0" lvl="7" indent="0" algn="r" rtl="0">
+              <a:spcBef>
+                <a:spcPts val="0"/>
+              </a:spcBef>
+              <a:buNone/>
+              <a:defRPr sz="800" b="0" i="0" u="none" strike="noStrike" cap="none">
                 <a:solidFill>
                   <a:schemeClr val="dk1"/>
                 </a:solidFill>
@@ -4795,12 +4911,12 @@
                 <a:sym typeface="Calibri"/>
               </a:defRPr>
             </a:lvl8pPr>
-            <a:lvl9pPr indent="0" lvl="8" marL="0" rtl="0" algn="r">
-              <a:spcBef>
-                <a:spcPts val="0"/>
-              </a:spcBef>
-              <a:buNone/>
-              <a:defRPr b="0" i="0" sz="800" u="none" cap="none" strike="noStrike">
+            <a:lvl9pPr marL="0" lvl="8" indent="0" algn="r" rtl="0">
+              <a:spcBef>
+                <a:spcPts val="0"/>
+              </a:spcBef>
+              <a:buNone/>
+              <a:defRPr sz="800" b="0" i="0" u="none" strike="noStrike" cap="none">
                 <a:solidFill>
                   <a:schemeClr val="dk1"/>
                 </a:solidFill>
@@ -4812,7 +4928,7 @@
             </a:lvl9pPr>
           </a:lstStyle>
           <a:p>
-            <a:pPr indent="0" lvl="0" marL="0" rtl="0" algn="r">
+            <a:pPr marL="0" lvl="0" indent="0" algn="r" rtl="0">
               <a:spcBef>
                 <a:spcPts val="0"/>
               </a:spcBef>
@@ -4832,9 +4948,11 @@
       <p:sp>
         <p:nvSpPr>
           <p:cNvPr id="77" name="Google Shape;77;p14"/>
-          <p:cNvSpPr txBox="1"/>
+          <p:cNvSpPr txBox="1">
+            <a:spLocks noGrp="1"/>
+          </p:cNvSpPr>
           <p:nvPr>
-            <p:ph idx="11" type="ftr"/>
+            <p:ph type="ftr" idx="11"/>
           </p:nvPr>
         </p:nvSpPr>
         <p:spPr>
@@ -4851,11 +4969,11 @@
           </a:ln>
         </p:spPr>
         <p:txBody>
-          <a:bodyPr anchorCtr="0" anchor="ctr" bIns="0" lIns="0" spcFirstLastPara="1" rIns="0" wrap="square" tIns="0">
+          <a:bodyPr spcFirstLastPara="1" wrap="square" lIns="0" tIns="0" rIns="0" bIns="0" anchor="ctr" anchorCtr="0">
             <a:noAutofit/>
           </a:bodyPr>
           <a:lstStyle>
-            <a:lvl1pPr lvl="0" rtl="0" algn="l">
+            <a:lvl1pPr lvl="0" algn="l" rtl="0">
               <a:spcBef>
                 <a:spcPts val="0"/>
               </a:spcBef>
@@ -4864,14 +4982,14 @@
               </a:spcAft>
               <a:buSzPts val="1100"/>
               <a:buNone/>
-              <a:defRPr i="1" sz="500">
+              <a:defRPr sz="500" i="1">
                 <a:latin typeface="Georgia"/>
                 <a:ea typeface="Georgia"/>
                 <a:cs typeface="Georgia"/>
                 <a:sym typeface="Georgia"/>
               </a:defRPr>
             </a:lvl1pPr>
-            <a:lvl2pPr lvl="1" rtl="0" algn="l">
+            <a:lvl2pPr lvl="1" algn="l" rtl="0">
               <a:spcBef>
                 <a:spcPts val="0"/>
               </a:spcBef>
@@ -4882,7 +5000,7 @@
               <a:buNone/>
               <a:defRPr sz="1100"/>
             </a:lvl2pPr>
-            <a:lvl3pPr lvl="2" rtl="0" algn="l">
+            <a:lvl3pPr lvl="2" algn="l" rtl="0">
               <a:spcBef>
                 <a:spcPts val="0"/>
               </a:spcBef>
@@ -4893,7 +5011,7 @@
               <a:buNone/>
               <a:defRPr sz="1100"/>
             </a:lvl3pPr>
-            <a:lvl4pPr lvl="3" rtl="0" algn="l">
+            <a:lvl4pPr lvl="3" algn="l" rtl="0">
               <a:spcBef>
                 <a:spcPts val="0"/>
               </a:spcBef>
@@ -4904,7 +5022,7 @@
               <a:buNone/>
               <a:defRPr sz="1100"/>
             </a:lvl4pPr>
-            <a:lvl5pPr lvl="4" rtl="0" algn="l">
+            <a:lvl5pPr lvl="4" algn="l" rtl="0">
               <a:spcBef>
                 <a:spcPts val="0"/>
               </a:spcBef>
@@ -4915,7 +5033,7 @@
               <a:buNone/>
               <a:defRPr sz="1100"/>
             </a:lvl5pPr>
-            <a:lvl6pPr lvl="5" rtl="0" algn="l">
+            <a:lvl6pPr lvl="5" algn="l" rtl="0">
               <a:spcBef>
                 <a:spcPts val="0"/>
               </a:spcBef>
@@ -4926,7 +5044,7 @@
               <a:buNone/>
               <a:defRPr sz="1100"/>
             </a:lvl6pPr>
-            <a:lvl7pPr lvl="6" rtl="0" algn="l">
+            <a:lvl7pPr lvl="6" algn="l" rtl="0">
               <a:spcBef>
                 <a:spcPts val="0"/>
               </a:spcBef>
@@ -4937,7 +5055,7 @@
               <a:buNone/>
               <a:defRPr sz="1100"/>
             </a:lvl7pPr>
-            <a:lvl8pPr lvl="7" rtl="0" algn="l">
+            <a:lvl8pPr lvl="7" algn="l" rtl="0">
               <a:spcBef>
                 <a:spcPts val="0"/>
               </a:spcBef>
@@ -4948,7 +5066,7 @@
               <a:buNone/>
               <a:defRPr sz="1100"/>
             </a:lvl8pPr>
-            <a:lvl9pPr lvl="8" rtl="0" algn="l">
+            <a:lvl9pPr lvl="8" algn="l" rtl="0">
               <a:spcBef>
                 <a:spcPts val="0"/>
               </a:spcBef>
@@ -4960,7 +5078,9 @@
               <a:defRPr sz="1100"/>
             </a:lvl9pPr>
           </a:lstStyle>
-          <a:p/>
+          <a:p>
+            <a:endParaRPr/>
+          </a:p>
         </p:txBody>
       </p:sp>
       <p:cxnSp>
@@ -4978,23 +5098,25 @@
             <a:avLst/>
           </a:prstGeom>
           <a:noFill/>
-          <a:ln cap="flat" cmpd="sng" w="9525">
+          <a:ln w="9525" cap="flat" cmpd="sng">
             <a:solidFill>
               <a:schemeClr val="dk1"/>
             </a:solidFill>
             <a:prstDash val="solid"/>
             <a:miter lim="800000"/>
-            <a:headEnd len="sm" w="sm" type="none"/>
-            <a:tailEnd len="sm" w="sm" type="none"/>
+            <a:headEnd type="none" w="sm" len="sm"/>
+            <a:tailEnd type="none" w="sm" len="sm"/>
           </a:ln>
         </p:spPr>
       </p:cxnSp>
       <p:sp>
         <p:nvSpPr>
           <p:cNvPr id="79" name="Google Shape;79;p14"/>
-          <p:cNvSpPr txBox="1"/>
+          <p:cNvSpPr txBox="1">
+            <a:spLocks noGrp="1"/>
+          </p:cNvSpPr>
           <p:nvPr>
-            <p:ph idx="10" type="dt"/>
+            <p:ph type="dt" idx="10"/>
           </p:nvPr>
         </p:nvSpPr>
         <p:spPr>
@@ -5011,11 +5133,11 @@
           </a:ln>
         </p:spPr>
         <p:txBody>
-          <a:bodyPr anchorCtr="0" anchor="ctr" bIns="34275" lIns="68575" spcFirstLastPara="1" rIns="68575" wrap="square" tIns="34275">
+          <a:bodyPr spcFirstLastPara="1" wrap="square" lIns="68575" tIns="34275" rIns="68575" bIns="34275" anchor="ctr" anchorCtr="0">
             <a:noAutofit/>
           </a:bodyPr>
           <a:lstStyle>
-            <a:lvl1pPr lvl="0" rtl="0" algn="ctr">
+            <a:lvl1pPr lvl="0" algn="ctr" rtl="0">
               <a:spcBef>
                 <a:spcPts val="0"/>
               </a:spcBef>
@@ -5030,7 +5152,7 @@
                 </a:solidFill>
               </a:defRPr>
             </a:lvl1pPr>
-            <a:lvl2pPr lvl="1" rtl="0" algn="l">
+            <a:lvl2pPr lvl="1" algn="l" rtl="0">
               <a:spcBef>
                 <a:spcPts val="0"/>
               </a:spcBef>
@@ -5041,7 +5163,7 @@
               <a:buNone/>
               <a:defRPr sz="1100"/>
             </a:lvl2pPr>
-            <a:lvl3pPr lvl="2" rtl="0" algn="l">
+            <a:lvl3pPr lvl="2" algn="l" rtl="0">
               <a:spcBef>
                 <a:spcPts val="0"/>
               </a:spcBef>
@@ -5052,7 +5174,7 @@
               <a:buNone/>
               <a:defRPr sz="1100"/>
             </a:lvl3pPr>
-            <a:lvl4pPr lvl="3" rtl="0" algn="l">
+            <a:lvl4pPr lvl="3" algn="l" rtl="0">
               <a:spcBef>
                 <a:spcPts val="0"/>
               </a:spcBef>
@@ -5063,7 +5185,7 @@
               <a:buNone/>
               <a:defRPr sz="1100"/>
             </a:lvl4pPr>
-            <a:lvl5pPr lvl="4" rtl="0" algn="l">
+            <a:lvl5pPr lvl="4" algn="l" rtl="0">
               <a:spcBef>
                 <a:spcPts val="0"/>
               </a:spcBef>
@@ -5074,7 +5196,7 @@
               <a:buNone/>
               <a:defRPr sz="1100"/>
             </a:lvl5pPr>
-            <a:lvl6pPr lvl="5" rtl="0" algn="l">
+            <a:lvl6pPr lvl="5" algn="l" rtl="0">
               <a:spcBef>
                 <a:spcPts val="0"/>
               </a:spcBef>
@@ -5085,7 +5207,7 @@
               <a:buNone/>
               <a:defRPr sz="1100"/>
             </a:lvl6pPr>
-            <a:lvl7pPr lvl="6" rtl="0" algn="l">
+            <a:lvl7pPr lvl="6" algn="l" rtl="0">
               <a:spcBef>
                 <a:spcPts val="0"/>
               </a:spcBef>
@@ -5096,7 +5218,7 @@
               <a:buNone/>
               <a:defRPr sz="1100"/>
             </a:lvl7pPr>
-            <a:lvl8pPr lvl="7" rtl="0" algn="l">
+            <a:lvl8pPr lvl="7" algn="l" rtl="0">
               <a:spcBef>
                 <a:spcPts val="0"/>
               </a:spcBef>
@@ -5107,7 +5229,7 @@
               <a:buNone/>
               <a:defRPr sz="1100"/>
             </a:lvl8pPr>
-            <a:lvl9pPr lvl="8" rtl="0" algn="l">
+            <a:lvl9pPr lvl="8" algn="l" rtl="0">
               <a:spcBef>
                 <a:spcPts val="0"/>
               </a:spcBef>
@@ -5119,7 +5241,9 @@
               <a:defRPr sz="1100"/>
             </a:lvl9pPr>
           </a:lstStyle>
-          <a:p/>
+          <a:p>
+            <a:endParaRPr/>
+          </a:p>
         </p:txBody>
       </p:sp>
     </p:spTree>
@@ -5131,11 +5255,11 @@
 </file>
 
 <file path=ppt/slideLayouts/slideLayout14.xml><?xml version="1.0" encoding="utf-8"?>
-<p:sldLayout xmlns:a="http://schemas.openxmlformats.org/drawingml/2006/main" xmlns:r="http://schemas.openxmlformats.org/officeDocument/2006/relationships" xmlns:mc="http://schemas.openxmlformats.org/markup-compatibility/2006" xmlns:mv="urn:schemas-microsoft-com:mac:vml" xmlns:p="http://schemas.openxmlformats.org/presentationml/2006/main" xmlns:c="http://schemas.openxmlformats.org/drawingml/2006/chart" xmlns:dgm="http://schemas.openxmlformats.org/drawingml/2006/diagram" xmlns:o="urn:schemas-microsoft-com:office:office" xmlns:v="urn:schemas-microsoft-com:vml" xmlns:pvml="urn:schemas-microsoft-com:office:powerpoint" xmlns:com="http://schemas.openxmlformats.org/drawingml/2006/compatibility" xmlns:p14="http://schemas.microsoft.com/office/powerpoint/2010/main" xmlns:p15="http://schemas.microsoft.com/office/powerpoint/2012/main" xmlns:ahyp="http://schemas.microsoft.com/office/drawing/2018/hyperlinkcolor" matchingName="Title and Content widescreen" type="obj">
+<p:sldLayout xmlns:a="http://schemas.openxmlformats.org/drawingml/2006/main" xmlns:r="http://schemas.openxmlformats.org/officeDocument/2006/relationships" xmlns:p="http://schemas.openxmlformats.org/presentationml/2006/main" matchingName="Title and Content widescreen" type="obj">
   <p:cSld name="OBJECT">
     <p:spTree>
       <p:nvGrpSpPr>
-        <p:cNvPr id="80" name="Shape 80"/>
+        <p:cNvPr id="1" name="Shape 80"/>
         <p:cNvGrpSpPr/>
         <p:nvPr/>
       </p:nvGrpSpPr>
@@ -5150,7 +5274,9 @@
       <p:sp>
         <p:nvSpPr>
           <p:cNvPr id="81" name="Google Shape;81;p15"/>
-          <p:cNvSpPr txBox="1"/>
+          <p:cNvSpPr txBox="1">
+            <a:spLocks noGrp="1"/>
+          </p:cNvSpPr>
           <p:nvPr>
             <p:ph type="title"/>
           </p:nvPr>
@@ -5169,11 +5295,11 @@
           </a:ln>
         </p:spPr>
         <p:txBody>
-          <a:bodyPr anchorCtr="0" anchor="b" bIns="0" lIns="0" spcFirstLastPara="1" rIns="0" wrap="square" tIns="0">
+          <a:bodyPr spcFirstLastPara="1" wrap="square" lIns="0" tIns="0" rIns="0" bIns="0" anchor="b" anchorCtr="0">
             <a:noAutofit/>
           </a:bodyPr>
           <a:lstStyle>
-            <a:lvl1pPr lvl="0" rtl="0" algn="l">
+            <a:lvl1pPr lvl="0" algn="l" rtl="0">
               <a:lnSpc>
                 <a:spcPct val="90000"/>
               </a:lnSpc>
@@ -5279,15 +5405,19 @@
               <a:defRPr sz="1100"/>
             </a:lvl9pPr>
           </a:lstStyle>
-          <a:p/>
+          <a:p>
+            <a:endParaRPr/>
+          </a:p>
         </p:txBody>
       </p:sp>
       <p:sp>
         <p:nvSpPr>
           <p:cNvPr id="82" name="Google Shape;82;p15"/>
-          <p:cNvSpPr txBox="1"/>
+          <p:cNvSpPr txBox="1">
+            <a:spLocks noGrp="1"/>
+          </p:cNvSpPr>
           <p:nvPr>
-            <p:ph idx="1" type="body"/>
+            <p:ph type="body" idx="1"/>
           </p:nvPr>
         </p:nvSpPr>
         <p:spPr>
@@ -5304,11 +5434,11 @@
           </a:ln>
         </p:spPr>
         <p:txBody>
-          <a:bodyPr anchorCtr="0" anchor="t" bIns="0" lIns="0" spcFirstLastPara="1" rIns="0" wrap="square" tIns="0">
+          <a:bodyPr spcFirstLastPara="1" wrap="square" lIns="0" tIns="0" rIns="0" bIns="0" anchor="t" anchorCtr="0">
             <a:noAutofit/>
           </a:bodyPr>
           <a:lstStyle>
-            <a:lvl1pPr indent="-317500" lvl="0" marL="457200" rtl="0" algn="l">
+            <a:lvl1pPr marL="457200" lvl="0" indent="-317500" algn="l" rtl="0">
               <a:lnSpc>
                 <a:spcPct val="100000"/>
               </a:lnSpc>
@@ -5325,7 +5455,7 @@
               <a:buChar char="●"/>
               <a:defRPr sz="1100"/>
             </a:lvl1pPr>
-            <a:lvl2pPr indent="-317500" lvl="1" marL="914400" rtl="0" algn="l">
+            <a:lvl2pPr marL="914400" lvl="1" indent="-317500" algn="l" rtl="0">
               <a:lnSpc>
                 <a:spcPct val="100000"/>
               </a:lnSpc>
@@ -5342,7 +5472,7 @@
               <a:buChar char="○"/>
               <a:defRPr sz="1100"/>
             </a:lvl2pPr>
-            <a:lvl3pPr indent="-317500" lvl="2" marL="1371600" rtl="0" algn="l">
+            <a:lvl3pPr marL="1371600" lvl="2" indent="-317500" algn="l" rtl="0">
               <a:lnSpc>
                 <a:spcPct val="100000"/>
               </a:lnSpc>
@@ -5359,7 +5489,7 @@
               <a:buChar char="■"/>
               <a:defRPr sz="1100"/>
             </a:lvl3pPr>
-            <a:lvl4pPr indent="-317500" lvl="3" marL="1828800" rtl="0" algn="l">
+            <a:lvl4pPr marL="1828800" lvl="3" indent="-317500" algn="l" rtl="0">
               <a:lnSpc>
                 <a:spcPct val="100000"/>
               </a:lnSpc>
@@ -5376,7 +5506,7 @@
               <a:buChar char="●"/>
               <a:defRPr sz="1100"/>
             </a:lvl4pPr>
-            <a:lvl5pPr indent="-317500" lvl="4" marL="2286000" rtl="0" algn="l">
+            <a:lvl5pPr marL="2286000" lvl="4" indent="-317500" algn="l" rtl="0">
               <a:lnSpc>
                 <a:spcPct val="100000"/>
               </a:lnSpc>
@@ -5393,7 +5523,7 @@
               <a:buChar char="○"/>
               <a:defRPr sz="1100"/>
             </a:lvl5pPr>
-            <a:lvl6pPr indent="-317500" lvl="5" marL="2743200" rtl="0" algn="l">
+            <a:lvl6pPr marL="2743200" lvl="5" indent="-317500" algn="l" rtl="0">
               <a:lnSpc>
                 <a:spcPct val="100000"/>
               </a:lnSpc>
@@ -5410,7 +5540,7 @@
               <a:buChar char="■"/>
               <a:defRPr sz="1100"/>
             </a:lvl6pPr>
-            <a:lvl7pPr indent="-317500" lvl="6" marL="3200400" rtl="0" algn="l">
+            <a:lvl7pPr marL="3200400" lvl="6" indent="-317500" algn="l" rtl="0">
               <a:lnSpc>
                 <a:spcPct val="90000"/>
               </a:lnSpc>
@@ -5427,7 +5557,7 @@
               <a:buChar char="●"/>
               <a:defRPr sz="1100"/>
             </a:lvl7pPr>
-            <a:lvl8pPr indent="-317500" lvl="7" marL="3657600" rtl="0" algn="l">
+            <a:lvl8pPr marL="3657600" lvl="7" indent="-317500" algn="l" rtl="0">
               <a:lnSpc>
                 <a:spcPct val="90000"/>
               </a:lnSpc>
@@ -5444,7 +5574,7 @@
               <a:buChar char="○"/>
               <a:defRPr sz="1100"/>
             </a:lvl8pPr>
-            <a:lvl9pPr indent="-317500" lvl="8" marL="4114800" rtl="0" algn="l">
+            <a:lvl9pPr marL="4114800" lvl="8" indent="-317500" algn="l" rtl="0">
               <a:lnSpc>
                 <a:spcPct val="90000"/>
               </a:lnSpc>
@@ -5462,15 +5592,19 @@
               <a:defRPr sz="1100"/>
             </a:lvl9pPr>
           </a:lstStyle>
-          <a:p/>
+          <a:p>
+            <a:endParaRPr/>
+          </a:p>
         </p:txBody>
       </p:sp>
       <p:sp>
         <p:nvSpPr>
           <p:cNvPr id="83" name="Google Shape;83;p15"/>
-          <p:cNvSpPr txBox="1"/>
+          <p:cNvSpPr txBox="1">
+            <a:spLocks noGrp="1"/>
+          </p:cNvSpPr>
           <p:nvPr>
-            <p:ph idx="12" type="sldNum"/>
+            <p:ph type="sldNum" idx="12"/>
           </p:nvPr>
         </p:nvSpPr>
         <p:spPr>
@@ -5487,16 +5621,16 @@
           </a:ln>
         </p:spPr>
         <p:txBody>
-          <a:bodyPr anchorCtr="0" anchor="ctr" bIns="0" lIns="0" spcFirstLastPara="1" rIns="0" wrap="square" tIns="0">
+          <a:bodyPr spcFirstLastPara="1" wrap="square" lIns="0" tIns="0" rIns="0" bIns="0" anchor="ctr" anchorCtr="0">
             <a:noAutofit/>
           </a:bodyPr>
           <a:lstStyle>
-            <a:lvl1pPr indent="0" lvl="0" marL="0" rtl="0" algn="r">
-              <a:spcBef>
-                <a:spcPts val="0"/>
-              </a:spcBef>
-              <a:buNone/>
-              <a:defRPr b="0" i="0" sz="800" u="none" cap="none" strike="noStrike">
+            <a:lvl1pPr marL="0" lvl="0" indent="0" algn="r" rtl="0">
+              <a:spcBef>
+                <a:spcPts val="0"/>
+              </a:spcBef>
+              <a:buNone/>
+              <a:defRPr sz="800" b="0" i="0" u="none" strike="noStrike" cap="none">
                 <a:solidFill>
                   <a:schemeClr val="dk1"/>
                 </a:solidFill>
@@ -5506,12 +5640,12 @@
                 <a:sym typeface="Calibri"/>
               </a:defRPr>
             </a:lvl1pPr>
-            <a:lvl2pPr indent="0" lvl="1" marL="0" rtl="0" algn="r">
-              <a:spcBef>
-                <a:spcPts val="0"/>
-              </a:spcBef>
-              <a:buNone/>
-              <a:defRPr b="0" i="0" sz="800" u="none" cap="none" strike="noStrike">
+            <a:lvl2pPr marL="0" lvl="1" indent="0" algn="r" rtl="0">
+              <a:spcBef>
+                <a:spcPts val="0"/>
+              </a:spcBef>
+              <a:buNone/>
+              <a:defRPr sz="800" b="0" i="0" u="none" strike="noStrike" cap="none">
                 <a:solidFill>
                   <a:schemeClr val="dk1"/>
                 </a:solidFill>
@@ -5521,12 +5655,12 @@
                 <a:sym typeface="Calibri"/>
               </a:defRPr>
             </a:lvl2pPr>
-            <a:lvl3pPr indent="0" lvl="2" marL="0" rtl="0" algn="r">
-              <a:spcBef>
-                <a:spcPts val="0"/>
-              </a:spcBef>
-              <a:buNone/>
-              <a:defRPr b="0" i="0" sz="800" u="none" cap="none" strike="noStrike">
+            <a:lvl3pPr marL="0" lvl="2" indent="0" algn="r" rtl="0">
+              <a:spcBef>
+                <a:spcPts val="0"/>
+              </a:spcBef>
+              <a:buNone/>
+              <a:defRPr sz="800" b="0" i="0" u="none" strike="noStrike" cap="none">
                 <a:solidFill>
                   <a:schemeClr val="dk1"/>
                 </a:solidFill>
@@ -5536,12 +5670,12 @@
                 <a:sym typeface="Calibri"/>
               </a:defRPr>
             </a:lvl3pPr>
-            <a:lvl4pPr indent="0" lvl="3" marL="0" rtl="0" algn="r">
-              <a:spcBef>
-                <a:spcPts val="0"/>
-              </a:spcBef>
-              <a:buNone/>
-              <a:defRPr b="0" i="0" sz="800" u="none" cap="none" strike="noStrike">
+            <a:lvl4pPr marL="0" lvl="3" indent="0" algn="r" rtl="0">
+              <a:spcBef>
+                <a:spcPts val="0"/>
+              </a:spcBef>
+              <a:buNone/>
+              <a:defRPr sz="800" b="0" i="0" u="none" strike="noStrike" cap="none">
                 <a:solidFill>
                   <a:schemeClr val="dk1"/>
                 </a:solidFill>
@@ -5551,12 +5685,12 @@
                 <a:sym typeface="Calibri"/>
               </a:defRPr>
             </a:lvl4pPr>
-            <a:lvl5pPr indent="0" lvl="4" marL="0" rtl="0" algn="r">
-              <a:spcBef>
-                <a:spcPts val="0"/>
-              </a:spcBef>
-              <a:buNone/>
-              <a:defRPr b="0" i="0" sz="800" u="none" cap="none" strike="noStrike">
+            <a:lvl5pPr marL="0" lvl="4" indent="0" algn="r" rtl="0">
+              <a:spcBef>
+                <a:spcPts val="0"/>
+              </a:spcBef>
+              <a:buNone/>
+              <a:defRPr sz="800" b="0" i="0" u="none" strike="noStrike" cap="none">
                 <a:solidFill>
                   <a:schemeClr val="dk1"/>
                 </a:solidFill>
@@ -5566,12 +5700,12 @@
                 <a:sym typeface="Calibri"/>
               </a:defRPr>
             </a:lvl5pPr>
-            <a:lvl6pPr indent="0" lvl="5" marL="0" rtl="0" algn="r">
-              <a:spcBef>
-                <a:spcPts val="0"/>
-              </a:spcBef>
-              <a:buNone/>
-              <a:defRPr b="0" i="0" sz="800" u="none" cap="none" strike="noStrike">
+            <a:lvl6pPr marL="0" lvl="5" indent="0" algn="r" rtl="0">
+              <a:spcBef>
+                <a:spcPts val="0"/>
+              </a:spcBef>
+              <a:buNone/>
+              <a:defRPr sz="800" b="0" i="0" u="none" strike="noStrike" cap="none">
                 <a:solidFill>
                   <a:schemeClr val="dk1"/>
                 </a:solidFill>
@@ -5581,12 +5715,12 @@
                 <a:sym typeface="Calibri"/>
               </a:defRPr>
             </a:lvl6pPr>
-            <a:lvl7pPr indent="0" lvl="6" marL="0" rtl="0" algn="r">
-              <a:spcBef>
-                <a:spcPts val="0"/>
-              </a:spcBef>
-              <a:buNone/>
-              <a:defRPr b="0" i="0" sz="800" u="none" cap="none" strike="noStrike">
+            <a:lvl7pPr marL="0" lvl="6" indent="0" algn="r" rtl="0">
+              <a:spcBef>
+                <a:spcPts val="0"/>
+              </a:spcBef>
+              <a:buNone/>
+              <a:defRPr sz="800" b="0" i="0" u="none" strike="noStrike" cap="none">
                 <a:solidFill>
                   <a:schemeClr val="dk1"/>
                 </a:solidFill>
@@ -5596,12 +5730,12 @@
                 <a:sym typeface="Calibri"/>
               </a:defRPr>
             </a:lvl7pPr>
-            <a:lvl8pPr indent="0" lvl="7" marL="0" rtl="0" algn="r">
-              <a:spcBef>
-                <a:spcPts val="0"/>
-              </a:spcBef>
-              <a:buNone/>
-              <a:defRPr b="0" i="0" sz="800" u="none" cap="none" strike="noStrike">
+            <a:lvl8pPr marL="0" lvl="7" indent="0" algn="r" rtl="0">
+              <a:spcBef>
+                <a:spcPts val="0"/>
+              </a:spcBef>
+              <a:buNone/>
+              <a:defRPr sz="800" b="0" i="0" u="none" strike="noStrike" cap="none">
                 <a:solidFill>
                   <a:schemeClr val="dk1"/>
                 </a:solidFill>
@@ -5611,12 +5745,12 @@
                 <a:sym typeface="Calibri"/>
               </a:defRPr>
             </a:lvl8pPr>
-            <a:lvl9pPr indent="0" lvl="8" marL="0" rtl="0" algn="r">
-              <a:spcBef>
-                <a:spcPts val="0"/>
-              </a:spcBef>
-              <a:buNone/>
-              <a:defRPr b="0" i="0" sz="800" u="none" cap="none" strike="noStrike">
+            <a:lvl9pPr marL="0" lvl="8" indent="0" algn="r" rtl="0">
+              <a:spcBef>
+                <a:spcPts val="0"/>
+              </a:spcBef>
+              <a:buNone/>
+              <a:defRPr sz="800" b="0" i="0" u="none" strike="noStrike" cap="none">
                 <a:solidFill>
                   <a:schemeClr val="dk1"/>
                 </a:solidFill>
@@ -5628,7 +5762,7 @@
             </a:lvl9pPr>
           </a:lstStyle>
           <a:p>
-            <a:pPr indent="0" lvl="0" marL="0" rtl="0" algn="r">
+            <a:pPr marL="0" lvl="0" indent="0" algn="r" rtl="0">
               <a:spcBef>
                 <a:spcPts val="0"/>
               </a:spcBef>
@@ -5648,9 +5782,11 @@
       <p:sp>
         <p:nvSpPr>
           <p:cNvPr id="84" name="Google Shape;84;p15"/>
-          <p:cNvSpPr txBox="1"/>
+          <p:cNvSpPr txBox="1">
+            <a:spLocks noGrp="1"/>
+          </p:cNvSpPr>
           <p:nvPr>
-            <p:ph idx="11" type="ftr"/>
+            <p:ph type="ftr" idx="11"/>
           </p:nvPr>
         </p:nvSpPr>
         <p:spPr>
@@ -5667,11 +5803,11 @@
           </a:ln>
         </p:spPr>
         <p:txBody>
-          <a:bodyPr anchorCtr="0" anchor="ctr" bIns="0" lIns="0" spcFirstLastPara="1" rIns="0" wrap="square" tIns="0">
+          <a:bodyPr spcFirstLastPara="1" wrap="square" lIns="0" tIns="0" rIns="0" bIns="0" anchor="ctr" anchorCtr="0">
             <a:noAutofit/>
           </a:bodyPr>
           <a:lstStyle>
-            <a:lvl1pPr lvl="0" rtl="0" algn="l">
+            <a:lvl1pPr lvl="0" algn="l" rtl="0">
               <a:spcBef>
                 <a:spcPts val="0"/>
               </a:spcBef>
@@ -5680,14 +5816,14 @@
               </a:spcAft>
               <a:buSzPts val="1100"/>
               <a:buNone/>
-              <a:defRPr i="1" sz="500">
+              <a:defRPr sz="500" i="1">
                 <a:latin typeface="Georgia"/>
                 <a:ea typeface="Georgia"/>
                 <a:cs typeface="Georgia"/>
                 <a:sym typeface="Georgia"/>
               </a:defRPr>
             </a:lvl1pPr>
-            <a:lvl2pPr lvl="1" rtl="0" algn="l">
+            <a:lvl2pPr lvl="1" algn="l" rtl="0">
               <a:spcBef>
                 <a:spcPts val="0"/>
               </a:spcBef>
@@ -5698,7 +5834,7 @@
               <a:buNone/>
               <a:defRPr sz="1100"/>
             </a:lvl2pPr>
-            <a:lvl3pPr lvl="2" rtl="0" algn="l">
+            <a:lvl3pPr lvl="2" algn="l" rtl="0">
               <a:spcBef>
                 <a:spcPts val="0"/>
               </a:spcBef>
@@ -5709,7 +5845,7 @@
               <a:buNone/>
               <a:defRPr sz="1100"/>
             </a:lvl3pPr>
-            <a:lvl4pPr lvl="3" rtl="0" algn="l">
+            <a:lvl4pPr lvl="3" algn="l" rtl="0">
               <a:spcBef>
                 <a:spcPts val="0"/>
               </a:spcBef>
@@ -5720,7 +5856,7 @@
               <a:buNone/>
               <a:defRPr sz="1100"/>
             </a:lvl4pPr>
-            <a:lvl5pPr lvl="4" rtl="0" algn="l">
+            <a:lvl5pPr lvl="4" algn="l" rtl="0">
               <a:spcBef>
                 <a:spcPts val="0"/>
               </a:spcBef>
@@ -5731,7 +5867,7 @@
               <a:buNone/>
               <a:defRPr sz="1100"/>
             </a:lvl5pPr>
-            <a:lvl6pPr lvl="5" rtl="0" algn="l">
+            <a:lvl6pPr lvl="5" algn="l" rtl="0">
               <a:spcBef>
                 <a:spcPts val="0"/>
               </a:spcBef>
@@ -5742,7 +5878,7 @@
               <a:buNone/>
               <a:defRPr sz="1100"/>
             </a:lvl6pPr>
-            <a:lvl7pPr lvl="6" rtl="0" algn="l">
+            <a:lvl7pPr lvl="6" algn="l" rtl="0">
               <a:spcBef>
                 <a:spcPts val="0"/>
               </a:spcBef>
@@ -5753,7 +5889,7 @@
               <a:buNone/>
               <a:defRPr sz="1100"/>
             </a:lvl7pPr>
-            <a:lvl8pPr lvl="7" rtl="0" algn="l">
+            <a:lvl8pPr lvl="7" algn="l" rtl="0">
               <a:spcBef>
                 <a:spcPts val="0"/>
               </a:spcBef>
@@ -5764,7 +5900,7 @@
               <a:buNone/>
               <a:defRPr sz="1100"/>
             </a:lvl8pPr>
-            <a:lvl9pPr lvl="8" rtl="0" algn="l">
+            <a:lvl9pPr lvl="8" algn="l" rtl="0">
               <a:spcBef>
                 <a:spcPts val="0"/>
               </a:spcBef>
@@ -5776,7 +5912,9 @@
               <a:defRPr sz="1100"/>
             </a:lvl9pPr>
           </a:lstStyle>
-          <a:p/>
+          <a:p>
+            <a:endParaRPr/>
+          </a:p>
         </p:txBody>
       </p:sp>
       <p:cxnSp>
@@ -5794,23 +5932,25 @@
             <a:avLst/>
           </a:prstGeom>
           <a:noFill/>
-          <a:ln cap="flat" cmpd="sng" w="9525">
+          <a:ln w="9525" cap="flat" cmpd="sng">
             <a:solidFill>
               <a:schemeClr val="dk1"/>
             </a:solidFill>
             <a:prstDash val="solid"/>
             <a:miter lim="800000"/>
-            <a:headEnd len="sm" w="sm" type="none"/>
-            <a:tailEnd len="sm" w="sm" type="none"/>
+            <a:headEnd type="none" w="sm" len="sm"/>
+            <a:tailEnd type="none" w="sm" len="sm"/>
           </a:ln>
         </p:spPr>
       </p:cxnSp>
       <p:sp>
         <p:nvSpPr>
           <p:cNvPr id="86" name="Google Shape;86;p15"/>
-          <p:cNvSpPr txBox="1"/>
+          <p:cNvSpPr txBox="1">
+            <a:spLocks noGrp="1"/>
+          </p:cNvSpPr>
           <p:nvPr>
-            <p:ph idx="10" type="dt"/>
+            <p:ph type="dt" idx="10"/>
           </p:nvPr>
         </p:nvSpPr>
         <p:spPr>
@@ -5827,11 +5967,11 @@
           </a:ln>
         </p:spPr>
         <p:txBody>
-          <a:bodyPr anchorCtr="0" anchor="ctr" bIns="34275" lIns="68575" spcFirstLastPara="1" rIns="68575" wrap="square" tIns="34275">
+          <a:bodyPr spcFirstLastPara="1" wrap="square" lIns="68575" tIns="34275" rIns="68575" bIns="34275" anchor="ctr" anchorCtr="0">
             <a:noAutofit/>
           </a:bodyPr>
           <a:lstStyle>
-            <a:lvl1pPr lvl="0" rtl="0" algn="ctr">
+            <a:lvl1pPr lvl="0" algn="ctr" rtl="0">
               <a:spcBef>
                 <a:spcPts val="0"/>
               </a:spcBef>
@@ -5846,7 +5986,7 @@
                 </a:solidFill>
               </a:defRPr>
             </a:lvl1pPr>
-            <a:lvl2pPr lvl="1" rtl="0" algn="l">
+            <a:lvl2pPr lvl="1" algn="l" rtl="0">
               <a:spcBef>
                 <a:spcPts val="0"/>
               </a:spcBef>
@@ -5857,7 +5997,7 @@
               <a:buNone/>
               <a:defRPr sz="1100"/>
             </a:lvl2pPr>
-            <a:lvl3pPr lvl="2" rtl="0" algn="l">
+            <a:lvl3pPr lvl="2" algn="l" rtl="0">
               <a:spcBef>
                 <a:spcPts val="0"/>
               </a:spcBef>
@@ -5868,7 +6008,7 @@
               <a:buNone/>
               <a:defRPr sz="1100"/>
             </a:lvl3pPr>
-            <a:lvl4pPr lvl="3" rtl="0" algn="l">
+            <a:lvl4pPr lvl="3" algn="l" rtl="0">
               <a:spcBef>
                 <a:spcPts val="0"/>
               </a:spcBef>
@@ -5879,7 +6019,7 @@
               <a:buNone/>
               <a:defRPr sz="1100"/>
             </a:lvl4pPr>
-            <a:lvl5pPr lvl="4" rtl="0" algn="l">
+            <a:lvl5pPr lvl="4" algn="l" rtl="0">
               <a:spcBef>
                 <a:spcPts val="0"/>
               </a:spcBef>
@@ -5890,7 +6030,7 @@
               <a:buNone/>
               <a:defRPr sz="1100"/>
             </a:lvl5pPr>
-            <a:lvl6pPr lvl="5" rtl="0" algn="l">
+            <a:lvl6pPr lvl="5" algn="l" rtl="0">
               <a:spcBef>
                 <a:spcPts val="0"/>
               </a:spcBef>
@@ -5901,7 +6041,7 @@
               <a:buNone/>
               <a:defRPr sz="1100"/>
             </a:lvl6pPr>
-            <a:lvl7pPr lvl="6" rtl="0" algn="l">
+            <a:lvl7pPr lvl="6" algn="l" rtl="0">
               <a:spcBef>
                 <a:spcPts val="0"/>
               </a:spcBef>
@@ -5912,7 +6052,7 @@
               <a:buNone/>
               <a:defRPr sz="1100"/>
             </a:lvl7pPr>
-            <a:lvl8pPr lvl="7" rtl="0" algn="l">
+            <a:lvl8pPr lvl="7" algn="l" rtl="0">
               <a:spcBef>
                 <a:spcPts val="0"/>
               </a:spcBef>
@@ -5923,7 +6063,7 @@
               <a:buNone/>
               <a:defRPr sz="1100"/>
             </a:lvl8pPr>
-            <a:lvl9pPr lvl="8" rtl="0" algn="l">
+            <a:lvl9pPr lvl="8" algn="l" rtl="0">
               <a:spcBef>
                 <a:spcPts val="0"/>
               </a:spcBef>
@@ -5935,7 +6075,9 @@
               <a:defRPr sz="1100"/>
             </a:lvl9pPr>
           </a:lstStyle>
-          <a:p/>
+          <a:p>
+            <a:endParaRPr/>
+          </a:p>
         </p:txBody>
       </p:sp>
     </p:spTree>
@@ -5947,11 +6089,11 @@
 </file>
 
 <file path=ppt/slideLayouts/slideLayout2.xml><?xml version="1.0" encoding="utf-8"?>
-<p:sldLayout xmlns:a="http://schemas.openxmlformats.org/drawingml/2006/main" xmlns:r="http://schemas.openxmlformats.org/officeDocument/2006/relationships" xmlns:mc="http://schemas.openxmlformats.org/markup-compatibility/2006" xmlns:mv="urn:schemas-microsoft-com:mac:vml" xmlns:p="http://schemas.openxmlformats.org/presentationml/2006/main" xmlns:c="http://schemas.openxmlformats.org/drawingml/2006/chart" xmlns:dgm="http://schemas.openxmlformats.org/drawingml/2006/diagram" xmlns:o="urn:schemas-microsoft-com:office:office" xmlns:v="urn:schemas-microsoft-com:vml" xmlns:pvml="urn:schemas-microsoft-com:office:powerpoint" xmlns:com="http://schemas.openxmlformats.org/drawingml/2006/compatibility" xmlns:p14="http://schemas.microsoft.com/office/powerpoint/2010/main" xmlns:p15="http://schemas.microsoft.com/office/powerpoint/2012/main" xmlns:ahyp="http://schemas.microsoft.com/office/drawing/2018/hyperlinkcolor" matchingName="Section header" type="secHead">
+<p:sldLayout xmlns:a="http://schemas.openxmlformats.org/drawingml/2006/main" xmlns:r="http://schemas.openxmlformats.org/officeDocument/2006/relationships" xmlns:p="http://schemas.openxmlformats.org/presentationml/2006/main" matchingName="Section header" type="secHead">
   <p:cSld name="SECTION_HEADER">
     <p:spTree>
       <p:nvGrpSpPr>
-        <p:cNvPr id="21" name="Shape 21"/>
+        <p:cNvPr id="1" name="Shape 21"/>
         <p:cNvGrpSpPr/>
         <p:nvPr/>
       </p:nvGrpSpPr>
@@ -5985,12 +6127,12 @@
           </a:ln>
         </p:spPr>
         <p:txBody>
-          <a:bodyPr anchorCtr="0" anchor="ctr" bIns="91425" lIns="91425" spcFirstLastPara="1" rIns="91425" wrap="square" tIns="91425">
+          <a:bodyPr spcFirstLastPara="1" wrap="square" lIns="91425" tIns="91425" rIns="91425" bIns="91425" anchor="ctr" anchorCtr="0">
             <a:noAutofit/>
           </a:bodyPr>
           <a:lstStyle/>
           <a:p>
-            <a:pPr indent="0" lvl="0" marL="0" rtl="0" algn="l">
+            <a:pPr marL="0" lvl="0" indent="0" algn="l" rtl="0">
               <a:spcBef>
                 <a:spcPts val="0"/>
               </a:spcBef>
@@ -5999,9 +6141,6 @@
               </a:spcAft>
               <a:buNone/>
             </a:pPr>
-            <a:r>
-              <a:t/>
-            </a:r>
             <a:endParaRPr/>
           </a:p>
         </p:txBody>
@@ -6009,7 +6148,9 @@
       <p:sp>
         <p:nvSpPr>
           <p:cNvPr id="23" name="Google Shape;23;p3"/>
-          <p:cNvSpPr txBox="1"/>
+          <p:cNvSpPr txBox="1">
+            <a:spLocks noGrp="1"/>
+          </p:cNvSpPr>
           <p:nvPr>
             <p:ph type="title"/>
           </p:nvPr>
@@ -6024,7 +6165,7 @@
           </a:prstGeom>
         </p:spPr>
         <p:txBody>
-          <a:bodyPr anchorCtr="0" anchor="ctr" bIns="91425" lIns="91425" spcFirstLastPara="1" rIns="91425" wrap="square" tIns="91425">
+          <a:bodyPr spcFirstLastPara="1" wrap="square" lIns="91425" tIns="91425" rIns="91425" bIns="91425" anchor="ctr" anchorCtr="0">
             <a:noAutofit/>
           </a:bodyPr>
           <a:lstStyle>
@@ -6128,15 +6269,19 @@
               <a:defRPr/>
             </a:lvl9pPr>
           </a:lstStyle>
-          <a:p/>
+          <a:p>
+            <a:endParaRPr/>
+          </a:p>
         </p:txBody>
       </p:sp>
       <p:sp>
         <p:nvSpPr>
           <p:cNvPr id="24" name="Google Shape;24;p3"/>
-          <p:cNvSpPr txBox="1"/>
+          <p:cNvSpPr txBox="1">
+            <a:spLocks noGrp="1"/>
+          </p:cNvSpPr>
           <p:nvPr>
-            <p:ph idx="12" type="sldNum"/>
+            <p:ph type="sldNum" idx="12"/>
           </p:nvPr>
         </p:nvSpPr>
         <p:spPr>
@@ -6149,7 +6294,7 @@
           </a:prstGeom>
         </p:spPr>
         <p:txBody>
-          <a:bodyPr anchorCtr="0" anchor="ctr" bIns="91425" lIns="91425" spcFirstLastPara="1" rIns="91425" wrap="square" tIns="91425">
+          <a:bodyPr spcFirstLastPara="1" wrap="square" lIns="91425" tIns="91425" rIns="91425" bIns="91425" anchor="ctr" anchorCtr="0">
             <a:noAutofit/>
           </a:bodyPr>
           <a:lstStyle>
@@ -6227,7 +6372,7 @@
             </a:lvl9pPr>
           </a:lstStyle>
           <a:p>
-            <a:pPr indent="0" lvl="0" marL="0" rtl="0" algn="r">
+            <a:pPr marL="0" lvl="0" indent="0" algn="r" rtl="0">
               <a:spcBef>
                 <a:spcPts val="0"/>
               </a:spcBef>
@@ -6253,11 +6398,11 @@
 </file>
 
 <file path=ppt/slideLayouts/slideLayout3.xml><?xml version="1.0" encoding="utf-8"?>
-<p:sldLayout xmlns:a="http://schemas.openxmlformats.org/drawingml/2006/main" xmlns:r="http://schemas.openxmlformats.org/officeDocument/2006/relationships" xmlns:mc="http://schemas.openxmlformats.org/markup-compatibility/2006" xmlns:mv="urn:schemas-microsoft-com:mac:vml" xmlns:p="http://schemas.openxmlformats.org/presentationml/2006/main" xmlns:c="http://schemas.openxmlformats.org/drawingml/2006/chart" xmlns:dgm="http://schemas.openxmlformats.org/drawingml/2006/diagram" xmlns:o="urn:schemas-microsoft-com:office:office" xmlns:v="urn:schemas-microsoft-com:vml" xmlns:pvml="urn:schemas-microsoft-com:office:powerpoint" xmlns:com="http://schemas.openxmlformats.org/drawingml/2006/compatibility" xmlns:p14="http://schemas.microsoft.com/office/powerpoint/2010/main" xmlns:p15="http://schemas.microsoft.com/office/powerpoint/2012/main" xmlns:ahyp="http://schemas.microsoft.com/office/drawing/2018/hyperlinkcolor" matchingName="Title and body" type="tx">
+<p:sldLayout xmlns:a="http://schemas.openxmlformats.org/drawingml/2006/main" xmlns:r="http://schemas.openxmlformats.org/officeDocument/2006/relationships" xmlns:p="http://schemas.openxmlformats.org/presentationml/2006/main" matchingName="Title and body" type="tx">
   <p:cSld name="TITLE_AND_BODY">
     <p:spTree>
       <p:nvGrpSpPr>
-        <p:cNvPr id="25" name="Shape 25"/>
+        <p:cNvPr id="1" name="Shape 25"/>
         <p:cNvGrpSpPr/>
         <p:nvPr/>
       </p:nvGrpSpPr>
@@ -6291,12 +6436,12 @@
           </a:ln>
         </p:spPr>
         <p:txBody>
-          <a:bodyPr anchorCtr="0" anchor="ctr" bIns="91425" lIns="91425" spcFirstLastPara="1" rIns="91425" wrap="square" tIns="91425">
+          <a:bodyPr spcFirstLastPara="1" wrap="square" lIns="91425" tIns="91425" rIns="91425" bIns="91425" anchor="ctr" anchorCtr="0">
             <a:noAutofit/>
           </a:bodyPr>
           <a:lstStyle/>
           <a:p>
-            <a:pPr indent="0" lvl="0" marL="0" rtl="0" algn="l">
+            <a:pPr marL="0" lvl="0" indent="0" algn="l" rtl="0">
               <a:spcBef>
                 <a:spcPts val="0"/>
               </a:spcBef>
@@ -6305,9 +6450,6 @@
               </a:spcAft>
               <a:buNone/>
             </a:pPr>
-            <a:r>
-              <a:t/>
-            </a:r>
             <a:endParaRPr/>
           </a:p>
         </p:txBody>
@@ -6315,7 +6457,9 @@
       <p:sp>
         <p:nvSpPr>
           <p:cNvPr id="27" name="Google Shape;27;p4"/>
-          <p:cNvSpPr txBox="1"/>
+          <p:cNvSpPr txBox="1">
+            <a:spLocks noGrp="1"/>
+          </p:cNvSpPr>
           <p:nvPr>
             <p:ph type="title"/>
           </p:nvPr>
@@ -6330,7 +6474,7 @@
           </a:prstGeom>
         </p:spPr>
         <p:txBody>
-          <a:bodyPr anchorCtr="0" anchor="t" bIns="91425" lIns="91425" spcFirstLastPara="1" rIns="91425" wrap="square" tIns="91425">
+          <a:bodyPr spcFirstLastPara="1" wrap="square" lIns="91425" tIns="91425" rIns="91425" bIns="91425" anchor="t" anchorCtr="0">
             <a:noAutofit/>
           </a:bodyPr>
           <a:lstStyle>
@@ -6434,15 +6578,19 @@
               <a:defRPr/>
             </a:lvl9pPr>
           </a:lstStyle>
-          <a:p/>
+          <a:p>
+            <a:endParaRPr/>
+          </a:p>
         </p:txBody>
       </p:sp>
       <p:sp>
         <p:nvSpPr>
           <p:cNvPr id="28" name="Google Shape;28;p4"/>
-          <p:cNvSpPr txBox="1"/>
+          <p:cNvSpPr txBox="1">
+            <a:spLocks noGrp="1"/>
+          </p:cNvSpPr>
           <p:nvPr>
-            <p:ph idx="1" type="body"/>
+            <p:ph type="body" idx="1"/>
           </p:nvPr>
         </p:nvSpPr>
         <p:spPr>
@@ -6455,11 +6603,11 @@
           </a:prstGeom>
         </p:spPr>
         <p:txBody>
-          <a:bodyPr anchorCtr="0" anchor="t" bIns="91425" lIns="91425" spcFirstLastPara="1" rIns="91425" wrap="square" tIns="91425">
+          <a:bodyPr spcFirstLastPara="1" wrap="square" lIns="91425" tIns="91425" rIns="91425" bIns="91425" anchor="t" anchorCtr="0">
             <a:noAutofit/>
           </a:bodyPr>
           <a:lstStyle>
-            <a:lvl1pPr indent="-342900" lvl="0" marL="457200">
+            <a:lvl1pPr marL="457200" lvl="0" indent="-342900">
               <a:spcBef>
                 <a:spcPts val="0"/>
               </a:spcBef>
@@ -6470,7 +6618,7 @@
               <a:buChar char="●"/>
               <a:defRPr/>
             </a:lvl1pPr>
-            <a:lvl2pPr indent="-317500" lvl="1" marL="914400">
+            <a:lvl2pPr marL="914400" lvl="1" indent="-317500">
               <a:spcBef>
                 <a:spcPts val="1600"/>
               </a:spcBef>
@@ -6481,7 +6629,7 @@
               <a:buChar char="○"/>
               <a:defRPr/>
             </a:lvl2pPr>
-            <a:lvl3pPr indent="-317500" lvl="2" marL="1371600">
+            <a:lvl3pPr marL="1371600" lvl="2" indent="-317500">
               <a:spcBef>
                 <a:spcPts val="1600"/>
               </a:spcBef>
@@ -6492,7 +6640,7 @@
               <a:buChar char="■"/>
               <a:defRPr/>
             </a:lvl3pPr>
-            <a:lvl4pPr indent="-317500" lvl="3" marL="1828800">
+            <a:lvl4pPr marL="1828800" lvl="3" indent="-317500">
               <a:spcBef>
                 <a:spcPts val="1600"/>
               </a:spcBef>
@@ -6503,7 +6651,7 @@
               <a:buChar char="●"/>
               <a:defRPr/>
             </a:lvl4pPr>
-            <a:lvl5pPr indent="-317500" lvl="4" marL="2286000">
+            <a:lvl5pPr marL="2286000" lvl="4" indent="-317500">
               <a:spcBef>
                 <a:spcPts val="1600"/>
               </a:spcBef>
@@ -6514,7 +6662,7 @@
               <a:buChar char="○"/>
               <a:defRPr/>
             </a:lvl5pPr>
-            <a:lvl6pPr indent="-317500" lvl="5" marL="2743200">
+            <a:lvl6pPr marL="2743200" lvl="5" indent="-317500">
               <a:spcBef>
                 <a:spcPts val="1600"/>
               </a:spcBef>
@@ -6525,7 +6673,7 @@
               <a:buChar char="■"/>
               <a:defRPr/>
             </a:lvl6pPr>
-            <a:lvl7pPr indent="-317500" lvl="6" marL="3200400">
+            <a:lvl7pPr marL="3200400" lvl="6" indent="-317500">
               <a:spcBef>
                 <a:spcPts val="1600"/>
               </a:spcBef>
@@ -6536,7 +6684,7 @@
               <a:buChar char="●"/>
               <a:defRPr/>
             </a:lvl7pPr>
-            <a:lvl8pPr indent="-317500" lvl="7" marL="3657600">
+            <a:lvl8pPr marL="3657600" lvl="7" indent="-317500">
               <a:spcBef>
                 <a:spcPts val="1600"/>
               </a:spcBef>
@@ -6547,7 +6695,7 @@
               <a:buChar char="○"/>
               <a:defRPr/>
             </a:lvl8pPr>
-            <a:lvl9pPr indent="-317500" lvl="8" marL="4114800">
+            <a:lvl9pPr marL="4114800" lvl="8" indent="-317500">
               <a:spcBef>
                 <a:spcPts val="1600"/>
               </a:spcBef>
@@ -6559,15 +6707,19 @@
               <a:defRPr/>
             </a:lvl9pPr>
           </a:lstStyle>
-          <a:p/>
+          <a:p>
+            <a:endParaRPr/>
+          </a:p>
         </p:txBody>
       </p:sp>
       <p:sp>
         <p:nvSpPr>
           <p:cNvPr id="29" name="Google Shape;29;p4"/>
-          <p:cNvSpPr txBox="1"/>
+          <p:cNvSpPr txBox="1">
+            <a:spLocks noGrp="1"/>
+          </p:cNvSpPr>
           <p:nvPr>
-            <p:ph idx="12" type="sldNum"/>
+            <p:ph type="sldNum" idx="12"/>
           </p:nvPr>
         </p:nvSpPr>
         <p:spPr>
@@ -6580,7 +6732,7 @@
           </a:prstGeom>
         </p:spPr>
         <p:txBody>
-          <a:bodyPr anchorCtr="0" anchor="ctr" bIns="91425" lIns="91425" spcFirstLastPara="1" rIns="91425" wrap="square" tIns="91425">
+          <a:bodyPr spcFirstLastPara="1" wrap="square" lIns="91425" tIns="91425" rIns="91425" bIns="91425" anchor="ctr" anchorCtr="0">
             <a:noAutofit/>
           </a:bodyPr>
           <a:lstStyle>
@@ -6622,7 +6774,7 @@
             </a:lvl9pPr>
           </a:lstStyle>
           <a:p>
-            <a:pPr indent="0" lvl="0" marL="0" rtl="0" algn="r">
+            <a:pPr marL="0" lvl="0" indent="0" algn="r" rtl="0">
               <a:spcBef>
                 <a:spcPts val="0"/>
               </a:spcBef>
@@ -6648,11 +6800,11 @@
 </file>
 
 <file path=ppt/slideLayouts/slideLayout4.xml><?xml version="1.0" encoding="utf-8"?>
-<p:sldLayout xmlns:a="http://schemas.openxmlformats.org/drawingml/2006/main" xmlns:r="http://schemas.openxmlformats.org/officeDocument/2006/relationships" xmlns:mc="http://schemas.openxmlformats.org/markup-compatibility/2006" xmlns:mv="urn:schemas-microsoft-com:mac:vml" xmlns:p="http://schemas.openxmlformats.org/presentationml/2006/main" xmlns:c="http://schemas.openxmlformats.org/drawingml/2006/chart" xmlns:dgm="http://schemas.openxmlformats.org/drawingml/2006/diagram" xmlns:o="urn:schemas-microsoft-com:office:office" xmlns:v="urn:schemas-microsoft-com:vml" xmlns:pvml="urn:schemas-microsoft-com:office:powerpoint" xmlns:com="http://schemas.openxmlformats.org/drawingml/2006/compatibility" xmlns:p14="http://schemas.microsoft.com/office/powerpoint/2010/main" xmlns:p15="http://schemas.microsoft.com/office/powerpoint/2012/main" xmlns:ahyp="http://schemas.microsoft.com/office/drawing/2018/hyperlinkcolor" matchingName="Title and two columns" type="twoColTx">
+<p:sldLayout xmlns:a="http://schemas.openxmlformats.org/drawingml/2006/main" xmlns:r="http://schemas.openxmlformats.org/officeDocument/2006/relationships" xmlns:p="http://schemas.openxmlformats.org/presentationml/2006/main" matchingName="Title and two columns" type="twoColTx">
   <p:cSld name="TITLE_AND_TWO_COLUMNS">
     <p:spTree>
       <p:nvGrpSpPr>
-        <p:cNvPr id="30" name="Shape 30"/>
+        <p:cNvPr id="1" name="Shape 30"/>
         <p:cNvGrpSpPr/>
         <p:nvPr/>
       </p:nvGrpSpPr>
@@ -6667,7 +6819,9 @@
       <p:sp>
         <p:nvSpPr>
           <p:cNvPr id="31" name="Google Shape;31;p5"/>
-          <p:cNvSpPr txBox="1"/>
+          <p:cNvSpPr txBox="1">
+            <a:spLocks noGrp="1"/>
+          </p:cNvSpPr>
           <p:nvPr>
             <p:ph type="title"/>
           </p:nvPr>
@@ -6682,7 +6836,7 @@
           </a:prstGeom>
         </p:spPr>
         <p:txBody>
-          <a:bodyPr anchorCtr="0" anchor="t" bIns="91425" lIns="91425" spcFirstLastPara="1" rIns="91425" wrap="square" tIns="91425">
+          <a:bodyPr spcFirstLastPara="1" wrap="square" lIns="91425" tIns="91425" rIns="91425" bIns="91425" anchor="t" anchorCtr="0">
             <a:noAutofit/>
           </a:bodyPr>
           <a:lstStyle>
@@ -6786,15 +6940,19 @@
               <a:defRPr/>
             </a:lvl9pPr>
           </a:lstStyle>
-          <a:p/>
+          <a:p>
+            <a:endParaRPr/>
+          </a:p>
         </p:txBody>
       </p:sp>
       <p:sp>
         <p:nvSpPr>
           <p:cNvPr id="32" name="Google Shape;32;p5"/>
-          <p:cNvSpPr txBox="1"/>
+          <p:cNvSpPr txBox="1">
+            <a:spLocks noGrp="1"/>
+          </p:cNvSpPr>
           <p:nvPr>
-            <p:ph idx="1" type="body"/>
+            <p:ph type="body" idx="1"/>
           </p:nvPr>
         </p:nvSpPr>
         <p:spPr>
@@ -6807,11 +6965,11 @@
           </a:prstGeom>
         </p:spPr>
         <p:txBody>
-          <a:bodyPr anchorCtr="0" anchor="t" bIns="91425" lIns="91425" spcFirstLastPara="1" rIns="91425" wrap="square" tIns="91425">
+          <a:bodyPr spcFirstLastPara="1" wrap="square" lIns="91425" tIns="91425" rIns="91425" bIns="91425" anchor="t" anchorCtr="0">
             <a:noAutofit/>
           </a:bodyPr>
           <a:lstStyle>
-            <a:lvl1pPr indent="-317500" lvl="0" marL="457200">
+            <a:lvl1pPr marL="457200" lvl="0" indent="-317500">
               <a:spcBef>
                 <a:spcPts val="0"/>
               </a:spcBef>
@@ -6822,7 +6980,7 @@
               <a:buChar char="●"/>
               <a:defRPr sz="1400"/>
             </a:lvl1pPr>
-            <a:lvl2pPr indent="-304800" lvl="1" marL="914400">
+            <a:lvl2pPr marL="914400" lvl="1" indent="-304800">
               <a:spcBef>
                 <a:spcPts val="1600"/>
               </a:spcBef>
@@ -6833,7 +6991,7 @@
               <a:buChar char="○"/>
               <a:defRPr sz="1200"/>
             </a:lvl2pPr>
-            <a:lvl3pPr indent="-304800" lvl="2" marL="1371600">
+            <a:lvl3pPr marL="1371600" lvl="2" indent="-304800">
               <a:spcBef>
                 <a:spcPts val="1600"/>
               </a:spcBef>
@@ -6844,7 +7002,7 @@
               <a:buChar char="■"/>
               <a:defRPr sz="1200"/>
             </a:lvl3pPr>
-            <a:lvl4pPr indent="-304800" lvl="3" marL="1828800">
+            <a:lvl4pPr marL="1828800" lvl="3" indent="-304800">
               <a:spcBef>
                 <a:spcPts val="1600"/>
               </a:spcBef>
@@ -6855,7 +7013,7 @@
               <a:buChar char="●"/>
               <a:defRPr sz="1200"/>
             </a:lvl4pPr>
-            <a:lvl5pPr indent="-304800" lvl="4" marL="2286000">
+            <a:lvl5pPr marL="2286000" lvl="4" indent="-304800">
               <a:spcBef>
                 <a:spcPts val="1600"/>
               </a:spcBef>
@@ -6866,7 +7024,7 @@
               <a:buChar char="○"/>
               <a:defRPr sz="1200"/>
             </a:lvl5pPr>
-            <a:lvl6pPr indent="-304800" lvl="5" marL="2743200">
+            <a:lvl6pPr marL="2743200" lvl="5" indent="-304800">
               <a:spcBef>
                 <a:spcPts val="1600"/>
               </a:spcBef>
@@ -6877,7 +7035,7 @@
               <a:buChar char="■"/>
               <a:defRPr sz="1200"/>
             </a:lvl6pPr>
-            <a:lvl7pPr indent="-304800" lvl="6" marL="3200400">
+            <a:lvl7pPr marL="3200400" lvl="6" indent="-304800">
               <a:spcBef>
                 <a:spcPts val="1600"/>
               </a:spcBef>
@@ -6888,7 +7046,7 @@
               <a:buChar char="●"/>
               <a:defRPr sz="1200"/>
             </a:lvl7pPr>
-            <a:lvl8pPr indent="-304800" lvl="7" marL="3657600">
+            <a:lvl8pPr marL="3657600" lvl="7" indent="-304800">
               <a:spcBef>
                 <a:spcPts val="1600"/>
               </a:spcBef>
@@ -6899,7 +7057,7 @@
               <a:buChar char="○"/>
               <a:defRPr sz="1200"/>
             </a:lvl8pPr>
-            <a:lvl9pPr indent="-304800" lvl="8" marL="4114800">
+            <a:lvl9pPr marL="4114800" lvl="8" indent="-304800">
               <a:spcBef>
                 <a:spcPts val="1600"/>
               </a:spcBef>
@@ -6911,15 +7069,19 @@
               <a:defRPr sz="1200"/>
             </a:lvl9pPr>
           </a:lstStyle>
-          <a:p/>
+          <a:p>
+            <a:endParaRPr/>
+          </a:p>
         </p:txBody>
       </p:sp>
       <p:sp>
         <p:nvSpPr>
           <p:cNvPr id="33" name="Google Shape;33;p5"/>
-          <p:cNvSpPr txBox="1"/>
+          <p:cNvSpPr txBox="1">
+            <a:spLocks noGrp="1"/>
+          </p:cNvSpPr>
           <p:nvPr>
-            <p:ph idx="2" type="body"/>
+            <p:ph type="body" idx="2"/>
           </p:nvPr>
         </p:nvSpPr>
         <p:spPr>
@@ -6932,11 +7094,11 @@
           </a:prstGeom>
         </p:spPr>
         <p:txBody>
-          <a:bodyPr anchorCtr="0" anchor="t" bIns="91425" lIns="91425" spcFirstLastPara="1" rIns="91425" wrap="square" tIns="91425">
+          <a:bodyPr spcFirstLastPara="1" wrap="square" lIns="91425" tIns="91425" rIns="91425" bIns="91425" anchor="t" anchorCtr="0">
             <a:noAutofit/>
           </a:bodyPr>
           <a:lstStyle>
-            <a:lvl1pPr indent="-317500" lvl="0" marL="457200">
+            <a:lvl1pPr marL="457200" lvl="0" indent="-317500">
               <a:spcBef>
                 <a:spcPts val="0"/>
               </a:spcBef>
@@ -6947,7 +7109,7 @@
               <a:buChar char="●"/>
               <a:defRPr sz="1400"/>
             </a:lvl1pPr>
-            <a:lvl2pPr indent="-304800" lvl="1" marL="914400">
+            <a:lvl2pPr marL="914400" lvl="1" indent="-304800">
               <a:spcBef>
                 <a:spcPts val="1600"/>
               </a:spcBef>
@@ -6958,7 +7120,7 @@
               <a:buChar char="○"/>
               <a:defRPr sz="1200"/>
             </a:lvl2pPr>
-            <a:lvl3pPr indent="-304800" lvl="2" marL="1371600">
+            <a:lvl3pPr marL="1371600" lvl="2" indent="-304800">
               <a:spcBef>
                 <a:spcPts val="1600"/>
               </a:spcBef>
@@ -6969,7 +7131,7 @@
               <a:buChar char="■"/>
               <a:defRPr sz="1200"/>
             </a:lvl3pPr>
-            <a:lvl4pPr indent="-304800" lvl="3" marL="1828800">
+            <a:lvl4pPr marL="1828800" lvl="3" indent="-304800">
               <a:spcBef>
                 <a:spcPts val="1600"/>
               </a:spcBef>
@@ -6980,7 +7142,7 @@
               <a:buChar char="●"/>
               <a:defRPr sz="1200"/>
             </a:lvl4pPr>
-            <a:lvl5pPr indent="-304800" lvl="4" marL="2286000">
+            <a:lvl5pPr marL="2286000" lvl="4" indent="-304800">
               <a:spcBef>
                 <a:spcPts val="1600"/>
               </a:spcBef>
@@ -6991,7 +7153,7 @@
               <a:buChar char="○"/>
               <a:defRPr sz="1200"/>
             </a:lvl5pPr>
-            <a:lvl6pPr indent="-304800" lvl="5" marL="2743200">
+            <a:lvl6pPr marL="2743200" lvl="5" indent="-304800">
               <a:spcBef>
                 <a:spcPts val="1600"/>
               </a:spcBef>
@@ -7002,7 +7164,7 @@
               <a:buChar char="■"/>
               <a:defRPr sz="1200"/>
             </a:lvl6pPr>
-            <a:lvl7pPr indent="-304800" lvl="6" marL="3200400">
+            <a:lvl7pPr marL="3200400" lvl="6" indent="-304800">
               <a:spcBef>
                 <a:spcPts val="1600"/>
               </a:spcBef>
@@ -7013,7 +7175,7 @@
               <a:buChar char="●"/>
               <a:defRPr sz="1200"/>
             </a:lvl7pPr>
-            <a:lvl8pPr indent="-304800" lvl="7" marL="3657600">
+            <a:lvl8pPr marL="3657600" lvl="7" indent="-304800">
               <a:spcBef>
                 <a:spcPts val="1600"/>
               </a:spcBef>
@@ -7024,7 +7186,7 @@
               <a:buChar char="○"/>
               <a:defRPr sz="1200"/>
             </a:lvl8pPr>
-            <a:lvl9pPr indent="-304800" lvl="8" marL="4114800">
+            <a:lvl9pPr marL="4114800" lvl="8" indent="-304800">
               <a:spcBef>
                 <a:spcPts val="1600"/>
               </a:spcBef>
@@ -7036,15 +7198,19 @@
               <a:defRPr sz="1200"/>
             </a:lvl9pPr>
           </a:lstStyle>
-          <a:p/>
+          <a:p>
+            <a:endParaRPr/>
+          </a:p>
         </p:txBody>
       </p:sp>
       <p:sp>
         <p:nvSpPr>
           <p:cNvPr id="34" name="Google Shape;34;p5"/>
-          <p:cNvSpPr txBox="1"/>
+          <p:cNvSpPr txBox="1">
+            <a:spLocks noGrp="1"/>
+          </p:cNvSpPr>
           <p:nvPr>
-            <p:ph idx="12" type="sldNum"/>
+            <p:ph type="sldNum" idx="12"/>
           </p:nvPr>
         </p:nvSpPr>
         <p:spPr>
@@ -7057,7 +7223,7 @@
           </a:prstGeom>
         </p:spPr>
         <p:txBody>
-          <a:bodyPr anchorCtr="0" anchor="ctr" bIns="91425" lIns="91425" spcFirstLastPara="1" rIns="91425" wrap="square" tIns="91425">
+          <a:bodyPr spcFirstLastPara="1" wrap="square" lIns="91425" tIns="91425" rIns="91425" bIns="91425" anchor="ctr" anchorCtr="0">
             <a:noAutofit/>
           </a:bodyPr>
           <a:lstStyle>
@@ -7099,7 +7265,7 @@
             </a:lvl9pPr>
           </a:lstStyle>
           <a:p>
-            <a:pPr indent="0" lvl="0" marL="0" rtl="0" algn="r">
+            <a:pPr marL="0" lvl="0" indent="0" algn="r" rtl="0">
               <a:spcBef>
                 <a:spcPts val="0"/>
               </a:spcBef>
@@ -7125,11 +7291,11 @@
 </file>
 
 <file path=ppt/slideLayouts/slideLayout5.xml><?xml version="1.0" encoding="utf-8"?>
-<p:sldLayout xmlns:a="http://schemas.openxmlformats.org/drawingml/2006/main" xmlns:r="http://schemas.openxmlformats.org/officeDocument/2006/relationships" xmlns:mc="http://schemas.openxmlformats.org/markup-compatibility/2006" xmlns:mv="urn:schemas-microsoft-com:mac:vml" xmlns:p="http://schemas.openxmlformats.org/presentationml/2006/main" xmlns:c="http://schemas.openxmlformats.org/drawingml/2006/chart" xmlns:dgm="http://schemas.openxmlformats.org/drawingml/2006/diagram" xmlns:o="urn:schemas-microsoft-com:office:office" xmlns:v="urn:schemas-microsoft-com:vml" xmlns:pvml="urn:schemas-microsoft-com:office:powerpoint" xmlns:com="http://schemas.openxmlformats.org/drawingml/2006/compatibility" xmlns:p14="http://schemas.microsoft.com/office/powerpoint/2010/main" xmlns:p15="http://schemas.microsoft.com/office/powerpoint/2012/main" xmlns:ahyp="http://schemas.microsoft.com/office/drawing/2018/hyperlinkcolor" matchingName="Title only" type="titleOnly">
+<p:sldLayout xmlns:a="http://schemas.openxmlformats.org/drawingml/2006/main" xmlns:r="http://schemas.openxmlformats.org/officeDocument/2006/relationships" xmlns:p="http://schemas.openxmlformats.org/presentationml/2006/main" matchingName="Title only" type="titleOnly">
   <p:cSld name="TITLE_ONLY">
     <p:spTree>
       <p:nvGrpSpPr>
-        <p:cNvPr id="35" name="Shape 35"/>
+        <p:cNvPr id="1" name="Shape 35"/>
         <p:cNvGrpSpPr/>
         <p:nvPr/>
       </p:nvGrpSpPr>
@@ -7144,7 +7310,9 @@
       <p:sp>
         <p:nvSpPr>
           <p:cNvPr id="36" name="Google Shape;36;p6"/>
-          <p:cNvSpPr txBox="1"/>
+          <p:cNvSpPr txBox="1">
+            <a:spLocks noGrp="1"/>
+          </p:cNvSpPr>
           <p:nvPr>
             <p:ph type="title"/>
           </p:nvPr>
@@ -7159,7 +7327,7 @@
           </a:prstGeom>
         </p:spPr>
         <p:txBody>
-          <a:bodyPr anchorCtr="0" anchor="t" bIns="91425" lIns="91425" spcFirstLastPara="1" rIns="91425" wrap="square" tIns="91425">
+          <a:bodyPr spcFirstLastPara="1" wrap="square" lIns="91425" tIns="91425" rIns="91425" bIns="91425" anchor="t" anchorCtr="0">
             <a:noAutofit/>
           </a:bodyPr>
           <a:lstStyle>
@@ -7263,15 +7431,19 @@
               <a:defRPr/>
             </a:lvl9pPr>
           </a:lstStyle>
-          <a:p/>
+          <a:p>
+            <a:endParaRPr/>
+          </a:p>
         </p:txBody>
       </p:sp>
       <p:sp>
         <p:nvSpPr>
           <p:cNvPr id="37" name="Google Shape;37;p6"/>
-          <p:cNvSpPr txBox="1"/>
+          <p:cNvSpPr txBox="1">
+            <a:spLocks noGrp="1"/>
+          </p:cNvSpPr>
           <p:nvPr>
-            <p:ph idx="12" type="sldNum"/>
+            <p:ph type="sldNum" idx="12"/>
           </p:nvPr>
         </p:nvSpPr>
         <p:spPr>
@@ -7284,7 +7456,7 @@
           </a:prstGeom>
         </p:spPr>
         <p:txBody>
-          <a:bodyPr anchorCtr="0" anchor="ctr" bIns="91425" lIns="91425" spcFirstLastPara="1" rIns="91425" wrap="square" tIns="91425">
+          <a:bodyPr spcFirstLastPara="1" wrap="square" lIns="91425" tIns="91425" rIns="91425" bIns="91425" anchor="ctr" anchorCtr="0">
             <a:noAutofit/>
           </a:bodyPr>
           <a:lstStyle>
@@ -7326,7 +7498,7 @@
             </a:lvl9pPr>
           </a:lstStyle>
           <a:p>
-            <a:pPr indent="0" lvl="0" marL="0" rtl="0" algn="r">
+            <a:pPr marL="0" lvl="0" indent="0" algn="r" rtl="0">
               <a:spcBef>
                 <a:spcPts val="0"/>
               </a:spcBef>
@@ -7352,11 +7524,11 @@
 </file>
 
 <file path=ppt/slideLayouts/slideLayout6.xml><?xml version="1.0" encoding="utf-8"?>
-<p:sldLayout xmlns:a="http://schemas.openxmlformats.org/drawingml/2006/main" xmlns:r="http://schemas.openxmlformats.org/officeDocument/2006/relationships" xmlns:mc="http://schemas.openxmlformats.org/markup-compatibility/2006" xmlns:mv="urn:schemas-microsoft-com:mac:vml" xmlns:p="http://schemas.openxmlformats.org/presentationml/2006/main" xmlns:c="http://schemas.openxmlformats.org/drawingml/2006/chart" xmlns:dgm="http://schemas.openxmlformats.org/drawingml/2006/diagram" xmlns:o="urn:schemas-microsoft-com:office:office" xmlns:v="urn:schemas-microsoft-com:vml" xmlns:pvml="urn:schemas-microsoft-com:office:powerpoint" xmlns:com="http://schemas.openxmlformats.org/drawingml/2006/compatibility" xmlns:p14="http://schemas.microsoft.com/office/powerpoint/2010/main" xmlns:p15="http://schemas.microsoft.com/office/powerpoint/2012/main" xmlns:ahyp="http://schemas.microsoft.com/office/drawing/2018/hyperlinkcolor" matchingName="One column text">
+<p:sldLayout xmlns:a="http://schemas.openxmlformats.org/drawingml/2006/main" xmlns:r="http://schemas.openxmlformats.org/officeDocument/2006/relationships" xmlns:p="http://schemas.openxmlformats.org/presentationml/2006/main" matchingName="One column text">
   <p:cSld name="ONE_COLUMN_TEXT">
     <p:spTree>
       <p:nvGrpSpPr>
-        <p:cNvPr id="38" name="Shape 38"/>
+        <p:cNvPr id="1" name="Shape 38"/>
         <p:cNvGrpSpPr/>
         <p:nvPr/>
       </p:nvGrpSpPr>
@@ -7371,7 +7543,9 @@
       <p:sp>
         <p:nvSpPr>
           <p:cNvPr id="39" name="Google Shape;39;p7"/>
-          <p:cNvSpPr txBox="1"/>
+          <p:cNvSpPr txBox="1">
+            <a:spLocks noGrp="1"/>
+          </p:cNvSpPr>
           <p:nvPr>
             <p:ph type="title"/>
           </p:nvPr>
@@ -7386,7 +7560,7 @@
           </a:prstGeom>
         </p:spPr>
         <p:txBody>
-          <a:bodyPr anchorCtr="0" anchor="b" bIns="91425" lIns="91425" spcFirstLastPara="1" rIns="91425" wrap="square" tIns="91425">
+          <a:bodyPr spcFirstLastPara="1" wrap="square" lIns="91425" tIns="91425" rIns="91425" bIns="91425" anchor="b" anchorCtr="0">
             <a:noAutofit/>
           </a:bodyPr>
           <a:lstStyle>
@@ -7490,15 +7664,19 @@
               <a:defRPr sz="2400"/>
             </a:lvl9pPr>
           </a:lstStyle>
-          <a:p/>
+          <a:p>
+            <a:endParaRPr/>
+          </a:p>
         </p:txBody>
       </p:sp>
       <p:sp>
         <p:nvSpPr>
           <p:cNvPr id="40" name="Google Shape;40;p7"/>
-          <p:cNvSpPr txBox="1"/>
+          <p:cNvSpPr txBox="1">
+            <a:spLocks noGrp="1"/>
+          </p:cNvSpPr>
           <p:nvPr>
-            <p:ph idx="1" type="body"/>
+            <p:ph type="body" idx="1"/>
           </p:nvPr>
         </p:nvSpPr>
         <p:spPr>
@@ -7511,11 +7689,11 @@
           </a:prstGeom>
         </p:spPr>
         <p:txBody>
-          <a:bodyPr anchorCtr="0" anchor="t" bIns="91425" lIns="91425" spcFirstLastPara="1" rIns="91425" wrap="square" tIns="91425">
+          <a:bodyPr spcFirstLastPara="1" wrap="square" lIns="91425" tIns="91425" rIns="91425" bIns="91425" anchor="t" anchorCtr="0">
             <a:noAutofit/>
           </a:bodyPr>
           <a:lstStyle>
-            <a:lvl1pPr indent="-304800" lvl="0" marL="457200">
+            <a:lvl1pPr marL="457200" lvl="0" indent="-304800">
               <a:spcBef>
                 <a:spcPts val="0"/>
               </a:spcBef>
@@ -7526,7 +7704,7 @@
               <a:buChar char="●"/>
               <a:defRPr sz="1200"/>
             </a:lvl1pPr>
-            <a:lvl2pPr indent="-304800" lvl="1" marL="914400">
+            <a:lvl2pPr marL="914400" lvl="1" indent="-304800">
               <a:spcBef>
                 <a:spcPts val="1600"/>
               </a:spcBef>
@@ -7537,7 +7715,7 @@
               <a:buChar char="○"/>
               <a:defRPr sz="1200"/>
             </a:lvl2pPr>
-            <a:lvl3pPr indent="-304800" lvl="2" marL="1371600">
+            <a:lvl3pPr marL="1371600" lvl="2" indent="-304800">
               <a:spcBef>
                 <a:spcPts val="1600"/>
               </a:spcBef>
@@ -7548,7 +7726,7 @@
               <a:buChar char="■"/>
               <a:defRPr sz="1200"/>
             </a:lvl3pPr>
-            <a:lvl4pPr indent="-304800" lvl="3" marL="1828800">
+            <a:lvl4pPr marL="1828800" lvl="3" indent="-304800">
               <a:spcBef>
                 <a:spcPts val="1600"/>
               </a:spcBef>
@@ -7559,7 +7737,7 @@
               <a:buChar char="●"/>
               <a:defRPr sz="1200"/>
             </a:lvl4pPr>
-            <a:lvl5pPr indent="-304800" lvl="4" marL="2286000">
+            <a:lvl5pPr marL="2286000" lvl="4" indent="-304800">
               <a:spcBef>
                 <a:spcPts val="1600"/>
               </a:spcBef>
@@ -7570,7 +7748,7 @@
               <a:buChar char="○"/>
               <a:defRPr sz="1200"/>
             </a:lvl5pPr>
-            <a:lvl6pPr indent="-304800" lvl="5" marL="2743200">
+            <a:lvl6pPr marL="2743200" lvl="5" indent="-304800">
               <a:spcBef>
                 <a:spcPts val="1600"/>
               </a:spcBef>
@@ -7581,7 +7759,7 @@
               <a:buChar char="■"/>
               <a:defRPr sz="1200"/>
             </a:lvl6pPr>
-            <a:lvl7pPr indent="-304800" lvl="6" marL="3200400">
+            <a:lvl7pPr marL="3200400" lvl="6" indent="-304800">
               <a:spcBef>
                 <a:spcPts val="1600"/>
               </a:spcBef>
@@ -7592,7 +7770,7 @@
               <a:buChar char="●"/>
               <a:defRPr sz="1200"/>
             </a:lvl7pPr>
-            <a:lvl8pPr indent="-304800" lvl="7" marL="3657600">
+            <a:lvl8pPr marL="3657600" lvl="7" indent="-304800">
               <a:spcBef>
                 <a:spcPts val="1600"/>
               </a:spcBef>
@@ -7603,7 +7781,7 @@
               <a:buChar char="○"/>
               <a:defRPr sz="1200"/>
             </a:lvl8pPr>
-            <a:lvl9pPr indent="-304800" lvl="8" marL="4114800">
+            <a:lvl9pPr marL="4114800" lvl="8" indent="-304800">
               <a:spcBef>
                 <a:spcPts val="1600"/>
               </a:spcBef>
@@ -7615,15 +7793,19 @@
               <a:defRPr sz="1200"/>
             </a:lvl9pPr>
           </a:lstStyle>
-          <a:p/>
+          <a:p>
+            <a:endParaRPr/>
+          </a:p>
         </p:txBody>
       </p:sp>
       <p:sp>
         <p:nvSpPr>
           <p:cNvPr id="41" name="Google Shape;41;p7"/>
-          <p:cNvSpPr txBox="1"/>
+          <p:cNvSpPr txBox="1">
+            <a:spLocks noGrp="1"/>
+          </p:cNvSpPr>
           <p:nvPr>
-            <p:ph idx="12" type="sldNum"/>
+            <p:ph type="sldNum" idx="12"/>
           </p:nvPr>
         </p:nvSpPr>
         <p:spPr>
@@ -7636,7 +7818,7 @@
           </a:prstGeom>
         </p:spPr>
         <p:txBody>
-          <a:bodyPr anchorCtr="0" anchor="ctr" bIns="91425" lIns="91425" spcFirstLastPara="1" rIns="91425" wrap="square" tIns="91425">
+          <a:bodyPr spcFirstLastPara="1" wrap="square" lIns="91425" tIns="91425" rIns="91425" bIns="91425" anchor="ctr" anchorCtr="0">
             <a:noAutofit/>
           </a:bodyPr>
           <a:lstStyle>
@@ -7678,7 +7860,7 @@
             </a:lvl9pPr>
           </a:lstStyle>
           <a:p>
-            <a:pPr indent="0" lvl="0" marL="0" rtl="0" algn="r">
+            <a:pPr marL="0" lvl="0" indent="0" algn="r" rtl="0">
               <a:spcBef>
                 <a:spcPts val="0"/>
               </a:spcBef>
@@ -7704,18 +7886,19 @@
 </file>
 
 <file path=ppt/slideLayouts/slideLayout7.xml><?xml version="1.0" encoding="utf-8"?>
-<p:sldLayout xmlns:a="http://schemas.openxmlformats.org/drawingml/2006/main" xmlns:r="http://schemas.openxmlformats.org/officeDocument/2006/relationships" xmlns:mc="http://schemas.openxmlformats.org/markup-compatibility/2006" xmlns:mv="urn:schemas-microsoft-com:mac:vml" xmlns:p="http://schemas.openxmlformats.org/presentationml/2006/main" xmlns:c="http://schemas.openxmlformats.org/drawingml/2006/chart" xmlns:dgm="http://schemas.openxmlformats.org/drawingml/2006/diagram" xmlns:o="urn:schemas-microsoft-com:office:office" xmlns:v="urn:schemas-microsoft-com:vml" xmlns:pvml="urn:schemas-microsoft-com:office:powerpoint" xmlns:com="http://schemas.openxmlformats.org/drawingml/2006/compatibility" xmlns:p14="http://schemas.microsoft.com/office/powerpoint/2010/main" xmlns:p15="http://schemas.microsoft.com/office/powerpoint/2012/main" xmlns:ahyp="http://schemas.microsoft.com/office/drawing/2018/hyperlinkcolor" matchingName="Main point">
+<p:sldLayout xmlns:a="http://schemas.openxmlformats.org/drawingml/2006/main" xmlns:r="http://schemas.openxmlformats.org/officeDocument/2006/relationships" xmlns:p="http://schemas.openxmlformats.org/presentationml/2006/main" matchingName="Main point">
   <p:cSld name="MAIN_POINT">
     <p:bg>
       <p:bgPr>
         <a:solidFill>
           <a:schemeClr val="accent6"/>
         </a:solidFill>
+        <a:effectLst/>
       </p:bgPr>
     </p:bg>
     <p:spTree>
       <p:nvGrpSpPr>
-        <p:cNvPr id="42" name="Shape 42"/>
+        <p:cNvPr id="1" name="Shape 42"/>
         <p:cNvGrpSpPr/>
         <p:nvPr/>
       </p:nvGrpSpPr>
@@ -7730,7 +7913,9 @@
       <p:sp>
         <p:nvSpPr>
           <p:cNvPr id="43" name="Google Shape;43;p8"/>
-          <p:cNvSpPr txBox="1"/>
+          <p:cNvSpPr txBox="1">
+            <a:spLocks noGrp="1"/>
+          </p:cNvSpPr>
           <p:nvPr>
             <p:ph type="title"/>
           </p:nvPr>
@@ -7745,7 +7930,7 @@
           </a:prstGeom>
         </p:spPr>
         <p:txBody>
-          <a:bodyPr anchorCtr="0" anchor="ctr" bIns="91425" lIns="91425" spcFirstLastPara="1" rIns="91425" wrap="square" tIns="91425">
+          <a:bodyPr spcFirstLastPara="1" wrap="square" lIns="91425" tIns="91425" rIns="91425" bIns="91425" anchor="ctr" anchorCtr="0">
             <a:noAutofit/>
           </a:bodyPr>
           <a:lstStyle>
@@ -7761,7 +7946,7 @@
               </a:buClr>
               <a:buSzPts val="5400"/>
               <a:buNone/>
-              <a:defRPr b="0" sz="5400">
+              <a:defRPr sz="5400" b="0">
                 <a:solidFill>
                   <a:schemeClr val="dk2"/>
                 </a:solidFill>
@@ -7779,7 +7964,7 @@
               </a:buClr>
               <a:buSzPts val="5400"/>
               <a:buNone/>
-              <a:defRPr b="0" sz="5400">
+              <a:defRPr sz="5400" b="0">
                 <a:solidFill>
                   <a:schemeClr val="dk2"/>
                 </a:solidFill>
@@ -7797,7 +7982,7 @@
               </a:buClr>
               <a:buSzPts val="5400"/>
               <a:buNone/>
-              <a:defRPr b="0" sz="5400">
+              <a:defRPr sz="5400" b="0">
                 <a:solidFill>
                   <a:schemeClr val="dk2"/>
                 </a:solidFill>
@@ -7815,7 +8000,7 @@
               </a:buClr>
               <a:buSzPts val="5400"/>
               <a:buNone/>
-              <a:defRPr b="0" sz="5400">
+              <a:defRPr sz="5400" b="0">
                 <a:solidFill>
                   <a:schemeClr val="dk2"/>
                 </a:solidFill>
@@ -7833,7 +8018,7 @@
               </a:buClr>
               <a:buSzPts val="5400"/>
               <a:buNone/>
-              <a:defRPr b="0" sz="5400">
+              <a:defRPr sz="5400" b="0">
                 <a:solidFill>
                   <a:schemeClr val="dk2"/>
                 </a:solidFill>
@@ -7851,7 +8036,7 @@
               </a:buClr>
               <a:buSzPts val="5400"/>
               <a:buNone/>
-              <a:defRPr b="0" sz="5400">
+              <a:defRPr sz="5400" b="0">
                 <a:solidFill>
                   <a:schemeClr val="dk2"/>
                 </a:solidFill>
@@ -7869,7 +8054,7 @@
               </a:buClr>
               <a:buSzPts val="5400"/>
               <a:buNone/>
-              <a:defRPr b="0" sz="5400">
+              <a:defRPr sz="5400" b="0">
                 <a:solidFill>
                   <a:schemeClr val="dk2"/>
                 </a:solidFill>
@@ -7887,7 +8072,7 @@
               </a:buClr>
               <a:buSzPts val="5400"/>
               <a:buNone/>
-              <a:defRPr b="0" sz="5400">
+              <a:defRPr sz="5400" b="0">
                 <a:solidFill>
                   <a:schemeClr val="dk2"/>
                 </a:solidFill>
@@ -7905,22 +8090,26 @@
               </a:buClr>
               <a:buSzPts val="5400"/>
               <a:buNone/>
-              <a:defRPr b="0" sz="5400">
+              <a:defRPr sz="5400" b="0">
                 <a:solidFill>
                   <a:schemeClr val="dk2"/>
                 </a:solidFill>
               </a:defRPr>
             </a:lvl9pPr>
           </a:lstStyle>
-          <a:p/>
+          <a:p>
+            <a:endParaRPr/>
+          </a:p>
         </p:txBody>
       </p:sp>
       <p:sp>
         <p:nvSpPr>
           <p:cNvPr id="44" name="Google Shape;44;p8"/>
-          <p:cNvSpPr txBox="1"/>
+          <p:cNvSpPr txBox="1">
+            <a:spLocks noGrp="1"/>
+          </p:cNvSpPr>
           <p:nvPr>
-            <p:ph idx="12" type="sldNum"/>
+            <p:ph type="sldNum" idx="12"/>
           </p:nvPr>
         </p:nvSpPr>
         <p:spPr>
@@ -7933,7 +8122,7 @@
           </a:prstGeom>
         </p:spPr>
         <p:txBody>
-          <a:bodyPr anchorCtr="0" anchor="ctr" bIns="91425" lIns="91425" spcFirstLastPara="1" rIns="91425" wrap="square" tIns="91425">
+          <a:bodyPr spcFirstLastPara="1" wrap="square" lIns="91425" tIns="91425" rIns="91425" bIns="91425" anchor="ctr" anchorCtr="0">
             <a:noAutofit/>
           </a:bodyPr>
           <a:lstStyle>
@@ -7975,7 +8164,7 @@
             </a:lvl9pPr>
           </a:lstStyle>
           <a:p>
-            <a:pPr indent="0" lvl="0" marL="0" rtl="0" algn="r">
+            <a:pPr marL="0" lvl="0" indent="0" algn="r" rtl="0">
               <a:spcBef>
                 <a:spcPts val="0"/>
               </a:spcBef>
@@ -8001,11 +8190,11 @@
 </file>
 
 <file path=ppt/slideLayouts/slideLayout8.xml><?xml version="1.0" encoding="utf-8"?>
-<p:sldLayout xmlns:a="http://schemas.openxmlformats.org/drawingml/2006/main" xmlns:r="http://schemas.openxmlformats.org/officeDocument/2006/relationships" xmlns:mc="http://schemas.openxmlformats.org/markup-compatibility/2006" xmlns:mv="urn:schemas-microsoft-com:mac:vml" xmlns:p="http://schemas.openxmlformats.org/presentationml/2006/main" xmlns:c="http://schemas.openxmlformats.org/drawingml/2006/chart" xmlns:dgm="http://schemas.openxmlformats.org/drawingml/2006/diagram" xmlns:o="urn:schemas-microsoft-com:office:office" xmlns:v="urn:schemas-microsoft-com:vml" xmlns:pvml="urn:schemas-microsoft-com:office:powerpoint" xmlns:com="http://schemas.openxmlformats.org/drawingml/2006/compatibility" xmlns:p14="http://schemas.microsoft.com/office/powerpoint/2010/main" xmlns:p15="http://schemas.microsoft.com/office/powerpoint/2012/main" xmlns:ahyp="http://schemas.microsoft.com/office/drawing/2018/hyperlinkcolor" matchingName="Section title and description">
+<p:sldLayout xmlns:a="http://schemas.openxmlformats.org/drawingml/2006/main" xmlns:r="http://schemas.openxmlformats.org/officeDocument/2006/relationships" xmlns:p="http://schemas.openxmlformats.org/presentationml/2006/main" matchingName="Section title and description">
   <p:cSld name="SECTION_TITLE_AND_DESCRIPTION">
     <p:spTree>
       <p:nvGrpSpPr>
-        <p:cNvPr id="45" name="Shape 45"/>
+        <p:cNvPr id="1" name="Shape 45"/>
         <p:cNvGrpSpPr/>
         <p:nvPr/>
       </p:nvGrpSpPr>
@@ -8039,12 +8228,12 @@
           </a:ln>
         </p:spPr>
         <p:txBody>
-          <a:bodyPr anchorCtr="0" anchor="ctr" bIns="91425" lIns="91425" spcFirstLastPara="1" rIns="91425" wrap="square" tIns="91425">
+          <a:bodyPr spcFirstLastPara="1" wrap="square" lIns="91425" tIns="91425" rIns="91425" bIns="91425" anchor="ctr" anchorCtr="0">
             <a:noAutofit/>
           </a:bodyPr>
           <a:lstStyle/>
           <a:p>
-            <a:pPr indent="0" lvl="0" marL="0" rtl="0" algn="l">
+            <a:pPr marL="0" lvl="0" indent="0" algn="l" rtl="0">
               <a:spcBef>
                 <a:spcPts val="0"/>
               </a:spcBef>
@@ -8053,9 +8242,6 @@
               </a:spcAft>
               <a:buNone/>
             </a:pPr>
-            <a:r>
-              <a:t/>
-            </a:r>
             <a:endParaRPr/>
           </a:p>
         </p:txBody>
@@ -8075,21 +8261,23 @@
             <a:avLst/>
           </a:prstGeom>
           <a:noFill/>
-          <a:ln cap="flat" cmpd="sng" w="19050">
+          <a:ln w="19050" cap="flat" cmpd="sng">
             <a:solidFill>
               <a:schemeClr val="lt1"/>
             </a:solidFill>
             <a:prstDash val="solid"/>
             <a:round/>
-            <a:headEnd len="sm" w="sm" type="none"/>
-            <a:tailEnd len="sm" w="sm" type="none"/>
+            <a:headEnd type="none" w="sm" len="sm"/>
+            <a:tailEnd type="none" w="sm" len="sm"/>
           </a:ln>
         </p:spPr>
       </p:cxnSp>
       <p:sp>
         <p:nvSpPr>
           <p:cNvPr id="48" name="Google Shape;48;p9"/>
-          <p:cNvSpPr txBox="1"/>
+          <p:cNvSpPr txBox="1">
+            <a:spLocks noGrp="1"/>
+          </p:cNvSpPr>
           <p:nvPr>
             <p:ph type="title"/>
           </p:nvPr>
@@ -8104,7 +8292,7 @@
           </a:prstGeom>
         </p:spPr>
         <p:txBody>
-          <a:bodyPr anchorCtr="0" anchor="b" bIns="91425" lIns="91425" spcFirstLastPara="1" rIns="91425" wrap="square" tIns="91425">
+          <a:bodyPr spcFirstLastPara="1" wrap="square" lIns="91425" tIns="91425" rIns="91425" bIns="91425" anchor="b" anchorCtr="0">
             <a:noAutofit/>
           </a:bodyPr>
           <a:lstStyle>
@@ -8208,15 +8396,19 @@
               <a:defRPr sz="4200"/>
             </a:lvl9pPr>
           </a:lstStyle>
-          <a:p/>
+          <a:p>
+            <a:endParaRPr/>
+          </a:p>
         </p:txBody>
       </p:sp>
       <p:sp>
         <p:nvSpPr>
           <p:cNvPr id="49" name="Google Shape;49;p9"/>
-          <p:cNvSpPr txBox="1"/>
+          <p:cNvSpPr txBox="1">
+            <a:spLocks noGrp="1"/>
+          </p:cNvSpPr>
           <p:nvPr>
-            <p:ph idx="1" type="subTitle"/>
+            <p:ph type="subTitle" idx="1"/>
           </p:nvPr>
         </p:nvSpPr>
         <p:spPr>
@@ -8229,7 +8421,7 @@
           </a:prstGeom>
         </p:spPr>
         <p:txBody>
-          <a:bodyPr anchorCtr="0" anchor="t" bIns="91425" lIns="91425" spcFirstLastPara="1" rIns="91425" wrap="square" tIns="91425">
+          <a:bodyPr spcFirstLastPara="1" wrap="square" lIns="91425" tIns="91425" rIns="91425" bIns="91425" anchor="t" anchorCtr="0">
             <a:noAutofit/>
           </a:bodyPr>
           <a:lstStyle>
@@ -8360,15 +8552,19 @@
               <a:defRPr sz="2100"/>
             </a:lvl9pPr>
           </a:lstStyle>
-          <a:p/>
+          <a:p>
+            <a:endParaRPr/>
+          </a:p>
         </p:txBody>
       </p:sp>
       <p:sp>
         <p:nvSpPr>
           <p:cNvPr id="50" name="Google Shape;50;p9"/>
-          <p:cNvSpPr txBox="1"/>
+          <p:cNvSpPr txBox="1">
+            <a:spLocks noGrp="1"/>
+          </p:cNvSpPr>
           <p:nvPr>
-            <p:ph idx="2" type="body"/>
+            <p:ph type="body" idx="2"/>
           </p:nvPr>
         </p:nvSpPr>
         <p:spPr>
@@ -8381,11 +8577,11 @@
           </a:prstGeom>
         </p:spPr>
         <p:txBody>
-          <a:bodyPr anchorCtr="0" anchor="ctr" bIns="91425" lIns="91425" spcFirstLastPara="1" rIns="91425" wrap="square" tIns="91425">
+          <a:bodyPr spcFirstLastPara="1" wrap="square" lIns="91425" tIns="91425" rIns="91425" bIns="91425" anchor="ctr" anchorCtr="0">
             <a:noAutofit/>
           </a:bodyPr>
           <a:lstStyle>
-            <a:lvl1pPr indent="-342900" lvl="0" marL="457200">
+            <a:lvl1pPr marL="457200" lvl="0" indent="-342900">
               <a:spcBef>
                 <a:spcPts val="0"/>
               </a:spcBef>
@@ -8403,7 +8599,7 @@
                 </a:solidFill>
               </a:defRPr>
             </a:lvl1pPr>
-            <a:lvl2pPr indent="-317500" lvl="1" marL="914400">
+            <a:lvl2pPr marL="914400" lvl="1" indent="-317500">
               <a:spcBef>
                 <a:spcPts val="1600"/>
               </a:spcBef>
@@ -8421,7 +8617,7 @@
                 </a:solidFill>
               </a:defRPr>
             </a:lvl2pPr>
-            <a:lvl3pPr indent="-317500" lvl="2" marL="1371600">
+            <a:lvl3pPr marL="1371600" lvl="2" indent="-317500">
               <a:spcBef>
                 <a:spcPts val="1600"/>
               </a:spcBef>
@@ -8439,7 +8635,7 @@
                 </a:solidFill>
               </a:defRPr>
             </a:lvl3pPr>
-            <a:lvl4pPr indent="-317500" lvl="3" marL="1828800">
+            <a:lvl4pPr marL="1828800" lvl="3" indent="-317500">
               <a:spcBef>
                 <a:spcPts val="1600"/>
               </a:spcBef>
@@ -8457,7 +8653,7 @@
                 </a:solidFill>
               </a:defRPr>
             </a:lvl4pPr>
-            <a:lvl5pPr indent="-317500" lvl="4" marL="2286000">
+            <a:lvl5pPr marL="2286000" lvl="4" indent="-317500">
               <a:spcBef>
                 <a:spcPts val="1600"/>
               </a:spcBef>
@@ -8475,7 +8671,7 @@
                 </a:solidFill>
               </a:defRPr>
             </a:lvl5pPr>
-            <a:lvl6pPr indent="-317500" lvl="5" marL="2743200">
+            <a:lvl6pPr marL="2743200" lvl="5" indent="-317500">
               <a:spcBef>
                 <a:spcPts val="1600"/>
               </a:spcBef>
@@ -8493,7 +8689,7 @@
                 </a:solidFill>
               </a:defRPr>
             </a:lvl6pPr>
-            <a:lvl7pPr indent="-317500" lvl="6" marL="3200400">
+            <a:lvl7pPr marL="3200400" lvl="6" indent="-317500">
               <a:spcBef>
                 <a:spcPts val="1600"/>
               </a:spcBef>
@@ -8511,7 +8707,7 @@
                 </a:solidFill>
               </a:defRPr>
             </a:lvl7pPr>
-            <a:lvl8pPr indent="-317500" lvl="7" marL="3657600">
+            <a:lvl8pPr marL="3657600" lvl="7" indent="-317500">
               <a:spcBef>
                 <a:spcPts val="1600"/>
               </a:spcBef>
@@ -8529,7 +8725,7 @@
                 </a:solidFill>
               </a:defRPr>
             </a:lvl8pPr>
-            <a:lvl9pPr indent="-317500" lvl="8" marL="4114800">
+            <a:lvl9pPr marL="4114800" lvl="8" indent="-317500">
               <a:spcBef>
                 <a:spcPts val="1600"/>
               </a:spcBef>
@@ -8548,15 +8744,19 @@
               </a:defRPr>
             </a:lvl9pPr>
           </a:lstStyle>
-          <a:p/>
+          <a:p>
+            <a:endParaRPr/>
+          </a:p>
         </p:txBody>
       </p:sp>
       <p:sp>
         <p:nvSpPr>
           <p:cNvPr id="51" name="Google Shape;51;p9"/>
-          <p:cNvSpPr txBox="1"/>
+          <p:cNvSpPr txBox="1">
+            <a:spLocks noGrp="1"/>
+          </p:cNvSpPr>
           <p:nvPr>
-            <p:ph idx="12" type="sldNum"/>
+            <p:ph type="sldNum" idx="12"/>
           </p:nvPr>
         </p:nvSpPr>
         <p:spPr>
@@ -8569,7 +8769,7 @@
           </a:prstGeom>
         </p:spPr>
         <p:txBody>
-          <a:bodyPr anchorCtr="0" anchor="ctr" bIns="91425" lIns="91425" spcFirstLastPara="1" rIns="91425" wrap="square" tIns="91425">
+          <a:bodyPr spcFirstLastPara="1" wrap="square" lIns="91425" tIns="91425" rIns="91425" bIns="91425" anchor="ctr" anchorCtr="0">
             <a:noAutofit/>
           </a:bodyPr>
           <a:lstStyle>
@@ -8647,7 +8847,7 @@
             </a:lvl9pPr>
           </a:lstStyle>
           <a:p>
-            <a:pPr indent="0" lvl="0" marL="0" rtl="0" algn="r">
+            <a:pPr marL="0" lvl="0" indent="0" algn="r" rtl="0">
               <a:spcBef>
                 <a:spcPts val="0"/>
               </a:spcBef>
@@ -8673,11 +8873,11 @@
 </file>
 
 <file path=ppt/slideLayouts/slideLayout9.xml><?xml version="1.0" encoding="utf-8"?>
-<p:sldLayout xmlns:a="http://schemas.openxmlformats.org/drawingml/2006/main" xmlns:r="http://schemas.openxmlformats.org/officeDocument/2006/relationships" xmlns:mc="http://schemas.openxmlformats.org/markup-compatibility/2006" xmlns:mv="urn:schemas-microsoft-com:mac:vml" xmlns:p="http://schemas.openxmlformats.org/presentationml/2006/main" xmlns:c="http://schemas.openxmlformats.org/drawingml/2006/chart" xmlns:dgm="http://schemas.openxmlformats.org/drawingml/2006/diagram" xmlns:o="urn:schemas-microsoft-com:office:office" xmlns:v="urn:schemas-microsoft-com:vml" xmlns:pvml="urn:schemas-microsoft-com:office:powerpoint" xmlns:com="http://schemas.openxmlformats.org/drawingml/2006/compatibility" xmlns:p14="http://schemas.microsoft.com/office/powerpoint/2010/main" xmlns:p15="http://schemas.microsoft.com/office/powerpoint/2012/main" xmlns:ahyp="http://schemas.microsoft.com/office/drawing/2018/hyperlinkcolor" matchingName="Caption">
+<p:sldLayout xmlns:a="http://schemas.openxmlformats.org/drawingml/2006/main" xmlns:r="http://schemas.openxmlformats.org/officeDocument/2006/relationships" xmlns:p="http://schemas.openxmlformats.org/presentationml/2006/main" matchingName="Caption">
   <p:cSld name="CAPTION_ONLY">
     <p:spTree>
       <p:nvGrpSpPr>
-        <p:cNvPr id="52" name="Shape 52"/>
+        <p:cNvPr id="1" name="Shape 52"/>
         <p:cNvGrpSpPr/>
         <p:nvPr/>
       </p:nvGrpSpPr>
@@ -8692,9 +8892,11 @@
       <p:sp>
         <p:nvSpPr>
           <p:cNvPr id="53" name="Google Shape;53;p10"/>
-          <p:cNvSpPr txBox="1"/>
+          <p:cNvSpPr txBox="1">
+            <a:spLocks noGrp="1"/>
+          </p:cNvSpPr>
           <p:nvPr>
-            <p:ph idx="1" type="body"/>
+            <p:ph type="body" idx="1"/>
           </p:nvPr>
         </p:nvSpPr>
         <p:spPr>
@@ -8707,11 +8909,11 @@
           </a:prstGeom>
         </p:spPr>
         <p:txBody>
-          <a:bodyPr anchorCtr="0" anchor="ctr" bIns="91425" lIns="91425" spcFirstLastPara="1" rIns="91425" wrap="square" tIns="91425">
+          <a:bodyPr spcFirstLastPara="1" wrap="square" lIns="91425" tIns="91425" rIns="91425" bIns="91425" anchor="ctr" anchorCtr="0">
             <a:noAutofit/>
           </a:bodyPr>
           <a:lstStyle>
-            <a:lvl1pPr indent="-228600" lvl="0" marL="457200">
+            <a:lvl1pPr marL="457200" lvl="0" indent="-228600">
               <a:lnSpc>
                 <a:spcPct val="100000"/>
               </a:lnSpc>
@@ -8732,15 +8934,19 @@
               </a:defRPr>
             </a:lvl1pPr>
           </a:lstStyle>
-          <a:p/>
+          <a:p>
+            <a:endParaRPr/>
+          </a:p>
         </p:txBody>
       </p:sp>
       <p:sp>
         <p:nvSpPr>
           <p:cNvPr id="54" name="Google Shape;54;p10"/>
-          <p:cNvSpPr txBox="1"/>
+          <p:cNvSpPr txBox="1">
+            <a:spLocks noGrp="1"/>
+          </p:cNvSpPr>
           <p:nvPr>
-            <p:ph idx="12" type="sldNum"/>
+            <p:ph type="sldNum" idx="12"/>
           </p:nvPr>
         </p:nvSpPr>
         <p:spPr>
@@ -8753,7 +8959,7 @@
           </a:prstGeom>
         </p:spPr>
         <p:txBody>
-          <a:bodyPr anchorCtr="0" anchor="ctr" bIns="91425" lIns="91425" spcFirstLastPara="1" rIns="91425" wrap="square" tIns="91425">
+          <a:bodyPr spcFirstLastPara="1" wrap="square" lIns="91425" tIns="91425" rIns="91425" bIns="91425" anchor="ctr" anchorCtr="0">
             <a:noAutofit/>
           </a:bodyPr>
           <a:lstStyle>
@@ -8795,7 +9001,7 @@
             </a:lvl9pPr>
           </a:lstStyle>
           <a:p>
-            <a:pPr indent="0" lvl="0" marL="0" rtl="0" algn="r">
+            <a:pPr marL="0" lvl="0" indent="0" algn="r" rtl="0">
               <a:spcBef>
                 <a:spcPts val="0"/>
               </a:spcBef>
@@ -8821,18 +9027,19 @@
 </file>
 
 <file path=ppt/slideMasters/slideMaster1.xml><?xml version="1.0" encoding="utf-8"?>
-<p:sldMaster xmlns:a="http://schemas.openxmlformats.org/drawingml/2006/main" xmlns:r="http://schemas.openxmlformats.org/officeDocument/2006/relationships" xmlns:mc="http://schemas.openxmlformats.org/markup-compatibility/2006" xmlns:mv="urn:schemas-microsoft-com:mac:vml" xmlns:p="http://schemas.openxmlformats.org/presentationml/2006/main" xmlns:c="http://schemas.openxmlformats.org/drawingml/2006/chart" xmlns:dgm="http://schemas.openxmlformats.org/drawingml/2006/diagram" xmlns:o="urn:schemas-microsoft-com:office:office" xmlns:v="urn:schemas-microsoft-com:vml" xmlns:pvml="urn:schemas-microsoft-com:office:powerpoint" xmlns:com="http://schemas.openxmlformats.org/drawingml/2006/compatibility" xmlns:p14="http://schemas.microsoft.com/office/powerpoint/2010/main" xmlns:p15="http://schemas.microsoft.com/office/powerpoint/2012/main" xmlns:ahyp="http://schemas.microsoft.com/office/drawing/2018/hyperlinkcolor">
+<p:sldMaster xmlns:a="http://schemas.openxmlformats.org/drawingml/2006/main" xmlns:r="http://schemas.openxmlformats.org/officeDocument/2006/relationships" xmlns:p="http://schemas.openxmlformats.org/presentationml/2006/main">
   <p:cSld name="tropic">
     <p:bg>
       <p:bgPr>
         <a:solidFill>
           <a:schemeClr val="lt1"/>
         </a:solidFill>
+        <a:effectLst/>
       </p:bgPr>
     </p:bg>
     <p:spTree>
       <p:nvGrpSpPr>
-        <p:cNvPr id="5" name="Shape 5"/>
+        <p:cNvPr id="1" name="Shape 5"/>
         <p:cNvGrpSpPr/>
         <p:nvPr/>
       </p:nvGrpSpPr>
@@ -8847,7 +9054,9 @@
       <p:sp>
         <p:nvSpPr>
           <p:cNvPr id="6" name="Google Shape;6;p1"/>
-          <p:cNvSpPr txBox="1"/>
+          <p:cNvSpPr txBox="1">
+            <a:spLocks noGrp="1"/>
+          </p:cNvSpPr>
           <p:nvPr>
             <p:ph type="title"/>
           </p:nvPr>
@@ -8866,7 +9075,7 @@
           </a:ln>
         </p:spPr>
         <p:txBody>
-          <a:bodyPr anchorCtr="0" anchor="t" bIns="91425" lIns="91425" spcFirstLastPara="1" rIns="91425" wrap="square" tIns="91425">
+          <a:bodyPr spcFirstLastPara="1" wrap="square" lIns="91425" tIns="91425" rIns="91425" bIns="91425" anchor="t" anchorCtr="0">
             <a:noAutofit/>
           </a:bodyPr>
           <a:lstStyle>
@@ -8883,7 +9092,7 @@
               <a:buSzPts val="3600"/>
               <a:buFont typeface="PT Sans Narrow"/>
               <a:buNone/>
-              <a:defRPr b="1" sz="3600">
+              <a:defRPr sz="3600" b="1">
                 <a:solidFill>
                   <a:schemeClr val="accent1"/>
                 </a:solidFill>
@@ -8906,7 +9115,7 @@
               <a:buSzPts val="3600"/>
               <a:buFont typeface="PT Sans Narrow"/>
               <a:buNone/>
-              <a:defRPr b="1" sz="3600">
+              <a:defRPr sz="3600" b="1">
                 <a:solidFill>
                   <a:schemeClr val="accent1"/>
                 </a:solidFill>
@@ -8929,7 +9138,7 @@
               <a:buSzPts val="3600"/>
               <a:buFont typeface="PT Sans Narrow"/>
               <a:buNone/>
-              <a:defRPr b="1" sz="3600">
+              <a:defRPr sz="3600" b="1">
                 <a:solidFill>
                   <a:schemeClr val="accent1"/>
                 </a:solidFill>
@@ -8952,7 +9161,7 @@
               <a:buSzPts val="3600"/>
               <a:buFont typeface="PT Sans Narrow"/>
               <a:buNone/>
-              <a:defRPr b="1" sz="3600">
+              <a:defRPr sz="3600" b="1">
                 <a:solidFill>
                   <a:schemeClr val="accent1"/>
                 </a:solidFill>
@@ -8975,7 +9184,7 @@
               <a:buSzPts val="3600"/>
               <a:buFont typeface="PT Sans Narrow"/>
               <a:buNone/>
-              <a:defRPr b="1" sz="3600">
+              <a:defRPr sz="3600" b="1">
                 <a:solidFill>
                   <a:schemeClr val="accent1"/>
                 </a:solidFill>
@@ -8998,7 +9207,7 @@
               <a:buSzPts val="3600"/>
               <a:buFont typeface="PT Sans Narrow"/>
               <a:buNone/>
-              <a:defRPr b="1" sz="3600">
+              <a:defRPr sz="3600" b="1">
                 <a:solidFill>
                   <a:schemeClr val="accent1"/>
                 </a:solidFill>
@@ -9021,7 +9230,7 @@
               <a:buSzPts val="3600"/>
               <a:buFont typeface="PT Sans Narrow"/>
               <a:buNone/>
-              <a:defRPr b="1" sz="3600">
+              <a:defRPr sz="3600" b="1">
                 <a:solidFill>
                   <a:schemeClr val="accent1"/>
                 </a:solidFill>
@@ -9044,7 +9253,7 @@
               <a:buSzPts val="3600"/>
               <a:buFont typeface="PT Sans Narrow"/>
               <a:buNone/>
-              <a:defRPr b="1" sz="3600">
+              <a:defRPr sz="3600" b="1">
                 <a:solidFill>
                   <a:schemeClr val="accent1"/>
                 </a:solidFill>
@@ -9067,7 +9276,7 @@
               <a:buSzPts val="3600"/>
               <a:buFont typeface="PT Sans Narrow"/>
               <a:buNone/>
-              <a:defRPr b="1" sz="3600">
+              <a:defRPr sz="3600" b="1">
                 <a:solidFill>
                   <a:schemeClr val="accent1"/>
                 </a:solidFill>
@@ -9078,15 +9287,19 @@
               </a:defRPr>
             </a:lvl9pPr>
           </a:lstStyle>
-          <a:p/>
+          <a:p>
+            <a:endParaRPr/>
+          </a:p>
         </p:txBody>
       </p:sp>
       <p:sp>
         <p:nvSpPr>
           <p:cNvPr id="7" name="Google Shape;7;p1"/>
-          <p:cNvSpPr txBox="1"/>
+          <p:cNvSpPr txBox="1">
+            <a:spLocks noGrp="1"/>
+          </p:cNvSpPr>
           <p:nvPr>
-            <p:ph idx="1" type="body"/>
+            <p:ph type="body" idx="1"/>
           </p:nvPr>
         </p:nvSpPr>
         <p:spPr>
@@ -9103,11 +9316,11 @@
           </a:ln>
         </p:spPr>
         <p:txBody>
-          <a:bodyPr anchorCtr="0" anchor="t" bIns="91425" lIns="91425" spcFirstLastPara="1" rIns="91425" wrap="square" tIns="91425">
+          <a:bodyPr spcFirstLastPara="1" wrap="square" lIns="91425" tIns="91425" rIns="91425" bIns="91425" anchor="t" anchorCtr="0">
             <a:noAutofit/>
           </a:bodyPr>
           <a:lstStyle>
-            <a:lvl1pPr indent="-342900" lvl="0" marL="457200">
+            <a:lvl1pPr marL="457200" lvl="0" indent="-342900">
               <a:lnSpc>
                 <a:spcPct val="115000"/>
               </a:lnSpc>
@@ -9133,7 +9346,7 @@
                 <a:sym typeface="Open Sans"/>
               </a:defRPr>
             </a:lvl1pPr>
-            <a:lvl2pPr indent="-317500" lvl="1" marL="914400">
+            <a:lvl2pPr marL="914400" lvl="1" indent="-317500">
               <a:lnSpc>
                 <a:spcPct val="115000"/>
               </a:lnSpc>
@@ -9159,7 +9372,7 @@
                 <a:sym typeface="Open Sans"/>
               </a:defRPr>
             </a:lvl2pPr>
-            <a:lvl3pPr indent="-317500" lvl="2" marL="1371600">
+            <a:lvl3pPr marL="1371600" lvl="2" indent="-317500">
               <a:lnSpc>
                 <a:spcPct val="115000"/>
               </a:lnSpc>
@@ -9185,7 +9398,7 @@
                 <a:sym typeface="Open Sans"/>
               </a:defRPr>
             </a:lvl3pPr>
-            <a:lvl4pPr indent="-317500" lvl="3" marL="1828800">
+            <a:lvl4pPr marL="1828800" lvl="3" indent="-317500">
               <a:lnSpc>
                 <a:spcPct val="115000"/>
               </a:lnSpc>
@@ -9211,7 +9424,7 @@
                 <a:sym typeface="Open Sans"/>
               </a:defRPr>
             </a:lvl4pPr>
-            <a:lvl5pPr indent="-317500" lvl="4" marL="2286000">
+            <a:lvl5pPr marL="2286000" lvl="4" indent="-317500">
               <a:lnSpc>
                 <a:spcPct val="115000"/>
               </a:lnSpc>
@@ -9237,7 +9450,7 @@
                 <a:sym typeface="Open Sans"/>
               </a:defRPr>
             </a:lvl5pPr>
-            <a:lvl6pPr indent="-317500" lvl="5" marL="2743200">
+            <a:lvl6pPr marL="2743200" lvl="5" indent="-317500">
               <a:lnSpc>
                 <a:spcPct val="115000"/>
               </a:lnSpc>
@@ -9263,7 +9476,7 @@
                 <a:sym typeface="Open Sans"/>
               </a:defRPr>
             </a:lvl6pPr>
-            <a:lvl7pPr indent="-317500" lvl="6" marL="3200400">
+            <a:lvl7pPr marL="3200400" lvl="6" indent="-317500">
               <a:lnSpc>
                 <a:spcPct val="115000"/>
               </a:lnSpc>
@@ -9289,7 +9502,7 @@
                 <a:sym typeface="Open Sans"/>
               </a:defRPr>
             </a:lvl7pPr>
-            <a:lvl8pPr indent="-317500" lvl="7" marL="3657600">
+            <a:lvl8pPr marL="3657600" lvl="7" indent="-317500">
               <a:lnSpc>
                 <a:spcPct val="115000"/>
               </a:lnSpc>
@@ -9315,7 +9528,7 @@
                 <a:sym typeface="Open Sans"/>
               </a:defRPr>
             </a:lvl8pPr>
-            <a:lvl9pPr indent="-317500" lvl="8" marL="4114800">
+            <a:lvl9pPr marL="4114800" lvl="8" indent="-317500">
               <a:lnSpc>
                 <a:spcPct val="115000"/>
               </a:lnSpc>
@@ -9342,15 +9555,19 @@
               </a:defRPr>
             </a:lvl9pPr>
           </a:lstStyle>
-          <a:p/>
+          <a:p>
+            <a:endParaRPr/>
+          </a:p>
         </p:txBody>
       </p:sp>
       <p:sp>
         <p:nvSpPr>
           <p:cNvPr id="8" name="Google Shape;8;p1"/>
-          <p:cNvSpPr txBox="1"/>
+          <p:cNvSpPr txBox="1">
+            <a:spLocks noGrp="1"/>
+          </p:cNvSpPr>
           <p:nvPr>
-            <p:ph idx="12" type="sldNum"/>
+            <p:ph type="sldNum" idx="12"/>
           </p:nvPr>
         </p:nvSpPr>
         <p:spPr>
@@ -9367,7 +9584,7 @@
           </a:ln>
         </p:spPr>
         <p:txBody>
-          <a:bodyPr anchorCtr="0" anchor="ctr" bIns="91425" lIns="91425" spcFirstLastPara="1" rIns="91425" wrap="square" tIns="91425">
+          <a:bodyPr spcFirstLastPara="1" wrap="square" lIns="91425" tIns="91425" rIns="91425" bIns="91425" anchor="ctr" anchorCtr="0">
             <a:noAutofit/>
           </a:bodyPr>
           <a:lstStyle>
@@ -9481,7 +9698,7 @@
             </a:lvl9pPr>
           </a:lstStyle>
           <a:p>
-            <a:pPr indent="0" lvl="0" marL="0" rtl="0" algn="r">
+            <a:pPr marL="0" lvl="0" indent="0" algn="r" rtl="0">
               <a:spcBef>
                 <a:spcPts val="0"/>
               </a:spcBef>
@@ -9500,7 +9717,7 @@
       </p:sp>
     </p:spTree>
   </p:cSld>
-  <p:clrMap accent1="accent1" accent2="accent2" accent3="accent3" accent4="accent4" accent5="accent5" accent6="accent6" bg1="lt1" bg2="dk2" tx1="dk1" tx2="lt2" folHlink="folHlink" hlink="hlink"/>
+  <p:clrMap bg1="lt1" tx1="dk1" bg2="dk2" tx2="lt2" accent1="accent1" accent2="accent2" accent3="accent3" accent4="accent4" accent5="accent5" accent6="accent6" hlink="hlink" folHlink="folHlink"/>
   <p:sldLayoutIdLst>
     <p:sldLayoutId id="2147483648" r:id="rId1"/>
     <p:sldLayoutId id="2147483649" r:id="rId2"/>
@@ -9520,10 +9737,10 @@
   <p:transition spd="slow">
     <p:push/>
   </p:transition>
-  <p:hf dt="0" ftr="0" hdr="0" sldNum="0"/>
+  <p:hf sldNum="0" hdr="0" ftr="0" dt="0"/>
   <p:txStyles>
     <p:titleStyle>
-      <a:defPPr lvl="0" marR="0" rtl="0" algn="l">
+      <a:defPPr marR="0" lvl="0" algn="l" rtl="0">
         <a:lnSpc>
           <a:spcPct val="100000"/>
         </a:lnSpc>
@@ -9534,7 +9751,7 @@
           <a:spcPts val="0"/>
         </a:spcAft>
       </a:defPPr>
-      <a:lvl1pPr lvl="0" marR="0" rtl="0" algn="l">
+      <a:lvl1pPr marR="0" lvl="0" algn="l" rtl="0">
         <a:lnSpc>
           <a:spcPct val="100000"/>
         </a:lnSpc>
@@ -9548,7 +9765,7 @@
           <a:srgbClr val="000000"/>
         </a:buClr>
         <a:buFont typeface="Arial"/>
-        <a:defRPr b="0" i="0" sz="1400" u="none" cap="none" strike="noStrike">
+        <a:defRPr sz="1400" b="0" i="0" u="none" strike="noStrike" cap="none">
           <a:solidFill>
             <a:srgbClr val="000000"/>
           </a:solidFill>
@@ -9558,7 +9775,7 @@
           <a:sym typeface="Arial"/>
         </a:defRPr>
       </a:lvl1pPr>
-      <a:lvl2pPr lvl="1" marR="0" rtl="0" algn="l">
+      <a:lvl2pPr marR="0" lvl="1" algn="l" rtl="0">
         <a:lnSpc>
           <a:spcPct val="100000"/>
         </a:lnSpc>
@@ -9572,7 +9789,7 @@
           <a:srgbClr val="000000"/>
         </a:buClr>
         <a:buFont typeface="Arial"/>
-        <a:defRPr b="0" i="0" sz="1400" u="none" cap="none" strike="noStrike">
+        <a:defRPr sz="1400" b="0" i="0" u="none" strike="noStrike" cap="none">
           <a:solidFill>
             <a:srgbClr val="000000"/>
           </a:solidFill>
@@ -9582,7 +9799,7 @@
           <a:sym typeface="Arial"/>
         </a:defRPr>
       </a:lvl2pPr>
-      <a:lvl3pPr lvl="2" marR="0" rtl="0" algn="l">
+      <a:lvl3pPr marR="0" lvl="2" algn="l" rtl="0">
         <a:lnSpc>
           <a:spcPct val="100000"/>
         </a:lnSpc>
@@ -9596,7 +9813,7 @@
           <a:srgbClr val="000000"/>
         </a:buClr>
         <a:buFont typeface="Arial"/>
-        <a:defRPr b="0" i="0" sz="1400" u="none" cap="none" strike="noStrike">
+        <a:defRPr sz="1400" b="0" i="0" u="none" strike="noStrike" cap="none">
           <a:solidFill>
             <a:srgbClr val="000000"/>
           </a:solidFill>
@@ -9606,7 +9823,7 @@
           <a:sym typeface="Arial"/>
         </a:defRPr>
       </a:lvl3pPr>
-      <a:lvl4pPr lvl="3" marR="0" rtl="0" algn="l">
+      <a:lvl4pPr marR="0" lvl="3" algn="l" rtl="0">
         <a:lnSpc>
           <a:spcPct val="100000"/>
         </a:lnSpc>
@@ -9620,7 +9837,7 @@
           <a:srgbClr val="000000"/>
         </a:buClr>
         <a:buFont typeface="Arial"/>
-        <a:defRPr b="0" i="0" sz="1400" u="none" cap="none" strike="noStrike">
+        <a:defRPr sz="1400" b="0" i="0" u="none" strike="noStrike" cap="none">
           <a:solidFill>
             <a:srgbClr val="000000"/>
           </a:solidFill>
@@ -9630,7 +9847,7 @@
           <a:sym typeface="Arial"/>
         </a:defRPr>
       </a:lvl4pPr>
-      <a:lvl5pPr lvl="4" marR="0" rtl="0" algn="l">
+      <a:lvl5pPr marR="0" lvl="4" algn="l" rtl="0">
         <a:lnSpc>
           <a:spcPct val="100000"/>
         </a:lnSpc>
@@ -9644,7 +9861,7 @@
           <a:srgbClr val="000000"/>
         </a:buClr>
         <a:buFont typeface="Arial"/>
-        <a:defRPr b="0" i="0" sz="1400" u="none" cap="none" strike="noStrike">
+        <a:defRPr sz="1400" b="0" i="0" u="none" strike="noStrike" cap="none">
           <a:solidFill>
             <a:srgbClr val="000000"/>
           </a:solidFill>
@@ -9654,7 +9871,7 @@
           <a:sym typeface="Arial"/>
         </a:defRPr>
       </a:lvl5pPr>
-      <a:lvl6pPr lvl="5" marR="0" rtl="0" algn="l">
+      <a:lvl6pPr marR="0" lvl="5" algn="l" rtl="0">
         <a:lnSpc>
           <a:spcPct val="100000"/>
         </a:lnSpc>
@@ -9668,7 +9885,7 @@
           <a:srgbClr val="000000"/>
         </a:buClr>
         <a:buFont typeface="Arial"/>
-        <a:defRPr b="0" i="0" sz="1400" u="none" cap="none" strike="noStrike">
+        <a:defRPr sz="1400" b="0" i="0" u="none" strike="noStrike" cap="none">
           <a:solidFill>
             <a:srgbClr val="000000"/>
           </a:solidFill>
@@ -9678,7 +9895,7 @@
           <a:sym typeface="Arial"/>
         </a:defRPr>
       </a:lvl6pPr>
-      <a:lvl7pPr lvl="6" marR="0" rtl="0" algn="l">
+      <a:lvl7pPr marR="0" lvl="6" algn="l" rtl="0">
         <a:lnSpc>
           <a:spcPct val="100000"/>
         </a:lnSpc>
@@ -9692,7 +9909,7 @@
           <a:srgbClr val="000000"/>
         </a:buClr>
         <a:buFont typeface="Arial"/>
-        <a:defRPr b="0" i="0" sz="1400" u="none" cap="none" strike="noStrike">
+        <a:defRPr sz="1400" b="0" i="0" u="none" strike="noStrike" cap="none">
           <a:solidFill>
             <a:srgbClr val="000000"/>
           </a:solidFill>
@@ -9702,7 +9919,7 @@
           <a:sym typeface="Arial"/>
         </a:defRPr>
       </a:lvl7pPr>
-      <a:lvl8pPr lvl="7" marR="0" rtl="0" algn="l">
+      <a:lvl8pPr marR="0" lvl="7" algn="l" rtl="0">
         <a:lnSpc>
           <a:spcPct val="100000"/>
         </a:lnSpc>
@@ -9716,7 +9933,7 @@
           <a:srgbClr val="000000"/>
         </a:buClr>
         <a:buFont typeface="Arial"/>
-        <a:defRPr b="0" i="0" sz="1400" u="none" cap="none" strike="noStrike">
+        <a:defRPr sz="1400" b="0" i="0" u="none" strike="noStrike" cap="none">
           <a:solidFill>
             <a:srgbClr val="000000"/>
           </a:solidFill>
@@ -9726,7 +9943,7 @@
           <a:sym typeface="Arial"/>
         </a:defRPr>
       </a:lvl8pPr>
-      <a:lvl9pPr lvl="8" marR="0" rtl="0" algn="l">
+      <a:lvl9pPr marR="0" lvl="8" algn="l" rtl="0">
         <a:lnSpc>
           <a:spcPct val="100000"/>
         </a:lnSpc>
@@ -9740,7 +9957,7 @@
           <a:srgbClr val="000000"/>
         </a:buClr>
         <a:buFont typeface="Arial"/>
-        <a:defRPr b="0" i="0" sz="1400" u="none" cap="none" strike="noStrike">
+        <a:defRPr sz="1400" b="0" i="0" u="none" strike="noStrike" cap="none">
           <a:solidFill>
             <a:srgbClr val="000000"/>
           </a:solidFill>
@@ -9752,7 +9969,7 @@
       </a:lvl9pPr>
     </p:titleStyle>
     <p:bodyStyle>
-      <a:defPPr lvl="0" marR="0" rtl="0" algn="l">
+      <a:defPPr marR="0" lvl="0" algn="l" rtl="0">
         <a:lnSpc>
           <a:spcPct val="100000"/>
         </a:lnSpc>
@@ -9763,7 +9980,7 @@
           <a:spcPts val="0"/>
         </a:spcAft>
       </a:defPPr>
-      <a:lvl1pPr lvl="0" marR="0" rtl="0" algn="l">
+      <a:lvl1pPr marR="0" lvl="0" algn="l" rtl="0">
         <a:lnSpc>
           <a:spcPct val="100000"/>
         </a:lnSpc>
@@ -9777,7 +9994,7 @@
           <a:srgbClr val="000000"/>
         </a:buClr>
         <a:buFont typeface="Arial"/>
-        <a:defRPr b="0" i="0" sz="1400" u="none" cap="none" strike="noStrike">
+        <a:defRPr sz="1400" b="0" i="0" u="none" strike="noStrike" cap="none">
           <a:solidFill>
             <a:srgbClr val="000000"/>
           </a:solidFill>
@@ -9787,7 +10004,7 @@
           <a:sym typeface="Arial"/>
         </a:defRPr>
       </a:lvl1pPr>
-      <a:lvl2pPr lvl="1" marR="0" rtl="0" algn="l">
+      <a:lvl2pPr marR="0" lvl="1" algn="l" rtl="0">
         <a:lnSpc>
           <a:spcPct val="100000"/>
         </a:lnSpc>
@@ -9801,7 +10018,7 @@
           <a:srgbClr val="000000"/>
         </a:buClr>
         <a:buFont typeface="Arial"/>
-        <a:defRPr b="0" i="0" sz="1400" u="none" cap="none" strike="noStrike">
+        <a:defRPr sz="1400" b="0" i="0" u="none" strike="noStrike" cap="none">
           <a:solidFill>
             <a:srgbClr val="000000"/>
           </a:solidFill>
@@ -9811,7 +10028,7 @@
           <a:sym typeface="Arial"/>
         </a:defRPr>
       </a:lvl2pPr>
-      <a:lvl3pPr lvl="2" marR="0" rtl="0" algn="l">
+      <a:lvl3pPr marR="0" lvl="2" algn="l" rtl="0">
         <a:lnSpc>
           <a:spcPct val="100000"/>
         </a:lnSpc>
@@ -9825,7 +10042,7 @@
           <a:srgbClr val="000000"/>
         </a:buClr>
         <a:buFont typeface="Arial"/>
-        <a:defRPr b="0" i="0" sz="1400" u="none" cap="none" strike="noStrike">
+        <a:defRPr sz="1400" b="0" i="0" u="none" strike="noStrike" cap="none">
           <a:solidFill>
             <a:srgbClr val="000000"/>
           </a:solidFill>
@@ -9835,7 +10052,7 @@
           <a:sym typeface="Arial"/>
         </a:defRPr>
       </a:lvl3pPr>
-      <a:lvl4pPr lvl="3" marR="0" rtl="0" algn="l">
+      <a:lvl4pPr marR="0" lvl="3" algn="l" rtl="0">
         <a:lnSpc>
           <a:spcPct val="100000"/>
         </a:lnSpc>
@@ -9849,7 +10066,7 @@
           <a:srgbClr val="000000"/>
         </a:buClr>
         <a:buFont typeface="Arial"/>
-        <a:defRPr b="0" i="0" sz="1400" u="none" cap="none" strike="noStrike">
+        <a:defRPr sz="1400" b="0" i="0" u="none" strike="noStrike" cap="none">
           <a:solidFill>
             <a:srgbClr val="000000"/>
           </a:solidFill>
@@ -9859,7 +10076,7 @@
           <a:sym typeface="Arial"/>
         </a:defRPr>
       </a:lvl4pPr>
-      <a:lvl5pPr lvl="4" marR="0" rtl="0" algn="l">
+      <a:lvl5pPr marR="0" lvl="4" algn="l" rtl="0">
         <a:lnSpc>
           <a:spcPct val="100000"/>
         </a:lnSpc>
@@ -9873,7 +10090,7 @@
           <a:srgbClr val="000000"/>
         </a:buClr>
         <a:buFont typeface="Arial"/>
-        <a:defRPr b="0" i="0" sz="1400" u="none" cap="none" strike="noStrike">
+        <a:defRPr sz="1400" b="0" i="0" u="none" strike="noStrike" cap="none">
           <a:solidFill>
             <a:srgbClr val="000000"/>
           </a:solidFill>
@@ -9883,7 +10100,7 @@
           <a:sym typeface="Arial"/>
         </a:defRPr>
       </a:lvl5pPr>
-      <a:lvl6pPr lvl="5" marR="0" rtl="0" algn="l">
+      <a:lvl6pPr marR="0" lvl="5" algn="l" rtl="0">
         <a:lnSpc>
           <a:spcPct val="100000"/>
         </a:lnSpc>
@@ -9897,7 +10114,7 @@
           <a:srgbClr val="000000"/>
         </a:buClr>
         <a:buFont typeface="Arial"/>
-        <a:defRPr b="0" i="0" sz="1400" u="none" cap="none" strike="noStrike">
+        <a:defRPr sz="1400" b="0" i="0" u="none" strike="noStrike" cap="none">
           <a:solidFill>
             <a:srgbClr val="000000"/>
           </a:solidFill>
@@ -9907,7 +10124,7 @@
           <a:sym typeface="Arial"/>
         </a:defRPr>
       </a:lvl6pPr>
-      <a:lvl7pPr lvl="6" marR="0" rtl="0" algn="l">
+      <a:lvl7pPr marR="0" lvl="6" algn="l" rtl="0">
         <a:lnSpc>
           <a:spcPct val="100000"/>
         </a:lnSpc>
@@ -9921,7 +10138,7 @@
           <a:srgbClr val="000000"/>
         </a:buClr>
         <a:buFont typeface="Arial"/>
-        <a:defRPr b="0" i="0" sz="1400" u="none" cap="none" strike="noStrike">
+        <a:defRPr sz="1400" b="0" i="0" u="none" strike="noStrike" cap="none">
           <a:solidFill>
             <a:srgbClr val="000000"/>
           </a:solidFill>
@@ -9931,7 +10148,7 @@
           <a:sym typeface="Arial"/>
         </a:defRPr>
       </a:lvl7pPr>
-      <a:lvl8pPr lvl="7" marR="0" rtl="0" algn="l">
+      <a:lvl8pPr marR="0" lvl="7" algn="l" rtl="0">
         <a:lnSpc>
           <a:spcPct val="100000"/>
         </a:lnSpc>
@@ -9945,7 +10162,7 @@
           <a:srgbClr val="000000"/>
         </a:buClr>
         <a:buFont typeface="Arial"/>
-        <a:defRPr b="0" i="0" sz="1400" u="none" cap="none" strike="noStrike">
+        <a:defRPr sz="1400" b="0" i="0" u="none" strike="noStrike" cap="none">
           <a:solidFill>
             <a:srgbClr val="000000"/>
           </a:solidFill>
@@ -9955,7 +10172,7 @@
           <a:sym typeface="Arial"/>
         </a:defRPr>
       </a:lvl8pPr>
-      <a:lvl9pPr lvl="8" marR="0" rtl="0" algn="l">
+      <a:lvl9pPr marR="0" lvl="8" algn="l" rtl="0">
         <a:lnSpc>
           <a:spcPct val="100000"/>
         </a:lnSpc>
@@ -9969,7 +10186,7 @@
           <a:srgbClr val="000000"/>
         </a:buClr>
         <a:buFont typeface="Arial"/>
-        <a:defRPr b="0" i="0" sz="1400" u="none" cap="none" strike="noStrike">
+        <a:defRPr sz="1400" b="0" i="0" u="none" strike="noStrike" cap="none">
           <a:solidFill>
             <a:srgbClr val="000000"/>
           </a:solidFill>
@@ -9981,7 +10198,7 @@
       </a:lvl9pPr>
     </p:bodyStyle>
     <p:otherStyle>
-      <a:defPPr lvl="0" marR="0" rtl="0" algn="l">
+      <a:defPPr marR="0" lvl="0" algn="l" rtl="0">
         <a:lnSpc>
           <a:spcPct val="100000"/>
         </a:lnSpc>
@@ -9992,7 +10209,7 @@
           <a:spcPts val="0"/>
         </a:spcAft>
       </a:defPPr>
-      <a:lvl1pPr lvl="0" marR="0" rtl="0" algn="l">
+      <a:lvl1pPr marR="0" lvl="0" algn="l" rtl="0">
         <a:lnSpc>
           <a:spcPct val="100000"/>
         </a:lnSpc>
@@ -10006,7 +10223,7 @@
           <a:srgbClr val="000000"/>
         </a:buClr>
         <a:buFont typeface="Arial"/>
-        <a:defRPr b="0" i="0" sz="1400" u="none" cap="none" strike="noStrike">
+        <a:defRPr sz="1400" b="0" i="0" u="none" strike="noStrike" cap="none">
           <a:solidFill>
             <a:srgbClr val="000000"/>
           </a:solidFill>
@@ -10016,7 +10233,7 @@
           <a:sym typeface="Arial"/>
         </a:defRPr>
       </a:lvl1pPr>
-      <a:lvl2pPr lvl="1" marR="0" rtl="0" algn="l">
+      <a:lvl2pPr marR="0" lvl="1" algn="l" rtl="0">
         <a:lnSpc>
           <a:spcPct val="100000"/>
         </a:lnSpc>
@@ -10030,7 +10247,7 @@
           <a:srgbClr val="000000"/>
         </a:buClr>
         <a:buFont typeface="Arial"/>
-        <a:defRPr b="0" i="0" sz="1400" u="none" cap="none" strike="noStrike">
+        <a:defRPr sz="1400" b="0" i="0" u="none" strike="noStrike" cap="none">
           <a:solidFill>
             <a:srgbClr val="000000"/>
           </a:solidFill>
@@ -10040,7 +10257,7 @@
           <a:sym typeface="Arial"/>
         </a:defRPr>
       </a:lvl2pPr>
-      <a:lvl3pPr lvl="2" marR="0" rtl="0" algn="l">
+      <a:lvl3pPr marR="0" lvl="2" algn="l" rtl="0">
         <a:lnSpc>
           <a:spcPct val="100000"/>
         </a:lnSpc>
@@ -10054,7 +10271,7 @@
           <a:srgbClr val="000000"/>
         </a:buClr>
         <a:buFont typeface="Arial"/>
-        <a:defRPr b="0" i="0" sz="1400" u="none" cap="none" strike="noStrike">
+        <a:defRPr sz="1400" b="0" i="0" u="none" strike="noStrike" cap="none">
           <a:solidFill>
             <a:srgbClr val="000000"/>
           </a:solidFill>
@@ -10064,7 +10281,7 @@
           <a:sym typeface="Arial"/>
         </a:defRPr>
       </a:lvl3pPr>
-      <a:lvl4pPr lvl="3" marR="0" rtl="0" algn="l">
+      <a:lvl4pPr marR="0" lvl="3" algn="l" rtl="0">
         <a:lnSpc>
           <a:spcPct val="100000"/>
         </a:lnSpc>
@@ -10078,7 +10295,7 @@
           <a:srgbClr val="000000"/>
         </a:buClr>
         <a:buFont typeface="Arial"/>
-        <a:defRPr b="0" i="0" sz="1400" u="none" cap="none" strike="noStrike">
+        <a:defRPr sz="1400" b="0" i="0" u="none" strike="noStrike" cap="none">
           <a:solidFill>
             <a:srgbClr val="000000"/>
           </a:solidFill>
@@ -10088,7 +10305,7 @@
           <a:sym typeface="Arial"/>
         </a:defRPr>
       </a:lvl4pPr>
-      <a:lvl5pPr lvl="4" marR="0" rtl="0" algn="l">
+      <a:lvl5pPr marR="0" lvl="4" algn="l" rtl="0">
         <a:lnSpc>
           <a:spcPct val="100000"/>
         </a:lnSpc>
@@ -10102,7 +10319,7 @@
           <a:srgbClr val="000000"/>
         </a:buClr>
         <a:buFont typeface="Arial"/>
-        <a:defRPr b="0" i="0" sz="1400" u="none" cap="none" strike="noStrike">
+        <a:defRPr sz="1400" b="0" i="0" u="none" strike="noStrike" cap="none">
           <a:solidFill>
             <a:srgbClr val="000000"/>
           </a:solidFill>
@@ -10112,7 +10329,7 @@
           <a:sym typeface="Arial"/>
         </a:defRPr>
       </a:lvl5pPr>
-      <a:lvl6pPr lvl="5" marR="0" rtl="0" algn="l">
+      <a:lvl6pPr marR="0" lvl="5" algn="l" rtl="0">
         <a:lnSpc>
           <a:spcPct val="100000"/>
         </a:lnSpc>
@@ -10126,7 +10343,7 @@
           <a:srgbClr val="000000"/>
         </a:buClr>
         <a:buFont typeface="Arial"/>
-        <a:defRPr b="0" i="0" sz="1400" u="none" cap="none" strike="noStrike">
+        <a:defRPr sz="1400" b="0" i="0" u="none" strike="noStrike" cap="none">
           <a:solidFill>
             <a:srgbClr val="000000"/>
           </a:solidFill>
@@ -10136,7 +10353,7 @@
           <a:sym typeface="Arial"/>
         </a:defRPr>
       </a:lvl6pPr>
-      <a:lvl7pPr lvl="6" marR="0" rtl="0" algn="l">
+      <a:lvl7pPr marR="0" lvl="6" algn="l" rtl="0">
         <a:lnSpc>
           <a:spcPct val="100000"/>
         </a:lnSpc>
@@ -10150,7 +10367,7 @@
           <a:srgbClr val="000000"/>
         </a:buClr>
         <a:buFont typeface="Arial"/>
-        <a:defRPr b="0" i="0" sz="1400" u="none" cap="none" strike="noStrike">
+        <a:defRPr sz="1400" b="0" i="0" u="none" strike="noStrike" cap="none">
           <a:solidFill>
             <a:srgbClr val="000000"/>
           </a:solidFill>
@@ -10160,7 +10377,7 @@
           <a:sym typeface="Arial"/>
         </a:defRPr>
       </a:lvl7pPr>
-      <a:lvl8pPr lvl="7" marR="0" rtl="0" algn="l">
+      <a:lvl8pPr marR="0" lvl="7" algn="l" rtl="0">
         <a:lnSpc>
           <a:spcPct val="100000"/>
         </a:lnSpc>
@@ -10174,7 +10391,7 @@
           <a:srgbClr val="000000"/>
         </a:buClr>
         <a:buFont typeface="Arial"/>
-        <a:defRPr b="0" i="0" sz="1400" u="none" cap="none" strike="noStrike">
+        <a:defRPr sz="1400" b="0" i="0" u="none" strike="noStrike" cap="none">
           <a:solidFill>
             <a:srgbClr val="000000"/>
           </a:solidFill>
@@ -10184,7 +10401,7 @@
           <a:sym typeface="Arial"/>
         </a:defRPr>
       </a:lvl8pPr>
-      <a:lvl9pPr lvl="8" marR="0" rtl="0" algn="l">
+      <a:lvl9pPr marR="0" lvl="8" algn="l" rtl="0">
         <a:lnSpc>
           <a:spcPct val="100000"/>
         </a:lnSpc>
@@ -10198,7 +10415,7 @@
           <a:srgbClr val="000000"/>
         </a:buClr>
         <a:buFont typeface="Arial"/>
-        <a:defRPr b="0" i="0" sz="1400" u="none" cap="none" strike="noStrike">
+        <a:defRPr sz="1400" b="0" i="0" u="none" strike="noStrike" cap="none">
           <a:solidFill>
             <a:srgbClr val="000000"/>
           </a:solidFill>
@@ -10214,11 +10431,11 @@
 </file>
 
 <file path=ppt/slides/slide1.xml><?xml version="1.0" encoding="utf-8"?>
-<p:sld xmlns:a="http://schemas.openxmlformats.org/drawingml/2006/main" xmlns:r="http://schemas.openxmlformats.org/officeDocument/2006/relationships" xmlns:mc="http://schemas.openxmlformats.org/markup-compatibility/2006" xmlns:mv="urn:schemas-microsoft-com:mac:vml" xmlns:p="http://schemas.openxmlformats.org/presentationml/2006/main" xmlns:c="http://schemas.openxmlformats.org/drawingml/2006/chart" xmlns:dgm="http://schemas.openxmlformats.org/drawingml/2006/diagram" xmlns:o="urn:schemas-microsoft-com:office:office" xmlns:v="urn:schemas-microsoft-com:vml" xmlns:pvml="urn:schemas-microsoft-com:office:powerpoint" xmlns:com="http://schemas.openxmlformats.org/drawingml/2006/compatibility" xmlns:p14="http://schemas.microsoft.com/office/powerpoint/2010/main" xmlns:p15="http://schemas.microsoft.com/office/powerpoint/2012/main" xmlns:ahyp="http://schemas.microsoft.com/office/drawing/2018/hyperlinkcolor">
+<p:sld xmlns:a="http://schemas.openxmlformats.org/drawingml/2006/main" xmlns:r="http://schemas.openxmlformats.org/officeDocument/2006/relationships" xmlns:p="http://schemas.openxmlformats.org/presentationml/2006/main">
   <p:cSld>
     <p:spTree>
       <p:nvGrpSpPr>
-        <p:cNvPr id="91" name="Shape 91"/>
+        <p:cNvPr id="1" name="Shape 91"/>
         <p:cNvGrpSpPr/>
         <p:nvPr/>
       </p:nvGrpSpPr>
@@ -10233,14 +10450,16 @@
       <p:sp>
         <p:nvSpPr>
           <p:cNvPr id="92" name="Google Shape;92;p16"/>
-          <p:cNvSpPr txBox="1"/>
+          <p:cNvSpPr txBox="1">
+            <a:spLocks noGrp="1"/>
+          </p:cNvSpPr>
           <p:nvPr>
             <p:ph type="ctrTitle"/>
           </p:nvPr>
         </p:nvSpPr>
         <p:spPr>
           <a:xfrm>
-            <a:off x="704850" y="1649606"/>
+            <a:off x="704850" y="1735331"/>
             <a:ext cx="7867649" cy="1397632"/>
           </a:xfrm>
           <a:prstGeom prst="rect">
@@ -10252,12 +10471,12 @@
           </a:ln>
         </p:spPr>
         <p:txBody>
-          <a:bodyPr anchorCtr="0" anchor="b" bIns="0" lIns="0" spcFirstLastPara="1" rIns="0" wrap="square" tIns="0">
+          <a:bodyPr spcFirstLastPara="1" wrap="square" lIns="0" tIns="0" rIns="0" bIns="0" anchor="b" anchorCtr="0">
             <a:noAutofit/>
           </a:bodyPr>
           <a:lstStyle/>
           <a:p>
-            <a:pPr indent="0" lvl="0" marL="0" rtl="0" algn="ctr">
+            <a:pPr marL="0" lvl="0" indent="0" algn="ctr" rtl="0">
               <a:lnSpc>
                 <a:spcPct val="90000"/>
               </a:lnSpc>
@@ -10275,13 +10494,12 @@
               <a:buNone/>
             </a:pPr>
             <a:r>
-              <a:rPr lang="en" sz="2400"/>
+              <a:rPr lang="en-US" sz="2400" dirty="0"/>
               <a:t>Cloud Excellence Presentation</a:t>
             </a:r>
-            <a:endParaRPr sz="2400"/>
           </a:p>
           <a:p>
-            <a:pPr indent="0" lvl="0" marL="0" rtl="0" algn="ctr">
+            <a:pPr marL="0" lvl="0" indent="0" algn="ctr" rtl="0">
               <a:lnSpc>
                 <a:spcPct val="90000"/>
               </a:lnSpc>
@@ -10299,13 +10517,12 @@
               <a:buNone/>
             </a:pPr>
             <a:r>
-              <a:rPr lang="en" sz="2400"/>
-              <a:t>&lt;Insert Team number&gt;</a:t>
+              <a:rPr lang="en-US" sz="2400" dirty="0"/>
+              <a:t>Team 1</a:t>
             </a:r>
-            <a:endParaRPr sz="2400"/>
           </a:p>
           <a:p>
-            <a:pPr indent="0" lvl="0" marL="0" rtl="0" algn="ctr">
+            <a:pPr marL="0" lvl="0" indent="0" algn="ctr" rtl="0">
               <a:lnSpc>
                 <a:spcPct val="90000"/>
               </a:lnSpc>
@@ -10323,43 +10540,56 @@
               <a:buNone/>
             </a:pPr>
             <a:r>
-              <a:rPr lang="en" sz="2400"/>
-              <a:t>&lt;insert Team Name&gt;</a:t>
+              <a:rPr lang="en-US" sz="2400" dirty="0"/>
+              <a:t>Members: </a:t>
             </a:r>
-            <a:endParaRPr sz="2400"/>
-          </a:p>
-          <a:p>
-            <a:pPr indent="0" lvl="0" marL="0" rtl="0" algn="ctr">
-              <a:lnSpc>
-                <a:spcPct val="90000"/>
-              </a:lnSpc>
-              <a:spcBef>
-                <a:spcPts val="0"/>
-              </a:spcBef>
-              <a:spcAft>
-                <a:spcPts val="0"/>
-              </a:spcAft>
-              <a:buClr>
-                <a:schemeClr val="lt1"/>
-              </a:buClr>
-              <a:buSzPts val="5300"/>
-              <a:buFont typeface="Oswald"/>
-              <a:buNone/>
-            </a:pPr>
             <a:r>
-              <a:rPr lang="en" sz="2400"/>
-              <a:t>Members: &lt;insert team members&gt;</a:t>
+              <a:rPr lang="en-US" sz="2400" dirty="0" err="1"/>
+              <a:t>Anjelique</a:t>
             </a:r>
-            <a:endParaRPr sz="2400"/>
+            <a:r>
+              <a:rPr lang="en-US" sz="2400" dirty="0"/>
+              <a:t> Butler</a:t>
+            </a:r>
+            <a:br>
+              <a:rPr lang="en-US" sz="2400" dirty="0"/>
+            </a:br>
+            <a:r>
+              <a:rPr lang="en-US" sz="2400" dirty="0"/>
+              <a:t>            Chris Mickey</a:t>
+            </a:r>
+            <a:br>
+              <a:rPr lang="en-US" sz="2400" dirty="0"/>
+            </a:br>
+            <a:r>
+              <a:rPr lang="en-US" sz="2400" dirty="0"/>
+              <a:t>                   Harwinder Singh</a:t>
+            </a:r>
+            <a:br>
+              <a:rPr lang="en-US" sz="2400" dirty="0"/>
+            </a:br>
+            <a:r>
+              <a:rPr lang="en-US" sz="2400" dirty="0"/>
+              <a:t>           Kate Briggs</a:t>
+            </a:r>
+            <a:br>
+              <a:rPr lang="en-US" sz="2400" dirty="0"/>
+            </a:br>
+            <a:r>
+              <a:rPr lang="en-US" sz="2400" dirty="0"/>
+              <a:t>             Sarah Grimm</a:t>
+            </a:r>
           </a:p>
         </p:txBody>
       </p:sp>
       <p:sp>
         <p:nvSpPr>
           <p:cNvPr id="93" name="Google Shape;93;p16"/>
-          <p:cNvSpPr txBox="1"/>
+          <p:cNvSpPr txBox="1">
+            <a:spLocks noGrp="1"/>
+          </p:cNvSpPr>
           <p:nvPr>
-            <p:ph idx="2" type="body"/>
+            <p:ph type="body" idx="2"/>
           </p:nvPr>
         </p:nvSpPr>
         <p:spPr>
@@ -10376,12 +10606,12 @@
           </a:ln>
         </p:spPr>
         <p:txBody>
-          <a:bodyPr anchorCtr="0" anchor="t" bIns="0" lIns="0" spcFirstLastPara="1" rIns="0" wrap="square" tIns="0">
+          <a:bodyPr spcFirstLastPara="1" wrap="square" lIns="0" tIns="0" rIns="0" bIns="0" anchor="t" anchorCtr="0">
             <a:noAutofit/>
           </a:bodyPr>
           <a:lstStyle/>
           <a:p>
-            <a:pPr indent="0" lvl="0" marL="0" rtl="0" algn="l">
+            <a:pPr marL="0" lvl="0" indent="0" algn="l" rtl="0">
               <a:lnSpc>
                 <a:spcPct val="100000"/>
               </a:lnSpc>
@@ -10398,7 +10628,7 @@
               <a:buNone/>
             </a:pPr>
             <a:r>
-              <a:rPr i="1" lang="en" sz="1100"/>
+              <a:rPr lang="en" sz="1100" i="1"/>
               <a:t>MARCH 2020</a:t>
             </a:r>
             <a:endParaRPr sz="1100"/>
@@ -10470,11 +10700,11 @@
 </file>
 
 <file path=ppt/slides/slide10.xml><?xml version="1.0" encoding="utf-8"?>
-<p:sld xmlns:a="http://schemas.openxmlformats.org/drawingml/2006/main" xmlns:r="http://schemas.openxmlformats.org/officeDocument/2006/relationships" xmlns:mc="http://schemas.openxmlformats.org/markup-compatibility/2006" xmlns:mv="urn:schemas-microsoft-com:mac:vml" xmlns:p="http://schemas.openxmlformats.org/presentationml/2006/main" xmlns:c="http://schemas.openxmlformats.org/drawingml/2006/chart" xmlns:dgm="http://schemas.openxmlformats.org/drawingml/2006/diagram" xmlns:o="urn:schemas-microsoft-com:office:office" xmlns:v="urn:schemas-microsoft-com:vml" xmlns:pvml="urn:schemas-microsoft-com:office:powerpoint" xmlns:com="http://schemas.openxmlformats.org/drawingml/2006/compatibility" xmlns:p14="http://schemas.microsoft.com/office/powerpoint/2010/main" xmlns:p15="http://schemas.microsoft.com/office/powerpoint/2012/main" xmlns:ahyp="http://schemas.microsoft.com/office/drawing/2018/hyperlinkcolor">
+<p:sld xmlns:a="http://schemas.openxmlformats.org/drawingml/2006/main" xmlns:r="http://schemas.openxmlformats.org/officeDocument/2006/relationships" xmlns:p="http://schemas.openxmlformats.org/presentationml/2006/main">
   <p:cSld>
     <p:spTree>
       <p:nvGrpSpPr>
-        <p:cNvPr id="188" name="Shape 188"/>
+        <p:cNvPr id="1" name="Shape 188"/>
         <p:cNvGrpSpPr/>
         <p:nvPr/>
       </p:nvGrpSpPr>
@@ -10506,12 +10736,12 @@
           </a:ln>
         </p:spPr>
         <p:txBody>
-          <a:bodyPr anchorCtr="0" anchor="ctr" bIns="45700" lIns="91425" spcFirstLastPara="1" rIns="91425" wrap="square" tIns="45700">
+          <a:bodyPr spcFirstLastPara="1" wrap="square" lIns="91425" tIns="45700" rIns="91425" bIns="45700" anchor="ctr" anchorCtr="0">
             <a:noAutofit/>
           </a:bodyPr>
           <a:lstStyle/>
           <a:p>
-            <a:pPr indent="0" lvl="0" marL="0" rtl="0" algn="l">
+            <a:pPr marL="0" lvl="0" indent="0" algn="l" rtl="0">
               <a:spcBef>
                 <a:spcPts val="0"/>
               </a:spcBef>
@@ -10556,12 +10786,12 @@
           </a:ln>
         </p:spPr>
         <p:txBody>
-          <a:bodyPr anchorCtr="0" anchor="t" bIns="91425" lIns="91425" spcFirstLastPara="1" rIns="91425" wrap="square" tIns="91425">
+          <a:bodyPr spcFirstLastPara="1" wrap="square" lIns="91425" tIns="91425" rIns="91425" bIns="91425" anchor="t" anchorCtr="0">
             <a:noAutofit/>
           </a:bodyPr>
           <a:lstStyle/>
           <a:p>
-            <a:pPr indent="0" lvl="0" marL="0" rtl="0" algn="l">
+            <a:pPr marL="0" lvl="0" indent="0" algn="l" rtl="0">
               <a:lnSpc>
                 <a:spcPct val="115000"/>
               </a:lnSpc>
@@ -10573,13 +10803,10 @@
               </a:spcAft>
               <a:buNone/>
             </a:pPr>
-            <a:r>
-              <a:t/>
-            </a:r>
             <a:endParaRPr sz="1100"/>
           </a:p>
           <a:p>
-            <a:pPr indent="0" lvl="0" marL="457200" marR="101600" rtl="0" algn="l">
+            <a:pPr marL="457200" marR="101600" lvl="0" indent="0" algn="l" rtl="0">
               <a:lnSpc>
                 <a:spcPct val="115000"/>
               </a:lnSpc>
@@ -10591,9 +10818,6 @@
               </a:spcAft>
               <a:buNone/>
             </a:pPr>
-            <a:r>
-              <a:t/>
-            </a:r>
             <a:endParaRPr sz="1050">
               <a:solidFill>
                 <a:srgbClr val="333333"/>
@@ -10622,12 +10846,12 @@
           </a:ln>
         </p:spPr>
         <p:txBody>
-          <a:bodyPr anchorCtr="0" anchor="ctr" bIns="91425" lIns="91425" spcFirstLastPara="1" rIns="91425" wrap="square" tIns="91425">
+          <a:bodyPr spcFirstLastPara="1" wrap="square" lIns="91425" tIns="91425" rIns="91425" bIns="91425" anchor="ctr" anchorCtr="0">
             <a:noAutofit/>
           </a:bodyPr>
           <a:lstStyle/>
           <a:p>
-            <a:pPr indent="0" lvl="0" marL="0" rtl="0" algn="r">
+            <a:pPr marL="0" lvl="0" indent="0" algn="r" rtl="0">
               <a:spcBef>
                 <a:spcPts val="0"/>
               </a:spcBef>
@@ -10636,9 +10860,6 @@
               </a:spcAft>
               <a:buNone/>
             </a:pPr>
-            <a:r>
-              <a:t/>
-            </a:r>
             <a:endParaRPr sz="1000">
               <a:latin typeface="Roboto"/>
               <a:ea typeface="Roboto"/>
@@ -10713,11 +10934,11 @@
 </file>
 
 <file path=ppt/slides/slide11.xml><?xml version="1.0" encoding="utf-8"?>
-<p:sld xmlns:a="http://schemas.openxmlformats.org/drawingml/2006/main" xmlns:r="http://schemas.openxmlformats.org/officeDocument/2006/relationships" xmlns:mc="http://schemas.openxmlformats.org/markup-compatibility/2006" xmlns:mv="urn:schemas-microsoft-com:mac:vml" xmlns:p="http://schemas.openxmlformats.org/presentationml/2006/main" xmlns:c="http://schemas.openxmlformats.org/drawingml/2006/chart" xmlns:dgm="http://schemas.openxmlformats.org/drawingml/2006/diagram" xmlns:o="urn:schemas-microsoft-com:office:office" xmlns:v="urn:schemas-microsoft-com:vml" xmlns:pvml="urn:schemas-microsoft-com:office:powerpoint" xmlns:com="http://schemas.openxmlformats.org/drawingml/2006/compatibility" xmlns:p14="http://schemas.microsoft.com/office/powerpoint/2010/main" xmlns:p15="http://schemas.microsoft.com/office/powerpoint/2012/main" xmlns:ahyp="http://schemas.microsoft.com/office/drawing/2018/hyperlinkcolor">
+<p:sld xmlns:a="http://schemas.openxmlformats.org/drawingml/2006/main" xmlns:r="http://schemas.openxmlformats.org/officeDocument/2006/relationships" xmlns:p="http://schemas.openxmlformats.org/presentationml/2006/main">
   <p:cSld>
     <p:spTree>
       <p:nvGrpSpPr>
-        <p:cNvPr id="198" name="Shape 198"/>
+        <p:cNvPr id="1" name="Shape 198"/>
         <p:cNvGrpSpPr/>
         <p:nvPr/>
       </p:nvGrpSpPr>
@@ -10732,7 +10953,9 @@
       <p:sp>
         <p:nvSpPr>
           <p:cNvPr id="199" name="Google Shape;199;p26"/>
-          <p:cNvSpPr txBox="1"/>
+          <p:cNvSpPr txBox="1">
+            <a:spLocks noGrp="1"/>
+          </p:cNvSpPr>
           <p:nvPr>
             <p:ph type="ctrTitle"/>
           </p:nvPr>
@@ -10751,12 +10974,12 @@
           </a:ln>
         </p:spPr>
         <p:txBody>
-          <a:bodyPr anchorCtr="0" anchor="b" bIns="0" lIns="0" spcFirstLastPara="1" rIns="0" wrap="square" tIns="0">
+          <a:bodyPr spcFirstLastPara="1" wrap="square" lIns="0" tIns="0" rIns="0" bIns="0" anchor="b" anchorCtr="0">
             <a:noAutofit/>
           </a:bodyPr>
           <a:lstStyle/>
           <a:p>
-            <a:pPr indent="0" lvl="0" marL="0" rtl="0" algn="ctr">
+            <a:pPr marL="0" lvl="0" indent="0" algn="ctr" rtl="0">
               <a:lnSpc>
                 <a:spcPct val="90000"/>
               </a:lnSpc>
@@ -10784,9 +11007,11 @@
       <p:sp>
         <p:nvSpPr>
           <p:cNvPr id="200" name="Google Shape;200;p26"/>
-          <p:cNvSpPr txBox="1"/>
+          <p:cNvSpPr txBox="1">
+            <a:spLocks noGrp="1"/>
+          </p:cNvSpPr>
           <p:nvPr>
-            <p:ph idx="2" type="body"/>
+            <p:ph type="body" idx="2"/>
           </p:nvPr>
         </p:nvSpPr>
         <p:spPr>
@@ -10803,12 +11028,12 @@
           </a:ln>
         </p:spPr>
         <p:txBody>
-          <a:bodyPr anchorCtr="0" anchor="t" bIns="0" lIns="0" spcFirstLastPara="1" rIns="0" wrap="square" tIns="0">
+          <a:bodyPr spcFirstLastPara="1" wrap="square" lIns="0" tIns="0" rIns="0" bIns="0" anchor="t" anchorCtr="0">
             <a:noAutofit/>
           </a:bodyPr>
           <a:lstStyle/>
           <a:p>
-            <a:pPr indent="0" lvl="0" marL="0" rtl="0" algn="l">
+            <a:pPr marL="0" lvl="0" indent="0" algn="l" rtl="0">
               <a:lnSpc>
                 <a:spcPct val="100000"/>
               </a:lnSpc>
@@ -10825,7 +11050,7 @@
               <a:buNone/>
             </a:pPr>
             <a:r>
-              <a:rPr i="1" lang="en" sz="1100"/>
+              <a:rPr lang="en" sz="1100" i="1"/>
               <a:t>MARCH 2021</a:t>
             </a:r>
             <a:endParaRPr sz="1100"/>
@@ -10897,11 +11122,11 @@
 </file>
 
 <file path=ppt/slides/slide2.xml><?xml version="1.0" encoding="utf-8"?>
-<p:sld xmlns:a="http://schemas.openxmlformats.org/drawingml/2006/main" xmlns:r="http://schemas.openxmlformats.org/officeDocument/2006/relationships" xmlns:mc="http://schemas.openxmlformats.org/markup-compatibility/2006" xmlns:mv="urn:schemas-microsoft-com:mac:vml" xmlns:p="http://schemas.openxmlformats.org/presentationml/2006/main" xmlns:c="http://schemas.openxmlformats.org/drawingml/2006/chart" xmlns:dgm="http://schemas.openxmlformats.org/drawingml/2006/diagram" xmlns:o="urn:schemas-microsoft-com:office:office" xmlns:v="urn:schemas-microsoft-com:vml" xmlns:pvml="urn:schemas-microsoft-com:office:powerpoint" xmlns:com="http://schemas.openxmlformats.org/drawingml/2006/compatibility" xmlns:p14="http://schemas.microsoft.com/office/powerpoint/2010/main" xmlns:p15="http://schemas.microsoft.com/office/powerpoint/2012/main" xmlns:ahyp="http://schemas.microsoft.com/office/drawing/2018/hyperlinkcolor">
+<p:sld xmlns:a="http://schemas.openxmlformats.org/drawingml/2006/main" xmlns:r="http://schemas.openxmlformats.org/officeDocument/2006/relationships" xmlns:p="http://schemas.openxmlformats.org/presentationml/2006/main">
   <p:cSld>
     <p:spTree>
       <p:nvGrpSpPr>
-        <p:cNvPr id="99" name="Shape 99"/>
+        <p:cNvPr id="1" name="Shape 99"/>
         <p:cNvGrpSpPr/>
         <p:nvPr/>
       </p:nvGrpSpPr>
@@ -10916,14 +11141,16 @@
       <p:sp>
         <p:nvSpPr>
           <p:cNvPr id="100" name="Google Shape;100;p17"/>
-          <p:cNvSpPr txBox="1"/>
+          <p:cNvSpPr txBox="1">
+            <a:spLocks noGrp="1"/>
+          </p:cNvSpPr>
           <p:nvPr>
             <p:ph type="ctrTitle"/>
           </p:nvPr>
         </p:nvSpPr>
         <p:spPr>
           <a:xfrm>
-            <a:off x="1004150" y="1751764"/>
+            <a:off x="1003650" y="1723189"/>
             <a:ext cx="7136700" cy="1022400"/>
           </a:xfrm>
           <a:prstGeom prst="rect">
@@ -10931,12 +11158,48 @@
           </a:prstGeom>
         </p:spPr>
         <p:txBody>
-          <a:bodyPr anchorCtr="0" anchor="b" bIns="91425" lIns="91425" spcFirstLastPara="1" rIns="91425" wrap="square" tIns="91425">
+          <a:bodyPr spcFirstLastPara="1" wrap="square" lIns="91425" tIns="91425" rIns="91425" bIns="91425" anchor="b" anchorCtr="0">
             <a:noAutofit/>
           </a:bodyPr>
           <a:lstStyle/>
           <a:p>
-            <a:pPr indent="0" lvl="0" marL="0" rtl="0" algn="ctr">
+            <a:pPr marL="0" lvl="0" indent="0" algn="ctr" rtl="0">
+              <a:spcBef>
+                <a:spcPts val="0"/>
+              </a:spcBef>
+              <a:spcAft>
+                <a:spcPts val="0"/>
+              </a:spcAft>
+              <a:buNone/>
+            </a:pPr>
+            <a:endParaRPr dirty="0"/>
+          </a:p>
+          <a:p>
+            <a:pPr marL="0" lvl="0" indent="0" algn="ctr" rtl="0">
+              <a:spcBef>
+                <a:spcPts val="0"/>
+              </a:spcBef>
+              <a:spcAft>
+                <a:spcPts val="0"/>
+              </a:spcAft>
+              <a:buNone/>
+            </a:pPr>
+            <a:endParaRPr dirty="0"/>
+          </a:p>
+          <a:p>
+            <a:pPr marL="0" lvl="0" indent="0" algn="ctr" rtl="0">
+              <a:spcBef>
+                <a:spcPts val="0"/>
+              </a:spcBef>
+              <a:spcAft>
+                <a:spcPts val="0"/>
+              </a:spcAft>
+              <a:buNone/>
+            </a:pPr>
+            <a:endParaRPr dirty="0"/>
+          </a:p>
+          <a:p>
+            <a:pPr marL="0" lvl="0" indent="0" algn="ctr" rtl="0">
               <a:spcBef>
                 <a:spcPts val="0"/>
               </a:spcBef>
@@ -10946,72 +11209,28 @@
               <a:buNone/>
             </a:pPr>
             <a:r>
-              <a:t/>
+              <a:rPr lang="en" dirty="0"/>
+              <a:t>TEAM 1: Project </a:t>
             </a:r>
-            <a:endParaRPr/>
-          </a:p>
-          <a:p>
-            <a:pPr indent="0" lvl="0" marL="0" rtl="0" algn="ctr">
-              <a:spcBef>
-                <a:spcPts val="0"/>
-              </a:spcBef>
-              <a:spcAft>
-                <a:spcPts val="0"/>
-              </a:spcAft>
-              <a:buNone/>
-            </a:pPr>
+            <a:br>
+              <a:rPr lang="en" dirty="0"/>
+            </a:br>
             <a:r>
-              <a:t/>
+              <a:rPr lang="en" dirty="0"/>
+              <a:t>&lt;Project Description&gt;</a:t>
             </a:r>
-            <a:endParaRPr/>
-          </a:p>
-          <a:p>
-            <a:pPr indent="0" lvl="0" marL="0" rtl="0" algn="ctr">
-              <a:spcBef>
-                <a:spcPts val="0"/>
-              </a:spcBef>
-              <a:spcAft>
-                <a:spcPts val="0"/>
-              </a:spcAft>
-              <a:buNone/>
-            </a:pPr>
-            <a:r>
-              <a:t/>
-            </a:r>
-            <a:endParaRPr/>
-          </a:p>
-          <a:p>
-            <a:pPr indent="0" lvl="0" marL="0" rtl="0" algn="ctr">
-              <a:spcBef>
-                <a:spcPts val="0"/>
-              </a:spcBef>
-              <a:spcAft>
-                <a:spcPts val="0"/>
-              </a:spcAft>
-              <a:buNone/>
-            </a:pPr>
-            <a:r>
-              <a:rPr lang="en"/>
-              <a:t>TEAM &lt;insert number&gt;: </a:t>
-            </a:r>
-            <a:r>
-              <a:rPr lang="en"/>
-              <a:t>Project</a:t>
-            </a:r>
-            <a:r>
-              <a:rPr lang="en"/>
-              <a:t> &lt;description of project&gt;</a:t>
-            </a:r>
-            <a:endParaRPr/>
+            <a:endParaRPr dirty="0"/>
           </a:p>
         </p:txBody>
       </p:sp>
       <p:sp>
         <p:nvSpPr>
           <p:cNvPr id="101" name="Google Shape;101;p17"/>
-          <p:cNvSpPr txBox="1"/>
+          <p:cNvSpPr txBox="1">
+            <a:spLocks noGrp="1"/>
+          </p:cNvSpPr>
           <p:nvPr>
-            <p:ph idx="1" type="subTitle"/>
+            <p:ph type="subTitle" idx="1"/>
           </p:nvPr>
         </p:nvSpPr>
         <p:spPr>
@@ -11024,12 +11243,12 @@
           </a:prstGeom>
         </p:spPr>
         <p:txBody>
-          <a:bodyPr anchorCtr="0" anchor="t" bIns="91425" lIns="91425" spcFirstLastPara="1" rIns="91425" wrap="square" tIns="91425">
+          <a:bodyPr spcFirstLastPara="1" wrap="square" lIns="91425" tIns="91425" rIns="91425" bIns="91425" anchor="t" anchorCtr="0">
             <a:noAutofit/>
           </a:bodyPr>
           <a:lstStyle/>
           <a:p>
-            <a:pPr indent="0" lvl="0" marL="0" rtl="0" algn="ctr">
+            <a:pPr marL="0" lvl="0" indent="0" algn="ctr" rtl="0">
               <a:spcBef>
                 <a:spcPts val="0"/>
               </a:spcBef>
@@ -11066,12 +11285,12 @@
           </a:ln>
         </p:spPr>
         <p:txBody>
-          <a:bodyPr anchorCtr="0" anchor="ctr" bIns="91425" lIns="91425" spcFirstLastPara="1" rIns="91425" wrap="square" tIns="91425">
+          <a:bodyPr spcFirstLastPara="1" wrap="square" lIns="91425" tIns="91425" rIns="91425" bIns="91425" anchor="ctr" anchorCtr="0">
             <a:noAutofit/>
           </a:bodyPr>
           <a:lstStyle/>
           <a:p>
-            <a:pPr indent="0" lvl="0" marL="0" rtl="0" algn="r">
+            <a:pPr marL="0" lvl="0" indent="0" algn="r" rtl="0">
               <a:spcBef>
                 <a:spcPts val="0"/>
               </a:spcBef>
@@ -11169,11 +11388,11 @@
 </file>
 
 <file path=ppt/slides/slide3.xml><?xml version="1.0" encoding="utf-8"?>
-<p:sld xmlns:a="http://schemas.openxmlformats.org/drawingml/2006/main" xmlns:r="http://schemas.openxmlformats.org/officeDocument/2006/relationships" xmlns:mc="http://schemas.openxmlformats.org/markup-compatibility/2006" xmlns:mv="urn:schemas-microsoft-com:mac:vml" xmlns:p="http://schemas.openxmlformats.org/presentationml/2006/main" xmlns:c="http://schemas.openxmlformats.org/drawingml/2006/chart" xmlns:dgm="http://schemas.openxmlformats.org/drawingml/2006/diagram" xmlns:o="urn:schemas-microsoft-com:office:office" xmlns:v="urn:schemas-microsoft-com:vml" xmlns:pvml="urn:schemas-microsoft-com:office:powerpoint" xmlns:com="http://schemas.openxmlformats.org/drawingml/2006/compatibility" xmlns:p14="http://schemas.microsoft.com/office/powerpoint/2010/main" xmlns:p15="http://schemas.microsoft.com/office/powerpoint/2012/main" xmlns:ahyp="http://schemas.microsoft.com/office/drawing/2018/hyperlinkcolor">
+<p:sld xmlns:a="http://schemas.openxmlformats.org/drawingml/2006/main" xmlns:r="http://schemas.openxmlformats.org/officeDocument/2006/relationships" xmlns:p="http://schemas.openxmlformats.org/presentationml/2006/main">
   <p:cSld>
     <p:spTree>
       <p:nvGrpSpPr>
-        <p:cNvPr id="108" name="Shape 108"/>
+        <p:cNvPr id="1" name="Shape 108"/>
         <p:cNvGrpSpPr/>
         <p:nvPr/>
       </p:nvGrpSpPr>
@@ -11188,7 +11407,9 @@
       <p:sp>
         <p:nvSpPr>
           <p:cNvPr id="109" name="Google Shape;109;p18"/>
-          <p:cNvSpPr txBox="1"/>
+          <p:cNvSpPr txBox="1">
+            <a:spLocks noGrp="1"/>
+          </p:cNvSpPr>
           <p:nvPr>
             <p:ph type="title"/>
           </p:nvPr>
@@ -11207,12 +11428,12 @@
           </a:ln>
         </p:spPr>
         <p:txBody>
-          <a:bodyPr anchorCtr="0" anchor="b" bIns="0" lIns="0" spcFirstLastPara="1" rIns="0" wrap="square" tIns="0">
+          <a:bodyPr spcFirstLastPara="1" wrap="square" lIns="0" tIns="0" rIns="0" bIns="0" anchor="b" anchorCtr="0">
             <a:noAutofit/>
           </a:bodyPr>
           <a:lstStyle/>
           <a:p>
-            <a:pPr indent="0" lvl="0" marL="0" rtl="0" algn="ctr">
+            <a:pPr marL="0" lvl="0" indent="0" algn="ctr" rtl="0">
               <a:lnSpc>
                 <a:spcPct val="90000"/>
               </a:lnSpc>
@@ -11230,30 +11451,14 @@
               <a:buNone/>
             </a:pPr>
             <a:r>
-              <a:rPr lang="en" sz="1800" u="sng">
+              <a:rPr lang="en" sz="1800" u="sng" dirty="0">
                 <a:solidFill>
                   <a:srgbClr val="FF0000"/>
                 </a:solidFill>
               </a:rPr>
-              <a:t>INTRODUCTIONS (replac</a:t>
+              <a:t>INTRODUCTIONS</a:t>
             </a:r>
-            <a:r>
-              <a:rPr lang="en" sz="1800" u="sng">
-                <a:solidFill>
-                  <a:srgbClr val="FF0000"/>
-                </a:solidFill>
-              </a:rPr>
-              <a:t>e this with your </a:t>
-            </a:r>
-            <a:r>
-              <a:rPr lang="en" sz="1800" u="sng">
-                <a:solidFill>
-                  <a:srgbClr val="FF0000"/>
-                </a:solidFill>
-              </a:rPr>
-              <a:t>information)</a:t>
-            </a:r>
-            <a:endParaRPr sz="1800" u="sng">
+            <a:endParaRPr sz="1800" u="sng" dirty="0">
               <a:solidFill>
                 <a:srgbClr val="FF0000"/>
               </a:solidFill>
@@ -11264,9 +11469,11 @@
       <p:sp>
         <p:nvSpPr>
           <p:cNvPr id="110" name="Google Shape;110;p18"/>
-          <p:cNvSpPr txBox="1"/>
+          <p:cNvSpPr txBox="1">
+            <a:spLocks noGrp="1"/>
+          </p:cNvSpPr>
           <p:nvPr>
-            <p:ph idx="12" type="sldNum"/>
+            <p:ph type="sldNum" idx="12"/>
           </p:nvPr>
         </p:nvSpPr>
         <p:spPr>
@@ -11283,12 +11490,12 @@
           </a:ln>
         </p:spPr>
         <p:txBody>
-          <a:bodyPr anchorCtr="0" anchor="ctr" bIns="0" lIns="0" spcFirstLastPara="1" rIns="0" wrap="square" tIns="0">
+          <a:bodyPr spcFirstLastPara="1" wrap="square" lIns="0" tIns="0" rIns="0" bIns="0" anchor="ctr" anchorCtr="0">
             <a:noAutofit/>
           </a:bodyPr>
           <a:lstStyle/>
           <a:p>
-            <a:pPr indent="0" lvl="0" marL="0" rtl="0" algn="r">
+            <a:pPr marL="0" lvl="0" indent="0" algn="r" rtl="0">
               <a:spcBef>
                 <a:spcPts val="0"/>
               </a:spcBef>
@@ -11299,7 +11506,7 @@
             </a:pPr>
             <a:fld id="{00000000-1234-1234-1234-123412341234}" type="slidenum">
               <a:rPr lang="en" sz="1100"/>
-              <a:t>‹#›</a:t>
+              <a:t>3</a:t>
             </a:fld>
             <a:endParaRPr sz="1100"/>
           </a:p>
@@ -11313,58 +11520,76 @@
         </p:nvCxnSpPr>
         <p:spPr>
           <a:xfrm>
-            <a:off x="4572000" y="1118917"/>
-            <a:ext cx="0" cy="3429000"/>
+            <a:off x="3802323" y="1118917"/>
+            <a:ext cx="0" cy="2131489"/>
           </a:xfrm>
           <a:prstGeom prst="straightConnector1">
             <a:avLst/>
           </a:prstGeom>
           <a:noFill/>
-          <a:ln cap="flat" cmpd="sng" w="9525">
+          <a:ln w="9525" cap="flat" cmpd="sng">
             <a:solidFill>
               <a:schemeClr val="accent2"/>
             </a:solidFill>
             <a:prstDash val="solid"/>
             <a:miter lim="800000"/>
-            <a:headEnd len="sm" w="sm" type="none"/>
-            <a:tailEnd len="sm" w="sm" type="none"/>
+            <a:headEnd type="none" w="sm" len="sm"/>
+            <a:tailEnd type="none" w="sm" len="sm"/>
           </a:ln>
         </p:spPr>
       </p:cxnSp>
-      <p:pic>
-        <p:nvPicPr>
-          <p:cNvPr id="112" name="Google Shape;112;p18"/>
-          <p:cNvPicPr preferRelativeResize="0"/>
+      <p:cxnSp>
+        <p:nvCxnSpPr>
+          <p:cNvPr id="116" name="Google Shape;116;p18"/>
+          <p:cNvCxnSpPr/>
           <p:nvPr/>
-        </p:nvPicPr>
-        <p:blipFill rotWithShape="1">
-          <a:blip r:embed="rId3">
-            <a:alphaModFix/>
-          </a:blip>
-          <a:srcRect b="0" l="0" r="0" t="0"/>
-          <a:stretch/>
-        </p:blipFill>
-        <p:spPr>
-          <a:xfrm>
-            <a:off x="5037977" y="1902587"/>
-            <a:ext cx="1334053" cy="1338325"/>
-          </a:xfrm>
-          <a:prstGeom prst="rect">
+        </p:nvCxnSpPr>
+        <p:spPr>
+          <a:xfrm>
+            <a:off x="5609870" y="1118917"/>
+            <a:ext cx="0" cy="2131489"/>
+          </a:xfrm>
+          <a:prstGeom prst="straightConnector1">
             <a:avLst/>
           </a:prstGeom>
           <a:noFill/>
-          <a:ln>
-            <a:noFill/>
+          <a:ln w="9525" cap="flat" cmpd="sng">
+            <a:solidFill>
+              <a:schemeClr val="accent2"/>
+            </a:solidFill>
+            <a:prstDash val="solid"/>
+            <a:miter lim="800000"/>
+            <a:headEnd type="none" w="sm" len="sm"/>
+            <a:tailEnd type="none" w="sm" len="sm"/>
           </a:ln>
-          <a:effectLst>
-            <a:outerShdw blurRad="190500" rotWithShape="0" algn="tl">
-              <a:srgbClr val="000000">
-                <a:alpha val="69803"/>
-              </a:srgbClr>
-            </a:outerShdw>
-          </a:effectLst>
-        </p:spPr>
-      </p:pic>
+        </p:spPr>
+      </p:cxnSp>
+      <p:cxnSp>
+        <p:nvCxnSpPr>
+          <p:cNvPr id="119" name="Google Shape;119;p18"/>
+          <p:cNvCxnSpPr/>
+          <p:nvPr/>
+        </p:nvCxnSpPr>
+        <p:spPr>
+          <a:xfrm>
+            <a:off x="2084770" y="1118917"/>
+            <a:ext cx="0" cy="2131489"/>
+          </a:xfrm>
+          <a:prstGeom prst="straightConnector1">
+            <a:avLst/>
+          </a:prstGeom>
+          <a:noFill/>
+          <a:ln w="9525" cap="flat" cmpd="sng">
+            <a:solidFill>
+              <a:schemeClr val="accent2"/>
+            </a:solidFill>
+            <a:prstDash val="solid"/>
+            <a:miter lim="800000"/>
+            <a:headEnd type="none" w="sm" len="sm"/>
+            <a:tailEnd type="none" w="sm" len="sm"/>
+          </a:ln>
+        </p:spPr>
+      </p:cxnSp>
       <p:sp>
         <p:nvSpPr>
           <p:cNvPr id="113" name="Google Shape;113;p18"/>
@@ -11373,8 +11598,8 @@
         </p:nvSpPr>
         <p:spPr>
           <a:xfrm>
-            <a:off x="5012453" y="3634042"/>
-            <a:ext cx="1385100" cy="646330"/>
+            <a:off x="4021931" y="2682335"/>
+            <a:ext cx="1256442" cy="401763"/>
           </a:xfrm>
           <a:prstGeom prst="rect">
             <a:avLst/>
@@ -11385,12 +11610,12 @@
           </a:ln>
         </p:spPr>
         <p:txBody>
-          <a:bodyPr anchorCtr="0" anchor="t" bIns="34275" lIns="68575" spcFirstLastPara="1" rIns="68575" wrap="square" tIns="34275">
+          <a:bodyPr spcFirstLastPara="1" wrap="square" lIns="68575" tIns="34275" rIns="68575" bIns="34275" anchor="t" anchorCtr="0">
             <a:noAutofit/>
           </a:bodyPr>
           <a:lstStyle/>
           <a:p>
-            <a:pPr indent="0" lvl="0" marL="0" marR="0" rtl="0" algn="ctr">
+            <a:pPr marL="0" marR="0" lvl="0" indent="0" algn="ctr" rtl="0">
               <a:spcBef>
                 <a:spcPts val="0"/>
               </a:spcBef>
@@ -11400,7 +11625,7 @@
               <a:buNone/>
             </a:pPr>
             <a:r>
-              <a:rPr b="0" i="0" lang="en" sz="1200" u="none" cap="none" strike="noStrike">
+              <a:rPr lang="en" sz="1200" b="0" i="0" u="none" strike="noStrike" cap="none" dirty="0">
                 <a:solidFill>
                   <a:schemeClr val="accent2"/>
                 </a:solidFill>
@@ -11409,10 +11634,33 @@
                 <a:cs typeface="Oswald"/>
                 <a:sym typeface="Oswald"/>
               </a:rPr>
-              <a:t>ZACHARY LEWIS</a:t>
+              <a:t> HARWINDER SINGH </a:t>
+            </a:r>
+          </a:p>
+          <a:p>
+            <a:pPr marL="0" marR="0" lvl="0" indent="0" algn="ctr" rtl="0">
+              <a:spcBef>
+                <a:spcPts val="0"/>
+              </a:spcBef>
+              <a:spcAft>
+                <a:spcPts val="0"/>
+              </a:spcAft>
+              <a:buNone/>
+            </a:pPr>
+            <a:r>
+              <a:rPr lang="en" sz="1200" dirty="0">
+                <a:solidFill>
+                  <a:schemeClr val="accent2"/>
+                </a:solidFill>
+                <a:latin typeface="Oswald"/>
+                <a:ea typeface="Calibri"/>
+                <a:cs typeface="Calibri"/>
+                <a:sym typeface="Oswald"/>
+              </a:rPr>
+              <a:t>Lead Technologist</a:t>
             </a:r>
             <a:br>
-              <a:rPr b="1" i="0" lang="en" sz="1200" u="none" cap="none" strike="noStrike">
+              <a:rPr lang="en" sz="1200" b="1" i="0" u="none" strike="noStrike" cap="none" dirty="0">
                 <a:solidFill>
                   <a:srgbClr val="00A6B7"/>
                 </a:solidFill>
@@ -11422,22 +11670,159 @@
                 <a:sym typeface="Calibri"/>
               </a:rPr>
             </a:br>
+            <a:endParaRPr sz="1200" b="0" i="0" u="none" strike="noStrike" cap="none" dirty="0">
+              <a:solidFill>
+                <a:schemeClr val="dk1"/>
+              </a:solidFill>
+              <a:latin typeface="Calibri"/>
+              <a:ea typeface="Calibri"/>
+              <a:cs typeface="Calibri"/>
+              <a:sym typeface="Calibri"/>
+            </a:endParaRPr>
+          </a:p>
+        </p:txBody>
+      </p:sp>
+      <p:sp>
+        <p:nvSpPr>
+          <p:cNvPr id="115" name="Google Shape;115;p18"/>
+          <p:cNvSpPr/>
+          <p:nvPr/>
+        </p:nvSpPr>
+        <p:spPr>
+          <a:xfrm>
+            <a:off x="5527996" y="2682335"/>
+            <a:ext cx="1730054" cy="401763"/>
+          </a:xfrm>
+          <a:prstGeom prst="rect">
+            <a:avLst/>
+          </a:prstGeom>
+          <a:noFill/>
+          <a:ln>
+            <a:noFill/>
+          </a:ln>
+        </p:spPr>
+        <p:txBody>
+          <a:bodyPr spcFirstLastPara="1" wrap="square" lIns="68575" tIns="34275" rIns="68575" bIns="34275" anchor="t" anchorCtr="0">
+            <a:noAutofit/>
+          </a:bodyPr>
+          <a:lstStyle/>
+          <a:p>
+            <a:pPr marL="0" marR="0" lvl="0" indent="0" algn="ctr" rtl="0">
+              <a:spcBef>
+                <a:spcPts val="0"/>
+              </a:spcBef>
+              <a:spcAft>
+                <a:spcPts val="0"/>
+              </a:spcAft>
+              <a:buNone/>
+            </a:pPr>
             <a:r>
-              <a:rPr b="0" i="1" lang="en" sz="1200" u="none" cap="none" strike="noStrike">
+              <a:rPr lang="en" sz="1200" b="0" i="0" u="none" strike="noStrike" cap="none" dirty="0">
                 <a:solidFill>
-                  <a:srgbClr val="7F7F7F"/>
+                  <a:schemeClr val="accent2"/>
+                </a:solidFill>
+                <a:latin typeface="Oswald"/>
+                <a:ea typeface="Oswald"/>
+                <a:cs typeface="Oswald"/>
+                <a:sym typeface="Oswald"/>
+              </a:rPr>
+              <a:t>KATE BRIGGS</a:t>
+            </a:r>
+          </a:p>
+          <a:p>
+            <a:pPr marL="0" marR="0" lvl="0" indent="0" algn="ctr" rtl="0">
+              <a:spcBef>
+                <a:spcPts val="0"/>
+              </a:spcBef>
+              <a:spcAft>
+                <a:spcPts val="0"/>
+              </a:spcAft>
+              <a:buNone/>
+            </a:pPr>
+            <a:r>
+              <a:rPr lang="en" sz="1200" dirty="0">
+                <a:solidFill>
+                  <a:schemeClr val="accent2"/>
+                </a:solidFill>
+                <a:latin typeface="Oswald"/>
+                <a:ea typeface="Calibri"/>
+                <a:cs typeface="Calibri"/>
+                <a:sym typeface="Oswald"/>
+              </a:rPr>
+              <a:t>Technologist</a:t>
+            </a:r>
+            <a:br>
+              <a:rPr lang="en" sz="1200" b="1" i="0" u="none" strike="noStrike" cap="none" dirty="0">
+                <a:solidFill>
+                  <a:srgbClr val="00A6B7"/>
                 </a:solidFill>
                 <a:latin typeface="Calibri"/>
                 <a:ea typeface="Calibri"/>
                 <a:cs typeface="Calibri"/>
                 <a:sym typeface="Calibri"/>
               </a:rPr>
-              <a:t>Associate</a:t>
+            </a:br>
+            <a:endParaRPr sz="1200" b="0" i="0" u="none" strike="noStrike" cap="none" dirty="0">
+              <a:solidFill>
+                <a:schemeClr val="dk1"/>
+              </a:solidFill>
+              <a:latin typeface="Calibri"/>
+              <a:ea typeface="Calibri"/>
+              <a:cs typeface="Calibri"/>
+              <a:sym typeface="Calibri"/>
+            </a:endParaRPr>
+          </a:p>
+        </p:txBody>
+      </p:sp>
+      <p:sp>
+        <p:nvSpPr>
+          <p:cNvPr id="117" name="Google Shape;117;p18"/>
+          <p:cNvSpPr/>
+          <p:nvPr/>
+        </p:nvSpPr>
+        <p:spPr>
+          <a:xfrm>
+            <a:off x="2357962" y="2682335"/>
+            <a:ext cx="1171169" cy="401763"/>
+          </a:xfrm>
+          <a:prstGeom prst="rect">
+            <a:avLst/>
+          </a:prstGeom>
+          <a:noFill/>
+          <a:ln>
+            <a:noFill/>
+          </a:ln>
+        </p:spPr>
+        <p:txBody>
+          <a:bodyPr spcFirstLastPara="1" wrap="square" lIns="68575" tIns="34275" rIns="68575" bIns="34275" anchor="t" anchorCtr="0">
+            <a:noAutofit/>
+          </a:bodyPr>
+          <a:lstStyle/>
+          <a:p>
+            <a:pPr marL="0" marR="0" lvl="0" indent="0" algn="ctr" rtl="0">
+              <a:spcBef>
+                <a:spcPts val="0"/>
+              </a:spcBef>
+              <a:spcAft>
+                <a:spcPts val="0"/>
+              </a:spcAft>
+              <a:buNone/>
+            </a:pPr>
+            <a:r>
+              <a:rPr lang="en" sz="1200" b="0" i="0" u="none" strike="noStrike" cap="none" dirty="0">
+                <a:solidFill>
+                  <a:schemeClr val="accent2"/>
+                </a:solidFill>
+                <a:latin typeface="Oswald"/>
+                <a:ea typeface="Oswald"/>
+                <a:cs typeface="Oswald"/>
+                <a:sym typeface="Oswald"/>
+              </a:rPr>
+              <a:t>CHRIS MICKEY</a:t>
             </a:r>
-            <a:endParaRPr sz="1100"/>
           </a:p>
           <a:p>
-            <a:pPr indent="0" lvl="0" marL="0" marR="0" rtl="0" algn="ctr">
+            <a:pPr marL="0" marR="0" lvl="0" indent="0" algn="ctr" rtl="0">
               <a:spcBef>
                 <a:spcPts val="0"/>
               </a:spcBef>
@@ -11447,18 +11832,121 @@
               <a:buNone/>
             </a:pPr>
             <a:r>
-              <a:rPr b="0" i="1" lang="en" sz="1200" u="none" cap="none" strike="noStrike">
+              <a:rPr lang="en" sz="1200" dirty="0">
                 <a:solidFill>
-                  <a:srgbClr val="7F7F7F"/>
+                  <a:schemeClr val="accent2"/>
+                </a:solidFill>
+                <a:latin typeface="Oswald"/>
+                <a:ea typeface="Calibri"/>
+                <a:cs typeface="Calibri"/>
+                <a:sym typeface="Oswald"/>
+              </a:rPr>
+              <a:t>Staff Technologist</a:t>
+            </a:r>
+            <a:br>
+              <a:rPr lang="en" sz="1200" b="1" i="0" u="none" strike="noStrike" cap="none" dirty="0">
+                <a:solidFill>
+                  <a:srgbClr val="00A6B7"/>
                 </a:solidFill>
                 <a:latin typeface="Calibri"/>
                 <a:ea typeface="Calibri"/>
                 <a:cs typeface="Calibri"/>
                 <a:sym typeface="Calibri"/>
               </a:rPr>
-              <a:t>Digital Programs</a:t>
+            </a:br>
+            <a:endParaRPr sz="1200" b="0" i="0" u="none" strike="noStrike" cap="none" dirty="0">
+              <a:solidFill>
+                <a:schemeClr val="dk1"/>
+              </a:solidFill>
+              <a:latin typeface="Calibri"/>
+              <a:ea typeface="Calibri"/>
+              <a:cs typeface="Calibri"/>
+              <a:sym typeface="Calibri"/>
+            </a:endParaRPr>
+          </a:p>
+        </p:txBody>
+      </p:sp>
+      <p:sp>
+        <p:nvSpPr>
+          <p:cNvPr id="120" name="Google Shape;120;p18"/>
+          <p:cNvSpPr/>
+          <p:nvPr/>
+        </p:nvSpPr>
+        <p:spPr>
+          <a:xfrm>
+            <a:off x="551757" y="2682335"/>
+            <a:ext cx="1367264" cy="387415"/>
+          </a:xfrm>
+          <a:prstGeom prst="rect">
+            <a:avLst/>
+          </a:prstGeom>
+          <a:noFill/>
+          <a:ln>
+            <a:noFill/>
+          </a:ln>
+        </p:spPr>
+        <p:txBody>
+          <a:bodyPr spcFirstLastPara="1" wrap="square" lIns="68575" tIns="34275" rIns="68575" bIns="34275" anchor="t" anchorCtr="0">
+            <a:noAutofit/>
+          </a:bodyPr>
+          <a:lstStyle/>
+          <a:p>
+            <a:pPr marL="0" marR="0" lvl="0" indent="0" algn="ctr" rtl="0">
+              <a:spcBef>
+                <a:spcPts val="0"/>
+              </a:spcBef>
+              <a:spcAft>
+                <a:spcPts val="0"/>
+              </a:spcAft>
+              <a:buNone/>
+            </a:pPr>
+            <a:r>
+              <a:rPr lang="en" sz="1200" b="0" i="0" u="none" strike="noStrike" cap="none" dirty="0">
+                <a:solidFill>
+                  <a:schemeClr val="accent2"/>
+                </a:solidFill>
+                <a:latin typeface="Oswald"/>
+                <a:ea typeface="Oswald"/>
+                <a:cs typeface="Oswald"/>
+                <a:sym typeface="Oswald"/>
+              </a:rPr>
+              <a:t>ANJELIQUE BUTLER</a:t>
             </a:r>
-            <a:endParaRPr b="0" i="0" sz="1200" u="none" cap="none" strike="noStrike">
+          </a:p>
+          <a:p>
+            <a:pPr marL="0" marR="0" lvl="0" indent="0" algn="ctr" rtl="0">
+              <a:spcBef>
+                <a:spcPts val="0"/>
+              </a:spcBef>
+              <a:spcAft>
+                <a:spcPts val="0"/>
+              </a:spcAft>
+              <a:buNone/>
+            </a:pPr>
+            <a:r>
+              <a:rPr lang="en" sz="1200" dirty="0">
+                <a:solidFill>
+                  <a:schemeClr val="accent2"/>
+                </a:solidFill>
+                <a:latin typeface="Oswald"/>
+                <a:ea typeface="Calibri"/>
+                <a:cs typeface="Calibri"/>
+                <a:sym typeface="Oswald"/>
+              </a:rPr>
+              <a:t>Staff Technologist</a:t>
+            </a:r>
+            <a:br>
+              <a:rPr lang="en" sz="1200" b="1" i="0" u="none" strike="noStrike" cap="none" dirty="0">
+                <a:solidFill>
+                  <a:srgbClr val="00A6B7"/>
+                </a:solidFill>
+                <a:latin typeface="Calibri"/>
+                <a:ea typeface="Calibri"/>
+                <a:cs typeface="Calibri"/>
+                <a:sym typeface="Calibri"/>
+              </a:rPr>
+            </a:br>
+            <a:endParaRPr sz="1200" b="0" i="0" u="none" strike="noStrike" cap="none" dirty="0">
               <a:solidFill>
                 <a:schemeClr val="dk1"/>
               </a:solidFill>
@@ -11472,21 +11960,22 @@
       </p:sp>
       <p:pic>
         <p:nvPicPr>
-          <p:cNvPr id="114" name="Google Shape;114;p18"/>
+          <p:cNvPr id="122" name="Google Shape;122;p18"/>
           <p:cNvPicPr preferRelativeResize="0"/>
           <p:nvPr/>
         </p:nvPicPr>
-        <p:blipFill rotWithShape="1">
-          <a:blip r:embed="rId4">
+        <p:blipFill>
+          <a:blip r:embed="rId3">
             <a:alphaModFix/>
           </a:blip>
-          <a:srcRect b="0" l="9138" r="20766" t="0"/>
-          <a:stretch/>
+          <a:stretch>
+            <a:fillRect/>
+          </a:stretch>
         </p:blipFill>
         <p:spPr>
-          <a:xfrm rot="5400000">
-            <a:off x="7106971" y="1855769"/>
-            <a:ext cx="1338323" cy="1431963"/>
+          <a:xfrm>
+            <a:off x="0" y="4914275"/>
+            <a:ext cx="1300150" cy="188425"/>
           </a:xfrm>
           <a:prstGeom prst="rect">
             <a:avLst/>
@@ -11495,25 +11984,26 @@
           <a:ln>
             <a:noFill/>
           </a:ln>
-          <a:effectLst>
-            <a:outerShdw blurRad="190500" rotWithShape="0" algn="tl">
-              <a:srgbClr val="000000">
-                <a:alpha val="69803"/>
-              </a:srgbClr>
-            </a:outerShdw>
-          </a:effectLst>
         </p:spPr>
       </p:pic>
-      <p:sp>
-        <p:nvSpPr>
-          <p:cNvPr id="115" name="Google Shape;115;p18"/>
-          <p:cNvSpPr/>
+      <p:pic>
+        <p:nvPicPr>
+          <p:cNvPr id="123" name="Google Shape;123;p18"/>
+          <p:cNvPicPr preferRelativeResize="0"/>
           <p:nvPr/>
-        </p:nvSpPr>
-        <p:spPr>
-          <a:xfrm>
-            <a:off x="6706282" y="3634042"/>
-            <a:ext cx="2139701" cy="646330"/>
+        </p:nvPicPr>
+        <p:blipFill>
+          <a:blip r:embed="rId4">
+            <a:alphaModFix/>
+          </a:blip>
+          <a:stretch>
+            <a:fillRect/>
+          </a:stretch>
+        </p:blipFill>
+        <p:spPr>
+          <a:xfrm>
+            <a:off x="7414725" y="186050"/>
+            <a:ext cx="1563800" cy="432475"/>
           </a:xfrm>
           <a:prstGeom prst="rect">
             <a:avLst/>
@@ -11523,13 +12013,71 @@
             <a:noFill/>
           </a:ln>
         </p:spPr>
+      </p:pic>
+      <p:cxnSp>
+        <p:nvCxnSpPr>
+          <p:cNvPr id="19" name="Google Shape;116;p18">
+            <a:extLst>
+              <a:ext uri="{FF2B5EF4-FFF2-40B4-BE49-F238E27FC236}">
+                <a16:creationId xmlns:a16="http://schemas.microsoft.com/office/drawing/2014/main" id="{35FD230D-FC64-4500-BA80-673EC9347123}"/>
+              </a:ext>
+            </a:extLst>
+          </p:cNvPr>
+          <p:cNvCxnSpPr/>
+          <p:nvPr/>
+        </p:nvCxnSpPr>
+        <p:spPr>
+          <a:xfrm>
+            <a:off x="7318499" y="1126061"/>
+            <a:ext cx="0" cy="2131489"/>
+          </a:xfrm>
+          <a:prstGeom prst="straightConnector1">
+            <a:avLst/>
+          </a:prstGeom>
+          <a:noFill/>
+          <a:ln w="9525" cap="flat" cmpd="sng">
+            <a:solidFill>
+              <a:schemeClr val="accent2"/>
+            </a:solidFill>
+            <a:prstDash val="solid"/>
+            <a:miter lim="800000"/>
+            <a:headEnd type="none" w="sm" len="sm"/>
+            <a:tailEnd type="none" w="sm" len="sm"/>
+          </a:ln>
+        </p:spPr>
+      </p:cxnSp>
+      <p:sp>
+        <p:nvSpPr>
+          <p:cNvPr id="21" name="Google Shape;115;p18">
+            <a:extLst>
+              <a:ext uri="{FF2B5EF4-FFF2-40B4-BE49-F238E27FC236}">
+                <a16:creationId xmlns:a16="http://schemas.microsoft.com/office/drawing/2014/main" id="{9AA96D84-2BD6-4B72-AAE2-7AC3F9B20C78}"/>
+              </a:ext>
+            </a:extLst>
+          </p:cNvPr>
+          <p:cNvSpPr/>
+          <p:nvPr/>
+        </p:nvSpPr>
+        <p:spPr>
+          <a:xfrm>
+            <a:off x="7258050" y="2672603"/>
+            <a:ext cx="1730054" cy="401763"/>
+          </a:xfrm>
+          <a:prstGeom prst="rect">
+            <a:avLst/>
+          </a:prstGeom>
+          <a:noFill/>
+          <a:ln>
+            <a:noFill/>
+          </a:ln>
+        </p:spPr>
         <p:txBody>
-          <a:bodyPr anchorCtr="0" anchor="t" bIns="34275" lIns="68575" spcFirstLastPara="1" rIns="68575" wrap="square" tIns="34275">
+          <a:bodyPr spcFirstLastPara="1" wrap="square" lIns="68575" tIns="34275" rIns="68575" bIns="34275" anchor="t" anchorCtr="0">
             <a:noAutofit/>
           </a:bodyPr>
           <a:lstStyle/>
           <a:p>
-            <a:pPr indent="0" lvl="0" marL="0" marR="0" rtl="0" algn="ctr">
+            <a:pPr marL="0" marR="0" lvl="0" indent="0" algn="ctr" rtl="0">
               <a:spcBef>
                 <a:spcPts val="0"/>
               </a:spcBef>
@@ -11539,7 +12087,7 @@
               <a:buNone/>
             </a:pPr>
             <a:r>
-              <a:rPr b="0" i="0" lang="en" sz="1200" u="none" cap="none" strike="noStrike">
+              <a:rPr lang="en" sz="1200" b="0" i="0" u="none" strike="noStrike" cap="none" dirty="0">
                 <a:solidFill>
                   <a:schemeClr val="accent2"/>
                 </a:solidFill>
@@ -11548,10 +12096,33 @@
                 <a:cs typeface="Oswald"/>
                 <a:sym typeface="Oswald"/>
               </a:rPr>
-              <a:t>SCOTT CORMACK</a:t>
+              <a:t>SARAH GRIMM</a:t>
+            </a:r>
+          </a:p>
+          <a:p>
+            <a:pPr marL="0" marR="0" lvl="0" indent="0" algn="ctr" rtl="0">
+              <a:spcBef>
+                <a:spcPts val="0"/>
+              </a:spcBef>
+              <a:spcAft>
+                <a:spcPts val="0"/>
+              </a:spcAft>
+              <a:buNone/>
+            </a:pPr>
+            <a:r>
+              <a:rPr lang="en" sz="1200" dirty="0">
+                <a:solidFill>
+                  <a:schemeClr val="accent2"/>
+                </a:solidFill>
+                <a:latin typeface="Oswald"/>
+                <a:ea typeface="Calibri"/>
+                <a:cs typeface="Calibri"/>
+                <a:sym typeface="Oswald"/>
+              </a:rPr>
+              <a:t>Technologist</a:t>
             </a:r>
             <a:br>
-              <a:rPr b="1" i="0" lang="en" sz="1200" u="none" cap="none" strike="noStrike">
+              <a:rPr lang="en" sz="1200" b="1" i="0" u="none" strike="noStrike" cap="none" dirty="0">
                 <a:solidFill>
                   <a:srgbClr val="00A6B7"/>
                 </a:solidFill>
@@ -11561,174 +12132,7 @@
                 <a:sym typeface="Calibri"/>
               </a:rPr>
             </a:br>
-            <a:r>
-              <a:rPr b="0" i="1" lang="en" sz="1200" u="none" cap="none" strike="noStrike">
-                <a:solidFill>
-                  <a:srgbClr val="7F7F7F"/>
-                </a:solidFill>
-                <a:latin typeface="Calibri"/>
-                <a:ea typeface="Calibri"/>
-                <a:cs typeface="Calibri"/>
-                <a:sym typeface="Calibri"/>
-              </a:rPr>
-              <a:t>Senior Consultant</a:t>
-            </a:r>
-            <a:endParaRPr sz="1100"/>
-          </a:p>
-          <a:p>
-            <a:pPr indent="0" lvl="0" marL="0" marR="0" rtl="0" algn="ctr">
-              <a:spcBef>
-                <a:spcPts val="0"/>
-              </a:spcBef>
-              <a:spcAft>
-                <a:spcPts val="0"/>
-              </a:spcAft>
-              <a:buNone/>
-            </a:pPr>
-            <a:r>
-              <a:rPr b="0" i="1" lang="en" sz="1200" u="none" cap="none" strike="noStrike">
-                <a:solidFill>
-                  <a:srgbClr val="7F7F7F"/>
-                </a:solidFill>
-                <a:latin typeface="Calibri"/>
-                <a:ea typeface="Calibri"/>
-                <a:cs typeface="Calibri"/>
-                <a:sym typeface="Calibri"/>
-              </a:rPr>
-              <a:t>Digital Programs</a:t>
-            </a:r>
-            <a:endParaRPr b="0" i="0" sz="1200" u="none" cap="none" strike="noStrike">
-              <a:solidFill>
-                <a:schemeClr val="dk1"/>
-              </a:solidFill>
-              <a:latin typeface="Calibri"/>
-              <a:ea typeface="Calibri"/>
-              <a:cs typeface="Calibri"/>
-              <a:sym typeface="Calibri"/>
-            </a:endParaRPr>
-          </a:p>
-        </p:txBody>
-      </p:sp>
-      <p:cxnSp>
-        <p:nvCxnSpPr>
-          <p:cNvPr id="116" name="Google Shape;116;p18"/>
-          <p:cNvCxnSpPr/>
-          <p:nvPr/>
-        </p:nvCxnSpPr>
-        <p:spPr>
-          <a:xfrm>
-            <a:off x="6807543" y="1118917"/>
-            <a:ext cx="0" cy="3429000"/>
-          </a:xfrm>
-          <a:prstGeom prst="straightConnector1">
-            <a:avLst/>
-          </a:prstGeom>
-          <a:noFill/>
-          <a:ln cap="flat" cmpd="sng" w="9525">
-            <a:solidFill>
-              <a:schemeClr val="accent2"/>
-            </a:solidFill>
-            <a:prstDash val="solid"/>
-            <a:miter lim="800000"/>
-            <a:headEnd len="sm" w="sm" type="none"/>
-            <a:tailEnd len="sm" w="sm" type="none"/>
-          </a:ln>
-        </p:spPr>
-      </p:cxnSp>
-      <p:sp>
-        <p:nvSpPr>
-          <p:cNvPr id="117" name="Google Shape;117;p18"/>
-          <p:cNvSpPr/>
-          <p:nvPr/>
-        </p:nvSpPr>
-        <p:spPr>
-          <a:xfrm>
-            <a:off x="2785639" y="3634042"/>
-            <a:ext cx="1448481" cy="646330"/>
-          </a:xfrm>
-          <a:prstGeom prst="rect">
-            <a:avLst/>
-          </a:prstGeom>
-          <a:noFill/>
-          <a:ln>
-            <a:noFill/>
-          </a:ln>
-        </p:spPr>
-        <p:txBody>
-          <a:bodyPr anchorCtr="0" anchor="t" bIns="34275" lIns="68575" spcFirstLastPara="1" rIns="68575" wrap="square" tIns="34275">
-            <a:noAutofit/>
-          </a:bodyPr>
-          <a:lstStyle/>
-          <a:p>
-            <a:pPr indent="0" lvl="0" marL="0" marR="0" rtl="0" algn="ctr">
-              <a:spcBef>
-                <a:spcPts val="0"/>
-              </a:spcBef>
-              <a:spcAft>
-                <a:spcPts val="0"/>
-              </a:spcAft>
-              <a:buNone/>
-            </a:pPr>
-            <a:r>
-              <a:rPr b="0" i="0" lang="en" sz="1200" u="none" cap="none" strike="noStrike">
-                <a:solidFill>
-                  <a:schemeClr val="accent2"/>
-                </a:solidFill>
-                <a:latin typeface="Oswald"/>
-                <a:ea typeface="Oswald"/>
-                <a:cs typeface="Oswald"/>
-                <a:sym typeface="Oswald"/>
-              </a:rPr>
-              <a:t>JAMIE HILL</a:t>
-            </a:r>
-            <a:br>
-              <a:rPr b="1" i="0" lang="en" sz="1200" u="none" cap="none" strike="noStrike">
-                <a:solidFill>
-                  <a:srgbClr val="00A6B7"/>
-                </a:solidFill>
-                <a:latin typeface="Calibri"/>
-                <a:ea typeface="Calibri"/>
-                <a:cs typeface="Calibri"/>
-                <a:sym typeface="Calibri"/>
-              </a:rPr>
-            </a:br>
-            <a:r>
-              <a:rPr b="0" i="1" lang="en" sz="1200" u="none" cap="none" strike="noStrike">
-                <a:solidFill>
-                  <a:srgbClr val="7F7F7F"/>
-                </a:solidFill>
-                <a:latin typeface="Calibri"/>
-                <a:ea typeface="Calibri"/>
-                <a:cs typeface="Calibri"/>
-                <a:sym typeface="Calibri"/>
-              </a:rPr>
-              <a:t>Lead Associate</a:t>
-            </a:r>
-            <a:endParaRPr sz="1100"/>
-          </a:p>
-          <a:p>
-            <a:pPr indent="0" lvl="0" marL="0" marR="0" rtl="0" algn="ctr">
-              <a:spcBef>
-                <a:spcPts val="0"/>
-              </a:spcBef>
-              <a:spcAft>
-                <a:spcPts val="0"/>
-              </a:spcAft>
-              <a:buNone/>
-            </a:pPr>
-            <a:r>
-              <a:rPr b="0" i="1" lang="en" sz="1200" u="none" cap="none" strike="noStrike">
-                <a:solidFill>
-                  <a:srgbClr val="7F7F7F"/>
-                </a:solidFill>
-                <a:latin typeface="Calibri"/>
-                <a:ea typeface="Calibri"/>
-                <a:cs typeface="Calibri"/>
-                <a:sym typeface="Calibri"/>
-              </a:rPr>
-              <a:t>Program Manager</a:t>
-            </a:r>
-            <a:endParaRPr b="0" i="0" sz="1200" u="none" cap="none" strike="noStrike">
+            <a:endParaRPr sz="1200" b="0" i="0" u="none" strike="noStrike" cap="none" dirty="0">
               <a:solidFill>
                 <a:schemeClr val="dk1"/>
               </a:solidFill>
@@ -11742,251 +12146,89 @@
       </p:sp>
       <p:pic>
         <p:nvPicPr>
-          <p:cNvPr id="118" name="Google Shape;118;p18"/>
-          <p:cNvPicPr preferRelativeResize="0"/>
+          <p:cNvPr id="5" name="Picture 4" descr="A person with a mustache&#10;&#10;Description automatically generated with medium confidence">
+            <a:extLst>
+              <a:ext uri="{FF2B5EF4-FFF2-40B4-BE49-F238E27FC236}">
+                <a16:creationId xmlns:a16="http://schemas.microsoft.com/office/drawing/2014/main" id="{580B79AC-F4E8-493C-8A61-D6E2F42414F8}"/>
+              </a:ext>
+            </a:extLst>
+          </p:cNvPr>
+          <p:cNvPicPr>
+            <a:picLocks noChangeAspect="1"/>
+          </p:cNvPicPr>
           <p:nvPr/>
         </p:nvPicPr>
         <p:blipFill rotWithShape="1">
-          <a:blip r:embed="rId5">
-            <a:alphaModFix/>
-          </a:blip>
-          <a:srcRect b="0" l="0" r="0" t="0"/>
+          <a:blip r:embed="rId5"/>
+          <a:srcRect t="15562"/>
           <a:stretch/>
         </p:blipFill>
         <p:spPr>
           <a:xfrm>
-            <a:off x="2857751" y="1875470"/>
-            <a:ext cx="1365441" cy="1365441"/>
+            <a:off x="2492126" y="1314449"/>
+            <a:ext cx="868704" cy="1113781"/>
           </a:xfrm>
           <a:prstGeom prst="rect">
             <a:avLst/>
           </a:prstGeom>
-          <a:noFill/>
-          <a:ln>
-            <a:noFill/>
-          </a:ln>
-          <a:effectLst>
-            <a:outerShdw blurRad="190500" rotWithShape="0" algn="tl">
-              <a:srgbClr val="000000">
-                <a:alpha val="69803"/>
-              </a:srgbClr>
-            </a:outerShdw>
-          </a:effectLst>
-        </p:spPr>
-      </p:pic>
-      <p:cxnSp>
-        <p:nvCxnSpPr>
-          <p:cNvPr id="119" name="Google Shape;119;p18"/>
-          <p:cNvCxnSpPr/>
-          <p:nvPr/>
-        </p:nvCxnSpPr>
-        <p:spPr>
-          <a:xfrm>
-            <a:off x="2447760" y="1118917"/>
-            <a:ext cx="0" cy="3429000"/>
-          </a:xfrm>
-          <a:prstGeom prst="straightConnector1">
-            <a:avLst/>
-          </a:prstGeom>
-          <a:noFill/>
-          <a:ln cap="flat" cmpd="sng" w="9525">
-            <a:solidFill>
-              <a:schemeClr val="accent2"/>
-            </a:solidFill>
-            <a:prstDash val="solid"/>
-            <a:miter lim="800000"/>
-            <a:headEnd len="sm" w="sm" type="none"/>
-            <a:tailEnd len="sm" w="sm" type="none"/>
-          </a:ln>
-        </p:spPr>
-      </p:cxnSp>
-      <p:sp>
-        <p:nvSpPr>
-          <p:cNvPr id="120" name="Google Shape;120;p18"/>
-          <p:cNvSpPr/>
-          <p:nvPr/>
-        </p:nvSpPr>
-        <p:spPr>
-          <a:xfrm>
-            <a:off x="551756" y="3634042"/>
-            <a:ext cx="1691009" cy="623248"/>
-          </a:xfrm>
-          <a:prstGeom prst="rect">
-            <a:avLst/>
-          </a:prstGeom>
-          <a:noFill/>
-          <a:ln>
-            <a:noFill/>
-          </a:ln>
-        </p:spPr>
-        <p:txBody>
-          <a:bodyPr anchorCtr="0" anchor="t" bIns="34275" lIns="68575" spcFirstLastPara="1" rIns="68575" wrap="square" tIns="34275">
-            <a:noAutofit/>
-          </a:bodyPr>
-          <a:lstStyle/>
-          <a:p>
-            <a:pPr indent="0" lvl="0" marL="0" marR="0" rtl="0" algn="ctr">
-              <a:spcBef>
-                <a:spcPts val="0"/>
-              </a:spcBef>
-              <a:spcAft>
-                <a:spcPts val="0"/>
-              </a:spcAft>
-              <a:buNone/>
-            </a:pPr>
-            <a:r>
-              <a:rPr b="0" i="0" lang="en" sz="1200" u="none" cap="none" strike="noStrike">
-                <a:solidFill>
-                  <a:schemeClr val="accent2"/>
-                </a:solidFill>
-                <a:latin typeface="Oswald"/>
-                <a:ea typeface="Oswald"/>
-                <a:cs typeface="Oswald"/>
-                <a:sym typeface="Oswald"/>
-              </a:rPr>
-              <a:t>MICHAEL FORRESTER</a:t>
-            </a:r>
-            <a:br>
-              <a:rPr b="1" i="0" lang="en" sz="1200" u="none" cap="none" strike="noStrike">
-                <a:solidFill>
-                  <a:srgbClr val="00A6B7"/>
-                </a:solidFill>
-                <a:latin typeface="Calibri"/>
-                <a:ea typeface="Calibri"/>
-                <a:cs typeface="Calibri"/>
-                <a:sym typeface="Calibri"/>
-              </a:rPr>
-            </a:br>
-            <a:r>
-              <a:rPr b="0" i="1" lang="en" sz="1200" u="none" cap="none" strike="noStrike">
-                <a:solidFill>
-                  <a:srgbClr val="7F7F7F"/>
-                </a:solidFill>
-                <a:latin typeface="Calibri"/>
-                <a:ea typeface="Calibri"/>
-                <a:cs typeface="Calibri"/>
-                <a:sym typeface="Calibri"/>
-              </a:rPr>
-              <a:t>Senior Technical Trainer</a:t>
-            </a:r>
-            <a:endParaRPr sz="1100"/>
-          </a:p>
-          <a:p>
-            <a:pPr indent="0" lvl="0" marL="0" marR="0" rtl="0" algn="ctr">
-              <a:spcBef>
-                <a:spcPts val="0"/>
-              </a:spcBef>
-              <a:spcAft>
-                <a:spcPts val="0"/>
-              </a:spcAft>
-              <a:buNone/>
-            </a:pPr>
-            <a:r>
-              <a:rPr b="0" i="1" lang="en" sz="1200" u="none" cap="none" strike="noStrike">
-                <a:solidFill>
-                  <a:srgbClr val="7F7F7F"/>
-                </a:solidFill>
-                <a:latin typeface="Calibri"/>
-                <a:ea typeface="Calibri"/>
-                <a:cs typeface="Calibri"/>
-                <a:sym typeface="Calibri"/>
-              </a:rPr>
-              <a:t>Web Age Solutions</a:t>
-            </a:r>
-            <a:endParaRPr b="0" i="0" sz="1200" u="none" cap="none" strike="noStrike">
-              <a:solidFill>
-                <a:schemeClr val="dk1"/>
-              </a:solidFill>
-              <a:latin typeface="Calibri"/>
-              <a:ea typeface="Calibri"/>
-              <a:cs typeface="Calibri"/>
-              <a:sym typeface="Calibri"/>
-            </a:endParaRPr>
-          </a:p>
-        </p:txBody>
-      </p:sp>
-      <p:pic>
-        <p:nvPicPr>
-          <p:cNvPr id="121" name="Google Shape;121;p18"/>
-          <p:cNvPicPr preferRelativeResize="0"/>
-          <p:nvPr/>
-        </p:nvPicPr>
-        <p:blipFill>
-          <a:blip r:embed="rId6">
-            <a:alphaModFix/>
-          </a:blip>
-          <a:stretch>
-            <a:fillRect/>
-          </a:stretch>
-        </p:blipFill>
-        <p:spPr>
-          <a:xfrm>
-            <a:off x="850572" y="1889025"/>
-            <a:ext cx="1093378" cy="1338300"/>
-          </a:xfrm>
-          <a:prstGeom prst="rect">
-            <a:avLst/>
-          </a:prstGeom>
-          <a:noFill/>
-          <a:ln>
-            <a:noFill/>
-          </a:ln>
         </p:spPr>
       </p:pic>
       <p:pic>
         <p:nvPicPr>
-          <p:cNvPr id="122" name="Google Shape;122;p18"/>
-          <p:cNvPicPr preferRelativeResize="0"/>
+          <p:cNvPr id="6" name="Picture 5">
+            <a:extLst>
+              <a:ext uri="{FF2B5EF4-FFF2-40B4-BE49-F238E27FC236}">
+                <a16:creationId xmlns:a16="http://schemas.microsoft.com/office/drawing/2014/main" id="{D583EF4E-314E-487F-BA9E-97A29043D389}"/>
+              </a:ext>
+            </a:extLst>
+          </p:cNvPr>
+          <p:cNvPicPr>
+            <a:picLocks noChangeAspect="1"/>
+          </p:cNvPicPr>
           <p:nvPr/>
         </p:nvPicPr>
-        <p:blipFill>
-          <a:blip r:embed="rId7">
-            <a:alphaModFix/>
-          </a:blip>
-          <a:stretch>
-            <a:fillRect/>
-          </a:stretch>
+        <p:blipFill rotWithShape="1">
+          <a:blip r:embed="rId6"/>
+          <a:srcRect l="18237" r="19318"/>
+          <a:stretch/>
         </p:blipFill>
         <p:spPr>
           <a:xfrm>
-            <a:off x="0" y="4914275"/>
-            <a:ext cx="1300150" cy="188425"/>
+            <a:off x="6010321" y="1307197"/>
+            <a:ext cx="868704" cy="1114215"/>
           </a:xfrm>
           <a:prstGeom prst="rect">
             <a:avLst/>
           </a:prstGeom>
-          <a:noFill/>
-          <a:ln>
-            <a:noFill/>
-          </a:ln>
         </p:spPr>
       </p:pic>
       <p:pic>
         <p:nvPicPr>
-          <p:cNvPr id="123" name="Google Shape;123;p18"/>
-          <p:cNvPicPr preferRelativeResize="0"/>
+          <p:cNvPr id="10" name="Picture 9" descr="A person smiling for the camera&#10;&#10;Description automatically generated with low confidence">
+            <a:extLst>
+              <a:ext uri="{FF2B5EF4-FFF2-40B4-BE49-F238E27FC236}">
+                <a16:creationId xmlns:a16="http://schemas.microsoft.com/office/drawing/2014/main" id="{87C3A243-15E7-4658-9278-A33296FBCF7F}"/>
+              </a:ext>
+            </a:extLst>
+          </p:cNvPr>
+          <p:cNvPicPr>
+            <a:picLocks noChangeAspect="1"/>
+          </p:cNvPicPr>
           <p:nvPr/>
         </p:nvPicPr>
-        <p:blipFill>
-          <a:blip r:embed="rId8">
-            <a:alphaModFix/>
-          </a:blip>
-          <a:stretch>
-            <a:fillRect/>
-          </a:stretch>
+        <p:blipFill rotWithShape="1">
+          <a:blip r:embed="rId7"/>
+          <a:srcRect t="14524"/>
+          <a:stretch/>
         </p:blipFill>
         <p:spPr>
           <a:xfrm>
-            <a:off x="7414725" y="186050"/>
-            <a:ext cx="1563800" cy="432475"/>
+            <a:off x="7691543" y="1314449"/>
+            <a:ext cx="863067" cy="1114215"/>
           </a:xfrm>
           <a:prstGeom prst="rect">
             <a:avLst/>
           </a:prstGeom>
-          <a:noFill/>
-          <a:ln>
-            <a:noFill/>
-          </a:ln>
         </p:spPr>
       </p:pic>
     </p:spTree>
@@ -11998,11 +12240,11 @@
 </file>
 
 <file path=ppt/slides/slide4.xml><?xml version="1.0" encoding="utf-8"?>
-<p:sld xmlns:a="http://schemas.openxmlformats.org/drawingml/2006/main" xmlns:r="http://schemas.openxmlformats.org/officeDocument/2006/relationships" xmlns:mc="http://schemas.openxmlformats.org/markup-compatibility/2006" xmlns:mv="urn:schemas-microsoft-com:mac:vml" xmlns:p="http://schemas.openxmlformats.org/presentationml/2006/main" xmlns:c="http://schemas.openxmlformats.org/drawingml/2006/chart" xmlns:dgm="http://schemas.openxmlformats.org/drawingml/2006/diagram" xmlns:o="urn:schemas-microsoft-com:office:office" xmlns:v="urn:schemas-microsoft-com:vml" xmlns:pvml="urn:schemas-microsoft-com:office:powerpoint" xmlns:com="http://schemas.openxmlformats.org/drawingml/2006/compatibility" xmlns:p14="http://schemas.microsoft.com/office/powerpoint/2010/main" xmlns:p15="http://schemas.microsoft.com/office/powerpoint/2012/main" xmlns:ahyp="http://schemas.microsoft.com/office/drawing/2018/hyperlinkcolor">
+<p:sld xmlns:a="http://schemas.openxmlformats.org/drawingml/2006/main" xmlns:r="http://schemas.openxmlformats.org/officeDocument/2006/relationships" xmlns:p="http://schemas.openxmlformats.org/presentationml/2006/main">
   <p:cSld>
     <p:spTree>
       <p:nvGrpSpPr>
-        <p:cNvPr id="127" name="Shape 127"/>
+        <p:cNvPr id="1" name="Shape 127"/>
         <p:cNvGrpSpPr/>
         <p:nvPr/>
       </p:nvGrpSpPr>
@@ -12017,7 +12259,9 @@
       <p:sp>
         <p:nvSpPr>
           <p:cNvPr id="128" name="Google Shape;128;p19"/>
-          <p:cNvSpPr txBox="1"/>
+          <p:cNvSpPr txBox="1">
+            <a:spLocks noGrp="1"/>
+          </p:cNvSpPr>
           <p:nvPr>
             <p:ph type="title"/>
           </p:nvPr>
@@ -12032,12 +12276,12 @@
           </a:prstGeom>
         </p:spPr>
         <p:txBody>
-          <a:bodyPr anchorCtr="0" anchor="b" bIns="91425" lIns="91425" spcFirstLastPara="1" rIns="91425" wrap="square" tIns="91425">
+          <a:bodyPr spcFirstLastPara="1" wrap="square" lIns="91425" tIns="91425" rIns="91425" bIns="91425" anchor="b" anchorCtr="0">
             <a:noAutofit/>
           </a:bodyPr>
           <a:lstStyle/>
           <a:p>
-            <a:pPr indent="0" lvl="0" marL="0" rtl="0" algn="ctr">
+            <a:pPr marL="0" lvl="0" indent="0" algn="ctr" rtl="0">
               <a:spcBef>
                 <a:spcPts val="0"/>
               </a:spcBef>
@@ -12057,9 +12301,11 @@
       <p:sp>
         <p:nvSpPr>
           <p:cNvPr id="129" name="Google Shape;129;p19"/>
-          <p:cNvSpPr txBox="1"/>
+          <p:cNvSpPr txBox="1">
+            <a:spLocks noGrp="1"/>
+          </p:cNvSpPr>
           <p:nvPr>
-            <p:ph idx="1" type="subTitle"/>
+            <p:ph type="subTitle" idx="1"/>
           </p:nvPr>
         </p:nvSpPr>
         <p:spPr>
@@ -12072,12 +12318,12 @@
           </a:prstGeom>
         </p:spPr>
         <p:txBody>
-          <a:bodyPr anchorCtr="0" anchor="t" bIns="91425" lIns="91425" spcFirstLastPara="1" rIns="91425" wrap="square" tIns="91425">
+          <a:bodyPr spcFirstLastPara="1" wrap="square" lIns="91425" tIns="91425" rIns="91425" bIns="91425" anchor="t" anchorCtr="0">
             <a:noAutofit/>
           </a:bodyPr>
           <a:lstStyle/>
           <a:p>
-            <a:pPr indent="0" lvl="0" marL="0" rtl="0" algn="ctr">
+            <a:pPr marL="0" lvl="0" indent="0" algn="ctr" rtl="0">
               <a:spcBef>
                 <a:spcPts val="0"/>
               </a:spcBef>
@@ -12093,7 +12339,7 @@
             <a:endParaRPr/>
           </a:p>
           <a:p>
-            <a:pPr indent="0" lvl="0" marL="0" rtl="0" algn="ctr">
+            <a:pPr marL="0" lvl="0" indent="0" algn="ctr" rtl="0">
               <a:spcBef>
                 <a:spcPts val="0"/>
               </a:spcBef>
@@ -12102,9 +12348,6 @@
               </a:spcAft>
               <a:buNone/>
             </a:pPr>
-            <a:r>
-              <a:t/>
-            </a:r>
             <a:endParaRPr/>
           </a:p>
         </p:txBody>
@@ -12112,9 +12355,11 @@
       <p:sp>
         <p:nvSpPr>
           <p:cNvPr id="130" name="Google Shape;130;p19"/>
-          <p:cNvSpPr txBox="1"/>
+          <p:cNvSpPr txBox="1">
+            <a:spLocks noGrp="1"/>
+          </p:cNvSpPr>
           <p:nvPr>
-            <p:ph idx="2" type="body"/>
+            <p:ph type="body" idx="2"/>
           </p:nvPr>
         </p:nvSpPr>
         <p:spPr>
@@ -12127,12 +12372,12 @@
           </a:prstGeom>
         </p:spPr>
         <p:txBody>
-          <a:bodyPr anchorCtr="0" anchor="ctr" bIns="91425" lIns="91425" spcFirstLastPara="1" rIns="91425" wrap="square" tIns="91425">
+          <a:bodyPr spcFirstLastPara="1" wrap="square" lIns="91425" tIns="91425" rIns="91425" bIns="91425" anchor="ctr" anchorCtr="0">
             <a:noAutofit/>
           </a:bodyPr>
           <a:lstStyle/>
           <a:p>
-            <a:pPr indent="-317500" lvl="0" marL="457200" rtl="0" algn="l">
+            <a:pPr marL="457200" lvl="0" indent="-317500" algn="l" rtl="0">
               <a:spcBef>
                 <a:spcPts val="0"/>
               </a:spcBef>
@@ -12149,7 +12394,7 @@
             <a:endParaRPr sz="1400" u="sng"/>
           </a:p>
           <a:p>
-            <a:pPr indent="-317500" lvl="0" marL="457200" rtl="0" algn="l">
+            <a:pPr marL="457200" lvl="0" indent="-317500" algn="l" rtl="0">
               <a:spcBef>
                 <a:spcPts val="0"/>
               </a:spcBef>
@@ -12166,7 +12411,7 @@
             <a:endParaRPr sz="1400" u="sng"/>
           </a:p>
           <a:p>
-            <a:pPr indent="-317500" lvl="0" marL="457200" rtl="0" algn="l">
+            <a:pPr marL="457200" lvl="0" indent="-317500" algn="l" rtl="0">
               <a:spcBef>
                 <a:spcPts val="0"/>
               </a:spcBef>
@@ -12183,7 +12428,7 @@
             <a:endParaRPr sz="1400" u="sng"/>
           </a:p>
           <a:p>
-            <a:pPr indent="-317500" lvl="0" marL="457200" rtl="0" algn="l">
+            <a:pPr marL="457200" lvl="0" indent="-317500" algn="l" rtl="0">
               <a:spcBef>
                 <a:spcPts val="0"/>
               </a:spcBef>
@@ -12200,7 +12445,7 @@
             <a:endParaRPr sz="1400" u="sng"/>
           </a:p>
           <a:p>
-            <a:pPr indent="-317500" lvl="0" marL="457200" rtl="0" algn="l">
+            <a:pPr marL="457200" lvl="0" indent="-317500" algn="l" rtl="0">
               <a:spcBef>
                 <a:spcPts val="0"/>
               </a:spcBef>
@@ -12217,7 +12462,7 @@
             <a:endParaRPr sz="1400" u="sng"/>
           </a:p>
           <a:p>
-            <a:pPr indent="-317500" lvl="0" marL="457200" rtl="0" algn="l">
+            <a:pPr marL="457200" lvl="0" indent="-317500" algn="l" rtl="0">
               <a:spcBef>
                 <a:spcPts val="0"/>
               </a:spcBef>
@@ -12234,7 +12479,7 @@
             <a:endParaRPr sz="1400" u="sng"/>
           </a:p>
           <a:p>
-            <a:pPr indent="-317500" lvl="0" marL="457200" rtl="0" algn="l">
+            <a:pPr marL="457200" lvl="0" indent="-317500" algn="l" rtl="0">
               <a:spcBef>
                 <a:spcPts val="0"/>
               </a:spcBef>
@@ -12251,7 +12496,7 @@
             <a:endParaRPr sz="1400" u="sng"/>
           </a:p>
           <a:p>
-            <a:pPr indent="-317500" lvl="0" marL="457200" rtl="0" algn="l">
+            <a:pPr marL="457200" lvl="0" indent="-317500" algn="l" rtl="0">
               <a:spcBef>
                 <a:spcPts val="0"/>
               </a:spcBef>
@@ -12268,7 +12513,7 @@
             <a:endParaRPr sz="1400" u="sng"/>
           </a:p>
           <a:p>
-            <a:pPr indent="-317500" lvl="0" marL="457200" rtl="0" algn="l">
+            <a:pPr marL="457200" lvl="0" indent="-317500" algn="l" rtl="0">
               <a:spcBef>
                 <a:spcPts val="0"/>
               </a:spcBef>
@@ -12306,12 +12551,12 @@
           </a:ln>
         </p:spPr>
         <p:txBody>
-          <a:bodyPr anchorCtr="0" anchor="ctr" bIns="91425" lIns="91425" spcFirstLastPara="1" rIns="91425" wrap="square" tIns="91425">
+          <a:bodyPr spcFirstLastPara="1" wrap="square" lIns="91425" tIns="91425" rIns="91425" bIns="91425" anchor="ctr" anchorCtr="0">
             <a:noAutofit/>
           </a:bodyPr>
           <a:lstStyle/>
           <a:p>
-            <a:pPr indent="0" lvl="0" marL="0" rtl="0" algn="r">
+            <a:pPr marL="0" lvl="0" indent="0" algn="r" rtl="0">
               <a:spcBef>
                 <a:spcPts val="0"/>
               </a:spcBef>
@@ -12409,11 +12654,11 @@
 </file>
 
 <file path=ppt/slides/slide5.xml><?xml version="1.0" encoding="utf-8"?>
-<p:sld xmlns:a="http://schemas.openxmlformats.org/drawingml/2006/main" xmlns:r="http://schemas.openxmlformats.org/officeDocument/2006/relationships" xmlns:mc="http://schemas.openxmlformats.org/markup-compatibility/2006" xmlns:mv="urn:schemas-microsoft-com:mac:vml" xmlns:p="http://schemas.openxmlformats.org/presentationml/2006/main" xmlns:c="http://schemas.openxmlformats.org/drawingml/2006/chart" xmlns:dgm="http://schemas.openxmlformats.org/drawingml/2006/diagram" xmlns:o="urn:schemas-microsoft-com:office:office" xmlns:v="urn:schemas-microsoft-com:vml" xmlns:pvml="urn:schemas-microsoft-com:office:powerpoint" xmlns:com="http://schemas.openxmlformats.org/drawingml/2006/compatibility" xmlns:p14="http://schemas.microsoft.com/office/powerpoint/2010/main" xmlns:p15="http://schemas.microsoft.com/office/powerpoint/2012/main" xmlns:ahyp="http://schemas.microsoft.com/office/drawing/2018/hyperlinkcolor">
+<p:sld xmlns:a="http://schemas.openxmlformats.org/drawingml/2006/main" xmlns:r="http://schemas.openxmlformats.org/officeDocument/2006/relationships" xmlns:p="http://schemas.openxmlformats.org/presentationml/2006/main">
   <p:cSld>
     <p:spTree>
       <p:nvGrpSpPr>
-        <p:cNvPr id="138" name="Shape 138"/>
+        <p:cNvPr id="1" name="Shape 138"/>
         <p:cNvGrpSpPr/>
         <p:nvPr/>
       </p:nvGrpSpPr>
@@ -12445,12 +12690,12 @@
           </a:ln>
         </p:spPr>
         <p:txBody>
-          <a:bodyPr anchorCtr="0" anchor="ctr" bIns="45700" lIns="91425" spcFirstLastPara="1" rIns="91425" wrap="square" tIns="45700">
+          <a:bodyPr spcFirstLastPara="1" wrap="square" lIns="91425" tIns="45700" rIns="91425" bIns="45700" anchor="ctr" anchorCtr="0">
             <a:noAutofit/>
           </a:bodyPr>
           <a:lstStyle/>
           <a:p>
-            <a:pPr indent="0" lvl="0" marL="0" rtl="0" algn="l">
+            <a:pPr marL="0" lvl="0" indent="0" algn="l" rtl="0">
               <a:spcBef>
                 <a:spcPts val="0"/>
               </a:spcBef>
@@ -12477,14 +12722,14 @@
       </p:sp>
       <p:sp>
         <p:nvSpPr>
-          <p:cNvPr id="140" name="Google Shape;140;p20"/>
+          <p:cNvPr id="141" name="Google Shape;141;p20"/>
           <p:cNvSpPr txBox="1"/>
           <p:nvPr/>
         </p:nvSpPr>
         <p:spPr>
           <a:xfrm>
-            <a:off x="67625" y="500300"/>
-            <a:ext cx="8889300" cy="3442800"/>
+            <a:off x="5461200" y="4955088"/>
+            <a:ext cx="3682800" cy="188400"/>
           </a:xfrm>
           <a:prstGeom prst="rect">
             <a:avLst/>
@@ -12495,95 +12740,20 @@
           </a:ln>
         </p:spPr>
         <p:txBody>
-          <a:bodyPr anchorCtr="0" anchor="t" bIns="91425" lIns="91425" spcFirstLastPara="1" rIns="91425" wrap="square" tIns="91425">
+          <a:bodyPr spcFirstLastPara="1" wrap="square" lIns="91425" tIns="91425" rIns="91425" bIns="91425" anchor="ctr" anchorCtr="0">
             <a:noAutofit/>
           </a:bodyPr>
           <a:lstStyle/>
           <a:p>
-            <a:pPr indent="-298450" lvl="0" marL="457200" rtl="0" algn="l">
-              <a:lnSpc>
-                <a:spcPct val="115000"/>
-              </a:lnSpc>
-              <a:spcBef>
-                <a:spcPts val="0"/>
-              </a:spcBef>
-              <a:spcAft>
-                <a:spcPts val="0"/>
-              </a:spcAft>
-              <a:buSzPts val="1100"/>
-              <a:buChar char="●"/>
+            <a:pPr marL="0" lvl="0" indent="0" algn="r" rtl="0">
+              <a:spcBef>
+                <a:spcPts val="0"/>
+              </a:spcBef>
+              <a:spcAft>
+                <a:spcPts val="0"/>
+              </a:spcAft>
+              <a:buNone/>
             </a:pPr>
-            <a:r>
-              <a:rPr lang="en" sz="1100"/>
-              <a:t>&lt;insert amazing diagram(s) here)</a:t>
-            </a:r>
-            <a:endParaRPr b="1" sz="1800">
-              <a:solidFill>
-                <a:srgbClr val="333333"/>
-              </a:solidFill>
-            </a:endParaRPr>
-          </a:p>
-          <a:p>
-            <a:pPr indent="0" lvl="0" marL="457200" marR="101600" rtl="0" algn="l">
-              <a:lnSpc>
-                <a:spcPct val="115000"/>
-              </a:lnSpc>
-              <a:spcBef>
-                <a:spcPts val="3400"/>
-              </a:spcBef>
-              <a:spcAft>
-                <a:spcPts val="3400"/>
-              </a:spcAft>
-              <a:buNone/>
-            </a:pPr>
-            <a:r>
-              <a:t/>
-            </a:r>
-            <a:endParaRPr sz="1050">
-              <a:solidFill>
-                <a:srgbClr val="333333"/>
-              </a:solidFill>
-            </a:endParaRPr>
-          </a:p>
-        </p:txBody>
-      </p:sp>
-      <p:sp>
-        <p:nvSpPr>
-          <p:cNvPr id="141" name="Google Shape;141;p20"/>
-          <p:cNvSpPr txBox="1"/>
-          <p:nvPr/>
-        </p:nvSpPr>
-        <p:spPr>
-          <a:xfrm>
-            <a:off x="5461200" y="4955088"/>
-            <a:ext cx="3682800" cy="188400"/>
-          </a:xfrm>
-          <a:prstGeom prst="rect">
-            <a:avLst/>
-          </a:prstGeom>
-          <a:noFill/>
-          <a:ln>
-            <a:noFill/>
-          </a:ln>
-        </p:spPr>
-        <p:txBody>
-          <a:bodyPr anchorCtr="0" anchor="ctr" bIns="91425" lIns="91425" spcFirstLastPara="1" rIns="91425" wrap="square" tIns="91425">
-            <a:noAutofit/>
-          </a:bodyPr>
-          <a:lstStyle/>
-          <a:p>
-            <a:pPr indent="0" lvl="0" marL="0" rtl="0" algn="r">
-              <a:spcBef>
-                <a:spcPts val="0"/>
-              </a:spcBef>
-              <a:spcAft>
-                <a:spcPts val="0"/>
-              </a:spcAft>
-              <a:buNone/>
-            </a:pPr>
-            <a:r>
-              <a:t/>
-            </a:r>
             <a:endParaRPr sz="1000">
               <a:latin typeface="Roboto"/>
               <a:ea typeface="Roboto"/>
@@ -12649,6 +12819,35 @@
           </a:ln>
         </p:spPr>
       </p:pic>
+      <p:pic>
+        <p:nvPicPr>
+          <p:cNvPr id="2" name="Picture 1">
+            <a:extLst>
+              <a:ext uri="{FF2B5EF4-FFF2-40B4-BE49-F238E27FC236}">
+                <a16:creationId xmlns:a16="http://schemas.microsoft.com/office/drawing/2014/main" id="{3DBADD23-5E43-4856-A580-4F13759EFD64}"/>
+              </a:ext>
+            </a:extLst>
+          </p:cNvPr>
+          <p:cNvPicPr>
+            <a:picLocks noChangeAspect="1"/>
+          </p:cNvPicPr>
+          <p:nvPr/>
+        </p:nvPicPr>
+        <p:blipFill rotWithShape="1">
+          <a:blip r:embed="rId5"/>
+          <a:srcRect t="11604" b="6945"/>
+          <a:stretch/>
+        </p:blipFill>
+        <p:spPr>
+          <a:xfrm>
+            <a:off x="1179433" y="500290"/>
+            <a:ext cx="6656546" cy="4189554"/>
+          </a:xfrm>
+          <a:prstGeom prst="rect">
+            <a:avLst/>
+          </a:prstGeom>
+        </p:spPr>
+      </p:pic>
     </p:spTree>
   </p:cSld>
   <p:clrMapOvr>
@@ -12658,11 +12857,11 @@
 </file>
 
 <file path=ppt/slides/slide6.xml><?xml version="1.0" encoding="utf-8"?>
-<p:sld xmlns:a="http://schemas.openxmlformats.org/drawingml/2006/main" xmlns:r="http://schemas.openxmlformats.org/officeDocument/2006/relationships" xmlns:mc="http://schemas.openxmlformats.org/markup-compatibility/2006" xmlns:mv="urn:schemas-microsoft-com:mac:vml" xmlns:p="http://schemas.openxmlformats.org/presentationml/2006/main" xmlns:c="http://schemas.openxmlformats.org/drawingml/2006/chart" xmlns:dgm="http://schemas.openxmlformats.org/drawingml/2006/diagram" xmlns:o="urn:schemas-microsoft-com:office:office" xmlns:v="urn:schemas-microsoft-com:vml" xmlns:pvml="urn:schemas-microsoft-com:office:powerpoint" xmlns:com="http://schemas.openxmlformats.org/drawingml/2006/compatibility" xmlns:p14="http://schemas.microsoft.com/office/powerpoint/2010/main" xmlns:p15="http://schemas.microsoft.com/office/powerpoint/2012/main" xmlns:ahyp="http://schemas.microsoft.com/office/drawing/2018/hyperlinkcolor">
+<p:sld xmlns:a="http://schemas.openxmlformats.org/drawingml/2006/main" xmlns:r="http://schemas.openxmlformats.org/officeDocument/2006/relationships" xmlns:p="http://schemas.openxmlformats.org/presentationml/2006/main">
   <p:cSld>
     <p:spTree>
       <p:nvGrpSpPr>
-        <p:cNvPr id="148" name="Shape 148"/>
+        <p:cNvPr id="1" name="Shape 148"/>
         <p:cNvGrpSpPr/>
         <p:nvPr/>
       </p:nvGrpSpPr>
@@ -12694,12 +12893,12 @@
           </a:ln>
         </p:spPr>
         <p:txBody>
-          <a:bodyPr anchorCtr="0" anchor="ctr" bIns="45700" lIns="91425" spcFirstLastPara="1" rIns="91425" wrap="square" tIns="45700">
+          <a:bodyPr spcFirstLastPara="1" wrap="square" lIns="91425" tIns="45700" rIns="91425" bIns="45700" anchor="ctr" anchorCtr="0">
             <a:noAutofit/>
           </a:bodyPr>
           <a:lstStyle/>
           <a:p>
-            <a:pPr indent="0" lvl="0" marL="0" rtl="0" algn="l">
+            <a:pPr marL="0" lvl="0" indent="0" algn="l" rtl="0">
               <a:spcBef>
                 <a:spcPts val="0"/>
               </a:spcBef>
@@ -12744,12 +12943,12 @@
           </a:ln>
         </p:spPr>
         <p:txBody>
-          <a:bodyPr anchorCtr="0" anchor="t" bIns="91425" lIns="91425" spcFirstLastPara="1" rIns="91425" wrap="square" tIns="91425">
+          <a:bodyPr spcFirstLastPara="1" wrap="square" lIns="91425" tIns="91425" rIns="91425" bIns="91425" anchor="t" anchorCtr="0">
             <a:noAutofit/>
           </a:bodyPr>
           <a:lstStyle/>
           <a:p>
-            <a:pPr indent="-298450" lvl="0" marL="457200" rtl="0" algn="l">
+            <a:pPr marL="457200" lvl="0" indent="-298450" algn="l" rtl="0">
               <a:lnSpc>
                 <a:spcPct val="115000"/>
               </a:lnSpc>
@@ -12763,13 +12962,13 @@
               <a:buChar char="●"/>
             </a:pPr>
             <a:r>
-              <a:rPr lang="en" sz="1100"/>
-              <a:t>List out all the tech you used for example</a:t>
+              <a:rPr lang="en" sz="1100" dirty="0"/>
+              <a:t>AWS S3</a:t>
             </a:r>
-            <a:endParaRPr sz="1100"/>
+            <a:endParaRPr sz="1100" dirty="0"/>
           </a:p>
           <a:p>
-            <a:pPr indent="-298450" lvl="0" marL="457200" rtl="0" algn="l">
+            <a:pPr marL="457200" lvl="0" indent="-298450" algn="l" rtl="0">
               <a:lnSpc>
                 <a:spcPct val="115000"/>
               </a:lnSpc>
@@ -12783,13 +12982,13 @@
               <a:buChar char="●"/>
             </a:pPr>
             <a:r>
-              <a:rPr lang="en" sz="1100"/>
-              <a:t>AWS S3</a:t>
+              <a:rPr lang="en" sz="1100" dirty="0"/>
+              <a:t>AWS CodePipeline</a:t>
             </a:r>
-            <a:endParaRPr sz="1100"/>
+            <a:endParaRPr sz="1100" dirty="0"/>
           </a:p>
           <a:p>
-            <a:pPr indent="-298450" lvl="0" marL="457200" rtl="0" algn="l">
+            <a:pPr marL="457200" lvl="0" indent="-298450" algn="l" rtl="0">
               <a:lnSpc>
                 <a:spcPct val="115000"/>
               </a:lnSpc>
@@ -12803,16 +13002,29 @@
               <a:buChar char="●"/>
             </a:pPr>
             <a:r>
-              <a:rPr lang="en" sz="1100"/>
-              <a:t>AWS EC2</a:t>
+              <a:rPr lang="en" sz="1100" dirty="0"/>
+              <a:t>AWS Lambda</a:t>
             </a:r>
-            <a:endParaRPr sz="1100"/>
           </a:p>
           <a:p>
-            <a:pPr indent="-298450" lvl="0" marL="457200" rtl="0" algn="l">
+            <a:pPr marL="457200" indent="-298450">
               <a:lnSpc>
                 <a:spcPct val="115000"/>
               </a:lnSpc>
+              <a:buSzPts val="1100"/>
+              <a:buFont typeface="Arial"/>
+              <a:buChar char="●"/>
+            </a:pPr>
+            <a:r>
+              <a:rPr lang="en-US" sz="1100" dirty="0"/>
+              <a:t>Git with Github.com</a:t>
+            </a:r>
+          </a:p>
+          <a:p>
+            <a:pPr marL="457200" lvl="0" indent="-298450" algn="l" rtl="0">
+              <a:lnSpc>
+                <a:spcPct val="115000"/>
+              </a:lnSpc>
               <a:spcBef>
                 <a:spcPts val="0"/>
               </a:spcBef>
@@ -12822,14 +13034,10 @@
               <a:buSzPts val="1100"/>
               <a:buChar char="●"/>
             </a:pPr>
-            <a:r>
-              <a:rPr lang="en" sz="1100"/>
-              <a:t>Git with Github.com</a:t>
-            </a:r>
-            <a:endParaRPr sz="1100"/>
+            <a:endParaRPr sz="1100" dirty="0"/>
           </a:p>
           <a:p>
-            <a:pPr indent="-298450" lvl="0" marL="457200" rtl="0" algn="l">
+            <a:pPr marL="457200" lvl="0" indent="-298450" algn="l" rtl="0">
               <a:lnSpc>
                 <a:spcPct val="115000"/>
               </a:lnSpc>
@@ -12842,108 +13050,22 @@
               <a:buSzPts val="1100"/>
               <a:buChar char="●"/>
             </a:pPr>
-            <a:r>
-              <a:rPr lang="en" sz="1100"/>
-              <a:t>Jenkins with CodeBuild plugin, Blue Ocean Plugin, and Maven</a:t>
-            </a:r>
-            <a:endParaRPr sz="1100"/>
+            <a:endParaRPr sz="1100" dirty="0"/>
           </a:p>
           <a:p>
-            <a:pPr indent="-298450" lvl="0" marL="457200" rtl="0" algn="l">
+            <a:pPr marL="457200" marR="101600" lvl="0" indent="0" algn="l" rtl="0">
               <a:lnSpc>
                 <a:spcPct val="115000"/>
               </a:lnSpc>
               <a:spcBef>
-                <a:spcPts val="0"/>
-              </a:spcBef>
-              <a:spcAft>
-                <a:spcPts val="0"/>
-              </a:spcAft>
-              <a:buSzPts val="1100"/>
-              <a:buChar char="●"/>
+                <a:spcPts val="3400"/>
+              </a:spcBef>
+              <a:spcAft>
+                <a:spcPts val="3400"/>
+              </a:spcAft>
+              <a:buNone/>
             </a:pPr>
-            <a:r>
-              <a:rPr lang="en" sz="1100"/>
-              <a:t>AWS Rekoginition</a:t>
-            </a:r>
-            <a:endParaRPr sz="1100"/>
-          </a:p>
-          <a:p>
-            <a:pPr indent="-298450" lvl="0" marL="457200" rtl="0" algn="l">
-              <a:lnSpc>
-                <a:spcPct val="115000"/>
-              </a:lnSpc>
-              <a:spcBef>
-                <a:spcPts val="0"/>
-              </a:spcBef>
-              <a:spcAft>
-                <a:spcPts val="0"/>
-              </a:spcAft>
-              <a:buSzPts val="1100"/>
-              <a:buChar char="●"/>
-            </a:pPr>
-            <a:r>
-              <a:rPr lang="en" sz="1100"/>
-              <a:t>All AWS with locally hosted Jenkins system</a:t>
-            </a:r>
-            <a:endParaRPr sz="1100"/>
-          </a:p>
-          <a:p>
-            <a:pPr indent="-298450" lvl="0" marL="457200" rtl="0" algn="l">
-              <a:lnSpc>
-                <a:spcPct val="115000"/>
-              </a:lnSpc>
-              <a:spcBef>
-                <a:spcPts val="0"/>
-              </a:spcBef>
-              <a:spcAft>
-                <a:spcPts val="0"/>
-              </a:spcAft>
-              <a:buSzPts val="1100"/>
-              <a:buChar char="●"/>
-            </a:pPr>
-            <a:r>
-              <a:rPr lang="en" sz="1100"/>
-              <a:t>Etc</a:t>
-            </a:r>
-            <a:endParaRPr sz="1100"/>
-          </a:p>
-          <a:p>
-            <a:pPr indent="-298450" lvl="0" marL="457200" rtl="0" algn="l">
-              <a:lnSpc>
-                <a:spcPct val="115000"/>
-              </a:lnSpc>
-              <a:spcBef>
-                <a:spcPts val="0"/>
-              </a:spcBef>
-              <a:spcAft>
-                <a:spcPts val="0"/>
-              </a:spcAft>
-              <a:buSzPts val="1100"/>
-              <a:buChar char="●"/>
-            </a:pPr>
-            <a:r>
-              <a:t/>
-            </a:r>
-            <a:endParaRPr sz="1100"/>
-          </a:p>
-          <a:p>
-            <a:pPr indent="0" lvl="0" marL="457200" marR="101600" rtl="0" algn="l">
-              <a:lnSpc>
-                <a:spcPct val="115000"/>
-              </a:lnSpc>
-              <a:spcBef>
-                <a:spcPts val="3400"/>
-              </a:spcBef>
-              <a:spcAft>
-                <a:spcPts val="3400"/>
-              </a:spcAft>
-              <a:buNone/>
-            </a:pPr>
-            <a:r>
-              <a:t/>
-            </a:r>
-            <a:endParaRPr sz="1050">
+            <a:endParaRPr sz="1050" dirty="0">
               <a:solidFill>
                 <a:srgbClr val="333333"/>
               </a:solidFill>
@@ -12971,12 +13093,12 @@
           </a:ln>
         </p:spPr>
         <p:txBody>
-          <a:bodyPr anchorCtr="0" anchor="ctr" bIns="91425" lIns="91425" spcFirstLastPara="1" rIns="91425" wrap="square" tIns="91425">
+          <a:bodyPr spcFirstLastPara="1" wrap="square" lIns="91425" tIns="91425" rIns="91425" bIns="91425" anchor="ctr" anchorCtr="0">
             <a:noAutofit/>
           </a:bodyPr>
           <a:lstStyle/>
           <a:p>
-            <a:pPr indent="0" lvl="0" marL="0" rtl="0" algn="r">
+            <a:pPr marL="0" lvl="0" indent="0" algn="r" rtl="0">
               <a:spcBef>
                 <a:spcPts val="0"/>
               </a:spcBef>
@@ -12985,9 +13107,6 @@
               </a:spcAft>
               <a:buNone/>
             </a:pPr>
-            <a:r>
-              <a:t/>
-            </a:r>
             <a:endParaRPr sz="1000">
               <a:latin typeface="Roboto"/>
               <a:ea typeface="Roboto"/>
@@ -13053,6 +13172,35 @@
           </a:ln>
         </p:spPr>
       </p:pic>
+      <p:pic>
+        <p:nvPicPr>
+          <p:cNvPr id="2" name="Picture 1">
+            <a:extLst>
+              <a:ext uri="{FF2B5EF4-FFF2-40B4-BE49-F238E27FC236}">
+                <a16:creationId xmlns:a16="http://schemas.microsoft.com/office/drawing/2014/main" id="{678B51DB-F813-4F06-B3A2-EA156F983F16}"/>
+              </a:ext>
+            </a:extLst>
+          </p:cNvPr>
+          <p:cNvPicPr>
+            <a:picLocks noChangeAspect="1"/>
+          </p:cNvPicPr>
+          <p:nvPr/>
+        </p:nvPicPr>
+        <p:blipFill rotWithShape="1">
+          <a:blip r:embed="rId5"/>
+          <a:srcRect l="2028" t="11771" r="8253" b="8334"/>
+          <a:stretch/>
+        </p:blipFill>
+        <p:spPr>
+          <a:xfrm>
+            <a:off x="2382250" y="605475"/>
+            <a:ext cx="5972175" cy="4109400"/>
+          </a:xfrm>
+          <a:prstGeom prst="rect">
+            <a:avLst/>
+          </a:prstGeom>
+        </p:spPr>
+      </p:pic>
     </p:spTree>
   </p:cSld>
   <p:clrMapOvr>
@@ -13062,11 +13210,11 @@
 </file>
 
 <file path=ppt/slides/slide7.xml><?xml version="1.0" encoding="utf-8"?>
-<p:sld xmlns:a="http://schemas.openxmlformats.org/drawingml/2006/main" xmlns:r="http://schemas.openxmlformats.org/officeDocument/2006/relationships" xmlns:mc="http://schemas.openxmlformats.org/markup-compatibility/2006" xmlns:mv="urn:schemas-microsoft-com:mac:vml" xmlns:p="http://schemas.openxmlformats.org/presentationml/2006/main" xmlns:c="http://schemas.openxmlformats.org/drawingml/2006/chart" xmlns:dgm="http://schemas.openxmlformats.org/drawingml/2006/diagram" xmlns:o="urn:schemas-microsoft-com:office:office" xmlns:v="urn:schemas-microsoft-com:vml" xmlns:pvml="urn:schemas-microsoft-com:office:powerpoint" xmlns:com="http://schemas.openxmlformats.org/drawingml/2006/compatibility" xmlns:p14="http://schemas.microsoft.com/office/powerpoint/2010/main" xmlns:p15="http://schemas.microsoft.com/office/powerpoint/2012/main" xmlns:ahyp="http://schemas.microsoft.com/office/drawing/2018/hyperlinkcolor">
+<p:sld xmlns:a="http://schemas.openxmlformats.org/drawingml/2006/main" xmlns:r="http://schemas.openxmlformats.org/officeDocument/2006/relationships" xmlns:p="http://schemas.openxmlformats.org/presentationml/2006/main">
   <p:cSld>
     <p:spTree>
       <p:nvGrpSpPr>
-        <p:cNvPr id="158" name="Shape 158"/>
+        <p:cNvPr id="1" name="Shape 158"/>
         <p:cNvGrpSpPr/>
         <p:nvPr/>
       </p:nvGrpSpPr>
@@ -13098,12 +13246,12 @@
           </a:ln>
         </p:spPr>
         <p:txBody>
-          <a:bodyPr anchorCtr="0" anchor="ctr" bIns="45700" lIns="91425" spcFirstLastPara="1" rIns="91425" wrap="square" tIns="45700">
+          <a:bodyPr spcFirstLastPara="1" wrap="square" lIns="91425" tIns="45700" rIns="91425" bIns="45700" anchor="ctr" anchorCtr="0">
             <a:noAutofit/>
           </a:bodyPr>
           <a:lstStyle/>
           <a:p>
-            <a:pPr indent="0" lvl="0" marL="0" rtl="0" algn="l">
+            <a:pPr marL="0" lvl="0" indent="0" algn="l" rtl="0">
               <a:spcBef>
                 <a:spcPts val="0"/>
               </a:spcBef>
@@ -13148,12 +13296,12 @@
           </a:ln>
         </p:spPr>
         <p:txBody>
-          <a:bodyPr anchorCtr="0" anchor="t" bIns="91425" lIns="91425" spcFirstLastPara="1" rIns="91425" wrap="square" tIns="91425">
+          <a:bodyPr spcFirstLastPara="1" wrap="square" lIns="91425" tIns="91425" rIns="91425" bIns="91425" anchor="t" anchorCtr="0">
             <a:noAutofit/>
           </a:bodyPr>
           <a:lstStyle/>
           <a:p>
-            <a:pPr indent="-298450" lvl="0" marL="457200" rtl="0" algn="l">
+            <a:pPr marL="457200" lvl="0" indent="-298450" algn="l" rtl="0">
               <a:lnSpc>
                 <a:spcPct val="115000"/>
               </a:lnSpc>
@@ -13167,13 +13315,36 @@
               <a:buChar char="●"/>
             </a:pPr>
             <a:r>
-              <a:rPr lang="en" sz="1100"/>
+              <a:rPr lang="en" sz="1100" dirty="0"/>
               <a:t>Stories about your Project</a:t>
             </a:r>
-            <a:endParaRPr sz="1100"/>
           </a:p>
           <a:p>
-            <a:pPr indent="-298450" lvl="0" marL="457200" rtl="0" algn="l">
+            <a:pPr marL="628650" lvl="5" indent="-171450">
+              <a:lnSpc>
+                <a:spcPct val="107000"/>
+              </a:lnSpc>
+              <a:spcAft>
+                <a:spcPts val="800"/>
+              </a:spcAft>
+              <a:buSzPts val="1100"/>
+              <a:buFont typeface="Arial" panose="020B0604020202020204" pitchFamily="34" charset="0"/>
+              <a:buChar char="•"/>
+            </a:pPr>
+            <a:r>
+              <a:rPr lang="en" sz="1050" dirty="0">
+                <a:latin typeface="Calibri" panose="020F0502020204030204" pitchFamily="34" charset="0"/>
+                <a:cs typeface="Times New Roman" panose="02020603050405020304" pitchFamily="18" charset="0"/>
+              </a:rPr>
+              <a:t>?</a:t>
+            </a:r>
+            <a:endParaRPr sz="1050" dirty="0">
+              <a:latin typeface="Calibri" panose="020F0502020204030204" pitchFamily="34" charset="0"/>
+              <a:cs typeface="Times New Roman" panose="02020603050405020304" pitchFamily="18" charset="0"/>
+            </a:endParaRPr>
+          </a:p>
+          <a:p>
+            <a:pPr marL="457200" lvl="0" indent="-298450" algn="l" rtl="0">
               <a:lnSpc>
                 <a:spcPct val="115000"/>
               </a:lnSpc>
@@ -13187,13 +13358,36 @@
               <a:buChar char="●"/>
             </a:pPr>
             <a:r>
-              <a:rPr lang="en" sz="1100"/>
+              <a:rPr lang="en" sz="1100" dirty="0"/>
               <a:t>Issues</a:t>
             </a:r>
-            <a:endParaRPr sz="1100"/>
           </a:p>
           <a:p>
-            <a:pPr indent="-298450" lvl="0" marL="457200" rtl="0" algn="l">
+            <a:pPr marL="628650" lvl="5" indent="-171450">
+              <a:lnSpc>
+                <a:spcPct val="107000"/>
+              </a:lnSpc>
+              <a:spcAft>
+                <a:spcPts val="800"/>
+              </a:spcAft>
+              <a:buSzPts val="1100"/>
+              <a:buFont typeface="Arial" panose="020B0604020202020204" pitchFamily="34" charset="0"/>
+              <a:buChar char="•"/>
+            </a:pPr>
+            <a:r>
+              <a:rPr lang="en-US" sz="1050" dirty="0">
+                <a:latin typeface="Calibri" panose="020F0502020204030204" pitchFamily="34" charset="0"/>
+                <a:cs typeface="Times New Roman" panose="02020603050405020304" pitchFamily="18" charset="0"/>
+              </a:rPr>
+              <a:t>?</a:t>
+            </a:r>
+            <a:endParaRPr sz="1050" dirty="0">
+              <a:latin typeface="Calibri" panose="020F0502020204030204" pitchFamily="34" charset="0"/>
+              <a:cs typeface="Times New Roman" panose="02020603050405020304" pitchFamily="18" charset="0"/>
+            </a:endParaRPr>
+          </a:p>
+          <a:p>
+            <a:pPr marL="457200" lvl="0" indent="-298450" algn="l" rtl="0">
               <a:lnSpc>
                 <a:spcPct val="115000"/>
               </a:lnSpc>
@@ -13207,13 +13401,54 @@
               <a:buChar char="●"/>
             </a:pPr>
             <a:r>
-              <a:rPr lang="en" sz="1100"/>
+              <a:rPr lang="en" sz="1100" dirty="0"/>
               <a:t>Challenges</a:t>
             </a:r>
-            <a:endParaRPr sz="1100"/>
           </a:p>
           <a:p>
-            <a:pPr indent="-298450" lvl="0" marL="457200" rtl="0" algn="l">
+            <a:pPr marL="628650" lvl="5" indent="-171450">
+              <a:lnSpc>
+                <a:spcPct val="107000"/>
+              </a:lnSpc>
+              <a:spcAft>
+                <a:spcPts val="800"/>
+              </a:spcAft>
+              <a:buSzPts val="1100"/>
+              <a:buFont typeface="Arial" panose="020B0604020202020204" pitchFamily="34" charset="0"/>
+              <a:buChar char="•"/>
+            </a:pPr>
+            <a:r>
+              <a:rPr lang="en-US" sz="1050" dirty="0">
+                <a:latin typeface="Calibri" panose="020F0502020204030204" pitchFamily="34" charset="0"/>
+                <a:cs typeface="Times New Roman" panose="02020603050405020304" pitchFamily="18" charset="0"/>
+              </a:rPr>
+              <a:t>Getting everyone set up with Git properly, some using desktop app and others CLI</a:t>
+            </a:r>
+          </a:p>
+          <a:p>
+            <a:pPr marL="457200" lvl="8">
+              <a:lnSpc>
+                <a:spcPct val="107000"/>
+              </a:lnSpc>
+              <a:spcAft>
+                <a:spcPts val="800"/>
+              </a:spcAft>
+              <a:buSzPts val="1100"/>
+            </a:pPr>
+            <a:r>
+              <a:rPr lang="en-US" sz="1050" dirty="0">
+                <a:latin typeface="Calibri" panose="020F0502020204030204" pitchFamily="34" charset="0"/>
+                <a:cs typeface="Times New Roman" panose="02020603050405020304" pitchFamily="18" charset="0"/>
+              </a:rPr>
+              <a:t> </a:t>
+            </a:r>
+            <a:endParaRPr sz="1050" dirty="0">
+              <a:latin typeface="Calibri" panose="020F0502020204030204" pitchFamily="34" charset="0"/>
+              <a:cs typeface="Times New Roman" panose="02020603050405020304" pitchFamily="18" charset="0"/>
+            </a:endParaRPr>
+          </a:p>
+          <a:p>
+            <a:pPr marL="457200" lvl="0" indent="-298450" algn="l" rtl="0">
               <a:lnSpc>
                 <a:spcPct val="115000"/>
               </a:lnSpc>
@@ -13227,48 +13462,98 @@
               <a:buChar char="●"/>
             </a:pPr>
             <a:r>
-              <a:rPr lang="en" sz="1100"/>
+              <a:rPr lang="en" sz="1100" dirty="0"/>
               <a:t>Learning</a:t>
             </a:r>
-            <a:endParaRPr sz="1100"/>
+            <a:endParaRPr sz="1100" dirty="0"/>
           </a:p>
           <a:p>
-            <a:pPr indent="-298450" lvl="0" marL="457200" rtl="0" algn="l">
+            <a:pPr marL="628650" marR="0" indent="-171450">
+              <a:lnSpc>
+                <a:spcPct val="107000"/>
+              </a:lnSpc>
+              <a:spcBef>
+                <a:spcPts val="0"/>
+              </a:spcBef>
+              <a:spcAft>
+                <a:spcPts val="800"/>
+              </a:spcAft>
+              <a:buFont typeface="Arial" panose="020B0604020202020204" pitchFamily="34" charset="0"/>
+              <a:buChar char="•"/>
+            </a:pPr>
+            <a:r>
+              <a:rPr lang="en-US" sz="1050" dirty="0">
+                <a:effectLst/>
+                <a:latin typeface="Calibri" panose="020F0502020204030204" pitchFamily="34" charset="0"/>
+                <a:ea typeface="Calibri" panose="020F0502020204030204" pitchFamily="34" charset="0"/>
+                <a:cs typeface="Times New Roman" panose="02020603050405020304" pitchFamily="18" charset="0"/>
+              </a:rPr>
+              <a:t>When adding users, download csv right away with credentials because otherwise if screen times out, you lose session and information is gone. </a:t>
+            </a:r>
+          </a:p>
+          <a:p>
+            <a:pPr marL="628650" lvl="2" indent="-171450">
+              <a:lnSpc>
+                <a:spcPct val="107000"/>
+              </a:lnSpc>
+              <a:spcAft>
+                <a:spcPts val="800"/>
+              </a:spcAft>
+              <a:buFont typeface="Arial" panose="020B0604020202020204" pitchFamily="34" charset="0"/>
+              <a:buChar char="•"/>
+            </a:pPr>
+            <a:r>
+              <a:rPr lang="en-US" sz="1050" dirty="0">
+                <a:latin typeface="Calibri" panose="020F0502020204030204" pitchFamily="34" charset="0"/>
+                <a:cs typeface="Times New Roman" panose="02020603050405020304" pitchFamily="18" charset="0"/>
+              </a:rPr>
+              <a:t>S3 bucket must be in same region as pipeline when using </a:t>
+            </a:r>
+            <a:r>
+              <a:rPr lang="en-US" sz="1050" dirty="0" err="1">
+                <a:latin typeface="Calibri" panose="020F0502020204030204" pitchFamily="34" charset="0"/>
+                <a:cs typeface="Times New Roman" panose="02020603050405020304" pitchFamily="18" charset="0"/>
+              </a:rPr>
+              <a:t>CodePipeline</a:t>
+            </a:r>
+            <a:endParaRPr lang="en-US" sz="1050" dirty="0">
+              <a:latin typeface="Calibri" panose="020F0502020204030204" pitchFamily="34" charset="0"/>
+              <a:cs typeface="Times New Roman" panose="02020603050405020304" pitchFamily="18" charset="0"/>
+            </a:endParaRPr>
+          </a:p>
+          <a:p>
+            <a:pPr marL="628650" lvl="2" indent="-171450">
+              <a:lnSpc>
+                <a:spcPct val="107000"/>
+              </a:lnSpc>
+              <a:spcAft>
+                <a:spcPts val="800"/>
+              </a:spcAft>
+              <a:buFont typeface="Arial" panose="020B0604020202020204" pitchFamily="34" charset="0"/>
+              <a:buChar char="•"/>
+            </a:pPr>
+            <a:r>
+              <a:rPr lang="en-US" sz="1050" dirty="0">
+                <a:latin typeface="Calibri" panose="020F0502020204030204" pitchFamily="34" charset="0"/>
+                <a:cs typeface="Times New Roman" panose="02020603050405020304" pitchFamily="18" charset="0"/>
+              </a:rPr>
+              <a:t>We could not see pipeline after initial  execution. We realized in a different region when pipeline created and that we all need to make sure we are in the same region!</a:t>
+            </a:r>
+          </a:p>
+          <a:p>
+            <a:pPr marL="457200" marR="101600" lvl="0" indent="0" algn="l" rtl="0">
               <a:lnSpc>
                 <a:spcPct val="115000"/>
               </a:lnSpc>
               <a:spcBef>
-                <a:spcPts val="0"/>
-              </a:spcBef>
-              <a:spcAft>
-                <a:spcPts val="0"/>
-              </a:spcAft>
-              <a:buSzPts val="1100"/>
-              <a:buChar char="●"/>
+                <a:spcPts val="3400"/>
+              </a:spcBef>
+              <a:spcAft>
+                <a:spcPts val="3400"/>
+              </a:spcAft>
+              <a:buNone/>
             </a:pPr>
-            <a:r>
-              <a:rPr lang="en" sz="1100"/>
-              <a:t>etc.</a:t>
-            </a:r>
-            <a:endParaRPr sz="1100"/>
-          </a:p>
-          <a:p>
-            <a:pPr indent="0" lvl="0" marL="457200" marR="101600" rtl="0" algn="l">
-              <a:lnSpc>
-                <a:spcPct val="115000"/>
-              </a:lnSpc>
-              <a:spcBef>
-                <a:spcPts val="3400"/>
-              </a:spcBef>
-              <a:spcAft>
-                <a:spcPts val="3400"/>
-              </a:spcAft>
-              <a:buNone/>
-            </a:pPr>
-            <a:r>
-              <a:t/>
-            </a:r>
-            <a:endParaRPr sz="1050">
+            <a:endParaRPr sz="1050" dirty="0">
               <a:solidFill>
                 <a:srgbClr val="333333"/>
               </a:solidFill>
@@ -13296,12 +13581,12 @@
           </a:ln>
         </p:spPr>
         <p:txBody>
-          <a:bodyPr anchorCtr="0" anchor="ctr" bIns="91425" lIns="91425" spcFirstLastPara="1" rIns="91425" wrap="square" tIns="91425">
+          <a:bodyPr spcFirstLastPara="1" wrap="square" lIns="91425" tIns="91425" rIns="91425" bIns="91425" anchor="ctr" anchorCtr="0">
             <a:noAutofit/>
           </a:bodyPr>
           <a:lstStyle/>
           <a:p>
-            <a:pPr indent="0" lvl="0" marL="0" rtl="0" algn="r">
+            <a:pPr marL="0" lvl="0" indent="0" algn="r" rtl="0">
               <a:spcBef>
                 <a:spcPts val="0"/>
               </a:spcBef>
@@ -13310,9 +13595,6 @@
               </a:spcAft>
               <a:buNone/>
             </a:pPr>
-            <a:r>
-              <a:t/>
-            </a:r>
             <a:endParaRPr sz="1000">
               <a:latin typeface="Roboto"/>
               <a:ea typeface="Roboto"/>
@@ -13387,11 +13669,11 @@
 </file>
 
 <file path=ppt/slides/slide8.xml><?xml version="1.0" encoding="utf-8"?>
-<p:sld xmlns:a="http://schemas.openxmlformats.org/drawingml/2006/main" xmlns:r="http://schemas.openxmlformats.org/officeDocument/2006/relationships" xmlns:mc="http://schemas.openxmlformats.org/markup-compatibility/2006" xmlns:mv="urn:schemas-microsoft-com:mac:vml" xmlns:p="http://schemas.openxmlformats.org/presentationml/2006/main" xmlns:c="http://schemas.openxmlformats.org/drawingml/2006/chart" xmlns:dgm="http://schemas.openxmlformats.org/drawingml/2006/diagram" xmlns:o="urn:schemas-microsoft-com:office:office" xmlns:v="urn:schemas-microsoft-com:vml" xmlns:pvml="urn:schemas-microsoft-com:office:powerpoint" xmlns:com="http://schemas.openxmlformats.org/drawingml/2006/compatibility" xmlns:p14="http://schemas.microsoft.com/office/powerpoint/2010/main" xmlns:p15="http://schemas.microsoft.com/office/powerpoint/2012/main" xmlns:ahyp="http://schemas.microsoft.com/office/drawing/2018/hyperlinkcolor">
+<p:sld xmlns:a="http://schemas.openxmlformats.org/drawingml/2006/main" xmlns:r="http://schemas.openxmlformats.org/officeDocument/2006/relationships" xmlns:p="http://schemas.openxmlformats.org/presentationml/2006/main">
   <p:cSld>
     <p:spTree>
       <p:nvGrpSpPr>
-        <p:cNvPr id="168" name="Shape 168"/>
+        <p:cNvPr id="1" name="Shape 168"/>
         <p:cNvGrpSpPr/>
         <p:nvPr/>
       </p:nvGrpSpPr>
@@ -13423,12 +13705,12 @@
           </a:ln>
         </p:spPr>
         <p:txBody>
-          <a:bodyPr anchorCtr="0" anchor="ctr" bIns="45700" lIns="91425" spcFirstLastPara="1" rIns="91425" wrap="square" tIns="45700">
+          <a:bodyPr spcFirstLastPara="1" wrap="square" lIns="91425" tIns="45700" rIns="91425" bIns="45700" anchor="ctr" anchorCtr="0">
             <a:noAutofit/>
           </a:bodyPr>
           <a:lstStyle/>
           <a:p>
-            <a:pPr indent="0" lvl="0" marL="0" rtl="0" algn="l">
+            <a:pPr marL="0" lvl="0" indent="0" algn="l" rtl="0">
               <a:spcBef>
                 <a:spcPts val="0"/>
               </a:spcBef>
@@ -13473,12 +13755,12 @@
           </a:ln>
         </p:spPr>
         <p:txBody>
-          <a:bodyPr anchorCtr="0" anchor="t" bIns="91425" lIns="91425" spcFirstLastPara="1" rIns="91425" wrap="square" tIns="91425">
+          <a:bodyPr spcFirstLastPara="1" wrap="square" lIns="91425" tIns="91425" rIns="91425" bIns="91425" anchor="t" anchorCtr="0">
             <a:noAutofit/>
           </a:bodyPr>
           <a:lstStyle/>
           <a:p>
-            <a:pPr indent="0" lvl="0" marL="0" rtl="0" algn="l">
+            <a:pPr marL="0" lvl="0" indent="0" algn="l" rtl="0">
               <a:lnSpc>
                 <a:spcPct val="115000"/>
               </a:lnSpc>
@@ -13490,13 +13772,10 @@
               </a:spcAft>
               <a:buNone/>
             </a:pPr>
-            <a:r>
-              <a:t/>
-            </a:r>
             <a:endParaRPr sz="1100"/>
           </a:p>
           <a:p>
-            <a:pPr indent="0" lvl="0" marL="457200" marR="101600" rtl="0" algn="l">
+            <a:pPr marL="457200" marR="101600" lvl="0" indent="0" algn="l" rtl="0">
               <a:lnSpc>
                 <a:spcPct val="115000"/>
               </a:lnSpc>
@@ -13508,9 +13787,6 @@
               </a:spcAft>
               <a:buNone/>
             </a:pPr>
-            <a:r>
-              <a:t/>
-            </a:r>
             <a:endParaRPr sz="1050">
               <a:solidFill>
                 <a:srgbClr val="333333"/>
@@ -13539,12 +13815,12 @@
           </a:ln>
         </p:spPr>
         <p:txBody>
-          <a:bodyPr anchorCtr="0" anchor="ctr" bIns="91425" lIns="91425" spcFirstLastPara="1" rIns="91425" wrap="square" tIns="91425">
+          <a:bodyPr spcFirstLastPara="1" wrap="square" lIns="91425" tIns="91425" rIns="91425" bIns="91425" anchor="ctr" anchorCtr="0">
             <a:noAutofit/>
           </a:bodyPr>
           <a:lstStyle/>
           <a:p>
-            <a:pPr indent="0" lvl="0" marL="0" rtl="0" algn="r">
+            <a:pPr marL="0" lvl="0" indent="0" algn="r" rtl="0">
               <a:spcBef>
                 <a:spcPts val="0"/>
               </a:spcBef>
@@ -13553,9 +13829,6 @@
               </a:spcAft>
               <a:buNone/>
             </a:pPr>
-            <a:r>
-              <a:t/>
-            </a:r>
             <a:endParaRPr sz="1000">
               <a:latin typeface="Roboto"/>
               <a:ea typeface="Roboto"/>
@@ -13630,11 +13903,11 @@
 </file>
 
 <file path=ppt/slides/slide9.xml><?xml version="1.0" encoding="utf-8"?>
-<p:sld xmlns:a="http://schemas.openxmlformats.org/drawingml/2006/main" xmlns:r="http://schemas.openxmlformats.org/officeDocument/2006/relationships" xmlns:mc="http://schemas.openxmlformats.org/markup-compatibility/2006" xmlns:mv="urn:schemas-microsoft-com:mac:vml" xmlns:p="http://schemas.openxmlformats.org/presentationml/2006/main" xmlns:c="http://schemas.openxmlformats.org/drawingml/2006/chart" xmlns:dgm="http://schemas.openxmlformats.org/drawingml/2006/diagram" xmlns:o="urn:schemas-microsoft-com:office:office" xmlns:v="urn:schemas-microsoft-com:vml" xmlns:pvml="urn:schemas-microsoft-com:office:powerpoint" xmlns:com="http://schemas.openxmlformats.org/drawingml/2006/compatibility" xmlns:p14="http://schemas.microsoft.com/office/powerpoint/2010/main" xmlns:p15="http://schemas.microsoft.com/office/powerpoint/2012/main" xmlns:ahyp="http://schemas.microsoft.com/office/drawing/2018/hyperlinkcolor">
+<p:sld xmlns:a="http://schemas.openxmlformats.org/drawingml/2006/main" xmlns:r="http://schemas.openxmlformats.org/officeDocument/2006/relationships" xmlns:p="http://schemas.openxmlformats.org/presentationml/2006/main">
   <p:cSld>
     <p:spTree>
       <p:nvGrpSpPr>
-        <p:cNvPr id="178" name="Shape 178"/>
+        <p:cNvPr id="1" name="Shape 178"/>
         <p:cNvGrpSpPr/>
         <p:nvPr/>
       </p:nvGrpSpPr>
@@ -13666,12 +13939,12 @@
           </a:ln>
         </p:spPr>
         <p:txBody>
-          <a:bodyPr anchorCtr="0" anchor="ctr" bIns="45700" lIns="91425" spcFirstLastPara="1" rIns="91425" wrap="square" tIns="45700">
+          <a:bodyPr spcFirstLastPara="1" wrap="square" lIns="91425" tIns="45700" rIns="91425" bIns="45700" anchor="ctr" anchorCtr="0">
             <a:noAutofit/>
           </a:bodyPr>
           <a:lstStyle/>
           <a:p>
-            <a:pPr indent="0" lvl="0" marL="0" rtl="0" algn="l">
+            <a:pPr marL="0" lvl="0" indent="0" algn="l" rtl="0">
               <a:spcBef>
                 <a:spcPts val="0"/>
               </a:spcBef>
@@ -13716,12 +13989,12 @@
           </a:ln>
         </p:spPr>
         <p:txBody>
-          <a:bodyPr anchorCtr="0" anchor="t" bIns="91425" lIns="91425" spcFirstLastPara="1" rIns="91425" wrap="square" tIns="91425">
+          <a:bodyPr spcFirstLastPara="1" wrap="square" lIns="91425" tIns="91425" rIns="91425" bIns="91425" anchor="t" anchorCtr="0">
             <a:noAutofit/>
           </a:bodyPr>
           <a:lstStyle/>
           <a:p>
-            <a:pPr indent="0" lvl="0" marL="0" rtl="0" algn="l">
+            <a:pPr marL="0" lvl="0" indent="0" algn="l" rtl="0">
               <a:lnSpc>
                 <a:spcPct val="115000"/>
               </a:lnSpc>
@@ -13733,13 +14006,10 @@
               </a:spcAft>
               <a:buNone/>
             </a:pPr>
-            <a:r>
-              <a:t/>
-            </a:r>
             <a:endParaRPr sz="1100"/>
           </a:p>
           <a:p>
-            <a:pPr indent="0" lvl="0" marL="457200" marR="101600" rtl="0" algn="l">
+            <a:pPr marL="457200" marR="101600" lvl="0" indent="0" algn="l" rtl="0">
               <a:lnSpc>
                 <a:spcPct val="115000"/>
               </a:lnSpc>
@@ -13751,9 +14021,6 @@
               </a:spcAft>
               <a:buNone/>
             </a:pPr>
-            <a:r>
-              <a:t/>
-            </a:r>
             <a:endParaRPr sz="1050">
               <a:solidFill>
                 <a:srgbClr val="333333"/>
@@ -13782,12 +14049,12 @@
           </a:ln>
         </p:spPr>
         <p:txBody>
-          <a:bodyPr anchorCtr="0" anchor="ctr" bIns="91425" lIns="91425" spcFirstLastPara="1" rIns="91425" wrap="square" tIns="91425">
+          <a:bodyPr spcFirstLastPara="1" wrap="square" lIns="91425" tIns="91425" rIns="91425" bIns="91425" anchor="ctr" anchorCtr="0">
             <a:noAutofit/>
           </a:bodyPr>
           <a:lstStyle/>
           <a:p>
-            <a:pPr indent="0" lvl="0" marL="0" rtl="0" algn="r">
+            <a:pPr marL="0" lvl="0" indent="0" algn="r" rtl="0">
               <a:spcBef>
                 <a:spcPts val="0"/>
               </a:spcBef>
@@ -13796,9 +14063,6 @@
               </a:spcAft>
               <a:buNone/>
             </a:pPr>
-            <a:r>
-              <a:t/>
-            </a:r>
             <a:endParaRPr sz="1000">
               <a:latin typeface="Roboto"/>
               <a:ea typeface="Roboto"/>
@@ -13873,7 +14137,7 @@
 </file>
 
 <file path=ppt/theme/theme1.xml><?xml version="1.0" encoding="utf-8"?>
-<a:theme xmlns:a="http://schemas.openxmlformats.org/drawingml/2006/main" xmlns:r="http://schemas.openxmlformats.org/officeDocument/2006/relationships" name="Tropic">
+<a:theme xmlns:a="http://schemas.openxmlformats.org/drawingml/2006/main" name="Tropic">
   <a:themeElements>
     <a:clrScheme name="Tropic">
       <a:dk1>
@@ -14148,11 +14412,13 @@
       </a:bgFillStyleLst>
     </a:fmtScheme>
   </a:themeElements>
+  <a:objectDefaults/>
+  <a:extraClrSchemeLst/>
 </a:theme>
 </file>
 
 <file path=ppt/theme/theme2.xml><?xml version="1.0" encoding="utf-8"?>
-<a:theme xmlns:a="http://schemas.openxmlformats.org/drawingml/2006/main" xmlns:r="http://schemas.openxmlformats.org/officeDocument/2006/relationships">
+<a:theme xmlns:a="http://schemas.openxmlformats.org/drawingml/2006/main">
   <a:themeElements>
     <a:clrScheme name="Default">
       <a:dk1>
@@ -14427,5 +14693,7 @@
       </a:bgFillStyleLst>
     </a:fmtScheme>
   </a:themeElements>
+  <a:objectDefaults/>
+  <a:extraClrSchemeLst/>
 </a:theme>
 </file>
--- a/BAH CE Team Presentation Template.pptx
+++ b/BAH CE Team Presentation Template.pptx
@@ -12963,6 +12963,25 @@
             </a:pPr>
             <a:r>
               <a:rPr lang="en" sz="1100" dirty="0"/>
+              <a:t>AWS IAM</a:t>
+            </a:r>
+          </a:p>
+          <a:p>
+            <a:pPr marL="457200" lvl="0" indent="-298450" algn="l" rtl="0">
+              <a:lnSpc>
+                <a:spcPct val="115000"/>
+              </a:lnSpc>
+              <a:spcBef>
+                <a:spcPts val="0"/>
+              </a:spcBef>
+              <a:spcAft>
+                <a:spcPts val="0"/>
+              </a:spcAft>
+              <a:buSzPts val="1100"/>
+              <a:buChar char="●"/>
+            </a:pPr>
+            <a:r>
+              <a:rPr lang="en" sz="1100" dirty="0"/>
               <a:t>AWS S3</a:t>
             </a:r>
             <a:endParaRPr sz="1100" dirty="0"/>
@@ -13004,6 +13023,25 @@
             <a:r>
               <a:rPr lang="en" sz="1100" dirty="0"/>
               <a:t>AWS Lambda</a:t>
+            </a:r>
+          </a:p>
+          <a:p>
+            <a:pPr marL="457200" lvl="0" indent="-298450" algn="l" rtl="0">
+              <a:lnSpc>
+                <a:spcPct val="115000"/>
+              </a:lnSpc>
+              <a:spcBef>
+                <a:spcPts val="0"/>
+              </a:spcBef>
+              <a:spcAft>
+                <a:spcPts val="0"/>
+              </a:spcAft>
+              <a:buSzPts val="1100"/>
+              <a:buChar char="●"/>
+            </a:pPr>
+            <a:r>
+              <a:rPr lang="en" sz="1100" dirty="0"/>
+              <a:t>AWS CloudWatch</a:t>
             </a:r>
           </a:p>
           <a:p>

--- a/BAH CE Team Presentation Template.pptx
+++ b/BAH CE Team Presentation Template.pptx
@@ -1440,8 +1440,8 @@
         </p:nvSpPr>
         <p:spPr>
           <a:xfrm>
-            <a:off x="381188" y="685800"/>
-            <a:ext cx="6096300" cy="3429000"/>
+            <a:off x="381000" y="685800"/>
+            <a:ext cx="6096000" cy="3429000"/>
           </a:xfrm>
           <a:custGeom>
             <a:avLst/>
@@ -1949,7 +1949,7 @@
               </a:spcAft>
               <a:buNone/>
             </a:pPr>
-            <a:endParaRPr/>
+            <a:endParaRPr dirty="0"/>
           </a:p>
         </p:txBody>
       </p:sp>
@@ -10628,10 +10628,28 @@
               <a:buNone/>
             </a:pPr>
             <a:r>
-              <a:rPr lang="en" sz="1100" i="1"/>
-              <a:t>MARCH 2020</a:t>
+              <a:rPr lang="en" sz="1100" i="1" dirty="0"/>
+              <a:t>August 2021</a:t>
             </a:r>
-            <a:endParaRPr sz="1100"/>
+          </a:p>
+          <a:p>
+            <a:pPr marL="0" lvl="0" indent="0" algn="l" rtl="0">
+              <a:lnSpc>
+                <a:spcPct val="100000"/>
+              </a:lnSpc>
+              <a:spcBef>
+                <a:spcPts val="0"/>
+              </a:spcBef>
+              <a:spcAft>
+                <a:spcPts val="0"/>
+              </a:spcAft>
+              <a:buClr>
+                <a:schemeClr val="lt1"/>
+              </a:buClr>
+              <a:buSzPts val="900"/>
+              <a:buNone/>
+            </a:pPr>
+            <a:endParaRPr sz="1100" dirty="0"/>
           </a:p>
         </p:txBody>
       </p:sp>
@@ -11217,7 +11235,7 @@
             </a:br>
             <a:r>
               <a:rPr lang="en" dirty="0"/>
-              <a:t>&lt;Project Description&gt;</a:t>
+              <a:t>Web Application</a:t>
             </a:r>
             <a:endParaRPr dirty="0"/>
           </a:p>
@@ -12231,6 +12249,36 @@
           </a:prstGeom>
         </p:spPr>
       </p:pic>
+      <p:pic>
+        <p:nvPicPr>
+          <p:cNvPr id="11" name="Picture 10">
+            <a:extLst>
+              <a:ext uri="{FF2B5EF4-FFF2-40B4-BE49-F238E27FC236}">
+                <a16:creationId xmlns:a16="http://schemas.microsoft.com/office/drawing/2014/main" id="{B8CE24F4-E9C3-448A-BF8E-57722F05B2C0}"/>
+              </a:ext>
+            </a:extLst>
+          </p:cNvPr>
+          <p:cNvPicPr>
+            <a:picLocks noChangeAspect="1"/>
+          </p:cNvPicPr>
+          <p:nvPr/>
+        </p:nvPicPr>
+        <p:blipFill rotWithShape="1">
+          <a:blip r:embed="rId8"/>
+          <a:srcRect l="9877" t="12507" r="33655" b="36806"/>
+          <a:stretch/>
+        </p:blipFill>
+        <p:spPr>
+          <a:xfrm>
+            <a:off x="785793" y="1300379"/>
+            <a:ext cx="899191" cy="1121033"/>
+          </a:xfrm>
+          <a:prstGeom prst="rect">
+            <a:avLst/>
+          </a:prstGeom>
+          <a:effectLst/>
+        </p:spPr>
+      </p:pic>
     </p:spTree>
   </p:cSld>
   <p:clrMapOvr>
@@ -12323,7 +12371,7 @@
           </a:bodyPr>
           <a:lstStyle/>
           <a:p>
-            <a:pPr marL="0" lvl="0" indent="0" algn="ctr" rtl="0">
+            <a:pPr marL="0" lvl="0" indent="0" rtl="0">
               <a:spcBef>
                 <a:spcPts val="0"/>
               </a:spcBef>
@@ -12333,10 +12381,25 @@
               <a:buNone/>
             </a:pPr>
             <a:r>
-              <a:rPr lang="en"/>
-              <a:t>&lt;insert project description and objective&gt;</a:t>
+              <a:rPr lang="en-US" dirty="0"/>
+              <a:t>International Pet Players </a:t>
             </a:r>
-            <a:endParaRPr/>
+          </a:p>
+          <a:p>
+            <a:pPr marL="0" lvl="0" indent="0" rtl="0">
+              <a:spcBef>
+                <a:spcPts val="0"/>
+              </a:spcBef>
+              <a:spcAft>
+                <a:spcPts val="0"/>
+              </a:spcAft>
+              <a:buNone/>
+            </a:pPr>
+            <a:r>
+              <a:rPr lang="en-US" dirty="0"/>
+              <a:t>Web Application</a:t>
+            </a:r>
+            <a:endParaRPr dirty="0"/>
           </a:p>
           <a:p>
             <a:pPr marL="0" lvl="0" indent="0" algn="ctr" rtl="0">
@@ -12348,7 +12411,7 @@
               </a:spcAft>
               <a:buNone/>
             </a:pPr>
-            <a:endParaRPr/>
+            <a:endParaRPr dirty="0"/>
           </a:p>
         </p:txBody>
       </p:sp>
@@ -13323,7 +13386,7 @@
         <p:spPr>
           <a:xfrm>
             <a:off x="67625" y="500300"/>
-            <a:ext cx="8889300" cy="3442800"/>
+            <a:ext cx="8889300" cy="3832214"/>
           </a:xfrm>
           <a:prstGeom prst="rect">
             <a:avLst/>
@@ -13417,7 +13480,7 @@
                 <a:latin typeface="Calibri" panose="020F0502020204030204" pitchFamily="34" charset="0"/>
                 <a:cs typeface="Times New Roman" panose="02020603050405020304" pitchFamily="18" charset="0"/>
               </a:rPr>
-              <a:t>?</a:t>
+              <a:t>How to be realistic about security early in the development process</a:t>
             </a:r>
             <a:endParaRPr sz="1050" dirty="0">
               <a:latin typeface="Calibri" panose="020F0502020204030204" pitchFamily="34" charset="0"/>
@@ -13461,6 +13524,46 @@
                 <a:cs typeface="Times New Roman" panose="02020603050405020304" pitchFamily="18" charset="0"/>
               </a:rPr>
               <a:t>Getting everyone set up with Git properly, some using desktop app and others CLI</a:t>
+            </a:r>
+          </a:p>
+          <a:p>
+            <a:pPr marL="628650" lvl="5" indent="-171450">
+              <a:lnSpc>
+                <a:spcPct val="107000"/>
+              </a:lnSpc>
+              <a:spcAft>
+                <a:spcPts val="800"/>
+              </a:spcAft>
+              <a:buSzPts val="1100"/>
+              <a:buFont typeface="Arial" panose="020B0604020202020204" pitchFamily="34" charset="0"/>
+              <a:buChar char="•"/>
+            </a:pPr>
+            <a:r>
+              <a:rPr lang="en-US" sz="1050" dirty="0">
+                <a:latin typeface="Calibri" panose="020F0502020204030204" pitchFamily="34" charset="0"/>
+                <a:cs typeface="Times New Roman" panose="02020603050405020304" pitchFamily="18" charset="0"/>
+              </a:rPr>
+              <a:t>Overwhelming number of services to choose from and the different options for infrastructure</a:t>
+            </a:r>
+          </a:p>
+          <a:p>
+            <a:pPr marL="628650" lvl="5" indent="-171450">
+              <a:lnSpc>
+                <a:spcPct val="107000"/>
+              </a:lnSpc>
+              <a:spcAft>
+                <a:spcPts val="800"/>
+              </a:spcAft>
+              <a:buSzPts val="1100"/>
+              <a:buFont typeface="Arial" panose="020B0604020202020204" pitchFamily="34" charset="0"/>
+              <a:buChar char="•"/>
+            </a:pPr>
+            <a:r>
+              <a:rPr lang="en-US" sz="1050" dirty="0">
+                <a:latin typeface="Calibri" panose="020F0502020204030204" pitchFamily="34" charset="0"/>
+                <a:cs typeface="Times New Roman" panose="02020603050405020304" pitchFamily="18" charset="0"/>
+              </a:rPr>
+              <a:t>Received error when trying to add SNS notification and had to troubleshoot permissions between services</a:t>
             </a:r>
           </a:p>
           <a:p>
@@ -13576,6 +13679,25 @@
                 <a:cs typeface="Times New Roman" panose="02020603050405020304" pitchFamily="18" charset="0"/>
               </a:rPr>
               <a:t>We could not see pipeline after initial  execution. We realized in a different region when pipeline created and that we all need to make sure we are in the same region!</a:t>
+            </a:r>
+          </a:p>
+          <a:p>
+            <a:pPr marL="628650" lvl="2" indent="-171450">
+              <a:lnSpc>
+                <a:spcPct val="107000"/>
+              </a:lnSpc>
+              <a:spcAft>
+                <a:spcPts val="800"/>
+              </a:spcAft>
+              <a:buFont typeface="Arial" panose="020B0604020202020204" pitchFamily="34" charset="0"/>
+              <a:buChar char="•"/>
+            </a:pPr>
+            <a:r>
+              <a:rPr lang="en-US" sz="1050" dirty="0">
+                <a:latin typeface="Calibri" panose="020F0502020204030204" pitchFamily="34" charset="0"/>
+                <a:cs typeface="Times New Roman" panose="02020603050405020304" pitchFamily="18" charset="0"/>
+              </a:rPr>
+              <a:t>S3 bucket has to be created after SNS topic in order for notifications to work</a:t>
             </a:r>
           </a:p>
           <a:p>

--- a/BAH CE Team Presentation Template.pptx
+++ b/BAH CE Team Presentation Template.pptx
@@ -12988,194 +12988,6 @@
       </p:sp>
       <p:sp>
         <p:nvSpPr>
-          <p:cNvPr id="150" name="Google Shape;150;p21"/>
-          <p:cNvSpPr txBox="1"/>
-          <p:nvPr/>
-        </p:nvSpPr>
-        <p:spPr>
-          <a:xfrm>
-            <a:off x="67625" y="500300"/>
-            <a:ext cx="8889300" cy="3442800"/>
-          </a:xfrm>
-          <a:prstGeom prst="rect">
-            <a:avLst/>
-          </a:prstGeom>
-          <a:noFill/>
-          <a:ln>
-            <a:noFill/>
-          </a:ln>
-        </p:spPr>
-        <p:txBody>
-          <a:bodyPr spcFirstLastPara="1" wrap="square" lIns="91425" tIns="91425" rIns="91425" bIns="91425" anchor="t" anchorCtr="0">
-            <a:noAutofit/>
-          </a:bodyPr>
-          <a:lstStyle/>
-          <a:p>
-            <a:pPr marL="457200" lvl="0" indent="-298450" algn="l" rtl="0">
-              <a:lnSpc>
-                <a:spcPct val="115000"/>
-              </a:lnSpc>
-              <a:spcBef>
-                <a:spcPts val="0"/>
-              </a:spcBef>
-              <a:spcAft>
-                <a:spcPts val="0"/>
-              </a:spcAft>
-              <a:buSzPts val="1100"/>
-              <a:buChar char="●"/>
-            </a:pPr>
-            <a:r>
-              <a:rPr lang="en" sz="1100" dirty="0"/>
-              <a:t>AWS IAM</a:t>
-            </a:r>
-          </a:p>
-          <a:p>
-            <a:pPr marL="457200" lvl="0" indent="-298450" algn="l" rtl="0">
-              <a:lnSpc>
-                <a:spcPct val="115000"/>
-              </a:lnSpc>
-              <a:spcBef>
-                <a:spcPts val="0"/>
-              </a:spcBef>
-              <a:spcAft>
-                <a:spcPts val="0"/>
-              </a:spcAft>
-              <a:buSzPts val="1100"/>
-              <a:buChar char="●"/>
-            </a:pPr>
-            <a:r>
-              <a:rPr lang="en" sz="1100" dirty="0"/>
-              <a:t>AWS S3</a:t>
-            </a:r>
-            <a:endParaRPr sz="1100" dirty="0"/>
-          </a:p>
-          <a:p>
-            <a:pPr marL="457200" lvl="0" indent="-298450" algn="l" rtl="0">
-              <a:lnSpc>
-                <a:spcPct val="115000"/>
-              </a:lnSpc>
-              <a:spcBef>
-                <a:spcPts val="0"/>
-              </a:spcBef>
-              <a:spcAft>
-                <a:spcPts val="0"/>
-              </a:spcAft>
-              <a:buSzPts val="1100"/>
-              <a:buChar char="●"/>
-            </a:pPr>
-            <a:r>
-              <a:rPr lang="en" sz="1100" dirty="0"/>
-              <a:t>AWS CodePipeline</a:t>
-            </a:r>
-            <a:endParaRPr sz="1100" dirty="0"/>
-          </a:p>
-          <a:p>
-            <a:pPr marL="457200" lvl="0" indent="-298450" algn="l" rtl="0">
-              <a:lnSpc>
-                <a:spcPct val="115000"/>
-              </a:lnSpc>
-              <a:spcBef>
-                <a:spcPts val="0"/>
-              </a:spcBef>
-              <a:spcAft>
-                <a:spcPts val="0"/>
-              </a:spcAft>
-              <a:buSzPts val="1100"/>
-              <a:buChar char="●"/>
-            </a:pPr>
-            <a:r>
-              <a:rPr lang="en" sz="1100" dirty="0"/>
-              <a:t>AWS Lambda</a:t>
-            </a:r>
-          </a:p>
-          <a:p>
-            <a:pPr marL="457200" lvl="0" indent="-298450" algn="l" rtl="0">
-              <a:lnSpc>
-                <a:spcPct val="115000"/>
-              </a:lnSpc>
-              <a:spcBef>
-                <a:spcPts val="0"/>
-              </a:spcBef>
-              <a:spcAft>
-                <a:spcPts val="0"/>
-              </a:spcAft>
-              <a:buSzPts val="1100"/>
-              <a:buChar char="●"/>
-            </a:pPr>
-            <a:r>
-              <a:rPr lang="en" sz="1100" dirty="0"/>
-              <a:t>AWS CloudWatch</a:t>
-            </a:r>
-          </a:p>
-          <a:p>
-            <a:pPr marL="457200" indent="-298450">
-              <a:lnSpc>
-                <a:spcPct val="115000"/>
-              </a:lnSpc>
-              <a:buSzPts val="1100"/>
-              <a:buFont typeface="Arial"/>
-              <a:buChar char="●"/>
-            </a:pPr>
-            <a:r>
-              <a:rPr lang="en-US" sz="1100" dirty="0"/>
-              <a:t>Git with Github.com</a:t>
-            </a:r>
-          </a:p>
-          <a:p>
-            <a:pPr marL="457200" lvl="0" indent="-298450" algn="l" rtl="0">
-              <a:lnSpc>
-                <a:spcPct val="115000"/>
-              </a:lnSpc>
-              <a:spcBef>
-                <a:spcPts val="0"/>
-              </a:spcBef>
-              <a:spcAft>
-                <a:spcPts val="0"/>
-              </a:spcAft>
-              <a:buSzPts val="1100"/>
-              <a:buChar char="●"/>
-            </a:pPr>
-            <a:endParaRPr sz="1100" dirty="0"/>
-          </a:p>
-          <a:p>
-            <a:pPr marL="457200" lvl="0" indent="-298450" algn="l" rtl="0">
-              <a:lnSpc>
-                <a:spcPct val="115000"/>
-              </a:lnSpc>
-              <a:spcBef>
-                <a:spcPts val="0"/>
-              </a:spcBef>
-              <a:spcAft>
-                <a:spcPts val="0"/>
-              </a:spcAft>
-              <a:buSzPts val="1100"/>
-              <a:buChar char="●"/>
-            </a:pPr>
-            <a:endParaRPr sz="1100" dirty="0"/>
-          </a:p>
-          <a:p>
-            <a:pPr marL="457200" marR="101600" lvl="0" indent="0" algn="l" rtl="0">
-              <a:lnSpc>
-                <a:spcPct val="115000"/>
-              </a:lnSpc>
-              <a:spcBef>
-                <a:spcPts val="3400"/>
-              </a:spcBef>
-              <a:spcAft>
-                <a:spcPts val="3400"/>
-              </a:spcAft>
-              <a:buNone/>
-            </a:pPr>
-            <a:endParaRPr sz="1050" dirty="0">
-              <a:solidFill>
-                <a:srgbClr val="333333"/>
-              </a:solidFill>
-            </a:endParaRPr>
-          </a:p>
-        </p:txBody>
-      </p:sp>
-      <p:sp>
-        <p:nvSpPr>
           <p:cNvPr id="151" name="Google Shape;151;p21"/>
           <p:cNvSpPr txBox="1"/>
           <p:nvPr/>
@@ -13294,12 +13106,522 @@
         </p:blipFill>
         <p:spPr>
           <a:xfrm>
-            <a:off x="2382250" y="605475"/>
-            <a:ext cx="5972175" cy="4109400"/>
+            <a:off x="5179220" y="520992"/>
+            <a:ext cx="3562338" cy="2451213"/>
           </a:xfrm>
           <a:prstGeom prst="rect">
             <a:avLst/>
           </a:prstGeom>
+        </p:spPr>
+      </p:pic>
+      <p:graphicFrame>
+        <p:nvGraphicFramePr>
+          <p:cNvPr id="3" name="Table 3">
+            <a:extLst>
+              <a:ext uri="{FF2B5EF4-FFF2-40B4-BE49-F238E27FC236}">
+                <a16:creationId xmlns:a16="http://schemas.microsoft.com/office/drawing/2014/main" id="{6E1AD158-2C48-BC4F-B55E-C240A5A32B07}"/>
+              </a:ext>
+            </a:extLst>
+          </p:cNvPr>
+          <p:cNvGraphicFramePr>
+            <a:graphicFrameLocks noGrp="1"/>
+          </p:cNvGraphicFramePr>
+          <p:nvPr>
+            <p:extLst>
+              <p:ext uri="{D42A27DB-BD31-4B8C-83A1-F6EECF244321}">
+                <p14:modId xmlns:p14="http://schemas.microsoft.com/office/powerpoint/2010/main" val="3385830101"/>
+              </p:ext>
+            </p:extLst>
+          </p:nvPr>
+        </p:nvGraphicFramePr>
+        <p:xfrm>
+          <a:off x="187076" y="563341"/>
+          <a:ext cx="4992144" cy="3939744"/>
+        </p:xfrm>
+        <a:graphic>
+          <a:graphicData uri="http://schemas.openxmlformats.org/drawingml/2006/table">
+            <a:tbl>
+              <a:tblPr firstRow="1" bandRow="1">
+                <a:tableStyleId>{5C22544A-7EE6-4342-B048-85BDC9FD1C3A}</a:tableStyleId>
+              </a:tblPr>
+              <a:tblGrid>
+                <a:gridCol w="1504203">
+                  <a:extLst>
+                    <a:ext uri="{9D8B030D-6E8A-4147-A177-3AD203B41FA5}">
+                      <a16:colId xmlns:a16="http://schemas.microsoft.com/office/drawing/2014/main" val="4141139090"/>
+                    </a:ext>
+                  </a:extLst>
+                </a:gridCol>
+                <a:gridCol w="3487941">
+                  <a:extLst>
+                    <a:ext uri="{9D8B030D-6E8A-4147-A177-3AD203B41FA5}">
+                      <a16:colId xmlns:a16="http://schemas.microsoft.com/office/drawing/2014/main" val="2552275362"/>
+                    </a:ext>
+                  </a:extLst>
+                </a:gridCol>
+              </a:tblGrid>
+              <a:tr h="346515">
+                <a:tc>
+                  <a:txBody>
+                    <a:bodyPr/>
+                    <a:lstStyle/>
+                    <a:p>
+                      <a:r>
+                        <a:rPr lang="en-US" sz="1400" b="1" i="0" u="none" strike="noStrike" cap="none" spc="300" dirty="0">
+                          <a:solidFill>
+                            <a:schemeClr val="lt1"/>
+                          </a:solidFill>
+                          <a:latin typeface="+mn-lt"/>
+                          <a:ea typeface="+mn-ea"/>
+                          <a:cs typeface="+mn-cs"/>
+                          <a:sym typeface="Arial"/>
+                        </a:rPr>
+                        <a:t>FEATURE</a:t>
+                      </a:r>
+                    </a:p>
+                  </a:txBody>
+                  <a:tcPr marL="131014" marR="131014" marT="65507" marB="65507"/>
+                </a:tc>
+                <a:tc>
+                  <a:txBody>
+                    <a:bodyPr/>
+                    <a:lstStyle/>
+                    <a:p>
+                      <a:r>
+                        <a:rPr lang="en-US" sz="1400" spc="300" dirty="0"/>
+                        <a:t>DESCRIPTION</a:t>
+                      </a:r>
+                    </a:p>
+                  </a:txBody>
+                  <a:tcPr marL="131014" marR="131014" marT="65507" marB="65507"/>
+                </a:tc>
+                <a:extLst>
+                  <a:ext uri="{0D108BD9-81ED-4DB2-BD59-A6C34878D82A}">
+                    <a16:rowId xmlns:a16="http://schemas.microsoft.com/office/drawing/2014/main" val="2911075909"/>
+                  </a:ext>
+                </a:extLst>
+              </a:tr>
+              <a:tr h="315846">
+                <a:tc>
+                  <a:txBody>
+                    <a:bodyPr/>
+                    <a:lstStyle/>
+                    <a:p>
+                      <a:r>
+                        <a:rPr lang="en-US" sz="1200" dirty="0">
+                          <a:solidFill>
+                            <a:srgbClr val="002060"/>
+                          </a:solidFill>
+                        </a:rPr>
+                        <a:t>AWS IAM</a:t>
+                      </a:r>
+                    </a:p>
+                  </a:txBody>
+                  <a:tcPr marL="131014" marR="131014" marT="65507" marB="65507"/>
+                </a:tc>
+                <a:tc>
+                  <a:txBody>
+                    <a:bodyPr/>
+                    <a:lstStyle/>
+                    <a:p>
+                      <a:r>
+                        <a:rPr lang="en-US" sz="1200" dirty="0">
+                          <a:solidFill>
+                            <a:srgbClr val="002060"/>
+                          </a:solidFill>
+                        </a:rPr>
+                        <a:t>AWS management tool for users, groups, roles and access</a:t>
+                      </a:r>
+                    </a:p>
+                  </a:txBody>
+                  <a:tcPr marL="131014" marR="131014" marT="65507" marB="65507"/>
+                </a:tc>
+                <a:extLst>
+                  <a:ext uri="{0D108BD9-81ED-4DB2-BD59-A6C34878D82A}">
+                    <a16:rowId xmlns:a16="http://schemas.microsoft.com/office/drawing/2014/main" val="2668638384"/>
+                  </a:ext>
+                </a:extLst>
+              </a:tr>
+              <a:tr h="499863">
+                <a:tc>
+                  <a:txBody>
+                    <a:bodyPr/>
+                    <a:lstStyle/>
+                    <a:p>
+                      <a:r>
+                        <a:rPr lang="en-US" sz="1200" dirty="0">
+                          <a:solidFill>
+                            <a:srgbClr val="002060"/>
+                          </a:solidFill>
+                        </a:rPr>
+                        <a:t>AWS S3</a:t>
+                      </a:r>
+                    </a:p>
+                  </a:txBody>
+                  <a:tcPr marL="131014" marR="131014" marT="65507" marB="65507"/>
+                </a:tc>
+                <a:tc>
+                  <a:txBody>
+                    <a:bodyPr/>
+                    <a:lstStyle/>
+                    <a:p>
+                      <a:r>
+                        <a:rPr lang="en-US" sz="1200" dirty="0">
+                          <a:solidFill>
+                            <a:srgbClr val="002060"/>
+                          </a:solidFill>
+                        </a:rPr>
+                        <a:t>Hosted storage which is serverless, highly available and not tied to a specific computer </a:t>
+                      </a:r>
+                    </a:p>
+                  </a:txBody>
+                  <a:tcPr marL="131014" marR="131014" marT="65507" marB="65507"/>
+                </a:tc>
+                <a:extLst>
+                  <a:ext uri="{0D108BD9-81ED-4DB2-BD59-A6C34878D82A}">
+                    <a16:rowId xmlns:a16="http://schemas.microsoft.com/office/drawing/2014/main" val="2936880756"/>
+                  </a:ext>
+                </a:extLst>
+              </a:tr>
+              <a:tr h="317128">
+                <a:tc>
+                  <a:txBody>
+                    <a:bodyPr/>
+                    <a:lstStyle/>
+                    <a:p>
+                      <a:r>
+                        <a:rPr lang="en-US" sz="1200" dirty="0">
+                          <a:solidFill>
+                            <a:srgbClr val="002060"/>
+                          </a:solidFill>
+                        </a:rPr>
+                        <a:t>AWS </a:t>
+                      </a:r>
+                      <a:r>
+                        <a:rPr lang="en-US" sz="1200" dirty="0" err="1">
+                          <a:solidFill>
+                            <a:srgbClr val="002060"/>
+                          </a:solidFill>
+                        </a:rPr>
+                        <a:t>CodePipeline</a:t>
+                      </a:r>
+                      <a:endParaRPr lang="en-US" sz="1200" dirty="0">
+                        <a:solidFill>
+                          <a:srgbClr val="002060"/>
+                        </a:solidFill>
+                      </a:endParaRPr>
+                    </a:p>
+                  </a:txBody>
+                  <a:tcPr marL="131014" marR="131014" marT="65507" marB="65507"/>
+                </a:tc>
+                <a:tc>
+                  <a:txBody>
+                    <a:bodyPr/>
+                    <a:lstStyle/>
+                    <a:p>
+                      <a:r>
+                        <a:rPr lang="en-US" sz="1200" dirty="0">
+                          <a:solidFill>
+                            <a:srgbClr val="002060"/>
+                          </a:solidFill>
+                        </a:rPr>
+                        <a:t>Service used to automate code deployments</a:t>
+                      </a:r>
+                    </a:p>
+                  </a:txBody>
+                  <a:tcPr marL="131014" marR="131014" marT="65507" marB="65507"/>
+                </a:tc>
+                <a:extLst>
+                  <a:ext uri="{0D108BD9-81ED-4DB2-BD59-A6C34878D82A}">
+                    <a16:rowId xmlns:a16="http://schemas.microsoft.com/office/drawing/2014/main" val="1039067205"/>
+                  </a:ext>
+                </a:extLst>
+              </a:tr>
+              <a:tr h="477154">
+                <a:tc>
+                  <a:txBody>
+                    <a:bodyPr/>
+                    <a:lstStyle/>
+                    <a:p>
+                      <a:r>
+                        <a:rPr lang="en-US" sz="1200" dirty="0">
+                          <a:solidFill>
+                            <a:srgbClr val="002060"/>
+                          </a:solidFill>
+                        </a:rPr>
+                        <a:t>AWS SNS</a:t>
+                      </a:r>
+                    </a:p>
+                  </a:txBody>
+                  <a:tcPr marL="131014" marR="131014" marT="65507" marB="65507"/>
+                </a:tc>
+                <a:tc>
+                  <a:txBody>
+                    <a:bodyPr/>
+                    <a:lstStyle/>
+                    <a:p>
+                      <a:r>
+                        <a:rPr lang="en-US" sz="1200" dirty="0">
+                          <a:solidFill>
+                            <a:srgbClr val="002060"/>
+                          </a:solidFill>
+                        </a:rPr>
+                        <a:t>Simple notification service for enabling event-driven alerts</a:t>
+                      </a:r>
+                    </a:p>
+                  </a:txBody>
+                  <a:tcPr marL="131014" marR="131014" marT="65507" marB="65507"/>
+                </a:tc>
+                <a:extLst>
+                  <a:ext uri="{0D108BD9-81ED-4DB2-BD59-A6C34878D82A}">
+                    <a16:rowId xmlns:a16="http://schemas.microsoft.com/office/drawing/2014/main" val="4030172247"/>
+                  </a:ext>
+                </a:extLst>
+              </a:tr>
+              <a:tr h="499863">
+                <a:tc>
+                  <a:txBody>
+                    <a:bodyPr/>
+                    <a:lstStyle/>
+                    <a:p>
+                      <a:r>
+                        <a:rPr lang="en-US" sz="1200" dirty="0">
+                          <a:solidFill>
+                            <a:srgbClr val="002060"/>
+                          </a:solidFill>
+                        </a:rPr>
+                        <a:t>AWS Lambda</a:t>
+                      </a:r>
+                    </a:p>
+                  </a:txBody>
+                  <a:tcPr marL="131014" marR="131014" marT="65507" marB="65507"/>
+                </a:tc>
+                <a:tc>
+                  <a:txBody>
+                    <a:bodyPr/>
+                    <a:lstStyle/>
+                    <a:p>
+                      <a:r>
+                        <a:rPr lang="en-US" sz="1200" dirty="0">
+                          <a:solidFill>
+                            <a:srgbClr val="002060"/>
+                          </a:solidFill>
+                        </a:rPr>
+                        <a:t>Serverless web service that enables execution of prebuilt or custom functions in python, </a:t>
+                      </a:r>
+                      <a:r>
+                        <a:rPr lang="en-US" sz="1200" dirty="0" err="1">
+                          <a:solidFill>
+                            <a:srgbClr val="002060"/>
+                          </a:solidFill>
+                        </a:rPr>
+                        <a:t>Javascript</a:t>
+                      </a:r>
+                      <a:r>
+                        <a:rPr lang="en-US" sz="1200" dirty="0">
+                          <a:solidFill>
+                            <a:srgbClr val="002060"/>
+                          </a:solidFill>
+                        </a:rPr>
+                        <a:t>, etc.</a:t>
+                      </a:r>
+                    </a:p>
+                  </a:txBody>
+                  <a:tcPr marL="131014" marR="131014" marT="65507" marB="65507"/>
+                </a:tc>
+                <a:extLst>
+                  <a:ext uri="{0D108BD9-81ED-4DB2-BD59-A6C34878D82A}">
+                    <a16:rowId xmlns:a16="http://schemas.microsoft.com/office/drawing/2014/main" val="327727026"/>
+                  </a:ext>
+                </a:extLst>
+              </a:tr>
+              <a:tr h="499863">
+                <a:tc>
+                  <a:txBody>
+                    <a:bodyPr/>
+                    <a:lstStyle/>
+                    <a:p>
+                      <a:r>
+                        <a:rPr lang="en-US" sz="1200" dirty="0">
+                          <a:solidFill>
+                            <a:srgbClr val="002060"/>
+                          </a:solidFill>
+                        </a:rPr>
+                        <a:t>AWS CloudWatch</a:t>
+                      </a:r>
+                    </a:p>
+                  </a:txBody>
+                  <a:tcPr marL="131014" marR="131014" marT="65507" marB="65507"/>
+                </a:tc>
+                <a:tc>
+                  <a:txBody>
+                    <a:bodyPr/>
+                    <a:lstStyle/>
+                    <a:p>
+                      <a:r>
+                        <a:rPr lang="en-US" sz="1200" dirty="0">
+                          <a:solidFill>
+                            <a:srgbClr val="002060"/>
+                          </a:solidFill>
+                        </a:rPr>
+                        <a:t>Service used to monitor events related to infrastructure and account activity</a:t>
+                      </a:r>
+                    </a:p>
+                  </a:txBody>
+                  <a:tcPr marL="131014" marR="131014" marT="65507" marB="65507"/>
+                </a:tc>
+                <a:extLst>
+                  <a:ext uri="{0D108BD9-81ED-4DB2-BD59-A6C34878D82A}">
+                    <a16:rowId xmlns:a16="http://schemas.microsoft.com/office/drawing/2014/main" val="3467678113"/>
+                  </a:ext>
+                </a:extLst>
+              </a:tr>
+              <a:tr h="423527">
+                <a:tc>
+                  <a:txBody>
+                    <a:bodyPr/>
+                    <a:lstStyle/>
+                    <a:p>
+                      <a:r>
+                        <a:rPr lang="en-US" sz="1200" dirty="0">
+                          <a:solidFill>
+                            <a:srgbClr val="002060"/>
+                          </a:solidFill>
+                        </a:rPr>
+                        <a:t>Git with </a:t>
+                      </a:r>
+                      <a:r>
+                        <a:rPr lang="en-US" sz="1200" dirty="0" err="1">
+                          <a:solidFill>
+                            <a:srgbClr val="002060"/>
+                          </a:solidFill>
+                        </a:rPr>
+                        <a:t>Github</a:t>
+                      </a:r>
+                      <a:endParaRPr lang="en-US" sz="1200" dirty="0">
+                        <a:solidFill>
+                          <a:srgbClr val="002060"/>
+                        </a:solidFill>
+                      </a:endParaRPr>
+                    </a:p>
+                  </a:txBody>
+                  <a:tcPr marL="131014" marR="131014" marT="65507" marB="65507"/>
+                </a:tc>
+                <a:tc>
+                  <a:txBody>
+                    <a:bodyPr/>
+                    <a:lstStyle/>
+                    <a:p>
+                      <a:r>
+                        <a:rPr lang="en-US" sz="1200" dirty="0">
+                          <a:solidFill>
+                            <a:srgbClr val="002060"/>
+                          </a:solidFill>
+                        </a:rPr>
+                        <a:t>Repository for website code and related files.</a:t>
+                      </a:r>
+                    </a:p>
+                  </a:txBody>
+                  <a:tcPr marL="131014" marR="131014" marT="65507" marB="65507"/>
+                </a:tc>
+                <a:extLst>
+                  <a:ext uri="{0D108BD9-81ED-4DB2-BD59-A6C34878D82A}">
+                    <a16:rowId xmlns:a16="http://schemas.microsoft.com/office/drawing/2014/main" val="2446762686"/>
+                  </a:ext>
+                </a:extLst>
+              </a:tr>
+            </a:tbl>
+          </a:graphicData>
+        </a:graphic>
+      </p:graphicFrame>
+      <p:pic>
+        <p:nvPicPr>
+          <p:cNvPr id="1026" name="Picture 2">
+            <a:extLst>
+              <a:ext uri="{FF2B5EF4-FFF2-40B4-BE49-F238E27FC236}">
+                <a16:creationId xmlns:a16="http://schemas.microsoft.com/office/drawing/2014/main" id="{0DF7E430-668B-3741-8199-B3D31BC0DA68}"/>
+              </a:ext>
+            </a:extLst>
+          </p:cNvPr>
+          <p:cNvPicPr>
+            <a:picLocks noChangeAspect="1" noChangeArrowheads="1"/>
+          </p:cNvPicPr>
+          <p:nvPr/>
+        </p:nvPicPr>
+        <p:blipFill rotWithShape="1">
+          <a:blip r:embed="rId6">
+            <a:extLst>
+              <a:ext uri="{28A0092B-C50C-407E-A947-70E740481C1C}">
+                <a14:useLocalDpi xmlns:a14="http://schemas.microsoft.com/office/drawing/2010/main" val="0"/>
+              </a:ext>
+            </a:extLst>
+          </a:blip>
+          <a:srcRect l="15716" t="14286" r="15445" b="12127"/>
+          <a:stretch/>
+        </p:blipFill>
+        <p:spPr bwMode="auto">
+          <a:xfrm>
+            <a:off x="7893844" y="3321844"/>
+            <a:ext cx="764382" cy="950119"/>
+          </a:xfrm>
+          <a:prstGeom prst="rect">
+            <a:avLst/>
+          </a:prstGeom>
+          <a:noFill/>
+          <a:extLst>
+            <a:ext uri="{909E8E84-426E-40DD-AFC4-6F175D3DCCD1}">
+              <a14:hiddenFill xmlns:a14="http://schemas.microsoft.com/office/drawing/2010/main">
+                <a:solidFill>
+                  <a:srgbClr val="FFFFFF"/>
+                </a:solidFill>
+              </a14:hiddenFill>
+            </a:ext>
+          </a:extLst>
+        </p:spPr>
+      </p:pic>
+      <p:pic>
+        <p:nvPicPr>
+          <p:cNvPr id="1030" name="Picture 6">
+            <a:extLst>
+              <a:ext uri="{FF2B5EF4-FFF2-40B4-BE49-F238E27FC236}">
+                <a16:creationId xmlns:a16="http://schemas.microsoft.com/office/drawing/2014/main" id="{7814F237-241D-5C49-BF67-4C79C9E45A27}"/>
+              </a:ext>
+            </a:extLst>
+          </p:cNvPr>
+          <p:cNvPicPr>
+            <a:picLocks noChangeAspect="1" noChangeArrowheads="1"/>
+          </p:cNvPicPr>
+          <p:nvPr/>
+        </p:nvPicPr>
+        <p:blipFill rotWithShape="1">
+          <a:blip r:embed="rId7">
+            <a:extLst>
+              <a:ext uri="{28A0092B-C50C-407E-A947-70E740481C1C}">
+                <a14:useLocalDpi xmlns:a14="http://schemas.microsoft.com/office/drawing/2010/main" val="0"/>
+              </a:ext>
+            </a:extLst>
+          </a:blip>
+          <a:srcRect l="12630" t="3952" r="9817" b="8301"/>
+          <a:stretch/>
+        </p:blipFill>
+        <p:spPr bwMode="auto">
+          <a:xfrm>
+            <a:off x="6750844" y="3214688"/>
+            <a:ext cx="964406" cy="1057275"/>
+          </a:xfrm>
+          <a:prstGeom prst="rect">
+            <a:avLst/>
+          </a:prstGeom>
+          <a:noFill/>
+          <a:extLst>
+            <a:ext uri="{909E8E84-426E-40DD-AFC4-6F175D3DCCD1}">
+              <a14:hiddenFill xmlns:a14="http://schemas.microsoft.com/office/drawing/2010/main">
+                <a:solidFill>
+                  <a:srgbClr val="FFFFFF"/>
+                </a:solidFill>
+              </a14:hiddenFill>
+            </a:ext>
+          </a:extLst>
         </p:spPr>
       </p:pic>
     </p:spTree>

--- a/BAH CE Team Presentation Template.pptx
+++ b/BAH CE Team Presentation Template.pptx
@@ -12279,6 +12279,36 @@
           <a:effectLst/>
         </p:spPr>
       </p:pic>
+      <p:pic>
+        <p:nvPicPr>
+          <p:cNvPr id="12" name="Picture 11">
+            <a:extLst>
+              <a:ext uri="{FF2B5EF4-FFF2-40B4-BE49-F238E27FC236}">
+                <a16:creationId xmlns:a16="http://schemas.microsoft.com/office/drawing/2014/main" id="{736259F3-E430-4D07-A258-9575CB9B9241}"/>
+              </a:ext>
+            </a:extLst>
+          </p:cNvPr>
+          <p:cNvPicPr>
+            <a:picLocks noChangeAspect="1"/>
+          </p:cNvPicPr>
+          <p:nvPr/>
+        </p:nvPicPr>
+        <p:blipFill>
+          <a:blip r:embed="rId9"/>
+          <a:stretch>
+            <a:fillRect/>
+          </a:stretch>
+        </p:blipFill>
+        <p:spPr>
+          <a:xfrm>
+            <a:off x="4240056" y="1299029"/>
+            <a:ext cx="880237" cy="1124857"/>
+          </a:xfrm>
+          <a:prstGeom prst="rect">
+            <a:avLst/>
+          </a:prstGeom>
+        </p:spPr>
+      </p:pic>
     </p:spTree>
   </p:cSld>
   <p:clrMapOvr>

--- a/BAH CE Team Presentation Template.pptx
+++ b/BAH CE Team Presentation Template.pptx
@@ -12986,49 +12986,6 @@
           </a:p>
         </p:txBody>
       </p:sp>
-      <p:sp>
-        <p:nvSpPr>
-          <p:cNvPr id="151" name="Google Shape;151;p21"/>
-          <p:cNvSpPr txBox="1"/>
-          <p:nvPr/>
-        </p:nvSpPr>
-        <p:spPr>
-          <a:xfrm>
-            <a:off x="5461200" y="4955088"/>
-            <a:ext cx="3682800" cy="188400"/>
-          </a:xfrm>
-          <a:prstGeom prst="rect">
-            <a:avLst/>
-          </a:prstGeom>
-          <a:noFill/>
-          <a:ln>
-            <a:noFill/>
-          </a:ln>
-        </p:spPr>
-        <p:txBody>
-          <a:bodyPr spcFirstLastPara="1" wrap="square" lIns="91425" tIns="91425" rIns="91425" bIns="91425" anchor="ctr" anchorCtr="0">
-            <a:noAutofit/>
-          </a:bodyPr>
-          <a:lstStyle/>
-          <a:p>
-            <a:pPr marL="0" lvl="0" indent="0" algn="r" rtl="0">
-              <a:spcBef>
-                <a:spcPts val="0"/>
-              </a:spcBef>
-              <a:spcAft>
-                <a:spcPts val="0"/>
-              </a:spcAft>
-              <a:buNone/>
-            </a:pPr>
-            <a:endParaRPr sz="1000">
-              <a:latin typeface="Roboto"/>
-              <a:ea typeface="Roboto"/>
-              <a:cs typeface="Roboto"/>
-              <a:sym typeface="Roboto"/>
-            </a:endParaRPr>
-          </a:p>
-        </p:txBody>
-      </p:sp>
       <p:pic>
         <p:nvPicPr>
           <p:cNvPr id="152" name="Google Shape;152;p21"/>
@@ -13083,35 +13040,6 @@
           <a:ln>
             <a:noFill/>
           </a:ln>
-        </p:spPr>
-      </p:pic>
-      <p:pic>
-        <p:nvPicPr>
-          <p:cNvPr id="2" name="Picture 1">
-            <a:extLst>
-              <a:ext uri="{FF2B5EF4-FFF2-40B4-BE49-F238E27FC236}">
-                <a16:creationId xmlns:a16="http://schemas.microsoft.com/office/drawing/2014/main" id="{678B51DB-F813-4F06-B3A2-EA156F983F16}"/>
-              </a:ext>
-            </a:extLst>
-          </p:cNvPr>
-          <p:cNvPicPr>
-            <a:picLocks noChangeAspect="1"/>
-          </p:cNvPicPr>
-          <p:nvPr/>
-        </p:nvPicPr>
-        <p:blipFill rotWithShape="1">
-          <a:blip r:embed="rId5"/>
-          <a:srcRect l="2028" t="11771" r="8253" b="8334"/>
-          <a:stretch/>
-        </p:blipFill>
-        <p:spPr>
-          <a:xfrm>
-            <a:off x="5179220" y="520992"/>
-            <a:ext cx="3562338" cy="2451213"/>
-          </a:xfrm>
-          <a:prstGeom prst="rect">
-            <a:avLst/>
-          </a:prstGeom>
         </p:spPr>
       </p:pic>
       <p:graphicFrame>
@@ -13129,7 +13057,7 @@
           <p:nvPr>
             <p:extLst>
               <p:ext uri="{D42A27DB-BD31-4B8C-83A1-F6EECF244321}">
-                <p14:modId xmlns:p14="http://schemas.microsoft.com/office/powerpoint/2010/main" val="3385830101"/>
+                <p14:modId xmlns:p14="http://schemas.microsoft.com/office/powerpoint/2010/main" val="1133927402"/>
               </p:ext>
             </p:extLst>
           </p:nvPr>
@@ -13230,7 +13158,7 @@
                             <a:srgbClr val="002060"/>
                           </a:solidFill>
                         </a:rPr>
-                        <a:t>AWS management tool for users, groups, roles and access</a:t>
+                        <a:t>AWS identity and access management (IAM) tool for users, groups, roles and access</a:t>
                       </a:r>
                     </a:p>
                   </a:txBody>
@@ -13271,7 +13199,7 @@
                             <a:srgbClr val="002060"/>
                           </a:solidFill>
                         </a:rPr>
-                        <a:t>Hosted storage which is serverless, highly available and not tied to a specific computer </a:t>
+                        <a:t>AWS cloud storage feature, Serverless Storage Service (S3).  </a:t>
                       </a:r>
                     </a:p>
                   </a:txBody>
@@ -13366,7 +13294,7 @@
                             <a:srgbClr val="002060"/>
                           </a:solidFill>
                         </a:rPr>
-                        <a:t>Simple notification service for enabling event-driven alerts</a:t>
+                        <a:t>Simple Notification Service for enabling event-driven alerts</a:t>
                       </a:r>
                     </a:p>
                   </a:txBody>
@@ -13407,7 +13335,7 @@
                             <a:srgbClr val="002060"/>
                           </a:solidFill>
                         </a:rPr>
-                        <a:t>Serverless web service that enables execution of prebuilt or custom functions in python, </a:t>
+                        <a:t>Serverless web service that can execute  functions in python, </a:t>
                       </a:r>
                       <a:r>
                         <a:rPr lang="en-US" sz="1200" dirty="0" err="1">
@@ -13423,7 +13351,7 @@
                             <a:srgbClr val="002060"/>
                           </a:solidFill>
                         </a:rPr>
-                        <a:t>, etc.</a:t>
+                        <a:t>, etc. (prebuilt or custom)</a:t>
                       </a:r>
                     </a:p>
                   </a:txBody>
@@ -13464,7 +13392,7 @@
                             <a:srgbClr val="002060"/>
                           </a:solidFill>
                         </a:rPr>
-                        <a:t>Service used to monitor events related to infrastructure and account activity</a:t>
+                        <a:t>AWS event monitor used to view logs for infrastructure and account activity</a:t>
                       </a:r>
                     </a:p>
                   </a:txBody>
@@ -13488,21 +13416,8 @@
                             <a:srgbClr val="002060"/>
                           </a:solidFill>
                         </a:rPr>
-                        <a:t>Git with </a:t>
+                        <a:t>Git with GitHub</a:t>
                       </a:r>
-                      <a:r>
-                        <a:rPr lang="en-US" sz="1200" dirty="0" err="1">
-                          <a:solidFill>
-                            <a:srgbClr val="002060"/>
-                          </a:solidFill>
-                        </a:rPr>
-                        <a:t>Github</a:t>
-                      </a:r>
-                      <a:endParaRPr lang="en-US" sz="1200" dirty="0">
-                        <a:solidFill>
-                          <a:srgbClr val="002060"/>
-                        </a:solidFill>
-                      </a:endParaRPr>
                     </a:p>
                   </a:txBody>
                   <a:tcPr marL="131014" marR="131014" marT="65507" marB="65507"/>
@@ -13536,51 +13451,6 @@
       </p:graphicFrame>
       <p:pic>
         <p:nvPicPr>
-          <p:cNvPr id="1026" name="Picture 2">
-            <a:extLst>
-              <a:ext uri="{FF2B5EF4-FFF2-40B4-BE49-F238E27FC236}">
-                <a16:creationId xmlns:a16="http://schemas.microsoft.com/office/drawing/2014/main" id="{0DF7E430-668B-3741-8199-B3D31BC0DA68}"/>
-              </a:ext>
-            </a:extLst>
-          </p:cNvPr>
-          <p:cNvPicPr>
-            <a:picLocks noChangeAspect="1" noChangeArrowheads="1"/>
-          </p:cNvPicPr>
-          <p:nvPr/>
-        </p:nvPicPr>
-        <p:blipFill rotWithShape="1">
-          <a:blip r:embed="rId6">
-            <a:extLst>
-              <a:ext uri="{28A0092B-C50C-407E-A947-70E740481C1C}">
-                <a14:useLocalDpi xmlns:a14="http://schemas.microsoft.com/office/drawing/2010/main" val="0"/>
-              </a:ext>
-            </a:extLst>
-          </a:blip>
-          <a:srcRect l="15716" t="14286" r="15445" b="12127"/>
-          <a:stretch/>
-        </p:blipFill>
-        <p:spPr bwMode="auto">
-          <a:xfrm>
-            <a:off x="7893844" y="3321844"/>
-            <a:ext cx="764382" cy="950119"/>
-          </a:xfrm>
-          <a:prstGeom prst="rect">
-            <a:avLst/>
-          </a:prstGeom>
-          <a:noFill/>
-          <a:extLst>
-            <a:ext uri="{909E8E84-426E-40DD-AFC4-6F175D3DCCD1}">
-              <a14:hiddenFill xmlns:a14="http://schemas.microsoft.com/office/drawing/2010/main">
-                <a:solidFill>
-                  <a:srgbClr val="FFFFFF"/>
-                </a:solidFill>
-              </a14:hiddenFill>
-            </a:ext>
-          </a:extLst>
-        </p:spPr>
-      </p:pic>
-      <p:pic>
-        <p:nvPicPr>
           <p:cNvPr id="1030" name="Picture 6">
             <a:extLst>
               <a:ext uri="{FF2B5EF4-FFF2-40B4-BE49-F238E27FC236}">
@@ -13594,7 +13464,7 @@
           <p:nvPr/>
         </p:nvPicPr>
         <p:blipFill rotWithShape="1">
-          <a:blip r:embed="rId7">
+          <a:blip r:embed="rId5">
             <a:extLst>
               <a:ext uri="{28A0092B-C50C-407E-A947-70E740481C1C}">
                 <a14:useLocalDpi xmlns:a14="http://schemas.microsoft.com/office/drawing/2010/main" val="0"/>
@@ -13606,8 +13476,8 @@
         </p:blipFill>
         <p:spPr bwMode="auto">
           <a:xfrm>
-            <a:off x="6750844" y="3214688"/>
-            <a:ext cx="964406" cy="1057275"/>
+            <a:off x="6688929" y="3258855"/>
+            <a:ext cx="970922" cy="1064418"/>
           </a:xfrm>
           <a:prstGeom prst="rect">
             <a:avLst/>
@@ -13622,6 +13492,185 @@
               </a14:hiddenFill>
             </a:ext>
           </a:extLst>
+        </p:spPr>
+      </p:pic>
+      <p:pic>
+        <p:nvPicPr>
+          <p:cNvPr id="1032" name="Picture 8">
+            <a:extLst>
+              <a:ext uri="{FF2B5EF4-FFF2-40B4-BE49-F238E27FC236}">
+                <a16:creationId xmlns:a16="http://schemas.microsoft.com/office/drawing/2014/main" id="{3695E203-C7F2-624E-B22B-E25EDE4F6338}"/>
+              </a:ext>
+            </a:extLst>
+          </p:cNvPr>
+          <p:cNvPicPr>
+            <a:picLocks noChangeAspect="1" noChangeArrowheads="1"/>
+          </p:cNvPicPr>
+          <p:nvPr/>
+        </p:nvPicPr>
+        <p:blipFill>
+          <a:blip r:embed="rId6">
+            <a:extLst>
+              <a:ext uri="{28A0092B-C50C-407E-A947-70E740481C1C}">
+                <a14:useLocalDpi xmlns:a14="http://schemas.microsoft.com/office/drawing/2010/main" val="0"/>
+              </a:ext>
+            </a:extLst>
+          </a:blip>
+          <a:srcRect/>
+          <a:stretch>
+            <a:fillRect/>
+          </a:stretch>
+        </p:blipFill>
+        <p:spPr bwMode="auto">
+          <a:xfrm>
+            <a:off x="7710339" y="3193663"/>
+            <a:ext cx="1031219" cy="1195277"/>
+          </a:xfrm>
+          <a:prstGeom prst="rect">
+            <a:avLst/>
+          </a:prstGeom>
+          <a:noFill/>
+          <a:extLst>
+            <a:ext uri="{909E8E84-426E-40DD-AFC4-6F175D3DCCD1}">
+              <a14:hiddenFill xmlns:a14="http://schemas.microsoft.com/office/drawing/2010/main">
+                <a:solidFill>
+                  <a:srgbClr val="FFFFFF"/>
+                </a:solidFill>
+              </a14:hiddenFill>
+            </a:ext>
+          </a:extLst>
+        </p:spPr>
+      </p:pic>
+      <p:grpSp>
+        <p:nvGrpSpPr>
+          <p:cNvPr id="7" name="Group 6">
+            <a:extLst>
+              <a:ext uri="{FF2B5EF4-FFF2-40B4-BE49-F238E27FC236}">
+                <a16:creationId xmlns:a16="http://schemas.microsoft.com/office/drawing/2014/main" id="{BA2F2F14-557C-8E42-B2A1-741CDD0A5BEF}"/>
+              </a:ext>
+            </a:extLst>
+          </p:cNvPr>
+          <p:cNvGrpSpPr/>
+          <p:nvPr/>
+        </p:nvGrpSpPr>
+        <p:grpSpPr>
+          <a:xfrm>
+            <a:off x="5546925" y="3186520"/>
+            <a:ext cx="1091516" cy="1103010"/>
+            <a:chOff x="5546925" y="2972205"/>
+            <a:chExt cx="1091516" cy="1103010"/>
+          </a:xfrm>
+        </p:grpSpPr>
+        <p:pic>
+          <p:nvPicPr>
+            <p:cNvPr id="1034" name="Picture 10">
+              <a:extLst>
+                <a:ext uri="{FF2B5EF4-FFF2-40B4-BE49-F238E27FC236}">
+                  <a16:creationId xmlns:a16="http://schemas.microsoft.com/office/drawing/2014/main" id="{A422E78A-4B3A-174B-A47D-CC2FD209CE10}"/>
+                </a:ext>
+              </a:extLst>
+            </p:cNvPr>
+            <p:cNvPicPr>
+              <a:picLocks noChangeAspect="1" noChangeArrowheads="1"/>
+            </p:cNvPicPr>
+            <p:nvPr/>
+          </p:nvPicPr>
+          <p:blipFill>
+            <a:blip r:embed="rId7">
+              <a:extLst>
+                <a:ext uri="{28A0092B-C50C-407E-A947-70E740481C1C}">
+                  <a14:useLocalDpi xmlns:a14="http://schemas.microsoft.com/office/drawing/2010/main" val="0"/>
+                </a:ext>
+              </a:extLst>
+            </a:blip>
+            <a:srcRect/>
+            <a:stretch>
+              <a:fillRect/>
+            </a:stretch>
+          </p:blipFill>
+          <p:spPr bwMode="auto">
+            <a:xfrm>
+              <a:off x="5546925" y="2972205"/>
+              <a:ext cx="1031219" cy="1031219"/>
+            </a:xfrm>
+            <a:prstGeom prst="rect">
+              <a:avLst/>
+            </a:prstGeom>
+            <a:noFill/>
+            <a:extLst>
+              <a:ext uri="{909E8E84-426E-40DD-AFC4-6F175D3DCCD1}">
+                <a14:hiddenFill xmlns:a14="http://schemas.microsoft.com/office/drawing/2010/main">
+                  <a:solidFill>
+                    <a:srgbClr val="FFFFFF"/>
+                  </a:solidFill>
+                </a14:hiddenFill>
+              </a:ext>
+            </a:extLst>
+          </p:spPr>
+        </p:pic>
+        <p:sp>
+          <p:nvSpPr>
+            <p:cNvPr id="5" name="TextBox 4">
+              <a:extLst>
+                <a:ext uri="{FF2B5EF4-FFF2-40B4-BE49-F238E27FC236}">
+                  <a16:creationId xmlns:a16="http://schemas.microsoft.com/office/drawing/2014/main" id="{820D9399-7304-1C49-9CC0-4F925B3901F1}"/>
+                </a:ext>
+              </a:extLst>
+            </p:cNvPr>
+            <p:cNvSpPr txBox="1"/>
+            <p:nvPr/>
+          </p:nvSpPr>
+          <p:spPr>
+            <a:xfrm>
+              <a:off x="5802622" y="3852077"/>
+              <a:ext cx="835819" cy="223138"/>
+            </a:xfrm>
+            <a:prstGeom prst="rect">
+              <a:avLst/>
+            </a:prstGeom>
+            <a:noFill/>
+          </p:spPr>
+          <p:txBody>
+            <a:bodyPr wrap="square" rtlCol="0">
+              <a:spAutoFit/>
+            </a:bodyPr>
+            <a:lstStyle/>
+            <a:p>
+              <a:r>
+                <a:rPr lang="en-US" sz="850" dirty="0"/>
+                <a:t>GitHub</a:t>
+              </a:r>
+            </a:p>
+          </p:txBody>
+        </p:sp>
+      </p:grpSp>
+      <p:pic>
+        <p:nvPicPr>
+          <p:cNvPr id="10" name="Picture 9" descr="Diagram&#10;&#10;Description automatically generated">
+            <a:extLst>
+              <a:ext uri="{FF2B5EF4-FFF2-40B4-BE49-F238E27FC236}">
+                <a16:creationId xmlns:a16="http://schemas.microsoft.com/office/drawing/2014/main" id="{48EFF46F-ADF5-1645-8604-99B373B31B1E}"/>
+              </a:ext>
+            </a:extLst>
+          </p:cNvPr>
+          <p:cNvPicPr>
+            <a:picLocks noChangeAspect="1"/>
+          </p:cNvPicPr>
+          <p:nvPr/>
+        </p:nvPicPr>
+        <p:blipFill rotWithShape="1">
+          <a:blip r:embed="rId8"/>
+          <a:srcRect l="3611" t="11770" r="5353" b="5937"/>
+          <a:stretch/>
+        </p:blipFill>
+        <p:spPr>
+          <a:xfrm>
+            <a:off x="5426867" y="523607"/>
+            <a:ext cx="3495045" cy="2441314"/>
+          </a:xfrm>
+          <a:prstGeom prst="rect">
+            <a:avLst/>
+          </a:prstGeom>
         </p:spPr>
       </p:pic>
     </p:spTree>

--- a/BAH CE Team Presentation Template.pptx
+++ b/BAH CE Team Presentation Template.pptx
@@ -8275,7 +8275,7 @@
             </a:pPr>
             <a:r>
               <a:rPr lang="en-US" dirty="0"/>
-              <a:t>S3 –Serverless storage service used to host our static webpage </a:t>
+              <a:t>S3 –Serverless storage that we used to host our static webpage based on reasons Anjelique mentioned</a:t>
             </a:r>
           </a:p>
           <a:p>
@@ -8294,7 +8294,7 @@
             </a:r>
             <a:r>
               <a:rPr lang="en-US" dirty="0"/>
-              <a:t> – Used this feature instead of Jenkins to simplify our process as it is already within AWS and we did not have a complicated build sequence.</a:t>
+              <a:t> – Used to automate code deployments and we chose to use this opposed to Jenkins, to simplify our process as it is already within AWS, and we did not have a complicated build sequence.</a:t>
             </a:r>
           </a:p>
           <a:p>
@@ -8309,7 +8309,7 @@
             </a:pPr>
             <a:r>
               <a:rPr lang="en-US" dirty="0"/>
-              <a:t>SNS – This notification is based on an S3 event and sends an email to those subscribed, to inform anytime there is an update to the bucket</a:t>
+              <a:t>SNS – Our notification is based on an S3 event and sends an email to those subscribed, to inform anytime there is an update to the bucket</a:t>
             </a:r>
           </a:p>
           <a:p>
@@ -8324,7 +8324,7 @@
             </a:pPr>
             <a:r>
               <a:rPr lang="en-US" dirty="0"/>
-              <a:t>Lambda – Included this feature for future state so that automated management of infrastructure resources can be added</a:t>
+              <a:t>Lambda – We included this feature for future state so that automated management of infrastructure resources can be added when ready</a:t>
             </a:r>
           </a:p>
           <a:p>
@@ -8339,7 +8339,7 @@
             </a:pPr>
             <a:r>
               <a:rPr lang="en-US" dirty="0"/>
-              <a:t>CloudWatch – Used to view logfiles and account activity </a:t>
+              <a:t>CloudWatch – used to view logfiles and account activity </a:t>
             </a:r>
           </a:p>
           <a:p>
@@ -8354,7 +8354,7 @@
             </a:pPr>
             <a:r>
               <a:rPr lang="en-US" dirty="0"/>
-              <a:t>GitHub – Version control tool where our project artifacts are stored</a:t>
+              <a:t>GitHub – Repository/Version control tool of choice where our project artifacts are stored</a:t>
             </a:r>
             <a:endParaRPr dirty="0"/>
           </a:p>
@@ -18822,10 +18822,10 @@
               <a:buNone/>
             </a:pPr>
             <a:r>
-              <a:rPr lang="en" sz="3600"/>
+              <a:rPr lang="en" sz="3600" dirty="0"/>
               <a:t>Thank you!!!</a:t>
             </a:r>
-            <a:endParaRPr sz="3600"/>
+            <a:endParaRPr sz="3600" dirty="0"/>
           </a:p>
         </p:txBody>
       </p:sp>
@@ -19435,750 +19435,729 @@
           </a:ln>
         </p:spPr>
       </p:pic>
-      <p:grpSp>
-        <p:nvGrpSpPr>
-          <p:cNvPr id="2" name="Group 1">
-            <a:extLst>
-              <a:ext uri="{FF2B5EF4-FFF2-40B4-BE49-F238E27FC236}">
-                <a16:creationId xmlns:a16="http://schemas.microsoft.com/office/drawing/2014/main" id="{3DE4C425-4876-495D-A028-E5EF72768C8E}"/>
-              </a:ext>
-            </a:extLst>
-          </p:cNvPr>
-          <p:cNvGrpSpPr/>
+      <p:cxnSp>
+        <p:nvCxnSpPr>
+          <p:cNvPr id="111" name="Google Shape;111;p18"/>
+          <p:cNvCxnSpPr/>
           <p:nvPr/>
-        </p:nvGrpSpPr>
-        <p:grpSpPr>
+        </p:nvCxnSpPr>
+        <p:spPr>
           <a:xfrm>
-            <a:off x="463268" y="1590864"/>
-            <a:ext cx="8436347" cy="2138633"/>
-            <a:chOff x="551757" y="1118917"/>
-            <a:chExt cx="8436347" cy="2138633"/>
+            <a:off x="3713834" y="1590864"/>
+            <a:ext cx="0" cy="2131489"/>
           </a:xfrm>
-        </p:grpSpPr>
-        <p:cxnSp>
-          <p:nvCxnSpPr>
-            <p:cNvPr id="111" name="Google Shape;111;p18"/>
-            <p:cNvCxnSpPr/>
-            <p:nvPr/>
-          </p:nvCxnSpPr>
-          <p:spPr>
-            <a:xfrm>
-              <a:off x="3802323" y="1118917"/>
-              <a:ext cx="0" cy="2131489"/>
-            </a:xfrm>
-            <a:prstGeom prst="straightConnector1">
-              <a:avLst/>
-            </a:prstGeom>
+          <a:prstGeom prst="straightConnector1">
+            <a:avLst/>
+          </a:prstGeom>
+          <a:noFill/>
+          <a:ln w="9525" cap="flat" cmpd="sng">
+            <a:solidFill>
+              <a:schemeClr val="accent2"/>
+            </a:solidFill>
+            <a:prstDash val="solid"/>
+            <a:miter lim="800000"/>
+            <a:headEnd type="none" w="sm" len="sm"/>
+            <a:tailEnd type="none" w="sm" len="sm"/>
+          </a:ln>
+        </p:spPr>
+      </p:cxnSp>
+      <p:cxnSp>
+        <p:nvCxnSpPr>
+          <p:cNvPr id="116" name="Google Shape;116;p18"/>
+          <p:cNvCxnSpPr/>
+          <p:nvPr/>
+        </p:nvCxnSpPr>
+        <p:spPr>
+          <a:xfrm>
+            <a:off x="5430167" y="1590864"/>
+            <a:ext cx="0" cy="2131489"/>
+          </a:xfrm>
+          <a:prstGeom prst="straightConnector1">
+            <a:avLst/>
+          </a:prstGeom>
+          <a:noFill/>
+          <a:ln w="9525" cap="flat" cmpd="sng">
+            <a:solidFill>
+              <a:schemeClr val="accent2"/>
+            </a:solidFill>
+            <a:prstDash val="solid"/>
+            <a:miter lim="800000"/>
+            <a:headEnd type="none" w="sm" len="sm"/>
+            <a:tailEnd type="none" w="sm" len="sm"/>
+          </a:ln>
+        </p:spPr>
+      </p:cxnSp>
+      <p:cxnSp>
+        <p:nvCxnSpPr>
+          <p:cNvPr id="119" name="Google Shape;119;p18"/>
+          <p:cNvCxnSpPr/>
+          <p:nvPr/>
+        </p:nvCxnSpPr>
+        <p:spPr>
+          <a:xfrm>
+            <a:off x="1996281" y="1590864"/>
+            <a:ext cx="0" cy="2131489"/>
+          </a:xfrm>
+          <a:prstGeom prst="straightConnector1">
+            <a:avLst/>
+          </a:prstGeom>
+          <a:noFill/>
+          <a:ln w="9525" cap="flat" cmpd="sng">
+            <a:solidFill>
+              <a:schemeClr val="accent2"/>
+            </a:solidFill>
+            <a:prstDash val="solid"/>
+            <a:miter lim="800000"/>
+            <a:headEnd type="none" w="sm" len="sm"/>
+            <a:tailEnd type="none" w="sm" len="sm"/>
+          </a:ln>
+        </p:spPr>
+      </p:cxnSp>
+      <p:sp>
+        <p:nvSpPr>
+          <p:cNvPr id="113" name="Google Shape;113;p18"/>
+          <p:cNvSpPr/>
+          <p:nvPr/>
+        </p:nvSpPr>
+        <p:spPr>
+          <a:xfrm>
+            <a:off x="5636477" y="3142577"/>
+            <a:ext cx="1256442" cy="401763"/>
+          </a:xfrm>
+          <a:prstGeom prst="rect">
+            <a:avLst/>
+          </a:prstGeom>
+          <a:noFill/>
+          <a:ln>
             <a:noFill/>
-            <a:ln w="9525" cap="flat" cmpd="sng">
-              <a:solidFill>
-                <a:schemeClr val="accent2"/>
-              </a:solidFill>
-              <a:prstDash val="solid"/>
-              <a:miter lim="800000"/>
-              <a:headEnd type="none" w="sm" len="sm"/>
-              <a:tailEnd type="none" w="sm" len="sm"/>
-            </a:ln>
-          </p:spPr>
-        </p:cxnSp>
-        <p:cxnSp>
-          <p:nvCxnSpPr>
-            <p:cNvPr id="116" name="Google Shape;116;p18"/>
-            <p:cNvCxnSpPr/>
-            <p:nvPr/>
-          </p:nvCxnSpPr>
-          <p:spPr>
-            <a:xfrm>
-              <a:off x="5609870" y="1118917"/>
-              <a:ext cx="0" cy="2131489"/>
-            </a:xfrm>
-            <a:prstGeom prst="straightConnector1">
-              <a:avLst/>
-            </a:prstGeom>
-            <a:noFill/>
-            <a:ln w="9525" cap="flat" cmpd="sng">
-              <a:solidFill>
-                <a:schemeClr val="accent2"/>
-              </a:solidFill>
-              <a:prstDash val="solid"/>
-              <a:miter lim="800000"/>
-              <a:headEnd type="none" w="sm" len="sm"/>
-              <a:tailEnd type="none" w="sm" len="sm"/>
-            </a:ln>
-          </p:spPr>
-        </p:cxnSp>
-        <p:cxnSp>
-          <p:nvCxnSpPr>
-            <p:cNvPr id="119" name="Google Shape;119;p18"/>
-            <p:cNvCxnSpPr/>
-            <p:nvPr/>
-          </p:nvCxnSpPr>
-          <p:spPr>
-            <a:xfrm>
-              <a:off x="2084770" y="1118917"/>
-              <a:ext cx="0" cy="2131489"/>
-            </a:xfrm>
-            <a:prstGeom prst="straightConnector1">
-              <a:avLst/>
-            </a:prstGeom>
-            <a:noFill/>
-            <a:ln w="9525" cap="flat" cmpd="sng">
-              <a:solidFill>
-                <a:schemeClr val="accent2"/>
-              </a:solidFill>
-              <a:prstDash val="solid"/>
-              <a:miter lim="800000"/>
-              <a:headEnd type="none" w="sm" len="sm"/>
-              <a:tailEnd type="none" w="sm" len="sm"/>
-            </a:ln>
-          </p:spPr>
-        </p:cxnSp>
-        <p:sp>
-          <p:nvSpPr>
-            <p:cNvPr id="113" name="Google Shape;113;p18"/>
-            <p:cNvSpPr/>
-            <p:nvPr/>
-          </p:nvSpPr>
-          <p:spPr>
-            <a:xfrm>
-              <a:off x="4021931" y="2682335"/>
-              <a:ext cx="1256442" cy="401763"/>
-            </a:xfrm>
-            <a:prstGeom prst="rect">
-              <a:avLst/>
-            </a:prstGeom>
-            <a:noFill/>
-            <a:ln>
-              <a:noFill/>
-            </a:ln>
-          </p:spPr>
-          <p:txBody>
-            <a:bodyPr spcFirstLastPara="1" wrap="square" lIns="68575" tIns="34275" rIns="68575" bIns="34275" anchor="t" anchorCtr="0">
-              <a:noAutofit/>
-            </a:bodyPr>
-            <a:lstStyle/>
-            <a:p>
-              <a:pPr marL="0" marR="0" lvl="0" indent="0" algn="ctr" rtl="0">
-                <a:spcBef>
-                  <a:spcPts val="0"/>
-                </a:spcBef>
-                <a:spcAft>
-                  <a:spcPts val="0"/>
-                </a:spcAft>
-                <a:buNone/>
-              </a:pPr>
-              <a:r>
-                <a:rPr lang="en" sz="1200" b="0" i="0" u="none" strike="noStrike" cap="none" dirty="0">
-                  <a:solidFill>
-                    <a:schemeClr val="accent2"/>
-                  </a:solidFill>
-                  <a:latin typeface="Oswald"/>
-                  <a:ea typeface="Oswald"/>
-                  <a:cs typeface="Oswald"/>
-                  <a:sym typeface="Oswald"/>
-                </a:rPr>
-                <a:t> HARWINDER SINGH </a:t>
-              </a:r>
-            </a:p>
-            <a:p>
-              <a:pPr marL="0" marR="0" lvl="0" indent="0" algn="ctr" rtl="0">
-                <a:spcBef>
-                  <a:spcPts val="0"/>
-                </a:spcBef>
-                <a:spcAft>
-                  <a:spcPts val="0"/>
-                </a:spcAft>
-                <a:buNone/>
-              </a:pPr>
-              <a:r>
-                <a:rPr lang="en" sz="1200" dirty="0">
-                  <a:solidFill>
-                    <a:schemeClr val="accent2"/>
-                  </a:solidFill>
-                  <a:latin typeface="Oswald"/>
-                  <a:ea typeface="Calibri"/>
-                  <a:cs typeface="Calibri"/>
-                  <a:sym typeface="Oswald"/>
-                </a:rPr>
-                <a:t>Lead Technologist</a:t>
-              </a:r>
-              <a:br>
-                <a:rPr lang="en" sz="1200" b="1" i="0" u="none" strike="noStrike" cap="none" dirty="0">
-                  <a:solidFill>
-                    <a:srgbClr val="00A6B7"/>
-                  </a:solidFill>
-                  <a:latin typeface="Calibri"/>
-                  <a:ea typeface="Calibri"/>
-                  <a:cs typeface="Calibri"/>
-                  <a:sym typeface="Calibri"/>
-                </a:rPr>
-              </a:br>
-              <a:endParaRPr sz="1200" b="0" i="0" u="none" strike="noStrike" cap="none" dirty="0">
+          </a:ln>
+        </p:spPr>
+        <p:txBody>
+          <a:bodyPr spcFirstLastPara="1" wrap="square" lIns="68575" tIns="34275" rIns="68575" bIns="34275" anchor="t" anchorCtr="0">
+            <a:noAutofit/>
+          </a:bodyPr>
+          <a:lstStyle/>
+          <a:p>
+            <a:pPr marL="0" marR="0" lvl="0" indent="0" algn="ctr" rtl="0">
+              <a:spcBef>
+                <a:spcPts val="0"/>
+              </a:spcBef>
+              <a:spcAft>
+                <a:spcPts val="0"/>
+              </a:spcAft>
+              <a:buNone/>
+            </a:pPr>
+            <a:r>
+              <a:rPr lang="en" sz="1200" b="0" i="0" u="none" strike="noStrike" cap="none" dirty="0">
                 <a:solidFill>
-                  <a:schemeClr val="dk1"/>
+                  <a:schemeClr val="accent2"/>
+                </a:solidFill>
+                <a:latin typeface="Oswald"/>
+                <a:ea typeface="Oswald"/>
+                <a:cs typeface="Oswald"/>
+                <a:sym typeface="Oswald"/>
+              </a:rPr>
+              <a:t> HARWINDER SINGH </a:t>
+            </a:r>
+          </a:p>
+          <a:p>
+            <a:pPr marL="0" marR="0" lvl="0" indent="0" algn="ctr" rtl="0">
+              <a:spcBef>
+                <a:spcPts val="0"/>
+              </a:spcBef>
+              <a:spcAft>
+                <a:spcPts val="0"/>
+              </a:spcAft>
+              <a:buNone/>
+            </a:pPr>
+            <a:r>
+              <a:rPr lang="en" sz="1200" dirty="0">
+                <a:solidFill>
+                  <a:schemeClr val="accent2"/>
+                </a:solidFill>
+                <a:latin typeface="Oswald"/>
+                <a:ea typeface="Calibri"/>
+                <a:cs typeface="Calibri"/>
+                <a:sym typeface="Oswald"/>
+              </a:rPr>
+              <a:t>Lead Technologist</a:t>
+            </a:r>
+            <a:br>
+              <a:rPr lang="en" sz="1200" b="1" i="0" u="none" strike="noStrike" cap="none" dirty="0">
+                <a:solidFill>
+                  <a:srgbClr val="00A6B7"/>
                 </a:solidFill>
                 <a:latin typeface="Calibri"/>
                 <a:ea typeface="Calibri"/>
                 <a:cs typeface="Calibri"/>
                 <a:sym typeface="Calibri"/>
-              </a:endParaRPr>
-            </a:p>
-          </p:txBody>
-        </p:sp>
-        <p:sp>
-          <p:nvSpPr>
-            <p:cNvPr id="115" name="Google Shape;115;p18"/>
-            <p:cNvSpPr/>
-            <p:nvPr/>
-          </p:nvSpPr>
-          <p:spPr>
-            <a:xfrm>
-              <a:off x="5527996" y="2682335"/>
-              <a:ext cx="1730054" cy="401763"/>
-            </a:xfrm>
-            <a:prstGeom prst="rect">
-              <a:avLst/>
-            </a:prstGeom>
+              </a:rPr>
+            </a:br>
+            <a:endParaRPr sz="1200" b="0" i="0" u="none" strike="noStrike" cap="none" dirty="0">
+              <a:solidFill>
+                <a:schemeClr val="dk1"/>
+              </a:solidFill>
+              <a:latin typeface="Calibri"/>
+              <a:ea typeface="Calibri"/>
+              <a:cs typeface="Calibri"/>
+              <a:sym typeface="Calibri"/>
+            </a:endParaRPr>
+          </a:p>
+        </p:txBody>
+      </p:sp>
+      <p:sp>
+        <p:nvSpPr>
+          <p:cNvPr id="115" name="Google Shape;115;p18"/>
+          <p:cNvSpPr/>
+          <p:nvPr/>
+        </p:nvSpPr>
+        <p:spPr>
+          <a:xfrm>
+            <a:off x="7119511" y="3154282"/>
+            <a:ext cx="1730054" cy="401763"/>
+          </a:xfrm>
+          <a:prstGeom prst="rect">
+            <a:avLst/>
+          </a:prstGeom>
+          <a:noFill/>
+          <a:ln>
             <a:noFill/>
-            <a:ln>
-              <a:noFill/>
-            </a:ln>
-          </p:spPr>
-          <p:txBody>
-            <a:bodyPr spcFirstLastPara="1" wrap="square" lIns="68575" tIns="34275" rIns="68575" bIns="34275" anchor="t" anchorCtr="0">
-              <a:noAutofit/>
-            </a:bodyPr>
-            <a:lstStyle/>
-            <a:p>
-              <a:pPr marL="0" marR="0" lvl="0" indent="0" algn="ctr" rtl="0">
-                <a:spcBef>
-                  <a:spcPts val="0"/>
-                </a:spcBef>
-                <a:spcAft>
-                  <a:spcPts val="0"/>
-                </a:spcAft>
-                <a:buNone/>
-              </a:pPr>
-              <a:r>
-                <a:rPr lang="en" sz="1200" b="0" i="0" u="none" strike="noStrike" cap="none" dirty="0">
-                  <a:solidFill>
-                    <a:schemeClr val="accent2"/>
-                  </a:solidFill>
-                  <a:latin typeface="Oswald"/>
-                  <a:ea typeface="Oswald"/>
-                  <a:cs typeface="Oswald"/>
-                  <a:sym typeface="Oswald"/>
-                </a:rPr>
-                <a:t>KATE BRIGGS</a:t>
-              </a:r>
-            </a:p>
-            <a:p>
-              <a:pPr marL="0" marR="0" lvl="0" indent="0" algn="ctr" rtl="0">
-                <a:spcBef>
-                  <a:spcPts val="0"/>
-                </a:spcBef>
-                <a:spcAft>
-                  <a:spcPts val="0"/>
-                </a:spcAft>
-                <a:buNone/>
-              </a:pPr>
-              <a:r>
-                <a:rPr lang="en" sz="1200" dirty="0">
-                  <a:solidFill>
-                    <a:schemeClr val="accent2"/>
-                  </a:solidFill>
-                  <a:latin typeface="Oswald"/>
-                  <a:ea typeface="Calibri"/>
-                  <a:cs typeface="Calibri"/>
-                  <a:sym typeface="Oswald"/>
-                </a:rPr>
-                <a:t>Technologist</a:t>
-              </a:r>
-              <a:br>
-                <a:rPr lang="en" sz="1200" b="1" i="0" u="none" strike="noStrike" cap="none" dirty="0">
-                  <a:solidFill>
-                    <a:srgbClr val="00A6B7"/>
-                  </a:solidFill>
-                  <a:latin typeface="Calibri"/>
-                  <a:ea typeface="Calibri"/>
-                  <a:cs typeface="Calibri"/>
-                  <a:sym typeface="Calibri"/>
-                </a:rPr>
-              </a:br>
-              <a:endParaRPr sz="1200" b="0" i="0" u="none" strike="noStrike" cap="none" dirty="0">
+          </a:ln>
+        </p:spPr>
+        <p:txBody>
+          <a:bodyPr spcFirstLastPara="1" wrap="square" lIns="68575" tIns="34275" rIns="68575" bIns="34275" anchor="t" anchorCtr="0">
+            <a:noAutofit/>
+          </a:bodyPr>
+          <a:lstStyle/>
+          <a:p>
+            <a:pPr marL="0" marR="0" lvl="0" indent="0" algn="ctr" rtl="0">
+              <a:spcBef>
+                <a:spcPts val="0"/>
+              </a:spcBef>
+              <a:spcAft>
+                <a:spcPts val="0"/>
+              </a:spcAft>
+              <a:buNone/>
+            </a:pPr>
+            <a:r>
+              <a:rPr lang="en" sz="1200" b="0" i="0" u="none" strike="noStrike" cap="none" dirty="0">
                 <a:solidFill>
-                  <a:schemeClr val="dk1"/>
+                  <a:schemeClr val="accent2"/>
+                </a:solidFill>
+                <a:latin typeface="Oswald"/>
+                <a:ea typeface="Oswald"/>
+                <a:cs typeface="Oswald"/>
+                <a:sym typeface="Oswald"/>
+              </a:rPr>
+              <a:t>KATE BRIGGS</a:t>
+            </a:r>
+          </a:p>
+          <a:p>
+            <a:pPr marL="0" marR="0" lvl="0" indent="0" algn="ctr" rtl="0">
+              <a:spcBef>
+                <a:spcPts val="0"/>
+              </a:spcBef>
+              <a:spcAft>
+                <a:spcPts val="0"/>
+              </a:spcAft>
+              <a:buNone/>
+            </a:pPr>
+            <a:r>
+              <a:rPr lang="en" sz="1200" dirty="0">
+                <a:solidFill>
+                  <a:schemeClr val="accent2"/>
+                </a:solidFill>
+                <a:latin typeface="Oswald"/>
+                <a:ea typeface="Calibri"/>
+                <a:cs typeface="Calibri"/>
+                <a:sym typeface="Oswald"/>
+              </a:rPr>
+              <a:t>Technologist</a:t>
+            </a:r>
+            <a:br>
+              <a:rPr lang="en" sz="1200" b="1" i="0" u="none" strike="noStrike" cap="none" dirty="0">
+                <a:solidFill>
+                  <a:srgbClr val="00A6B7"/>
                 </a:solidFill>
                 <a:latin typeface="Calibri"/>
                 <a:ea typeface="Calibri"/>
                 <a:cs typeface="Calibri"/>
                 <a:sym typeface="Calibri"/>
-              </a:endParaRPr>
-            </a:p>
-          </p:txBody>
-        </p:sp>
-        <p:sp>
-          <p:nvSpPr>
-            <p:cNvPr id="117" name="Google Shape;117;p18"/>
-            <p:cNvSpPr/>
-            <p:nvPr/>
-          </p:nvSpPr>
-          <p:spPr>
-            <a:xfrm>
-              <a:off x="2357962" y="2682335"/>
-              <a:ext cx="1171169" cy="401763"/>
-            </a:xfrm>
-            <a:prstGeom prst="rect">
-              <a:avLst/>
-            </a:prstGeom>
+              </a:rPr>
+            </a:br>
+            <a:endParaRPr sz="1200" b="0" i="0" u="none" strike="noStrike" cap="none" dirty="0">
+              <a:solidFill>
+                <a:schemeClr val="dk1"/>
+              </a:solidFill>
+              <a:latin typeface="Calibri"/>
+              <a:ea typeface="Calibri"/>
+              <a:cs typeface="Calibri"/>
+              <a:sym typeface="Calibri"/>
+            </a:endParaRPr>
+          </a:p>
+        </p:txBody>
+      </p:sp>
+      <p:sp>
+        <p:nvSpPr>
+          <p:cNvPr id="117" name="Google Shape;117;p18"/>
+          <p:cNvSpPr/>
+          <p:nvPr/>
+        </p:nvSpPr>
+        <p:spPr>
+          <a:xfrm>
+            <a:off x="598650" y="3139934"/>
+            <a:ext cx="1171169" cy="401763"/>
+          </a:xfrm>
+          <a:prstGeom prst="rect">
+            <a:avLst/>
+          </a:prstGeom>
+          <a:noFill/>
+          <a:ln>
             <a:noFill/>
-            <a:ln>
-              <a:noFill/>
-            </a:ln>
-          </p:spPr>
-          <p:txBody>
-            <a:bodyPr spcFirstLastPara="1" wrap="square" lIns="68575" tIns="34275" rIns="68575" bIns="34275" anchor="t" anchorCtr="0">
-              <a:noAutofit/>
-            </a:bodyPr>
-            <a:lstStyle/>
-            <a:p>
-              <a:pPr marL="0" marR="0" lvl="0" indent="0" algn="ctr" rtl="0">
-                <a:spcBef>
-                  <a:spcPts val="0"/>
-                </a:spcBef>
-                <a:spcAft>
-                  <a:spcPts val="0"/>
-                </a:spcAft>
-                <a:buNone/>
-              </a:pPr>
-              <a:r>
-                <a:rPr lang="en" sz="1200" b="0" i="0" u="none" strike="noStrike" cap="none" dirty="0">
-                  <a:solidFill>
-                    <a:schemeClr val="accent2"/>
-                  </a:solidFill>
-                  <a:latin typeface="Oswald"/>
-                  <a:ea typeface="Oswald"/>
-                  <a:cs typeface="Oswald"/>
-                  <a:sym typeface="Oswald"/>
-                </a:rPr>
-                <a:t>CHRIS MICKEY</a:t>
-              </a:r>
-            </a:p>
-            <a:p>
-              <a:pPr marL="0" marR="0" lvl="0" indent="0" algn="ctr" rtl="0">
-                <a:spcBef>
-                  <a:spcPts val="0"/>
-                </a:spcBef>
-                <a:spcAft>
-                  <a:spcPts val="0"/>
-                </a:spcAft>
-                <a:buNone/>
-              </a:pPr>
-              <a:r>
-                <a:rPr lang="en" sz="1200" dirty="0">
-                  <a:solidFill>
-                    <a:schemeClr val="accent2"/>
-                  </a:solidFill>
-                  <a:latin typeface="Oswald"/>
-                  <a:ea typeface="Calibri"/>
-                  <a:cs typeface="Calibri"/>
-                  <a:sym typeface="Oswald"/>
-                </a:rPr>
-                <a:t>Staff Technologist</a:t>
-              </a:r>
-              <a:br>
-                <a:rPr lang="en" sz="1200" b="1" i="0" u="none" strike="noStrike" cap="none" dirty="0">
-                  <a:solidFill>
-                    <a:srgbClr val="00A6B7"/>
-                  </a:solidFill>
-                  <a:latin typeface="Calibri"/>
-                  <a:ea typeface="Calibri"/>
-                  <a:cs typeface="Calibri"/>
-                  <a:sym typeface="Calibri"/>
-                </a:rPr>
-              </a:br>
-              <a:endParaRPr sz="1200" b="0" i="0" u="none" strike="noStrike" cap="none" dirty="0">
+          </a:ln>
+        </p:spPr>
+        <p:txBody>
+          <a:bodyPr spcFirstLastPara="1" wrap="square" lIns="68575" tIns="34275" rIns="68575" bIns="34275" anchor="t" anchorCtr="0">
+            <a:noAutofit/>
+          </a:bodyPr>
+          <a:lstStyle/>
+          <a:p>
+            <a:pPr marL="0" marR="0" lvl="0" indent="0" algn="ctr" rtl="0">
+              <a:spcBef>
+                <a:spcPts val="0"/>
+              </a:spcBef>
+              <a:spcAft>
+                <a:spcPts val="0"/>
+              </a:spcAft>
+              <a:buNone/>
+            </a:pPr>
+            <a:r>
+              <a:rPr lang="en" sz="1200" b="0" i="0" u="none" strike="noStrike" cap="none" dirty="0">
                 <a:solidFill>
-                  <a:schemeClr val="dk1"/>
+                  <a:schemeClr val="accent2"/>
+                </a:solidFill>
+                <a:latin typeface="Oswald"/>
+                <a:ea typeface="Oswald"/>
+                <a:cs typeface="Oswald"/>
+                <a:sym typeface="Oswald"/>
+              </a:rPr>
+              <a:t>CHRIS MICKEY</a:t>
+            </a:r>
+          </a:p>
+          <a:p>
+            <a:pPr marL="0" marR="0" lvl="0" indent="0" algn="ctr" rtl="0">
+              <a:spcBef>
+                <a:spcPts val="0"/>
+              </a:spcBef>
+              <a:spcAft>
+                <a:spcPts val="0"/>
+              </a:spcAft>
+              <a:buNone/>
+            </a:pPr>
+            <a:r>
+              <a:rPr lang="en" sz="1200" dirty="0">
+                <a:solidFill>
+                  <a:schemeClr val="accent2"/>
+                </a:solidFill>
+                <a:latin typeface="Oswald"/>
+                <a:ea typeface="Calibri"/>
+                <a:cs typeface="Calibri"/>
+                <a:sym typeface="Oswald"/>
+              </a:rPr>
+              <a:t>Staff Technologist</a:t>
+            </a:r>
+            <a:br>
+              <a:rPr lang="en" sz="1200" b="1" i="0" u="none" strike="noStrike" cap="none" dirty="0">
+                <a:solidFill>
+                  <a:srgbClr val="00A6B7"/>
                 </a:solidFill>
                 <a:latin typeface="Calibri"/>
                 <a:ea typeface="Calibri"/>
                 <a:cs typeface="Calibri"/>
                 <a:sym typeface="Calibri"/>
-              </a:endParaRPr>
-            </a:p>
-          </p:txBody>
-        </p:sp>
-        <p:sp>
-          <p:nvSpPr>
-            <p:cNvPr id="120" name="Google Shape;120;p18"/>
-            <p:cNvSpPr/>
-            <p:nvPr/>
-          </p:nvSpPr>
-          <p:spPr>
-            <a:xfrm>
-              <a:off x="551757" y="2682335"/>
-              <a:ext cx="1367264" cy="387415"/>
-            </a:xfrm>
-            <a:prstGeom prst="rect">
-              <a:avLst/>
-            </a:prstGeom>
+              </a:rPr>
+            </a:br>
+            <a:endParaRPr sz="1200" b="0" i="0" u="none" strike="noStrike" cap="none" dirty="0">
+              <a:solidFill>
+                <a:schemeClr val="dk1"/>
+              </a:solidFill>
+              <a:latin typeface="Calibri"/>
+              <a:ea typeface="Calibri"/>
+              <a:cs typeface="Calibri"/>
+              <a:sym typeface="Calibri"/>
+            </a:endParaRPr>
+          </a:p>
+        </p:txBody>
+      </p:sp>
+      <p:sp>
+        <p:nvSpPr>
+          <p:cNvPr id="120" name="Google Shape;120;p18"/>
+          <p:cNvSpPr/>
+          <p:nvPr/>
+        </p:nvSpPr>
+        <p:spPr>
+          <a:xfrm>
+            <a:off x="2175486" y="3154282"/>
+            <a:ext cx="1367264" cy="387415"/>
+          </a:xfrm>
+          <a:prstGeom prst="rect">
+            <a:avLst/>
+          </a:prstGeom>
+          <a:noFill/>
+          <a:ln>
             <a:noFill/>
-            <a:ln>
-              <a:noFill/>
-            </a:ln>
-          </p:spPr>
-          <p:txBody>
-            <a:bodyPr spcFirstLastPara="1" wrap="square" lIns="68575" tIns="34275" rIns="68575" bIns="34275" anchor="t" anchorCtr="0">
-              <a:noAutofit/>
-            </a:bodyPr>
-            <a:lstStyle/>
-            <a:p>
-              <a:pPr marL="0" marR="0" lvl="0" indent="0" algn="ctr" rtl="0">
-                <a:spcBef>
-                  <a:spcPts val="0"/>
-                </a:spcBef>
-                <a:spcAft>
-                  <a:spcPts val="0"/>
-                </a:spcAft>
-                <a:buNone/>
-              </a:pPr>
-              <a:r>
-                <a:rPr lang="en" sz="1200" b="0" i="0" u="none" strike="noStrike" cap="none" dirty="0">
-                  <a:solidFill>
-                    <a:schemeClr val="accent2"/>
-                  </a:solidFill>
-                  <a:latin typeface="Oswald"/>
-                  <a:ea typeface="Oswald"/>
-                  <a:cs typeface="Oswald"/>
-                  <a:sym typeface="Oswald"/>
-                </a:rPr>
-                <a:t>ANJELIQUE BUTLER</a:t>
-              </a:r>
-            </a:p>
-            <a:p>
-              <a:pPr marL="0" marR="0" lvl="0" indent="0" algn="ctr" rtl="0">
-                <a:spcBef>
-                  <a:spcPts val="0"/>
-                </a:spcBef>
-                <a:spcAft>
-                  <a:spcPts val="0"/>
-                </a:spcAft>
-                <a:buNone/>
-              </a:pPr>
-              <a:r>
-                <a:rPr lang="en" sz="1200" dirty="0">
-                  <a:solidFill>
-                    <a:schemeClr val="accent2"/>
-                  </a:solidFill>
-                  <a:latin typeface="Oswald"/>
-                  <a:ea typeface="Calibri"/>
-                  <a:cs typeface="Calibri"/>
-                  <a:sym typeface="Oswald"/>
-                </a:rPr>
-                <a:t>Staff Technologist</a:t>
-              </a:r>
-              <a:br>
-                <a:rPr lang="en" sz="1200" b="1" i="0" u="none" strike="noStrike" cap="none" dirty="0">
-                  <a:solidFill>
-                    <a:srgbClr val="00A6B7"/>
-                  </a:solidFill>
-                  <a:latin typeface="Calibri"/>
-                  <a:ea typeface="Calibri"/>
-                  <a:cs typeface="Calibri"/>
-                  <a:sym typeface="Calibri"/>
-                </a:rPr>
-              </a:br>
-              <a:endParaRPr sz="1200" b="0" i="0" u="none" strike="noStrike" cap="none" dirty="0">
+          </a:ln>
+        </p:spPr>
+        <p:txBody>
+          <a:bodyPr spcFirstLastPara="1" wrap="square" lIns="68575" tIns="34275" rIns="68575" bIns="34275" anchor="t" anchorCtr="0">
+            <a:noAutofit/>
+          </a:bodyPr>
+          <a:lstStyle/>
+          <a:p>
+            <a:pPr marL="0" marR="0" lvl="0" indent="0" algn="ctr" rtl="0">
+              <a:spcBef>
+                <a:spcPts val="0"/>
+              </a:spcBef>
+              <a:spcAft>
+                <a:spcPts val="0"/>
+              </a:spcAft>
+              <a:buNone/>
+            </a:pPr>
+            <a:r>
+              <a:rPr lang="en" sz="1200" b="0" i="0" u="none" strike="noStrike" cap="none" dirty="0">
                 <a:solidFill>
-                  <a:schemeClr val="dk1"/>
+                  <a:schemeClr val="accent2"/>
+                </a:solidFill>
+                <a:latin typeface="Oswald"/>
+                <a:ea typeface="Oswald"/>
+                <a:cs typeface="Oswald"/>
+                <a:sym typeface="Oswald"/>
+              </a:rPr>
+              <a:t>ANJELIQUE BUTLER</a:t>
+            </a:r>
+          </a:p>
+          <a:p>
+            <a:pPr marL="0" marR="0" lvl="0" indent="0" algn="ctr" rtl="0">
+              <a:spcBef>
+                <a:spcPts val="0"/>
+              </a:spcBef>
+              <a:spcAft>
+                <a:spcPts val="0"/>
+              </a:spcAft>
+              <a:buNone/>
+            </a:pPr>
+            <a:r>
+              <a:rPr lang="en" sz="1200" dirty="0">
+                <a:solidFill>
+                  <a:schemeClr val="accent2"/>
+                </a:solidFill>
+                <a:latin typeface="Oswald"/>
+                <a:ea typeface="Calibri"/>
+                <a:cs typeface="Calibri"/>
+                <a:sym typeface="Oswald"/>
+              </a:rPr>
+              <a:t>Staff Technologist</a:t>
+            </a:r>
+            <a:br>
+              <a:rPr lang="en" sz="1200" b="1" i="0" u="none" strike="noStrike" cap="none" dirty="0">
+                <a:solidFill>
+                  <a:srgbClr val="00A6B7"/>
                 </a:solidFill>
                 <a:latin typeface="Calibri"/>
                 <a:ea typeface="Calibri"/>
                 <a:cs typeface="Calibri"/>
                 <a:sym typeface="Calibri"/>
-              </a:endParaRPr>
-            </a:p>
-          </p:txBody>
-        </p:sp>
-        <p:cxnSp>
-          <p:nvCxnSpPr>
-            <p:cNvPr id="19" name="Google Shape;116;p18">
-              <a:extLst>
-                <a:ext uri="{FF2B5EF4-FFF2-40B4-BE49-F238E27FC236}">
-                  <a16:creationId xmlns:a16="http://schemas.microsoft.com/office/drawing/2014/main" id="{35FD230D-FC64-4500-BA80-673EC9347123}"/>
-                </a:ext>
-              </a:extLst>
-            </p:cNvPr>
-            <p:cNvCxnSpPr/>
-            <p:nvPr/>
-          </p:nvCxnSpPr>
-          <p:spPr>
-            <a:xfrm>
-              <a:off x="7318499" y="1126061"/>
-              <a:ext cx="0" cy="2131489"/>
-            </a:xfrm>
-            <a:prstGeom prst="straightConnector1">
-              <a:avLst/>
-            </a:prstGeom>
+              </a:rPr>
+            </a:br>
+            <a:endParaRPr sz="1200" b="0" i="0" u="none" strike="noStrike" cap="none" dirty="0">
+              <a:solidFill>
+                <a:schemeClr val="dk1"/>
+              </a:solidFill>
+              <a:latin typeface="Calibri"/>
+              <a:ea typeface="Calibri"/>
+              <a:cs typeface="Calibri"/>
+              <a:sym typeface="Calibri"/>
+            </a:endParaRPr>
+          </a:p>
+        </p:txBody>
+      </p:sp>
+      <p:cxnSp>
+        <p:nvCxnSpPr>
+          <p:cNvPr id="19" name="Google Shape;116;p18">
+            <a:extLst>
+              <a:ext uri="{FF2B5EF4-FFF2-40B4-BE49-F238E27FC236}">
+                <a16:creationId xmlns:a16="http://schemas.microsoft.com/office/drawing/2014/main" id="{35FD230D-FC64-4500-BA80-673EC9347123}"/>
+              </a:ext>
+            </a:extLst>
+          </p:cNvPr>
+          <p:cNvCxnSpPr/>
+          <p:nvPr/>
+        </p:nvCxnSpPr>
+        <p:spPr>
+          <a:xfrm>
+            <a:off x="7147719" y="1590864"/>
+            <a:ext cx="0" cy="2131489"/>
+          </a:xfrm>
+          <a:prstGeom prst="straightConnector1">
+            <a:avLst/>
+          </a:prstGeom>
+          <a:noFill/>
+          <a:ln w="9525" cap="flat" cmpd="sng">
+            <a:solidFill>
+              <a:schemeClr val="accent2"/>
+            </a:solidFill>
+            <a:prstDash val="solid"/>
+            <a:miter lim="800000"/>
+            <a:headEnd type="none" w="sm" len="sm"/>
+            <a:tailEnd type="none" w="sm" len="sm"/>
+          </a:ln>
+        </p:spPr>
+      </p:cxnSp>
+      <p:sp>
+        <p:nvSpPr>
+          <p:cNvPr id="21" name="Google Shape;115;p18">
+            <a:extLst>
+              <a:ext uri="{FF2B5EF4-FFF2-40B4-BE49-F238E27FC236}">
+                <a16:creationId xmlns:a16="http://schemas.microsoft.com/office/drawing/2014/main" id="{9AA96D84-2BD6-4B72-AAE2-7AC3F9B20C78}"/>
+              </a:ext>
+            </a:extLst>
+          </p:cNvPr>
+          <p:cNvSpPr/>
+          <p:nvPr/>
+        </p:nvSpPr>
+        <p:spPr>
+          <a:xfrm>
+            <a:off x="3700113" y="3154282"/>
+            <a:ext cx="1730054" cy="401763"/>
+          </a:xfrm>
+          <a:prstGeom prst="rect">
+            <a:avLst/>
+          </a:prstGeom>
+          <a:noFill/>
+          <a:ln>
             <a:noFill/>
-            <a:ln w="9525" cap="flat" cmpd="sng">
-              <a:solidFill>
-                <a:schemeClr val="accent2"/>
-              </a:solidFill>
-              <a:prstDash val="solid"/>
-              <a:miter lim="800000"/>
-              <a:headEnd type="none" w="sm" len="sm"/>
-              <a:tailEnd type="none" w="sm" len="sm"/>
-            </a:ln>
-          </p:spPr>
-        </p:cxnSp>
-        <p:sp>
-          <p:nvSpPr>
-            <p:cNvPr id="21" name="Google Shape;115;p18">
-              <a:extLst>
-                <a:ext uri="{FF2B5EF4-FFF2-40B4-BE49-F238E27FC236}">
-                  <a16:creationId xmlns:a16="http://schemas.microsoft.com/office/drawing/2014/main" id="{9AA96D84-2BD6-4B72-AAE2-7AC3F9B20C78}"/>
-                </a:ext>
-              </a:extLst>
-            </p:cNvPr>
-            <p:cNvSpPr/>
-            <p:nvPr/>
-          </p:nvSpPr>
-          <p:spPr>
-            <a:xfrm>
-              <a:off x="7258050" y="2672603"/>
-              <a:ext cx="1730054" cy="401763"/>
-            </a:xfrm>
-            <a:prstGeom prst="rect">
-              <a:avLst/>
-            </a:prstGeom>
-            <a:noFill/>
-            <a:ln>
-              <a:noFill/>
-            </a:ln>
-          </p:spPr>
-          <p:txBody>
-            <a:bodyPr spcFirstLastPara="1" wrap="square" lIns="68575" tIns="34275" rIns="68575" bIns="34275" anchor="t" anchorCtr="0">
-              <a:noAutofit/>
-            </a:bodyPr>
-            <a:lstStyle/>
-            <a:p>
-              <a:pPr marL="0" marR="0" lvl="0" indent="0" algn="ctr" rtl="0">
-                <a:spcBef>
-                  <a:spcPts val="0"/>
-                </a:spcBef>
-                <a:spcAft>
-                  <a:spcPts val="0"/>
-                </a:spcAft>
-                <a:buNone/>
-              </a:pPr>
-              <a:r>
-                <a:rPr lang="en" sz="1200" b="0" i="0" u="none" strike="noStrike" cap="none" dirty="0">
-                  <a:solidFill>
-                    <a:schemeClr val="accent2"/>
-                  </a:solidFill>
-                  <a:latin typeface="Oswald"/>
-                  <a:ea typeface="Oswald"/>
-                  <a:cs typeface="Oswald"/>
-                  <a:sym typeface="Oswald"/>
-                </a:rPr>
-                <a:t>SARAH GRIMM</a:t>
-              </a:r>
-            </a:p>
-            <a:p>
-              <a:pPr marL="0" marR="0" lvl="0" indent="0" algn="ctr" rtl="0">
-                <a:spcBef>
-                  <a:spcPts val="0"/>
-                </a:spcBef>
-                <a:spcAft>
-                  <a:spcPts val="0"/>
-                </a:spcAft>
-                <a:buNone/>
-              </a:pPr>
-              <a:r>
-                <a:rPr lang="en" sz="1200" dirty="0">
-                  <a:solidFill>
-                    <a:schemeClr val="accent2"/>
-                  </a:solidFill>
-                  <a:latin typeface="Oswald"/>
-                  <a:ea typeface="Calibri"/>
-                  <a:cs typeface="Calibri"/>
-                  <a:sym typeface="Oswald"/>
-                </a:rPr>
-                <a:t>Technologist</a:t>
-              </a:r>
-              <a:br>
-                <a:rPr lang="en" sz="1200" b="1" i="0" u="none" strike="noStrike" cap="none" dirty="0">
-                  <a:solidFill>
-                    <a:srgbClr val="00A6B7"/>
-                  </a:solidFill>
-                  <a:latin typeface="Calibri"/>
-                  <a:ea typeface="Calibri"/>
-                  <a:cs typeface="Calibri"/>
-                  <a:sym typeface="Calibri"/>
-                </a:rPr>
-              </a:br>
-              <a:endParaRPr sz="1200" b="0" i="0" u="none" strike="noStrike" cap="none" dirty="0">
+          </a:ln>
+        </p:spPr>
+        <p:txBody>
+          <a:bodyPr spcFirstLastPara="1" wrap="square" lIns="68575" tIns="34275" rIns="68575" bIns="34275" anchor="t" anchorCtr="0">
+            <a:noAutofit/>
+          </a:bodyPr>
+          <a:lstStyle/>
+          <a:p>
+            <a:pPr marL="0" marR="0" lvl="0" indent="0" algn="ctr" rtl="0">
+              <a:spcBef>
+                <a:spcPts val="0"/>
+              </a:spcBef>
+              <a:spcAft>
+                <a:spcPts val="0"/>
+              </a:spcAft>
+              <a:buNone/>
+            </a:pPr>
+            <a:r>
+              <a:rPr lang="en" sz="1200" b="0" i="0" u="none" strike="noStrike" cap="none" dirty="0">
                 <a:solidFill>
-                  <a:schemeClr val="dk1"/>
+                  <a:schemeClr val="accent2"/>
+                </a:solidFill>
+                <a:latin typeface="Oswald"/>
+                <a:ea typeface="Oswald"/>
+                <a:cs typeface="Oswald"/>
+                <a:sym typeface="Oswald"/>
+              </a:rPr>
+              <a:t>SARAH GRIMM</a:t>
+            </a:r>
+          </a:p>
+          <a:p>
+            <a:pPr marL="0" marR="0" lvl="0" indent="0" algn="ctr" rtl="0">
+              <a:spcBef>
+                <a:spcPts val="0"/>
+              </a:spcBef>
+              <a:spcAft>
+                <a:spcPts val="0"/>
+              </a:spcAft>
+              <a:buNone/>
+            </a:pPr>
+            <a:r>
+              <a:rPr lang="en" sz="1200" dirty="0">
+                <a:solidFill>
+                  <a:schemeClr val="accent2"/>
+                </a:solidFill>
+                <a:latin typeface="Oswald"/>
+                <a:ea typeface="Calibri"/>
+                <a:cs typeface="Calibri"/>
+                <a:sym typeface="Oswald"/>
+              </a:rPr>
+              <a:t>Technologist</a:t>
+            </a:r>
+            <a:br>
+              <a:rPr lang="en" sz="1200" b="1" i="0" u="none" strike="noStrike" cap="none" dirty="0">
+                <a:solidFill>
+                  <a:srgbClr val="00A6B7"/>
                 </a:solidFill>
                 <a:latin typeface="Calibri"/>
                 <a:ea typeface="Calibri"/>
                 <a:cs typeface="Calibri"/>
                 <a:sym typeface="Calibri"/>
-              </a:endParaRPr>
-            </a:p>
-          </p:txBody>
-        </p:sp>
-        <p:pic>
-          <p:nvPicPr>
-            <p:cNvPr id="5" name="Picture 4" descr="A person with a mustache&#10;&#10;Description automatically generated with medium confidence">
-              <a:extLst>
-                <a:ext uri="{FF2B5EF4-FFF2-40B4-BE49-F238E27FC236}">
-                  <a16:creationId xmlns:a16="http://schemas.microsoft.com/office/drawing/2014/main" id="{580B79AC-F4E8-493C-8A61-D6E2F42414F8}"/>
-                </a:ext>
-              </a:extLst>
-            </p:cNvPr>
-            <p:cNvPicPr>
-              <a:picLocks noChangeAspect="1"/>
-            </p:cNvPicPr>
-            <p:nvPr/>
-          </p:nvPicPr>
-          <p:blipFill rotWithShape="1">
-            <a:blip r:embed="rId5"/>
-            <a:srcRect t="15562"/>
-            <a:stretch/>
-          </p:blipFill>
-          <p:spPr>
-            <a:xfrm>
-              <a:off x="2492126" y="1314449"/>
-              <a:ext cx="868704" cy="1113781"/>
-            </a:xfrm>
-            <a:prstGeom prst="rect">
-              <a:avLst/>
-            </a:prstGeom>
-          </p:spPr>
-        </p:pic>
-        <p:pic>
-          <p:nvPicPr>
-            <p:cNvPr id="6" name="Picture 5">
-              <a:extLst>
-                <a:ext uri="{FF2B5EF4-FFF2-40B4-BE49-F238E27FC236}">
-                  <a16:creationId xmlns:a16="http://schemas.microsoft.com/office/drawing/2014/main" id="{D583EF4E-314E-487F-BA9E-97A29043D389}"/>
-                </a:ext>
-              </a:extLst>
-            </p:cNvPr>
-            <p:cNvPicPr>
-              <a:picLocks noChangeAspect="1"/>
-            </p:cNvPicPr>
-            <p:nvPr/>
-          </p:nvPicPr>
-          <p:blipFill rotWithShape="1">
-            <a:blip r:embed="rId6"/>
-            <a:srcRect l="18237" r="19318"/>
-            <a:stretch/>
-          </p:blipFill>
-          <p:spPr>
-            <a:xfrm>
-              <a:off x="6010321" y="1307197"/>
-              <a:ext cx="868704" cy="1114215"/>
-            </a:xfrm>
-            <a:prstGeom prst="rect">
-              <a:avLst/>
-            </a:prstGeom>
-          </p:spPr>
-        </p:pic>
-        <p:pic>
-          <p:nvPicPr>
-            <p:cNvPr id="10" name="Picture 9" descr="A person smiling for the camera&#10;&#10;Description automatically generated with low confidence">
-              <a:extLst>
-                <a:ext uri="{FF2B5EF4-FFF2-40B4-BE49-F238E27FC236}">
-                  <a16:creationId xmlns:a16="http://schemas.microsoft.com/office/drawing/2014/main" id="{87C3A243-15E7-4658-9278-A33296FBCF7F}"/>
-                </a:ext>
-              </a:extLst>
-            </p:cNvPr>
-            <p:cNvPicPr>
-              <a:picLocks noChangeAspect="1"/>
-            </p:cNvPicPr>
-            <p:nvPr/>
-          </p:nvPicPr>
-          <p:blipFill rotWithShape="1">
-            <a:blip r:embed="rId7"/>
-            <a:srcRect t="14524"/>
-            <a:stretch/>
-          </p:blipFill>
-          <p:spPr>
-            <a:xfrm>
-              <a:off x="7691543" y="1314449"/>
-              <a:ext cx="863067" cy="1114215"/>
-            </a:xfrm>
-            <a:prstGeom prst="rect">
-              <a:avLst/>
-            </a:prstGeom>
-          </p:spPr>
-        </p:pic>
-        <p:pic>
-          <p:nvPicPr>
-            <p:cNvPr id="11" name="Picture 10">
-              <a:extLst>
-                <a:ext uri="{FF2B5EF4-FFF2-40B4-BE49-F238E27FC236}">
-                  <a16:creationId xmlns:a16="http://schemas.microsoft.com/office/drawing/2014/main" id="{B8CE24F4-E9C3-448A-BF8E-57722F05B2C0}"/>
-                </a:ext>
-              </a:extLst>
-            </p:cNvPr>
-            <p:cNvPicPr>
-              <a:picLocks noChangeAspect="1"/>
-            </p:cNvPicPr>
-            <p:nvPr/>
-          </p:nvPicPr>
-          <p:blipFill rotWithShape="1">
-            <a:blip r:embed="rId8"/>
-            <a:srcRect l="9877" t="12507" r="33655" b="36806"/>
-            <a:stretch/>
-          </p:blipFill>
-          <p:spPr>
-            <a:xfrm>
-              <a:off x="785793" y="1300379"/>
-              <a:ext cx="899191" cy="1121033"/>
-            </a:xfrm>
-            <a:prstGeom prst="rect">
-              <a:avLst/>
-            </a:prstGeom>
-            <a:effectLst/>
-          </p:spPr>
-        </p:pic>
-        <p:pic>
-          <p:nvPicPr>
-            <p:cNvPr id="12" name="Picture 11">
-              <a:extLst>
-                <a:ext uri="{FF2B5EF4-FFF2-40B4-BE49-F238E27FC236}">
-                  <a16:creationId xmlns:a16="http://schemas.microsoft.com/office/drawing/2014/main" id="{736259F3-E430-4D07-A258-9575CB9B9241}"/>
-                </a:ext>
-              </a:extLst>
-            </p:cNvPr>
-            <p:cNvPicPr>
-              <a:picLocks noChangeAspect="1"/>
-            </p:cNvPicPr>
-            <p:nvPr/>
-          </p:nvPicPr>
-          <p:blipFill>
-            <a:blip r:embed="rId9"/>
-            <a:stretch>
-              <a:fillRect/>
-            </a:stretch>
-          </p:blipFill>
-          <p:spPr>
-            <a:xfrm>
-              <a:off x="4240056" y="1299029"/>
-              <a:ext cx="880237" cy="1124857"/>
-            </a:xfrm>
-            <a:prstGeom prst="rect">
-              <a:avLst/>
-            </a:prstGeom>
-          </p:spPr>
-        </p:pic>
-      </p:grpSp>
+              </a:rPr>
+            </a:br>
+            <a:endParaRPr sz="1200" b="0" i="0" u="none" strike="noStrike" cap="none" dirty="0">
+              <a:solidFill>
+                <a:schemeClr val="dk1"/>
+              </a:solidFill>
+              <a:latin typeface="Calibri"/>
+              <a:ea typeface="Calibri"/>
+              <a:cs typeface="Calibri"/>
+              <a:sym typeface="Calibri"/>
+            </a:endParaRPr>
+          </a:p>
+        </p:txBody>
+      </p:sp>
+      <p:pic>
+        <p:nvPicPr>
+          <p:cNvPr id="5" name="Picture 4" descr="A person with a mustache&#10;&#10;Description automatically generated with medium confidence">
+            <a:extLst>
+              <a:ext uri="{FF2B5EF4-FFF2-40B4-BE49-F238E27FC236}">
+                <a16:creationId xmlns:a16="http://schemas.microsoft.com/office/drawing/2014/main" id="{580B79AC-F4E8-493C-8A61-D6E2F42414F8}"/>
+              </a:ext>
+            </a:extLst>
+          </p:cNvPr>
+          <p:cNvPicPr>
+            <a:picLocks noChangeAspect="1"/>
+          </p:cNvPicPr>
+          <p:nvPr/>
+        </p:nvPicPr>
+        <p:blipFill rotWithShape="1">
+          <a:blip r:embed="rId5"/>
+          <a:srcRect t="15562"/>
+          <a:stretch/>
+        </p:blipFill>
+        <p:spPr>
+          <a:xfrm>
+            <a:off x="749883" y="1770976"/>
+            <a:ext cx="868704" cy="1113781"/>
+          </a:xfrm>
+          <a:prstGeom prst="rect">
+            <a:avLst/>
+          </a:prstGeom>
+        </p:spPr>
+      </p:pic>
+      <p:pic>
+        <p:nvPicPr>
+          <p:cNvPr id="6" name="Picture 5">
+            <a:extLst>
+              <a:ext uri="{FF2B5EF4-FFF2-40B4-BE49-F238E27FC236}">
+                <a16:creationId xmlns:a16="http://schemas.microsoft.com/office/drawing/2014/main" id="{D583EF4E-314E-487F-BA9E-97A29043D389}"/>
+              </a:ext>
+            </a:extLst>
+          </p:cNvPr>
+          <p:cNvPicPr>
+            <a:picLocks noChangeAspect="1"/>
+          </p:cNvPicPr>
+          <p:nvPr/>
+        </p:nvPicPr>
+        <p:blipFill rotWithShape="1">
+          <a:blip r:embed="rId6"/>
+          <a:srcRect l="18237" r="19318"/>
+          <a:stretch/>
+        </p:blipFill>
+        <p:spPr>
+          <a:xfrm>
+            <a:off x="7550186" y="1770542"/>
+            <a:ext cx="868704" cy="1114215"/>
+          </a:xfrm>
+          <a:prstGeom prst="rect">
+            <a:avLst/>
+          </a:prstGeom>
+        </p:spPr>
+      </p:pic>
+      <p:pic>
+        <p:nvPicPr>
+          <p:cNvPr id="10" name="Picture 9" descr="A person smiling for the camera&#10;&#10;Description automatically generated with low confidence">
+            <a:extLst>
+              <a:ext uri="{FF2B5EF4-FFF2-40B4-BE49-F238E27FC236}">
+                <a16:creationId xmlns:a16="http://schemas.microsoft.com/office/drawing/2014/main" id="{87C3A243-15E7-4658-9278-A33296FBCF7F}"/>
+              </a:ext>
+            </a:extLst>
+          </p:cNvPr>
+          <p:cNvPicPr>
+            <a:picLocks noChangeAspect="1"/>
+          </p:cNvPicPr>
+          <p:nvPr/>
+        </p:nvPicPr>
+        <p:blipFill rotWithShape="1">
+          <a:blip r:embed="rId7"/>
+          <a:srcRect t="14524"/>
+          <a:stretch/>
+        </p:blipFill>
+        <p:spPr>
+          <a:xfrm>
+            <a:off x="4150518" y="1770542"/>
+            <a:ext cx="863067" cy="1114215"/>
+          </a:xfrm>
+          <a:prstGeom prst="rect">
+            <a:avLst/>
+          </a:prstGeom>
+        </p:spPr>
+      </p:pic>
+      <p:pic>
+        <p:nvPicPr>
+          <p:cNvPr id="11" name="Picture 10">
+            <a:extLst>
+              <a:ext uri="{FF2B5EF4-FFF2-40B4-BE49-F238E27FC236}">
+                <a16:creationId xmlns:a16="http://schemas.microsoft.com/office/drawing/2014/main" id="{B8CE24F4-E9C3-448A-BF8E-57722F05B2C0}"/>
+              </a:ext>
+            </a:extLst>
+          </p:cNvPr>
+          <p:cNvPicPr>
+            <a:picLocks noChangeAspect="1"/>
+          </p:cNvPicPr>
+          <p:nvPr/>
+        </p:nvPicPr>
+        <p:blipFill rotWithShape="1">
+          <a:blip r:embed="rId8"/>
+          <a:srcRect l="9877" t="12507" r="33655" b="36806"/>
+          <a:stretch/>
+        </p:blipFill>
+        <p:spPr>
+          <a:xfrm>
+            <a:off x="2398062" y="1763724"/>
+            <a:ext cx="899191" cy="1121033"/>
+          </a:xfrm>
+          <a:prstGeom prst="rect">
+            <a:avLst/>
+          </a:prstGeom>
+          <a:effectLst/>
+        </p:spPr>
+      </p:pic>
+      <p:pic>
+        <p:nvPicPr>
+          <p:cNvPr id="12" name="Picture 11">
+            <a:extLst>
+              <a:ext uri="{FF2B5EF4-FFF2-40B4-BE49-F238E27FC236}">
+                <a16:creationId xmlns:a16="http://schemas.microsoft.com/office/drawing/2014/main" id="{736259F3-E430-4D07-A258-9575CB9B9241}"/>
+              </a:ext>
+            </a:extLst>
+          </p:cNvPr>
+          <p:cNvPicPr>
+            <a:picLocks noChangeAspect="1"/>
+          </p:cNvPicPr>
+          <p:nvPr/>
+        </p:nvPicPr>
+        <p:blipFill>
+          <a:blip r:embed="rId9"/>
+          <a:stretch>
+            <a:fillRect/>
+          </a:stretch>
+        </p:blipFill>
+        <p:spPr>
+          <a:xfrm>
+            <a:off x="5832634" y="1759900"/>
+            <a:ext cx="880237" cy="1124857"/>
+          </a:xfrm>
+          <a:prstGeom prst="rect">
+            <a:avLst/>
+          </a:prstGeom>
+        </p:spPr>
+      </p:pic>
     </p:spTree>
   </p:cSld>
   <p:clrMapOvr>
